--- a/CustomerUIDemo/GCM instruction.pptx
+++ b/CustomerUIDemo/GCM instruction.pptx
@@ -5,7 +5,7 @@
     <p:sldMasterId id="2147483648" r:id="rId1"/>
   </p:sldMasterIdLst>
   <p:notesMasterIdLst>
-    <p:notesMasterId r:id="rId14"/>
+    <p:notesMasterId r:id="rId21"/>
   </p:notesMasterIdLst>
   <p:sldIdLst>
     <p:sldId id="256" r:id="rId2"/>
@@ -20,6 +20,13 @@
     <p:sldId id="265" r:id="rId11"/>
     <p:sldId id="266" r:id="rId12"/>
     <p:sldId id="267" r:id="rId13"/>
+    <p:sldId id="270" r:id="rId14"/>
+    <p:sldId id="273" r:id="rId15"/>
+    <p:sldId id="272" r:id="rId16"/>
+    <p:sldId id="274" r:id="rId17"/>
+    <p:sldId id="271" r:id="rId18"/>
+    <p:sldId id="268" r:id="rId19"/>
+    <p:sldId id="269" r:id="rId20"/>
   </p:sldIdLst>
   <p:sldSz cx="9144000" cy="6858000" type="screen4x3"/>
   <p:notesSz cx="6858000" cy="9144000"/>
@@ -203,7 +210,7 @@
           <a:p>
             <a:fld id="{E999E3F6-2B46-4632-8D41-3674A0205DB8}" type="datetimeFigureOut">
               <a:rPr lang="zh-TW" altLang="en-US" smtClean="0"/>
-              <a:t>2015/11/9</a:t>
+              <a:t>2015/11/20</a:t>
             </a:fld>
             <a:endParaRPr lang="zh-TW" altLang="en-US"/>
           </a:p>
@@ -555,6 +562,90 @@
 </p:notes>
 </file>
 
+<file path=ppt/notesSlides/notesSlide2.xml><?xml version="1.0" encoding="utf-8"?>
+<p:notes xmlns:a="http://schemas.openxmlformats.org/drawingml/2006/main" xmlns:r="http://schemas.openxmlformats.org/officeDocument/2006/relationships" xmlns:p="http://schemas.openxmlformats.org/presentationml/2006/main">
+  <p:cSld>
+    <p:spTree>
+      <p:nvGrpSpPr>
+        <p:cNvPr id="1" name=""/>
+        <p:cNvGrpSpPr/>
+        <p:nvPr/>
+      </p:nvGrpSpPr>
+      <p:grpSpPr>
+        <a:xfrm>
+          <a:off x="0" y="0"/>
+          <a:ext cx="0" cy="0"/>
+          <a:chOff x="0" y="0"/>
+          <a:chExt cx="0" cy="0"/>
+        </a:xfrm>
+      </p:grpSpPr>
+      <p:sp>
+        <p:nvSpPr>
+          <p:cNvPr id="2" name="投影片圖像版面配置區 1"/>
+          <p:cNvSpPr>
+            <a:spLocks noGrp="1" noRot="1" noChangeAspect="1"/>
+          </p:cNvSpPr>
+          <p:nvPr>
+            <p:ph type="sldImg"/>
+          </p:nvPr>
+        </p:nvSpPr>
+        <p:spPr/>
+      </p:sp>
+      <p:sp>
+        <p:nvSpPr>
+          <p:cNvPr id="3" name="備忘稿版面配置區 2"/>
+          <p:cNvSpPr>
+            <a:spLocks noGrp="1"/>
+          </p:cNvSpPr>
+          <p:nvPr>
+            <p:ph type="body" idx="1"/>
+          </p:nvPr>
+        </p:nvSpPr>
+        <p:spPr/>
+        <p:txBody>
+          <a:bodyPr/>
+          <a:lstStyle/>
+          <a:p>
+            <a:endParaRPr lang="zh-TW" altLang="en-US" dirty="0"/>
+          </a:p>
+        </p:txBody>
+      </p:sp>
+      <p:sp>
+        <p:nvSpPr>
+          <p:cNvPr id="4" name="投影片編號版面配置區 3"/>
+          <p:cNvSpPr>
+            <a:spLocks noGrp="1"/>
+          </p:cNvSpPr>
+          <p:nvPr>
+            <p:ph type="sldNum" sz="quarter" idx="10"/>
+          </p:nvPr>
+        </p:nvSpPr>
+        <p:spPr/>
+        <p:txBody>
+          <a:bodyPr/>
+          <a:lstStyle/>
+          <a:p>
+            <a:fld id="{320BDF2B-DAE1-40D5-A74F-54A0196EA1F7}" type="slidenum">
+              <a:rPr lang="zh-TW" altLang="en-US" smtClean="0"/>
+              <a:t>16</a:t>
+            </a:fld>
+            <a:endParaRPr lang="zh-TW" altLang="en-US"/>
+          </a:p>
+        </p:txBody>
+      </p:sp>
+    </p:spTree>
+    <p:extLst>
+      <p:ext uri="{BB962C8B-B14F-4D97-AF65-F5344CB8AC3E}">
+        <p14:creationId xmlns:p14="http://schemas.microsoft.com/office/powerpoint/2010/main" val="1291479211"/>
+      </p:ext>
+    </p:extLst>
+  </p:cSld>
+  <p:clrMapOvr>
+    <a:masterClrMapping/>
+  </p:clrMapOvr>
+</p:notes>
+</file>
+
 <file path=ppt/slideLayouts/slideLayout1.xml><?xml version="1.0" encoding="utf-8"?>
 <p:sldLayout xmlns:a="http://schemas.openxmlformats.org/drawingml/2006/main" xmlns:r="http://schemas.openxmlformats.org/officeDocument/2006/relationships" xmlns:p="http://schemas.openxmlformats.org/presentationml/2006/main" type="title" preserve="1">
   <p:cSld name="標題投影片">
@@ -736,7 +827,7 @@
           <a:p>
             <a:fld id="{5BBEAD13-0566-4C6C-97E7-55F17F24B09F}" type="datetimeFigureOut">
               <a:rPr lang="zh-TW" altLang="en-US" smtClean="0"/>
-              <a:t>2015/11/9</a:t>
+              <a:t>2015/11/20</a:t>
             </a:fld>
             <a:endParaRPr lang="zh-TW" altLang="en-US"/>
           </a:p>
@@ -901,7 +992,7 @@
           <a:p>
             <a:fld id="{5BBEAD13-0566-4C6C-97E7-55F17F24B09F}" type="datetimeFigureOut">
               <a:rPr lang="zh-TW" altLang="en-US" smtClean="0"/>
-              <a:t>2015/11/9</a:t>
+              <a:t>2015/11/20</a:t>
             </a:fld>
             <a:endParaRPr lang="zh-TW" altLang="en-US"/>
           </a:p>
@@ -1076,7 +1167,7 @@
           <a:p>
             <a:fld id="{5BBEAD13-0566-4C6C-97E7-55F17F24B09F}" type="datetimeFigureOut">
               <a:rPr lang="zh-TW" altLang="en-US" smtClean="0"/>
-              <a:t>2015/11/9</a:t>
+              <a:t>2015/11/20</a:t>
             </a:fld>
             <a:endParaRPr lang="zh-TW" altLang="en-US"/>
           </a:p>
@@ -1241,7 +1332,7 @@
           <a:p>
             <a:fld id="{5BBEAD13-0566-4C6C-97E7-55F17F24B09F}" type="datetimeFigureOut">
               <a:rPr lang="zh-TW" altLang="en-US" smtClean="0"/>
-              <a:t>2015/11/9</a:t>
+              <a:t>2015/11/20</a:t>
             </a:fld>
             <a:endParaRPr lang="zh-TW" altLang="en-US"/>
           </a:p>
@@ -1482,7 +1573,7 @@
           <a:p>
             <a:fld id="{5BBEAD13-0566-4C6C-97E7-55F17F24B09F}" type="datetimeFigureOut">
               <a:rPr lang="zh-TW" altLang="en-US" smtClean="0"/>
-              <a:t>2015/11/9</a:t>
+              <a:t>2015/11/20</a:t>
             </a:fld>
             <a:endParaRPr lang="zh-TW" altLang="en-US"/>
           </a:p>
@@ -1765,7 +1856,7 @@
           <a:p>
             <a:fld id="{5BBEAD13-0566-4C6C-97E7-55F17F24B09F}" type="datetimeFigureOut">
               <a:rPr lang="zh-TW" altLang="en-US" smtClean="0"/>
-              <a:t>2015/11/9</a:t>
+              <a:t>2015/11/20</a:t>
             </a:fld>
             <a:endParaRPr lang="zh-TW" altLang="en-US"/>
           </a:p>
@@ -2182,7 +2273,7 @@
           <a:p>
             <a:fld id="{5BBEAD13-0566-4C6C-97E7-55F17F24B09F}" type="datetimeFigureOut">
               <a:rPr lang="zh-TW" altLang="en-US" smtClean="0"/>
-              <a:t>2015/11/9</a:t>
+              <a:t>2015/11/20</a:t>
             </a:fld>
             <a:endParaRPr lang="zh-TW" altLang="en-US"/>
           </a:p>
@@ -2295,7 +2386,7 @@
           <a:p>
             <a:fld id="{5BBEAD13-0566-4C6C-97E7-55F17F24B09F}" type="datetimeFigureOut">
               <a:rPr lang="zh-TW" altLang="en-US" smtClean="0"/>
-              <a:t>2015/11/9</a:t>
+              <a:t>2015/11/20</a:t>
             </a:fld>
             <a:endParaRPr lang="zh-TW" altLang="en-US"/>
           </a:p>
@@ -2385,7 +2476,7 @@
           <a:p>
             <a:fld id="{5BBEAD13-0566-4C6C-97E7-55F17F24B09F}" type="datetimeFigureOut">
               <a:rPr lang="zh-TW" altLang="en-US" smtClean="0"/>
-              <a:t>2015/11/9</a:t>
+              <a:t>2015/11/20</a:t>
             </a:fld>
             <a:endParaRPr lang="zh-TW" altLang="en-US"/>
           </a:p>
@@ -2657,7 +2748,7 @@
           <a:p>
             <a:fld id="{5BBEAD13-0566-4C6C-97E7-55F17F24B09F}" type="datetimeFigureOut">
               <a:rPr lang="zh-TW" altLang="en-US" smtClean="0"/>
-              <a:t>2015/11/9</a:t>
+              <a:t>2015/11/20</a:t>
             </a:fld>
             <a:endParaRPr lang="zh-TW" altLang="en-US"/>
           </a:p>
@@ -2905,7 +2996,7 @@
           <a:p>
             <a:fld id="{5BBEAD13-0566-4C6C-97E7-55F17F24B09F}" type="datetimeFigureOut">
               <a:rPr lang="zh-TW" altLang="en-US" smtClean="0"/>
-              <a:t>2015/11/9</a:t>
+              <a:t>2015/11/20</a:t>
             </a:fld>
             <a:endParaRPr lang="zh-TW" altLang="en-US"/>
           </a:p>
@@ -3113,7 +3204,7 @@
           <a:p>
             <a:fld id="{5BBEAD13-0566-4C6C-97E7-55F17F24B09F}" type="datetimeFigureOut">
               <a:rPr lang="zh-TW" altLang="en-US" smtClean="0"/>
-              <a:t>2015/11/9</a:t>
+              <a:t>2015/11/20</a:t>
             </a:fld>
             <a:endParaRPr lang="zh-TW" altLang="en-US"/>
           </a:p>
@@ -3525,6 +3616,10 @@
           <a:bodyPr/>
           <a:lstStyle/>
           <a:p>
+            <a:r>
+              <a:rPr lang="en-US" altLang="zh-TW" smtClean="0"/>
+              <a:t>Author: Sonny Shih</a:t>
+            </a:r>
             <a:endParaRPr lang="zh-TW" altLang="en-US" dirty="0"/>
           </a:p>
         </p:txBody>
@@ -4207,6 +4302,1842 @@
     <p:extLst>
       <p:ext uri="{BB962C8B-B14F-4D97-AF65-F5344CB8AC3E}">
         <p14:creationId xmlns:p14="http://schemas.microsoft.com/office/powerpoint/2010/main" val="2125748812"/>
+      </p:ext>
+    </p:extLst>
+  </p:cSld>
+  <p:clrMapOvr>
+    <a:masterClrMapping/>
+  </p:clrMapOvr>
+</p:sld>
+</file>
+
+<file path=ppt/slides/slide13.xml><?xml version="1.0" encoding="utf-8"?>
+<p:sld xmlns:a="http://schemas.openxmlformats.org/drawingml/2006/main" xmlns:r="http://schemas.openxmlformats.org/officeDocument/2006/relationships" xmlns:p="http://schemas.openxmlformats.org/presentationml/2006/main">
+  <p:cSld>
+    <p:spTree>
+      <p:nvGrpSpPr>
+        <p:cNvPr id="1" name=""/>
+        <p:cNvGrpSpPr/>
+        <p:nvPr/>
+      </p:nvGrpSpPr>
+      <p:grpSpPr>
+        <a:xfrm>
+          <a:off x="0" y="0"/>
+          <a:ext cx="0" cy="0"/>
+          <a:chOff x="0" y="0"/>
+          <a:chExt cx="0" cy="0"/>
+        </a:xfrm>
+      </p:grpSpPr>
+      <p:sp>
+        <p:nvSpPr>
+          <p:cNvPr id="2" name="標題 1"/>
+          <p:cNvSpPr>
+            <a:spLocks noGrp="1"/>
+          </p:cNvSpPr>
+          <p:nvPr>
+            <p:ph type="title"/>
+          </p:nvPr>
+        </p:nvSpPr>
+        <p:spPr/>
+        <p:txBody>
+          <a:bodyPr/>
+          <a:lstStyle/>
+          <a:p>
+            <a:r>
+              <a:rPr lang="zh-TW" altLang="en-US" dirty="0" smtClean="0"/>
+              <a:t>舊版</a:t>
+            </a:r>
+            <a:r>
+              <a:rPr lang="en-US" altLang="zh-TW" dirty="0" smtClean="0"/>
+              <a:t>GCM</a:t>
+            </a:r>
+            <a:endParaRPr lang="zh-TW" altLang="en-US" dirty="0"/>
+          </a:p>
+        </p:txBody>
+      </p:sp>
+      <p:sp>
+        <p:nvSpPr>
+          <p:cNvPr id="3" name="內容版面配置區 2"/>
+          <p:cNvSpPr>
+            <a:spLocks noGrp="1"/>
+          </p:cNvSpPr>
+          <p:nvPr>
+            <p:ph idx="1"/>
+          </p:nvPr>
+        </p:nvSpPr>
+        <p:spPr/>
+        <p:txBody>
+          <a:bodyPr>
+            <a:normAutofit/>
+          </a:bodyPr>
+          <a:lstStyle/>
+          <a:p>
+            <a:r>
+              <a:rPr lang="zh-TW" altLang="en-US" dirty="0" smtClean="0"/>
+              <a:t>設定</a:t>
+            </a:r>
+            <a:r>
+              <a:rPr lang="en-US" altLang="zh-TW" dirty="0" smtClean="0"/>
+              <a:t>AndroidManifest.xml (1/2)</a:t>
+            </a:r>
+          </a:p>
+          <a:p>
+            <a:pPr lvl="1"/>
+            <a:r>
+              <a:rPr lang="zh-TW" altLang="en-US" dirty="0" smtClean="0"/>
+              <a:t>增加 </a:t>
+            </a:r>
+            <a:r>
+              <a:rPr lang="en-US" altLang="zh-TW" dirty="0" smtClean="0"/>
+              <a:t>permission</a:t>
+            </a:r>
+          </a:p>
+          <a:p>
+            <a:pPr marL="457200" lvl="1" indent="0">
+              <a:buNone/>
+            </a:pPr>
+            <a:r>
+              <a:rPr lang="en-US" altLang="zh-TW" sz="1600" dirty="0">
+                <a:latin typeface="+mj-ea"/>
+                <a:ea typeface="+mj-ea"/>
+              </a:rPr>
+              <a:t> </a:t>
+            </a:r>
+            <a:r>
+              <a:rPr lang="en-US" altLang="zh-TW" sz="1600" dirty="0" smtClean="0">
+                <a:latin typeface="+mj-ea"/>
+                <a:ea typeface="+mj-ea"/>
+              </a:rPr>
+              <a:t>   &lt;</a:t>
+            </a:r>
+            <a:r>
+              <a:rPr lang="en-US" altLang="zh-TW" sz="1600" dirty="0">
+                <a:latin typeface="+mj-ea"/>
+                <a:ea typeface="+mj-ea"/>
+              </a:rPr>
+              <a:t>uses-permission </a:t>
+            </a:r>
+            <a:r>
+              <a:rPr lang="en-US" altLang="zh-TW" sz="1600" dirty="0" err="1">
+                <a:latin typeface="+mj-ea"/>
+                <a:ea typeface="+mj-ea"/>
+              </a:rPr>
+              <a:t>android:name</a:t>
+            </a:r>
+            <a:r>
+              <a:rPr lang="en-US" altLang="zh-TW" sz="1600" dirty="0">
+                <a:latin typeface="+mj-ea"/>
+                <a:ea typeface="+mj-ea"/>
+              </a:rPr>
+              <a:t>="</a:t>
+            </a:r>
+            <a:r>
+              <a:rPr lang="en-US" altLang="zh-TW" sz="1600" dirty="0" err="1">
+                <a:latin typeface="+mj-ea"/>
+                <a:ea typeface="+mj-ea"/>
+              </a:rPr>
+              <a:t>android.permission.INTERNET</a:t>
+            </a:r>
+            <a:r>
+              <a:rPr lang="en-US" altLang="zh-TW" sz="1600" dirty="0">
+                <a:latin typeface="+mj-ea"/>
+                <a:ea typeface="+mj-ea"/>
+              </a:rPr>
+              <a:t>" /&gt;</a:t>
+            </a:r>
+          </a:p>
+          <a:p>
+            <a:pPr marL="457200" lvl="1" indent="0">
+              <a:buNone/>
+            </a:pPr>
+            <a:r>
+              <a:rPr lang="en-US" altLang="zh-TW" sz="1600" dirty="0" smtClean="0">
+                <a:latin typeface="+mj-ea"/>
+                <a:ea typeface="+mj-ea"/>
+              </a:rPr>
+              <a:t>    &lt;</a:t>
+            </a:r>
+            <a:r>
+              <a:rPr lang="en-US" altLang="zh-TW" sz="1600" dirty="0">
+                <a:latin typeface="+mj-ea"/>
+                <a:ea typeface="+mj-ea"/>
+              </a:rPr>
+              <a:t>uses-permission </a:t>
+            </a:r>
+            <a:r>
+              <a:rPr lang="en-US" altLang="zh-TW" sz="1600" dirty="0" err="1">
+                <a:latin typeface="+mj-ea"/>
+                <a:ea typeface="+mj-ea"/>
+              </a:rPr>
+              <a:t>android:name</a:t>
+            </a:r>
+            <a:r>
+              <a:rPr lang="en-US" altLang="zh-TW" sz="1600" dirty="0">
+                <a:latin typeface="+mj-ea"/>
+                <a:ea typeface="+mj-ea"/>
+              </a:rPr>
+              <a:t>="</a:t>
+            </a:r>
+            <a:r>
+              <a:rPr lang="en-US" altLang="zh-TW" sz="1600" dirty="0" err="1">
+                <a:latin typeface="+mj-ea"/>
+                <a:ea typeface="+mj-ea"/>
+              </a:rPr>
+              <a:t>android.permission.WAKE_LOCK</a:t>
+            </a:r>
+            <a:r>
+              <a:rPr lang="en-US" altLang="zh-TW" sz="1600" dirty="0">
+                <a:latin typeface="+mj-ea"/>
+                <a:ea typeface="+mj-ea"/>
+              </a:rPr>
+              <a:t>" /&gt;</a:t>
+            </a:r>
+          </a:p>
+          <a:p>
+            <a:pPr marL="457200" lvl="1" indent="0">
+              <a:buNone/>
+            </a:pPr>
+            <a:r>
+              <a:rPr lang="en-US" altLang="zh-TW" sz="1600" dirty="0">
+                <a:latin typeface="+mj-ea"/>
+                <a:ea typeface="+mj-ea"/>
+              </a:rPr>
+              <a:t>    &lt;uses-permission </a:t>
+            </a:r>
+            <a:r>
+              <a:rPr lang="en-US" altLang="zh-TW" sz="1600" dirty="0" err="1">
+                <a:latin typeface="+mj-ea"/>
+                <a:ea typeface="+mj-ea"/>
+              </a:rPr>
+              <a:t>android:name</a:t>
+            </a:r>
+            <a:r>
+              <a:rPr lang="en-US" altLang="zh-TW" sz="1600" dirty="0">
+                <a:latin typeface="+mj-ea"/>
+                <a:ea typeface="+mj-ea"/>
+              </a:rPr>
+              <a:t>="com.google.android.c2dm.permission.RECEIVE" /&gt;</a:t>
+            </a:r>
+            <a:endParaRPr lang="en-US" altLang="zh-TW" sz="1600" dirty="0" smtClean="0">
+              <a:latin typeface="+mj-ea"/>
+              <a:ea typeface="+mj-ea"/>
+            </a:endParaRPr>
+          </a:p>
+          <a:p>
+            <a:pPr marL="457200" lvl="1" indent="0">
+              <a:buNone/>
+            </a:pPr>
+            <a:endParaRPr lang="en-US" altLang="zh-TW" dirty="0" smtClean="0"/>
+          </a:p>
+          <a:p>
+            <a:pPr lvl="1"/>
+            <a:r>
+              <a:rPr lang="zh-TW" altLang="en-US" dirty="0" smtClean="0"/>
+              <a:t>增加</a:t>
+            </a:r>
+            <a:r>
+              <a:rPr lang="en-US" altLang="zh-TW" dirty="0" smtClean="0"/>
+              <a:t>meta-data</a:t>
+            </a:r>
+          </a:p>
+          <a:p>
+            <a:pPr marL="457200" lvl="1" indent="0">
+              <a:buNone/>
+            </a:pPr>
+            <a:r>
+              <a:rPr lang="en-US" altLang="zh-TW" sz="1600" dirty="0" smtClean="0">
+                <a:latin typeface="+mj-ea"/>
+                <a:ea typeface="+mj-ea"/>
+              </a:rPr>
+              <a:t>&lt;</a:t>
+            </a:r>
+            <a:r>
+              <a:rPr lang="en-US" altLang="zh-TW" sz="1600" dirty="0">
+                <a:latin typeface="+mj-ea"/>
+                <a:ea typeface="+mj-ea"/>
+              </a:rPr>
+              <a:t>meta-data</a:t>
+            </a:r>
+            <a:br>
+              <a:rPr lang="en-US" altLang="zh-TW" sz="1600" dirty="0">
+                <a:latin typeface="+mj-ea"/>
+                <a:ea typeface="+mj-ea"/>
+              </a:rPr>
+            </a:br>
+            <a:r>
+              <a:rPr lang="en-US" altLang="zh-TW" sz="1600" dirty="0">
+                <a:latin typeface="+mj-ea"/>
+                <a:ea typeface="+mj-ea"/>
+              </a:rPr>
+              <a:t>    </a:t>
+            </a:r>
+            <a:r>
+              <a:rPr lang="en-US" altLang="zh-TW" sz="1600" dirty="0" err="1">
+                <a:latin typeface="+mj-ea"/>
+                <a:ea typeface="+mj-ea"/>
+              </a:rPr>
+              <a:t>android:name</a:t>
+            </a:r>
+            <a:r>
+              <a:rPr lang="en-US" altLang="zh-TW" sz="1600" dirty="0">
+                <a:latin typeface="+mj-ea"/>
+                <a:ea typeface="+mj-ea"/>
+              </a:rPr>
+              <a:t>="</a:t>
+            </a:r>
+            <a:r>
+              <a:rPr lang="en-US" altLang="zh-TW" sz="1600" dirty="0" err="1">
+                <a:latin typeface="+mj-ea"/>
+                <a:ea typeface="+mj-ea"/>
+              </a:rPr>
+              <a:t>com.google.android.gms.version</a:t>
+            </a:r>
+            <a:r>
+              <a:rPr lang="en-US" altLang="zh-TW" sz="1600" dirty="0">
+                <a:latin typeface="+mj-ea"/>
+                <a:ea typeface="+mj-ea"/>
+              </a:rPr>
+              <a:t>"</a:t>
+            </a:r>
+            <a:br>
+              <a:rPr lang="en-US" altLang="zh-TW" sz="1600" dirty="0">
+                <a:latin typeface="+mj-ea"/>
+                <a:ea typeface="+mj-ea"/>
+              </a:rPr>
+            </a:br>
+            <a:r>
+              <a:rPr lang="en-US" altLang="zh-TW" sz="1600" dirty="0">
+                <a:latin typeface="+mj-ea"/>
+                <a:ea typeface="+mj-ea"/>
+              </a:rPr>
+              <a:t>    </a:t>
+            </a:r>
+            <a:r>
+              <a:rPr lang="en-US" altLang="zh-TW" sz="1600" dirty="0" err="1">
+                <a:latin typeface="+mj-ea"/>
+                <a:ea typeface="+mj-ea"/>
+              </a:rPr>
+              <a:t>android:value</a:t>
+            </a:r>
+            <a:r>
+              <a:rPr lang="en-US" altLang="zh-TW" sz="1600" dirty="0">
+                <a:latin typeface="+mj-ea"/>
+                <a:ea typeface="+mj-ea"/>
+              </a:rPr>
+              <a:t>="@integer/</a:t>
+            </a:r>
+            <a:r>
+              <a:rPr lang="en-US" altLang="zh-TW" sz="1600" dirty="0" err="1">
+                <a:latin typeface="+mj-ea"/>
+                <a:ea typeface="+mj-ea"/>
+              </a:rPr>
+              <a:t>google_play_services_version</a:t>
+            </a:r>
+            <a:r>
+              <a:rPr lang="en-US" altLang="zh-TW" sz="1600" dirty="0">
+                <a:latin typeface="+mj-ea"/>
+                <a:ea typeface="+mj-ea"/>
+              </a:rPr>
+              <a:t>" /&gt;</a:t>
+            </a:r>
+            <a:endParaRPr lang="zh-TW" altLang="en-US" sz="1600" dirty="0">
+              <a:latin typeface="+mj-ea"/>
+              <a:ea typeface="+mj-ea"/>
+            </a:endParaRPr>
+          </a:p>
+        </p:txBody>
+      </p:sp>
+      <p:sp>
+        <p:nvSpPr>
+          <p:cNvPr id="4" name="文字方塊 3"/>
+          <p:cNvSpPr txBox="1"/>
+          <p:nvPr/>
+        </p:nvSpPr>
+        <p:spPr>
+          <a:xfrm>
+            <a:off x="971600" y="5989930"/>
+            <a:ext cx="7510389" cy="461665"/>
+          </a:xfrm>
+          <a:prstGeom prst="rect">
+            <a:avLst/>
+          </a:prstGeom>
+          <a:noFill/>
+        </p:spPr>
+        <p:txBody>
+          <a:bodyPr wrap="none" rtlCol="0">
+            <a:spAutoFit/>
+          </a:bodyPr>
+          <a:lstStyle/>
+          <a:p>
+            <a:r>
+              <a:rPr lang="zh-TW" altLang="en-US" sz="2400" b="1" dirty="0" smtClean="0">
+                <a:solidFill>
+                  <a:srgbClr val="FF0000"/>
+                </a:solidFill>
+                <a:latin typeface="+mn-ea"/>
+              </a:rPr>
+              <a:t>設定完成後，要</a:t>
+            </a:r>
+            <a:r>
+              <a:rPr lang="en-US" altLang="zh-TW" sz="2400" b="1" dirty="0" smtClean="0">
+                <a:solidFill>
+                  <a:srgbClr val="FF0000"/>
+                </a:solidFill>
+                <a:latin typeface="+mn-ea"/>
+              </a:rPr>
+              <a:t>Rebuild  </a:t>
+            </a:r>
+            <a:r>
+              <a:rPr lang="en-US" altLang="zh-TW" sz="2400" b="1" dirty="0" err="1" smtClean="0">
+                <a:solidFill>
+                  <a:srgbClr val="FF0000"/>
+                </a:solidFill>
+                <a:latin typeface="+mn-ea"/>
+              </a:rPr>
+              <a:t>project，這樣meta-data才會產生</a:t>
+            </a:r>
+            <a:endParaRPr lang="zh-TW" altLang="en-US" sz="2400" b="1" dirty="0">
+              <a:solidFill>
+                <a:srgbClr val="FF0000"/>
+              </a:solidFill>
+              <a:latin typeface="+mn-ea"/>
+            </a:endParaRPr>
+          </a:p>
+        </p:txBody>
+      </p:sp>
+    </p:spTree>
+    <p:extLst>
+      <p:ext uri="{BB962C8B-B14F-4D97-AF65-F5344CB8AC3E}">
+        <p14:creationId xmlns:p14="http://schemas.microsoft.com/office/powerpoint/2010/main" val="819756465"/>
+      </p:ext>
+    </p:extLst>
+  </p:cSld>
+  <p:clrMapOvr>
+    <a:masterClrMapping/>
+  </p:clrMapOvr>
+</p:sld>
+</file>
+
+<file path=ppt/slides/slide14.xml><?xml version="1.0" encoding="utf-8"?>
+<p:sld xmlns:a="http://schemas.openxmlformats.org/drawingml/2006/main" xmlns:r="http://schemas.openxmlformats.org/officeDocument/2006/relationships" xmlns:p="http://schemas.openxmlformats.org/presentationml/2006/main">
+  <p:cSld>
+    <p:spTree>
+      <p:nvGrpSpPr>
+        <p:cNvPr id="1" name=""/>
+        <p:cNvGrpSpPr/>
+        <p:nvPr/>
+      </p:nvGrpSpPr>
+      <p:grpSpPr>
+        <a:xfrm>
+          <a:off x="0" y="0"/>
+          <a:ext cx="0" cy="0"/>
+          <a:chOff x="0" y="0"/>
+          <a:chExt cx="0" cy="0"/>
+        </a:xfrm>
+      </p:grpSpPr>
+      <p:sp>
+        <p:nvSpPr>
+          <p:cNvPr id="2" name="標題 1"/>
+          <p:cNvSpPr>
+            <a:spLocks noGrp="1"/>
+          </p:cNvSpPr>
+          <p:nvPr>
+            <p:ph type="title"/>
+          </p:nvPr>
+        </p:nvSpPr>
+        <p:spPr/>
+        <p:txBody>
+          <a:bodyPr/>
+          <a:lstStyle/>
+          <a:p>
+            <a:r>
+              <a:rPr lang="zh-TW" altLang="en-US" dirty="0"/>
+              <a:t>舊版</a:t>
+            </a:r>
+            <a:r>
+              <a:rPr lang="en-US" altLang="zh-TW" dirty="0"/>
+              <a:t>GCM</a:t>
+            </a:r>
+            <a:endParaRPr lang="zh-TW" altLang="en-US" dirty="0"/>
+          </a:p>
+        </p:txBody>
+      </p:sp>
+      <p:sp>
+        <p:nvSpPr>
+          <p:cNvPr id="3" name="內容版面配置區 2"/>
+          <p:cNvSpPr>
+            <a:spLocks noGrp="1"/>
+          </p:cNvSpPr>
+          <p:nvPr>
+            <p:ph idx="1"/>
+          </p:nvPr>
+        </p:nvSpPr>
+        <p:spPr/>
+        <p:txBody>
+          <a:bodyPr/>
+          <a:lstStyle/>
+          <a:p>
+            <a:r>
+              <a:rPr lang="zh-TW" altLang="en-US" dirty="0"/>
+              <a:t>設定</a:t>
+            </a:r>
+            <a:r>
+              <a:rPr lang="en-US" altLang="zh-TW" dirty="0" smtClean="0"/>
+              <a:t>AndroidManifest.xml (2/2)</a:t>
+            </a:r>
+            <a:endParaRPr lang="en-US" altLang="zh-TW" dirty="0"/>
+          </a:p>
+          <a:p>
+            <a:endParaRPr lang="zh-TW" altLang="en-US" dirty="0"/>
+          </a:p>
+        </p:txBody>
+      </p:sp>
+      <p:pic>
+        <p:nvPicPr>
+          <p:cNvPr id="4098" name="Picture 2"/>
+          <p:cNvPicPr>
+            <a:picLocks noChangeAspect="1" noChangeArrowheads="1"/>
+          </p:cNvPicPr>
+          <p:nvPr/>
+        </p:nvPicPr>
+        <p:blipFill>
+          <a:blip r:embed="rId2">
+            <a:extLst>
+              <a:ext uri="{28A0092B-C50C-407E-A947-70E740481C1C}">
+                <a14:useLocalDpi xmlns:a14="http://schemas.microsoft.com/office/drawing/2010/main" val="0"/>
+              </a:ext>
+            </a:extLst>
+          </a:blip>
+          <a:srcRect/>
+          <a:stretch>
+            <a:fillRect/>
+          </a:stretch>
+        </p:blipFill>
+        <p:spPr bwMode="auto">
+          <a:xfrm>
+            <a:off x="179511" y="2276872"/>
+            <a:ext cx="8946115" cy="4392488"/>
+          </a:xfrm>
+          <a:prstGeom prst="rect">
+            <a:avLst/>
+          </a:prstGeom>
+          <a:noFill/>
+          <a:ln>
+            <a:noFill/>
+          </a:ln>
+          <a:extLst>
+            <a:ext uri="{909E8E84-426E-40DD-AFC4-6F175D3DCCD1}">
+              <a14:hiddenFill xmlns:a14="http://schemas.microsoft.com/office/drawing/2010/main">
+                <a:solidFill>
+                  <a:schemeClr val="accent1"/>
+                </a:solidFill>
+              </a14:hiddenFill>
+            </a:ext>
+            <a:ext uri="{91240B29-F687-4F45-9708-019B960494DF}">
+              <a14:hiddenLine xmlns:a14="http://schemas.microsoft.com/office/drawing/2010/main" w="9525">
+                <a:solidFill>
+                  <a:schemeClr val="tx1"/>
+                </a:solidFill>
+                <a:miter lim="800000"/>
+                <a:headEnd/>
+                <a:tailEnd/>
+              </a14:hiddenLine>
+            </a:ext>
+          </a:extLst>
+        </p:spPr>
+      </p:pic>
+      <p:sp>
+        <p:nvSpPr>
+          <p:cNvPr id="9" name="矩形 8"/>
+          <p:cNvSpPr/>
+          <p:nvPr/>
+        </p:nvSpPr>
+        <p:spPr>
+          <a:xfrm>
+            <a:off x="3491880" y="2708921"/>
+            <a:ext cx="5472608" cy="936104"/>
+          </a:xfrm>
+          <a:prstGeom prst="rect">
+            <a:avLst/>
+          </a:prstGeom>
+          <a:noFill/>
+          <a:ln>
+            <a:solidFill>
+              <a:srgbClr val="FF0000"/>
+            </a:solidFill>
+          </a:ln>
+        </p:spPr>
+        <p:style>
+          <a:lnRef idx="2">
+            <a:schemeClr val="accent1">
+              <a:shade val="50000"/>
+            </a:schemeClr>
+          </a:lnRef>
+          <a:fillRef idx="1">
+            <a:schemeClr val="accent1"/>
+          </a:fillRef>
+          <a:effectRef idx="0">
+            <a:schemeClr val="accent1"/>
+          </a:effectRef>
+          <a:fontRef idx="minor">
+            <a:schemeClr val="lt1"/>
+          </a:fontRef>
+        </p:style>
+        <p:txBody>
+          <a:bodyPr rtlCol="0" anchor="ctr"/>
+          <a:lstStyle/>
+          <a:p>
+            <a:pPr algn="ctr"/>
+            <a:endParaRPr lang="zh-TW" altLang="en-US"/>
+          </a:p>
+        </p:txBody>
+      </p:sp>
+      <p:sp>
+        <p:nvSpPr>
+          <p:cNvPr id="10" name="矩形 9"/>
+          <p:cNvSpPr/>
+          <p:nvPr/>
+        </p:nvSpPr>
+        <p:spPr>
+          <a:xfrm>
+            <a:off x="3779912" y="4761311"/>
+            <a:ext cx="4248472" cy="539897"/>
+          </a:xfrm>
+          <a:prstGeom prst="rect">
+            <a:avLst/>
+          </a:prstGeom>
+          <a:noFill/>
+          <a:ln>
+            <a:solidFill>
+              <a:srgbClr val="FF0000"/>
+            </a:solidFill>
+          </a:ln>
+        </p:spPr>
+        <p:style>
+          <a:lnRef idx="2">
+            <a:schemeClr val="accent1">
+              <a:shade val="50000"/>
+            </a:schemeClr>
+          </a:lnRef>
+          <a:fillRef idx="1">
+            <a:schemeClr val="accent1"/>
+          </a:fillRef>
+          <a:effectRef idx="0">
+            <a:schemeClr val="accent1"/>
+          </a:effectRef>
+          <a:fontRef idx="minor">
+            <a:schemeClr val="lt1"/>
+          </a:fontRef>
+        </p:style>
+        <p:txBody>
+          <a:bodyPr rtlCol="0" anchor="ctr"/>
+          <a:lstStyle/>
+          <a:p>
+            <a:pPr algn="ctr"/>
+            <a:endParaRPr lang="zh-TW" altLang="en-US"/>
+          </a:p>
+        </p:txBody>
+      </p:sp>
+      <p:sp>
+        <p:nvSpPr>
+          <p:cNvPr id="11" name="矩形 10"/>
+          <p:cNvSpPr/>
+          <p:nvPr/>
+        </p:nvSpPr>
+        <p:spPr>
+          <a:xfrm>
+            <a:off x="323528" y="3392997"/>
+            <a:ext cx="2520280" cy="252028"/>
+          </a:xfrm>
+          <a:prstGeom prst="rect">
+            <a:avLst/>
+          </a:prstGeom>
+          <a:noFill/>
+          <a:ln>
+            <a:solidFill>
+              <a:srgbClr val="FF0000"/>
+            </a:solidFill>
+          </a:ln>
+        </p:spPr>
+        <p:style>
+          <a:lnRef idx="2">
+            <a:schemeClr val="accent1">
+              <a:shade val="50000"/>
+            </a:schemeClr>
+          </a:lnRef>
+          <a:fillRef idx="1">
+            <a:schemeClr val="accent1"/>
+          </a:fillRef>
+          <a:effectRef idx="0">
+            <a:schemeClr val="accent1"/>
+          </a:effectRef>
+          <a:fontRef idx="minor">
+            <a:schemeClr val="lt1"/>
+          </a:fontRef>
+        </p:style>
+        <p:txBody>
+          <a:bodyPr rtlCol="0" anchor="ctr"/>
+          <a:lstStyle/>
+          <a:p>
+            <a:pPr algn="ctr"/>
+            <a:endParaRPr lang="zh-TW" altLang="en-US"/>
+          </a:p>
+        </p:txBody>
+      </p:sp>
+    </p:spTree>
+    <p:extLst>
+      <p:ext uri="{BB962C8B-B14F-4D97-AF65-F5344CB8AC3E}">
+        <p14:creationId xmlns:p14="http://schemas.microsoft.com/office/powerpoint/2010/main" val="28889889"/>
+      </p:ext>
+    </p:extLst>
+  </p:cSld>
+  <p:clrMapOvr>
+    <a:masterClrMapping/>
+  </p:clrMapOvr>
+</p:sld>
+</file>
+
+<file path=ppt/slides/slide15.xml><?xml version="1.0" encoding="utf-8"?>
+<p:sld xmlns:a="http://schemas.openxmlformats.org/drawingml/2006/main" xmlns:r="http://schemas.openxmlformats.org/officeDocument/2006/relationships" xmlns:p="http://schemas.openxmlformats.org/presentationml/2006/main">
+  <p:cSld>
+    <p:spTree>
+      <p:nvGrpSpPr>
+        <p:cNvPr id="1" name=""/>
+        <p:cNvGrpSpPr/>
+        <p:nvPr/>
+      </p:nvGrpSpPr>
+      <p:grpSpPr>
+        <a:xfrm>
+          <a:off x="0" y="0"/>
+          <a:ext cx="0" cy="0"/>
+          <a:chOff x="0" y="0"/>
+          <a:chExt cx="0" cy="0"/>
+        </a:xfrm>
+      </p:grpSpPr>
+      <p:sp>
+        <p:nvSpPr>
+          <p:cNvPr id="2" name="標題 1"/>
+          <p:cNvSpPr>
+            <a:spLocks noGrp="1"/>
+          </p:cNvSpPr>
+          <p:nvPr>
+            <p:ph type="title"/>
+          </p:nvPr>
+        </p:nvSpPr>
+        <p:spPr/>
+        <p:txBody>
+          <a:bodyPr/>
+          <a:lstStyle/>
+          <a:p>
+            <a:r>
+              <a:rPr lang="zh-TW" altLang="en-US" dirty="0"/>
+              <a:t>舊版</a:t>
+            </a:r>
+            <a:r>
+              <a:rPr lang="en-US" altLang="zh-TW" dirty="0"/>
+              <a:t>GCM</a:t>
+            </a:r>
+            <a:endParaRPr lang="zh-TW" altLang="en-US" dirty="0"/>
+          </a:p>
+        </p:txBody>
+      </p:sp>
+      <p:sp>
+        <p:nvSpPr>
+          <p:cNvPr id="3" name="內容版面配置區 2"/>
+          <p:cNvSpPr>
+            <a:spLocks noGrp="1"/>
+          </p:cNvSpPr>
+          <p:nvPr>
+            <p:ph idx="1"/>
+          </p:nvPr>
+        </p:nvSpPr>
+        <p:spPr/>
+        <p:txBody>
+          <a:bodyPr/>
+          <a:lstStyle/>
+          <a:p>
+            <a:r>
+              <a:rPr lang="zh-TW" altLang="en-US" dirty="0" smtClean="0"/>
+              <a:t>設定</a:t>
+            </a:r>
+            <a:r>
+              <a:rPr lang="en-US" altLang="zh-TW" dirty="0" err="1" smtClean="0"/>
+              <a:t>build.gradle</a:t>
+            </a:r>
+            <a:endParaRPr lang="en-US" altLang="zh-TW" dirty="0" smtClean="0"/>
+          </a:p>
+          <a:p>
+            <a:pPr lvl="1"/>
+            <a:r>
+              <a:rPr lang="zh-TW" altLang="en-US" dirty="0" smtClean="0"/>
+              <a:t>增加</a:t>
+            </a:r>
+            <a:r>
+              <a:rPr lang="en-US" altLang="zh-TW" dirty="0" smtClean="0"/>
+              <a:t>dependencies</a:t>
+            </a:r>
+          </a:p>
+          <a:p>
+            <a:pPr marL="457200" lvl="1" indent="0">
+              <a:buNone/>
+            </a:pPr>
+            <a:r>
+              <a:rPr lang="en-US" altLang="zh-TW" sz="1800" dirty="0">
+                <a:latin typeface="+mj-ea"/>
+                <a:ea typeface="+mj-ea"/>
+              </a:rPr>
+              <a:t>compile </a:t>
+            </a:r>
+            <a:r>
+              <a:rPr lang="en-US" altLang="zh-TW" sz="1800" b="1" dirty="0">
+                <a:latin typeface="+mj-ea"/>
+                <a:ea typeface="+mj-ea"/>
+              </a:rPr>
+              <a:t>'com.google.android.gms:play-services:6.5.+'</a:t>
+            </a:r>
+            <a:endParaRPr lang="zh-TW" altLang="en-US" sz="1800" dirty="0">
+              <a:latin typeface="+mj-ea"/>
+              <a:ea typeface="+mj-ea"/>
+            </a:endParaRPr>
+          </a:p>
+        </p:txBody>
+      </p:sp>
+      <p:pic>
+        <p:nvPicPr>
+          <p:cNvPr id="5122" name="Picture 2"/>
+          <p:cNvPicPr>
+            <a:picLocks noChangeAspect="1" noChangeArrowheads="1"/>
+          </p:cNvPicPr>
+          <p:nvPr/>
+        </p:nvPicPr>
+        <p:blipFill>
+          <a:blip r:embed="rId2">
+            <a:extLst>
+              <a:ext uri="{28A0092B-C50C-407E-A947-70E740481C1C}">
+                <a14:useLocalDpi xmlns:a14="http://schemas.microsoft.com/office/drawing/2010/main" val="0"/>
+              </a:ext>
+            </a:extLst>
+          </a:blip>
+          <a:srcRect/>
+          <a:stretch>
+            <a:fillRect/>
+          </a:stretch>
+        </p:blipFill>
+        <p:spPr bwMode="auto">
+          <a:xfrm>
+            <a:off x="827584" y="3284984"/>
+            <a:ext cx="6696075" cy="2190750"/>
+          </a:xfrm>
+          <a:prstGeom prst="rect">
+            <a:avLst/>
+          </a:prstGeom>
+          <a:noFill/>
+          <a:ln>
+            <a:noFill/>
+          </a:ln>
+          <a:extLst>
+            <a:ext uri="{909E8E84-426E-40DD-AFC4-6F175D3DCCD1}">
+              <a14:hiddenFill xmlns:a14="http://schemas.microsoft.com/office/drawing/2010/main">
+                <a:solidFill>
+                  <a:schemeClr val="accent1"/>
+                </a:solidFill>
+              </a14:hiddenFill>
+            </a:ext>
+            <a:ext uri="{91240B29-F687-4F45-9708-019B960494DF}">
+              <a14:hiddenLine xmlns:a14="http://schemas.microsoft.com/office/drawing/2010/main" w="9525">
+                <a:solidFill>
+                  <a:schemeClr val="tx1"/>
+                </a:solidFill>
+                <a:miter lim="800000"/>
+                <a:headEnd/>
+                <a:tailEnd/>
+              </a14:hiddenLine>
+            </a:ext>
+          </a:extLst>
+        </p:spPr>
+      </p:pic>
+      <p:sp>
+        <p:nvSpPr>
+          <p:cNvPr id="5" name="矩形 4"/>
+          <p:cNvSpPr/>
+          <p:nvPr/>
+        </p:nvSpPr>
+        <p:spPr>
+          <a:xfrm>
+            <a:off x="1331639" y="4869161"/>
+            <a:ext cx="6192019" cy="360040"/>
+          </a:xfrm>
+          <a:prstGeom prst="rect">
+            <a:avLst/>
+          </a:prstGeom>
+          <a:noFill/>
+          <a:ln>
+            <a:solidFill>
+              <a:srgbClr val="FF0000"/>
+            </a:solidFill>
+          </a:ln>
+        </p:spPr>
+        <p:style>
+          <a:lnRef idx="2">
+            <a:schemeClr val="accent1">
+              <a:shade val="50000"/>
+            </a:schemeClr>
+          </a:lnRef>
+          <a:fillRef idx="1">
+            <a:schemeClr val="accent1"/>
+          </a:fillRef>
+          <a:effectRef idx="0">
+            <a:schemeClr val="accent1"/>
+          </a:effectRef>
+          <a:fontRef idx="minor">
+            <a:schemeClr val="lt1"/>
+          </a:fontRef>
+        </p:style>
+        <p:txBody>
+          <a:bodyPr rtlCol="0" anchor="ctr"/>
+          <a:lstStyle/>
+          <a:p>
+            <a:pPr algn="ctr"/>
+            <a:endParaRPr lang="zh-TW" altLang="en-US"/>
+          </a:p>
+        </p:txBody>
+      </p:sp>
+    </p:spTree>
+    <p:extLst>
+      <p:ext uri="{BB962C8B-B14F-4D97-AF65-F5344CB8AC3E}">
+        <p14:creationId xmlns:p14="http://schemas.microsoft.com/office/powerpoint/2010/main" val="2267181833"/>
+      </p:ext>
+    </p:extLst>
+  </p:cSld>
+  <p:clrMapOvr>
+    <a:masterClrMapping/>
+  </p:clrMapOvr>
+</p:sld>
+</file>
+
+<file path=ppt/slides/slide16.xml><?xml version="1.0" encoding="utf-8"?>
+<p:sld xmlns:a="http://schemas.openxmlformats.org/drawingml/2006/main" xmlns:r="http://schemas.openxmlformats.org/officeDocument/2006/relationships" xmlns:p="http://schemas.openxmlformats.org/presentationml/2006/main">
+  <p:cSld>
+    <p:spTree>
+      <p:nvGrpSpPr>
+        <p:cNvPr id="1" name=""/>
+        <p:cNvGrpSpPr/>
+        <p:nvPr/>
+      </p:nvGrpSpPr>
+      <p:grpSpPr>
+        <a:xfrm>
+          <a:off x="0" y="0"/>
+          <a:ext cx="0" cy="0"/>
+          <a:chOff x="0" y="0"/>
+          <a:chExt cx="0" cy="0"/>
+        </a:xfrm>
+      </p:grpSpPr>
+      <p:sp>
+        <p:nvSpPr>
+          <p:cNvPr id="2" name="標題 1"/>
+          <p:cNvSpPr>
+            <a:spLocks noGrp="1"/>
+          </p:cNvSpPr>
+          <p:nvPr>
+            <p:ph type="title"/>
+          </p:nvPr>
+        </p:nvSpPr>
+        <p:spPr/>
+        <p:txBody>
+          <a:bodyPr/>
+          <a:lstStyle/>
+          <a:p>
+            <a:endParaRPr lang="zh-TW" altLang="en-US"/>
+          </a:p>
+        </p:txBody>
+      </p:sp>
+      <p:sp>
+        <p:nvSpPr>
+          <p:cNvPr id="3" name="內容版面配置區 2"/>
+          <p:cNvSpPr>
+            <a:spLocks noGrp="1"/>
+          </p:cNvSpPr>
+          <p:nvPr>
+            <p:ph idx="1"/>
+          </p:nvPr>
+        </p:nvSpPr>
+        <p:spPr/>
+        <p:txBody>
+          <a:bodyPr>
+            <a:normAutofit/>
+          </a:bodyPr>
+          <a:lstStyle/>
+          <a:p>
+            <a:r>
+              <a:rPr lang="zh-TW" altLang="en-US" dirty="0" smtClean="0"/>
+              <a:t>增加</a:t>
+            </a:r>
+            <a:r>
+              <a:rPr lang="en-US" altLang="zh-TW" dirty="0" smtClean="0"/>
+              <a:t>Receiver，設定AndroidManifest.xml</a:t>
+            </a:r>
+          </a:p>
+          <a:p>
+            <a:pPr marL="400050" lvl="1" indent="0">
+              <a:buNone/>
+            </a:pPr>
+            <a:r>
+              <a:rPr lang="en-US" altLang="zh-TW" sz="1400" dirty="0">
+                <a:latin typeface="+mj-ea"/>
+                <a:ea typeface="+mj-ea"/>
+              </a:rPr>
+              <a:t>&lt;receiver</a:t>
+            </a:r>
+          </a:p>
+          <a:p>
+            <a:pPr marL="400050" lvl="1" indent="0">
+              <a:buNone/>
+            </a:pPr>
+            <a:r>
+              <a:rPr lang="en-US" altLang="zh-TW" sz="1400" dirty="0">
+                <a:latin typeface="+mj-ea"/>
+                <a:ea typeface="+mj-ea"/>
+              </a:rPr>
+              <a:t>    </a:t>
+            </a:r>
+            <a:r>
+              <a:rPr lang="en-US" altLang="zh-TW" sz="1400" dirty="0" err="1">
+                <a:latin typeface="+mj-ea"/>
+                <a:ea typeface="+mj-ea"/>
+              </a:rPr>
+              <a:t>android:name</a:t>
+            </a:r>
+            <a:r>
+              <a:rPr lang="en-US" altLang="zh-TW" sz="1400" dirty="0">
+                <a:latin typeface="+mj-ea"/>
+                <a:ea typeface="+mj-ea"/>
+              </a:rPr>
+              <a:t>=".</a:t>
+            </a:r>
+            <a:r>
+              <a:rPr lang="en-US" altLang="zh-TW" sz="1400" dirty="0" err="1">
+                <a:latin typeface="+mj-ea"/>
+                <a:ea typeface="+mj-ea"/>
+              </a:rPr>
+              <a:t>activity.GCMDemo.GCMFirstDemo.GCMFirstReceiver</a:t>
+            </a:r>
+            <a:r>
+              <a:rPr lang="en-US" altLang="zh-TW" sz="1400" dirty="0">
+                <a:latin typeface="+mj-ea"/>
+                <a:ea typeface="+mj-ea"/>
+              </a:rPr>
+              <a:t>"</a:t>
+            </a:r>
+          </a:p>
+          <a:p>
+            <a:pPr marL="400050" lvl="1" indent="0">
+              <a:buNone/>
+            </a:pPr>
+            <a:r>
+              <a:rPr lang="en-US" altLang="zh-TW" sz="1400" dirty="0">
+                <a:latin typeface="+mj-ea"/>
+                <a:ea typeface="+mj-ea"/>
+              </a:rPr>
+              <a:t>    </a:t>
+            </a:r>
+            <a:r>
+              <a:rPr lang="en-US" altLang="zh-TW" sz="1400" dirty="0" err="1">
+                <a:latin typeface="+mj-ea"/>
+                <a:ea typeface="+mj-ea"/>
+              </a:rPr>
+              <a:t>android:permission</a:t>
+            </a:r>
+            <a:r>
+              <a:rPr lang="en-US" altLang="zh-TW" sz="1400" dirty="0">
+                <a:latin typeface="+mj-ea"/>
+                <a:ea typeface="+mj-ea"/>
+              </a:rPr>
+              <a:t>="com.google.android.c2dm.permission.SEND" &gt;</a:t>
+            </a:r>
+          </a:p>
+          <a:p>
+            <a:pPr marL="400050" lvl="1" indent="0">
+              <a:buNone/>
+            </a:pPr>
+            <a:r>
+              <a:rPr lang="en-US" altLang="zh-TW" sz="1400" dirty="0">
+                <a:latin typeface="+mj-ea"/>
+                <a:ea typeface="+mj-ea"/>
+              </a:rPr>
+              <a:t>    &lt;intent-filter&gt;</a:t>
+            </a:r>
+          </a:p>
+          <a:p>
+            <a:pPr marL="400050" lvl="1" indent="0">
+              <a:buNone/>
+            </a:pPr>
+            <a:r>
+              <a:rPr lang="en-US" altLang="zh-TW" sz="1400" dirty="0">
+                <a:latin typeface="+mj-ea"/>
+                <a:ea typeface="+mj-ea"/>
+              </a:rPr>
+              <a:t>        &lt;action </a:t>
+            </a:r>
+            <a:r>
+              <a:rPr lang="en-US" altLang="zh-TW" sz="1400" dirty="0" err="1">
+                <a:latin typeface="+mj-ea"/>
+                <a:ea typeface="+mj-ea"/>
+              </a:rPr>
+              <a:t>android:name</a:t>
+            </a:r>
+            <a:r>
+              <a:rPr lang="en-US" altLang="zh-TW" sz="1400" dirty="0">
+                <a:latin typeface="+mj-ea"/>
+                <a:ea typeface="+mj-ea"/>
+              </a:rPr>
+              <a:t>="com.google.android.c2dm.intent.RECEIVE" /&gt;</a:t>
+            </a:r>
+          </a:p>
+          <a:p>
+            <a:pPr marL="400050" lvl="1" indent="0">
+              <a:buNone/>
+            </a:pPr>
+            <a:r>
+              <a:rPr lang="en-US" altLang="zh-TW" sz="1400" dirty="0">
+                <a:latin typeface="+mj-ea"/>
+                <a:ea typeface="+mj-ea"/>
+              </a:rPr>
+              <a:t>        &lt;category </a:t>
+            </a:r>
+            <a:r>
+              <a:rPr lang="en-US" altLang="zh-TW" sz="1400" dirty="0" err="1">
+                <a:latin typeface="+mj-ea"/>
+                <a:ea typeface="+mj-ea"/>
+              </a:rPr>
+              <a:t>android:name</a:t>
+            </a:r>
+            <a:r>
+              <a:rPr lang="en-US" altLang="zh-TW" sz="1400" dirty="0">
+                <a:latin typeface="+mj-ea"/>
+                <a:ea typeface="+mj-ea"/>
+              </a:rPr>
+              <a:t>="</a:t>
+            </a:r>
+            <a:r>
+              <a:rPr lang="en-US" altLang="zh-TW" sz="1400" dirty="0" err="1">
+                <a:latin typeface="+mj-ea"/>
+                <a:ea typeface="+mj-ea"/>
+              </a:rPr>
+              <a:t>com.example.CustomerUIDemo</a:t>
+            </a:r>
+            <a:r>
+              <a:rPr lang="en-US" altLang="zh-TW" sz="1400" dirty="0">
+                <a:latin typeface="+mj-ea"/>
+                <a:ea typeface="+mj-ea"/>
+              </a:rPr>
+              <a:t>" /&gt;</a:t>
+            </a:r>
+          </a:p>
+          <a:p>
+            <a:pPr marL="400050" lvl="1" indent="0">
+              <a:buNone/>
+            </a:pPr>
+            <a:r>
+              <a:rPr lang="en-US" altLang="zh-TW" sz="1400" dirty="0">
+                <a:latin typeface="+mj-ea"/>
+                <a:ea typeface="+mj-ea"/>
+              </a:rPr>
+              <a:t>    &lt;/intent-filter&gt;</a:t>
+            </a:r>
+          </a:p>
+          <a:p>
+            <a:pPr marL="400050" lvl="1" indent="0">
+              <a:buNone/>
+            </a:pPr>
+            <a:r>
+              <a:rPr lang="en-US" altLang="zh-TW" sz="1400" dirty="0">
+                <a:latin typeface="+mj-ea"/>
+                <a:ea typeface="+mj-ea"/>
+              </a:rPr>
+              <a:t>&lt;/receiver&gt;</a:t>
+            </a:r>
+            <a:endParaRPr lang="zh-TW" altLang="en-US" sz="1400" dirty="0">
+              <a:latin typeface="+mj-ea"/>
+              <a:ea typeface="+mj-ea"/>
+            </a:endParaRPr>
+          </a:p>
+        </p:txBody>
+      </p:sp>
+      <p:pic>
+        <p:nvPicPr>
+          <p:cNvPr id="1026" name="Picture 2"/>
+          <p:cNvPicPr>
+            <a:picLocks noChangeAspect="1" noChangeArrowheads="1"/>
+          </p:cNvPicPr>
+          <p:nvPr/>
+        </p:nvPicPr>
+        <p:blipFill>
+          <a:blip r:embed="rId3">
+            <a:extLst>
+              <a:ext uri="{28A0092B-C50C-407E-A947-70E740481C1C}">
+                <a14:useLocalDpi xmlns:a14="http://schemas.microsoft.com/office/drawing/2010/main" val="0"/>
+              </a:ext>
+            </a:extLst>
+          </a:blip>
+          <a:srcRect/>
+          <a:stretch>
+            <a:fillRect/>
+          </a:stretch>
+        </p:blipFill>
+        <p:spPr bwMode="auto">
+          <a:xfrm>
+            <a:off x="971600" y="4653136"/>
+            <a:ext cx="7005328" cy="1569888"/>
+          </a:xfrm>
+          <a:prstGeom prst="rect">
+            <a:avLst/>
+          </a:prstGeom>
+          <a:noFill/>
+          <a:ln>
+            <a:noFill/>
+          </a:ln>
+          <a:extLst>
+            <a:ext uri="{909E8E84-426E-40DD-AFC4-6F175D3DCCD1}">
+              <a14:hiddenFill xmlns:a14="http://schemas.microsoft.com/office/drawing/2010/main">
+                <a:solidFill>
+                  <a:schemeClr val="accent1"/>
+                </a:solidFill>
+              </a14:hiddenFill>
+            </a:ext>
+            <a:ext uri="{91240B29-F687-4F45-9708-019B960494DF}">
+              <a14:hiddenLine xmlns:a14="http://schemas.microsoft.com/office/drawing/2010/main" w="9525">
+                <a:solidFill>
+                  <a:schemeClr val="tx1"/>
+                </a:solidFill>
+                <a:miter lim="800000"/>
+                <a:headEnd/>
+                <a:tailEnd/>
+              </a14:hiddenLine>
+            </a:ext>
+          </a:extLst>
+        </p:spPr>
+      </p:pic>
+      <p:sp>
+        <p:nvSpPr>
+          <p:cNvPr id="6" name="矩形 5"/>
+          <p:cNvSpPr/>
+          <p:nvPr/>
+        </p:nvSpPr>
+        <p:spPr>
+          <a:xfrm>
+            <a:off x="3995937" y="5635877"/>
+            <a:ext cx="2664296" cy="156701"/>
+          </a:xfrm>
+          <a:prstGeom prst="rect">
+            <a:avLst/>
+          </a:prstGeom>
+          <a:noFill/>
+          <a:ln>
+            <a:solidFill>
+              <a:srgbClr val="FF0000"/>
+            </a:solidFill>
+          </a:ln>
+        </p:spPr>
+        <p:style>
+          <a:lnRef idx="2">
+            <a:schemeClr val="accent1">
+              <a:shade val="50000"/>
+            </a:schemeClr>
+          </a:lnRef>
+          <a:fillRef idx="1">
+            <a:schemeClr val="accent1"/>
+          </a:fillRef>
+          <a:effectRef idx="0">
+            <a:schemeClr val="accent1"/>
+          </a:effectRef>
+          <a:fontRef idx="minor">
+            <a:schemeClr val="lt1"/>
+          </a:fontRef>
+        </p:style>
+        <p:txBody>
+          <a:bodyPr rtlCol="0" anchor="ctr"/>
+          <a:lstStyle/>
+          <a:p>
+            <a:pPr algn="ctr"/>
+            <a:endParaRPr lang="zh-TW" altLang="en-US"/>
+          </a:p>
+        </p:txBody>
+      </p:sp>
+      <p:sp>
+        <p:nvSpPr>
+          <p:cNvPr id="4" name="矩形圖說文字 3"/>
+          <p:cNvSpPr/>
+          <p:nvPr/>
+        </p:nvSpPr>
+        <p:spPr>
+          <a:xfrm>
+            <a:off x="6876256" y="5916700"/>
+            <a:ext cx="1584176" cy="612648"/>
+          </a:xfrm>
+          <a:prstGeom prst="wedgeRectCallout">
+            <a:avLst>
+              <a:gd name="adj1" fmla="val -132519"/>
+              <a:gd name="adj2" fmla="val -66268"/>
+            </a:avLst>
+          </a:prstGeom>
+          <a:solidFill>
+            <a:schemeClr val="bg1"/>
+          </a:solidFill>
+          <a:ln>
+            <a:solidFill>
+              <a:srgbClr val="FF0000"/>
+            </a:solidFill>
+          </a:ln>
+        </p:spPr>
+        <p:style>
+          <a:lnRef idx="2">
+            <a:schemeClr val="accent1">
+              <a:shade val="50000"/>
+            </a:schemeClr>
+          </a:lnRef>
+          <a:fillRef idx="1">
+            <a:schemeClr val="accent1"/>
+          </a:fillRef>
+          <a:effectRef idx="0">
+            <a:schemeClr val="accent1"/>
+          </a:effectRef>
+          <a:fontRef idx="minor">
+            <a:schemeClr val="lt1"/>
+          </a:fontRef>
+        </p:style>
+        <p:txBody>
+          <a:bodyPr rtlCol="0" anchor="ctr"/>
+          <a:lstStyle/>
+          <a:p>
+            <a:pPr algn="ctr"/>
+            <a:r>
+              <a:rPr lang="en-US" altLang="zh-TW" dirty="0">
+                <a:solidFill>
+                  <a:schemeClr val="tx1"/>
+                </a:solidFill>
+              </a:rPr>
+              <a:t>Package </a:t>
+            </a:r>
+            <a:r>
+              <a:rPr lang="en-US" altLang="zh-TW" dirty="0" smtClean="0">
+                <a:solidFill>
+                  <a:schemeClr val="tx1"/>
+                </a:solidFill>
+              </a:rPr>
+              <a:t>Name</a:t>
+            </a:r>
+            <a:endParaRPr lang="zh-TW" altLang="en-US" dirty="0"/>
+          </a:p>
+        </p:txBody>
+      </p:sp>
+    </p:spTree>
+    <p:extLst>
+      <p:ext uri="{BB962C8B-B14F-4D97-AF65-F5344CB8AC3E}">
+        <p14:creationId xmlns:p14="http://schemas.microsoft.com/office/powerpoint/2010/main" val="4224084634"/>
+      </p:ext>
+    </p:extLst>
+  </p:cSld>
+  <p:clrMapOvr>
+    <a:masterClrMapping/>
+  </p:clrMapOvr>
+</p:sld>
+</file>
+
+<file path=ppt/slides/slide17.xml><?xml version="1.0" encoding="utf-8"?>
+<p:sld xmlns:a="http://schemas.openxmlformats.org/drawingml/2006/main" xmlns:r="http://schemas.openxmlformats.org/officeDocument/2006/relationships" xmlns:p="http://schemas.openxmlformats.org/presentationml/2006/main">
+  <p:cSld>
+    <p:spTree>
+      <p:nvGrpSpPr>
+        <p:cNvPr id="1" name=""/>
+        <p:cNvGrpSpPr/>
+        <p:nvPr/>
+      </p:nvGrpSpPr>
+      <p:grpSpPr>
+        <a:xfrm>
+          <a:off x="0" y="0"/>
+          <a:ext cx="0" cy="0"/>
+          <a:chOff x="0" y="0"/>
+          <a:chExt cx="0" cy="0"/>
+        </a:xfrm>
+      </p:grpSpPr>
+      <p:sp>
+        <p:nvSpPr>
+          <p:cNvPr id="2" name="標題 1"/>
+          <p:cNvSpPr>
+            <a:spLocks noGrp="1"/>
+          </p:cNvSpPr>
+          <p:nvPr>
+            <p:ph type="title"/>
+          </p:nvPr>
+        </p:nvSpPr>
+        <p:spPr/>
+        <p:txBody>
+          <a:bodyPr/>
+          <a:lstStyle/>
+          <a:p>
+            <a:r>
+              <a:rPr lang="zh-TW" altLang="en-US" dirty="0" smtClean="0"/>
+              <a:t>新版</a:t>
+            </a:r>
+            <a:r>
+              <a:rPr lang="en-US" altLang="zh-TW" dirty="0" smtClean="0"/>
+              <a:t>GCM</a:t>
+            </a:r>
+            <a:endParaRPr lang="zh-TW" altLang="en-US" dirty="0"/>
+          </a:p>
+        </p:txBody>
+      </p:sp>
+      <p:sp>
+        <p:nvSpPr>
+          <p:cNvPr id="3" name="內容版面配置區 2"/>
+          <p:cNvSpPr>
+            <a:spLocks noGrp="1"/>
+          </p:cNvSpPr>
+          <p:nvPr>
+            <p:ph idx="1"/>
+          </p:nvPr>
+        </p:nvSpPr>
+        <p:spPr/>
+        <p:txBody>
+          <a:bodyPr/>
+          <a:lstStyle/>
+          <a:p>
+            <a:endParaRPr lang="zh-TW" altLang="en-US"/>
+          </a:p>
+        </p:txBody>
+      </p:sp>
+    </p:spTree>
+    <p:extLst>
+      <p:ext uri="{BB962C8B-B14F-4D97-AF65-F5344CB8AC3E}">
+        <p14:creationId xmlns:p14="http://schemas.microsoft.com/office/powerpoint/2010/main" val="1022638538"/>
+      </p:ext>
+    </p:extLst>
+  </p:cSld>
+  <p:clrMapOvr>
+    <a:masterClrMapping/>
+  </p:clrMapOvr>
+</p:sld>
+</file>
+
+<file path=ppt/slides/slide18.xml><?xml version="1.0" encoding="utf-8"?>
+<p:sld xmlns:a="http://schemas.openxmlformats.org/drawingml/2006/main" xmlns:r="http://schemas.openxmlformats.org/officeDocument/2006/relationships" xmlns:p="http://schemas.openxmlformats.org/presentationml/2006/main">
+  <p:cSld>
+    <p:spTree>
+      <p:nvGrpSpPr>
+        <p:cNvPr id="1" name=""/>
+        <p:cNvGrpSpPr/>
+        <p:nvPr/>
+      </p:nvGrpSpPr>
+      <p:grpSpPr>
+        <a:xfrm>
+          <a:off x="0" y="0"/>
+          <a:ext cx="0" cy="0"/>
+          <a:chOff x="0" y="0"/>
+          <a:chExt cx="0" cy="0"/>
+        </a:xfrm>
+      </p:grpSpPr>
+      <p:sp>
+        <p:nvSpPr>
+          <p:cNvPr id="2" name="標題 1"/>
+          <p:cNvSpPr>
+            <a:spLocks noGrp="1"/>
+          </p:cNvSpPr>
+          <p:nvPr>
+            <p:ph type="title"/>
+          </p:nvPr>
+        </p:nvSpPr>
+        <p:spPr/>
+        <p:txBody>
+          <a:bodyPr/>
+          <a:lstStyle/>
+          <a:p>
+            <a:endParaRPr lang="zh-TW" altLang="en-US"/>
+          </a:p>
+        </p:txBody>
+      </p:sp>
+      <p:sp>
+        <p:nvSpPr>
+          <p:cNvPr id="3" name="內容版面配置區 2"/>
+          <p:cNvSpPr>
+            <a:spLocks noGrp="1"/>
+          </p:cNvSpPr>
+          <p:nvPr>
+            <p:ph idx="1"/>
+          </p:nvPr>
+        </p:nvSpPr>
+        <p:spPr/>
+        <p:txBody>
+          <a:bodyPr/>
+          <a:lstStyle/>
+          <a:p>
+            <a:endParaRPr lang="zh-TW" altLang="en-US"/>
+          </a:p>
+        </p:txBody>
+      </p:sp>
+      <p:pic>
+        <p:nvPicPr>
+          <p:cNvPr id="1026" name="Picture 2"/>
+          <p:cNvPicPr>
+            <a:picLocks noChangeAspect="1" noChangeArrowheads="1"/>
+          </p:cNvPicPr>
+          <p:nvPr/>
+        </p:nvPicPr>
+        <p:blipFill>
+          <a:blip r:embed="rId2">
+            <a:extLst>
+              <a:ext uri="{28A0092B-C50C-407E-A947-70E740481C1C}">
+                <a14:useLocalDpi xmlns:a14="http://schemas.microsoft.com/office/drawing/2010/main" val="0"/>
+              </a:ext>
+            </a:extLst>
+          </a:blip>
+          <a:srcRect/>
+          <a:stretch>
+            <a:fillRect/>
+          </a:stretch>
+        </p:blipFill>
+        <p:spPr bwMode="auto">
+          <a:xfrm>
+            <a:off x="107504" y="2420889"/>
+            <a:ext cx="8856984" cy="2952328"/>
+          </a:xfrm>
+          <a:prstGeom prst="rect">
+            <a:avLst/>
+          </a:prstGeom>
+          <a:noFill/>
+          <a:ln>
+            <a:noFill/>
+          </a:ln>
+          <a:extLst>
+            <a:ext uri="{909E8E84-426E-40DD-AFC4-6F175D3DCCD1}">
+              <a14:hiddenFill xmlns:a14="http://schemas.microsoft.com/office/drawing/2010/main">
+                <a:solidFill>
+                  <a:schemeClr val="accent1"/>
+                </a:solidFill>
+              </a14:hiddenFill>
+            </a:ext>
+            <a:ext uri="{91240B29-F687-4F45-9708-019B960494DF}">
+              <a14:hiddenLine xmlns:a14="http://schemas.microsoft.com/office/drawing/2010/main" w="9525">
+                <a:solidFill>
+                  <a:schemeClr val="tx1"/>
+                </a:solidFill>
+                <a:miter lim="800000"/>
+                <a:headEnd/>
+                <a:tailEnd/>
+              </a14:hiddenLine>
+            </a:ext>
+          </a:extLst>
+        </p:spPr>
+      </p:pic>
+      <p:sp>
+        <p:nvSpPr>
+          <p:cNvPr id="5" name="矩形 4"/>
+          <p:cNvSpPr/>
+          <p:nvPr/>
+        </p:nvSpPr>
+        <p:spPr>
+          <a:xfrm>
+            <a:off x="611560" y="4005064"/>
+            <a:ext cx="2664296" cy="144016"/>
+          </a:xfrm>
+          <a:prstGeom prst="rect">
+            <a:avLst/>
+          </a:prstGeom>
+          <a:noFill/>
+          <a:ln>
+            <a:solidFill>
+              <a:srgbClr val="FF0000"/>
+            </a:solidFill>
+          </a:ln>
+        </p:spPr>
+        <p:style>
+          <a:lnRef idx="2">
+            <a:schemeClr val="accent1">
+              <a:shade val="50000"/>
+            </a:schemeClr>
+          </a:lnRef>
+          <a:fillRef idx="1">
+            <a:schemeClr val="accent1"/>
+          </a:fillRef>
+          <a:effectRef idx="0">
+            <a:schemeClr val="accent1"/>
+          </a:effectRef>
+          <a:fontRef idx="minor">
+            <a:schemeClr val="lt1"/>
+          </a:fontRef>
+        </p:style>
+        <p:txBody>
+          <a:bodyPr rtlCol="0" anchor="ctr"/>
+          <a:lstStyle/>
+          <a:p>
+            <a:pPr algn="ctr"/>
+            <a:endParaRPr lang="zh-TW" altLang="en-US"/>
+          </a:p>
+        </p:txBody>
+      </p:sp>
+      <p:sp>
+        <p:nvSpPr>
+          <p:cNvPr id="6" name="矩形 5"/>
+          <p:cNvSpPr/>
+          <p:nvPr/>
+        </p:nvSpPr>
+        <p:spPr>
+          <a:xfrm>
+            <a:off x="4211960" y="3861048"/>
+            <a:ext cx="3960440" cy="144016"/>
+          </a:xfrm>
+          <a:prstGeom prst="rect">
+            <a:avLst/>
+          </a:prstGeom>
+          <a:noFill/>
+          <a:ln>
+            <a:solidFill>
+              <a:srgbClr val="FF0000"/>
+            </a:solidFill>
+          </a:ln>
+        </p:spPr>
+        <p:style>
+          <a:lnRef idx="2">
+            <a:schemeClr val="accent1">
+              <a:shade val="50000"/>
+            </a:schemeClr>
+          </a:lnRef>
+          <a:fillRef idx="1">
+            <a:schemeClr val="accent1"/>
+          </a:fillRef>
+          <a:effectRef idx="0">
+            <a:schemeClr val="accent1"/>
+          </a:effectRef>
+          <a:fontRef idx="minor">
+            <a:schemeClr val="lt1"/>
+          </a:fontRef>
+        </p:style>
+        <p:txBody>
+          <a:bodyPr rtlCol="0" anchor="ctr"/>
+          <a:lstStyle/>
+          <a:p>
+            <a:pPr algn="ctr"/>
+            <a:endParaRPr lang="zh-TW" altLang="en-US"/>
+          </a:p>
+        </p:txBody>
+      </p:sp>
+    </p:spTree>
+    <p:extLst>
+      <p:ext uri="{BB962C8B-B14F-4D97-AF65-F5344CB8AC3E}">
+        <p14:creationId xmlns:p14="http://schemas.microsoft.com/office/powerpoint/2010/main" val="857774928"/>
+      </p:ext>
+    </p:extLst>
+  </p:cSld>
+  <p:clrMapOvr>
+    <a:masterClrMapping/>
+  </p:clrMapOvr>
+</p:sld>
+</file>
+
+<file path=ppt/slides/slide19.xml><?xml version="1.0" encoding="utf-8"?>
+<p:sld xmlns:a="http://schemas.openxmlformats.org/drawingml/2006/main" xmlns:r="http://schemas.openxmlformats.org/officeDocument/2006/relationships" xmlns:p="http://schemas.openxmlformats.org/presentationml/2006/main">
+  <p:cSld>
+    <p:spTree>
+      <p:nvGrpSpPr>
+        <p:cNvPr id="1" name=""/>
+        <p:cNvGrpSpPr/>
+        <p:nvPr/>
+      </p:nvGrpSpPr>
+      <p:grpSpPr>
+        <a:xfrm>
+          <a:off x="0" y="0"/>
+          <a:ext cx="0" cy="0"/>
+          <a:chOff x="0" y="0"/>
+          <a:chExt cx="0" cy="0"/>
+        </a:xfrm>
+      </p:grpSpPr>
+      <p:sp>
+        <p:nvSpPr>
+          <p:cNvPr id="2" name="標題 1"/>
+          <p:cNvSpPr>
+            <a:spLocks noGrp="1"/>
+          </p:cNvSpPr>
+          <p:nvPr>
+            <p:ph type="title"/>
+          </p:nvPr>
+        </p:nvSpPr>
+        <p:spPr/>
+        <p:txBody>
+          <a:bodyPr/>
+          <a:lstStyle/>
+          <a:p>
+            <a:endParaRPr lang="zh-TW" altLang="en-US"/>
+          </a:p>
+        </p:txBody>
+      </p:sp>
+      <p:sp>
+        <p:nvSpPr>
+          <p:cNvPr id="3" name="內容版面配置區 2"/>
+          <p:cNvSpPr>
+            <a:spLocks noGrp="1"/>
+          </p:cNvSpPr>
+          <p:nvPr>
+            <p:ph idx="1"/>
+          </p:nvPr>
+        </p:nvSpPr>
+        <p:spPr/>
+        <p:txBody>
+          <a:bodyPr/>
+          <a:lstStyle/>
+          <a:p>
+            <a:endParaRPr lang="zh-TW" altLang="en-US" dirty="0"/>
+          </a:p>
+        </p:txBody>
+      </p:sp>
+      <p:pic>
+        <p:nvPicPr>
+          <p:cNvPr id="2050" name="Picture 2"/>
+          <p:cNvPicPr>
+            <a:picLocks noChangeAspect="1" noChangeArrowheads="1"/>
+          </p:cNvPicPr>
+          <p:nvPr/>
+        </p:nvPicPr>
+        <p:blipFill>
+          <a:blip r:embed="rId2">
+            <a:extLst>
+              <a:ext uri="{28A0092B-C50C-407E-A947-70E740481C1C}">
+                <a14:useLocalDpi xmlns:a14="http://schemas.microsoft.com/office/drawing/2010/main" val="0"/>
+              </a:ext>
+            </a:extLst>
+          </a:blip>
+          <a:srcRect/>
+          <a:stretch>
+            <a:fillRect/>
+          </a:stretch>
+        </p:blipFill>
+        <p:spPr bwMode="auto">
+          <a:xfrm>
+            <a:off x="72008" y="2204864"/>
+            <a:ext cx="8964488" cy="2980945"/>
+          </a:xfrm>
+          <a:prstGeom prst="rect">
+            <a:avLst/>
+          </a:prstGeom>
+          <a:noFill/>
+          <a:ln>
+            <a:noFill/>
+          </a:ln>
+          <a:extLst>
+            <a:ext uri="{909E8E84-426E-40DD-AFC4-6F175D3DCCD1}">
+              <a14:hiddenFill xmlns:a14="http://schemas.microsoft.com/office/drawing/2010/main">
+                <a:solidFill>
+                  <a:schemeClr val="accent1"/>
+                </a:solidFill>
+              </a14:hiddenFill>
+            </a:ext>
+            <a:ext uri="{91240B29-F687-4F45-9708-019B960494DF}">
+              <a14:hiddenLine xmlns:a14="http://schemas.microsoft.com/office/drawing/2010/main" w="9525">
+                <a:solidFill>
+                  <a:schemeClr val="tx1"/>
+                </a:solidFill>
+                <a:miter lim="800000"/>
+                <a:headEnd/>
+                <a:tailEnd/>
+              </a14:hiddenLine>
+            </a:ext>
+          </a:extLst>
+        </p:spPr>
+      </p:pic>
+      <p:sp>
+        <p:nvSpPr>
+          <p:cNvPr id="5" name="矩形 4"/>
+          <p:cNvSpPr/>
+          <p:nvPr/>
+        </p:nvSpPr>
+        <p:spPr>
+          <a:xfrm>
+            <a:off x="611560" y="3501008"/>
+            <a:ext cx="2664296" cy="144016"/>
+          </a:xfrm>
+          <a:prstGeom prst="rect">
+            <a:avLst/>
+          </a:prstGeom>
+          <a:noFill/>
+          <a:ln>
+            <a:solidFill>
+              <a:srgbClr val="FF0000"/>
+            </a:solidFill>
+          </a:ln>
+        </p:spPr>
+        <p:style>
+          <a:lnRef idx="2">
+            <a:schemeClr val="accent1">
+              <a:shade val="50000"/>
+            </a:schemeClr>
+          </a:lnRef>
+          <a:fillRef idx="1">
+            <a:schemeClr val="accent1"/>
+          </a:fillRef>
+          <a:effectRef idx="0">
+            <a:schemeClr val="accent1"/>
+          </a:effectRef>
+          <a:fontRef idx="minor">
+            <a:schemeClr val="lt1"/>
+          </a:fontRef>
+        </p:style>
+        <p:txBody>
+          <a:bodyPr rtlCol="0" anchor="ctr"/>
+          <a:lstStyle/>
+          <a:p>
+            <a:pPr algn="ctr"/>
+            <a:endParaRPr lang="zh-TW" altLang="en-US"/>
+          </a:p>
+        </p:txBody>
+      </p:sp>
+      <p:sp>
+        <p:nvSpPr>
+          <p:cNvPr id="6" name="矩形 5"/>
+          <p:cNvSpPr/>
+          <p:nvPr/>
+        </p:nvSpPr>
+        <p:spPr>
+          <a:xfrm>
+            <a:off x="3779912" y="2852936"/>
+            <a:ext cx="4104456" cy="144016"/>
+          </a:xfrm>
+          <a:prstGeom prst="rect">
+            <a:avLst/>
+          </a:prstGeom>
+          <a:noFill/>
+          <a:ln>
+            <a:solidFill>
+              <a:srgbClr val="FF0000"/>
+            </a:solidFill>
+          </a:ln>
+        </p:spPr>
+        <p:style>
+          <a:lnRef idx="2">
+            <a:schemeClr val="accent1">
+              <a:shade val="50000"/>
+            </a:schemeClr>
+          </a:lnRef>
+          <a:fillRef idx="1">
+            <a:schemeClr val="accent1"/>
+          </a:fillRef>
+          <a:effectRef idx="0">
+            <a:schemeClr val="accent1"/>
+          </a:effectRef>
+          <a:fontRef idx="minor">
+            <a:schemeClr val="lt1"/>
+          </a:fontRef>
+        </p:style>
+        <p:txBody>
+          <a:bodyPr rtlCol="0" anchor="ctr"/>
+          <a:lstStyle/>
+          <a:p>
+            <a:pPr algn="ctr"/>
+            <a:endParaRPr lang="zh-TW" altLang="en-US"/>
+          </a:p>
+        </p:txBody>
+      </p:sp>
+    </p:spTree>
+    <p:extLst>
+      <p:ext uri="{BB962C8B-B14F-4D97-AF65-F5344CB8AC3E}">
+        <p14:creationId xmlns:p14="http://schemas.microsoft.com/office/powerpoint/2010/main" val="2332609100"/>
       </p:ext>
     </p:extLst>
   </p:cSld>

--- a/CustomerUIDemo/GCM instruction.pptx
+++ b/CustomerUIDemo/GCM instruction.pptx
@@ -5,7 +5,7 @@
     <p:sldMasterId id="2147483648" r:id="rId1"/>
   </p:sldMasterIdLst>
   <p:notesMasterIdLst>
-    <p:notesMasterId r:id="rId21"/>
+    <p:notesMasterId r:id="rId24"/>
   </p:notesMasterIdLst>
   <p:sldIdLst>
     <p:sldId id="256" r:id="rId2"/>
@@ -24,9 +24,12 @@
     <p:sldId id="273" r:id="rId15"/>
     <p:sldId id="272" r:id="rId16"/>
     <p:sldId id="274" r:id="rId17"/>
-    <p:sldId id="271" r:id="rId18"/>
-    <p:sldId id="268" r:id="rId19"/>
-    <p:sldId id="269" r:id="rId20"/>
+    <p:sldId id="275" r:id="rId18"/>
+    <p:sldId id="276" r:id="rId19"/>
+    <p:sldId id="277" r:id="rId20"/>
+    <p:sldId id="271" r:id="rId21"/>
+    <p:sldId id="268" r:id="rId22"/>
+    <p:sldId id="269" r:id="rId23"/>
   </p:sldIdLst>
   <p:sldSz cx="9144000" cy="6858000" type="screen4x3"/>
   <p:notesSz cx="6858000" cy="9144000"/>
@@ -4344,12 +4347,8 @@
           <a:lstStyle/>
           <a:p>
             <a:r>
-              <a:rPr lang="zh-TW" altLang="en-US" dirty="0" smtClean="0"/>
-              <a:t>舊版</a:t>
-            </a:r>
-            <a:r>
               <a:rPr lang="en-US" altLang="zh-TW" dirty="0" smtClean="0"/>
-              <a:t>GCM</a:t>
+              <a:t>GCM Demo 1</a:t>
             </a:r>
             <a:endParaRPr lang="zh-TW" altLang="en-US" dirty="0"/>
           </a:p>
@@ -4751,12 +4750,8 @@
           <a:lstStyle/>
           <a:p>
             <a:r>
-              <a:rPr lang="zh-TW" altLang="en-US" dirty="0"/>
-              <a:t>舊版</a:t>
-            </a:r>
-            <a:r>
               <a:rPr lang="en-US" altLang="zh-TW" dirty="0"/>
-              <a:t>GCM</a:t>
+              <a:t>GCM Demo 1</a:t>
             </a:r>
             <a:endParaRPr lang="zh-TW" altLang="en-US" dirty="0"/>
           </a:p>
@@ -5030,12 +5025,8 @@
           <a:lstStyle/>
           <a:p>
             <a:r>
-              <a:rPr lang="zh-TW" altLang="en-US" dirty="0"/>
-              <a:t>舊版</a:t>
-            </a:r>
-            <a:r>
               <a:rPr lang="en-US" altLang="zh-TW" dirty="0"/>
-              <a:t>GCM</a:t>
+              <a:t>GCM Demo 1</a:t>
             </a:r>
             <a:endParaRPr lang="zh-TW" altLang="en-US" dirty="0"/>
           </a:p>
@@ -5247,7 +5238,11 @@
           <a:bodyPr/>
           <a:lstStyle/>
           <a:p>
-            <a:endParaRPr lang="zh-TW" altLang="en-US"/>
+            <a:r>
+              <a:rPr lang="en-US" altLang="zh-TW" dirty="0"/>
+              <a:t>GCM Demo 1</a:t>
+            </a:r>
+            <a:endParaRPr lang="zh-TW" altLang="en-US" dirty="0"/>
           </a:p>
         </p:txBody>
       </p:sp>
@@ -5676,6 +5671,1145 @@
           <a:lstStyle/>
           <a:p>
             <a:r>
+              <a:rPr lang="en-US" altLang="zh-TW" dirty="0"/>
+              <a:t>GCM Demo 1</a:t>
+            </a:r>
+            <a:endParaRPr lang="zh-TW" altLang="en-US" dirty="0"/>
+          </a:p>
+        </p:txBody>
+      </p:sp>
+      <p:sp>
+        <p:nvSpPr>
+          <p:cNvPr id="3" name="內容版面配置區 2"/>
+          <p:cNvSpPr>
+            <a:spLocks noGrp="1"/>
+          </p:cNvSpPr>
+          <p:nvPr>
+            <p:ph idx="1"/>
+          </p:nvPr>
+        </p:nvSpPr>
+        <p:spPr/>
+        <p:txBody>
+          <a:bodyPr/>
+          <a:lstStyle/>
+          <a:p>
+            <a:r>
+              <a:rPr lang="en-US" altLang="zh-TW" dirty="0" smtClean="0"/>
+              <a:t>Server 向 GCM </a:t>
+            </a:r>
+            <a:r>
+              <a:rPr lang="en-US" altLang="zh-TW" dirty="0" err="1" smtClean="0"/>
+              <a:t>發訊息</a:t>
+            </a:r>
+            <a:r>
+              <a:rPr lang="en-US" altLang="zh-TW" dirty="0" smtClean="0"/>
+              <a:t> (1/3)</a:t>
+            </a:r>
+          </a:p>
+          <a:p>
+            <a:pPr lvl="1"/>
+            <a:r>
+              <a:rPr lang="en-US" altLang="zh-TW" dirty="0"/>
+              <a:t>URL: </a:t>
+            </a:r>
+            <a:r>
+              <a:rPr lang="en-US" altLang="zh-TW" dirty="0">
+                <a:hlinkClick r:id="rId2"/>
+              </a:rPr>
+              <a:t>https://</a:t>
+            </a:r>
+            <a:r>
+              <a:rPr lang="en-US" altLang="zh-TW" dirty="0" smtClean="0">
+                <a:hlinkClick r:id="rId2"/>
+              </a:rPr>
+              <a:t>android.googleapis.com/gcm/send</a:t>
+            </a:r>
+            <a:endParaRPr lang="en-US" altLang="zh-TW" dirty="0" smtClean="0"/>
+          </a:p>
+          <a:p>
+            <a:pPr lvl="1"/>
+            <a:r>
+              <a:rPr lang="en-US" altLang="zh-TW" dirty="0" smtClean="0"/>
+              <a:t>Header </a:t>
+            </a:r>
+            <a:r>
+              <a:rPr lang="en-US" altLang="zh-TW" dirty="0" err="1" smtClean="0"/>
+              <a:t>設定</a:t>
+            </a:r>
+            <a:endParaRPr lang="en-US" altLang="zh-TW" dirty="0" smtClean="0"/>
+          </a:p>
+          <a:p>
+            <a:pPr lvl="2"/>
+            <a:r>
+              <a:rPr lang="en-US" altLang="zh-TW" dirty="0"/>
+              <a:t>Authorization: </a:t>
+            </a:r>
+            <a:r>
+              <a:rPr lang="en-US" altLang="zh-TW" dirty="0" smtClean="0"/>
+              <a:t>API Key (API </a:t>
+            </a:r>
+            <a:r>
+              <a:rPr lang="en-US" altLang="zh-TW" dirty="0" err="1" smtClean="0"/>
+              <a:t>金鑰</a:t>
+            </a:r>
+            <a:r>
+              <a:rPr lang="en-US" altLang="zh-TW" dirty="0" smtClean="0"/>
+              <a:t>)</a:t>
+            </a:r>
+          </a:p>
+          <a:p>
+            <a:pPr lvl="2"/>
+            <a:r>
+              <a:rPr lang="en-US" altLang="zh-TW" dirty="0"/>
+              <a:t>Content-Type: </a:t>
+            </a:r>
+            <a:r>
+              <a:rPr lang="en-US" altLang="zh-TW" dirty="0" smtClean="0"/>
+              <a:t>application/</a:t>
+            </a:r>
+            <a:r>
+              <a:rPr lang="en-US" altLang="zh-TW" dirty="0" err="1" smtClean="0"/>
+              <a:t>json</a:t>
+            </a:r>
+            <a:endParaRPr lang="en-US" altLang="zh-TW" dirty="0" smtClean="0"/>
+          </a:p>
+          <a:p>
+            <a:pPr lvl="2"/>
+            <a:endParaRPr lang="en-US" altLang="zh-TW" dirty="0" smtClean="0"/>
+          </a:p>
+        </p:txBody>
+      </p:sp>
+    </p:spTree>
+    <p:extLst>
+      <p:ext uri="{BB962C8B-B14F-4D97-AF65-F5344CB8AC3E}">
+        <p14:creationId xmlns:p14="http://schemas.microsoft.com/office/powerpoint/2010/main" val="65801463"/>
+      </p:ext>
+    </p:extLst>
+  </p:cSld>
+  <p:clrMapOvr>
+    <a:masterClrMapping/>
+  </p:clrMapOvr>
+</p:sld>
+</file>
+
+<file path=ppt/slides/slide18.xml><?xml version="1.0" encoding="utf-8"?>
+<p:sld xmlns:a="http://schemas.openxmlformats.org/drawingml/2006/main" xmlns:r="http://schemas.openxmlformats.org/officeDocument/2006/relationships" xmlns:p="http://schemas.openxmlformats.org/presentationml/2006/main">
+  <p:cSld>
+    <p:spTree>
+      <p:nvGrpSpPr>
+        <p:cNvPr id="1" name=""/>
+        <p:cNvGrpSpPr/>
+        <p:nvPr/>
+      </p:nvGrpSpPr>
+      <p:grpSpPr>
+        <a:xfrm>
+          <a:off x="0" y="0"/>
+          <a:ext cx="0" cy="0"/>
+          <a:chOff x="0" y="0"/>
+          <a:chExt cx="0" cy="0"/>
+        </a:xfrm>
+      </p:grpSpPr>
+      <p:sp>
+        <p:nvSpPr>
+          <p:cNvPr id="2" name="標題 1"/>
+          <p:cNvSpPr>
+            <a:spLocks noGrp="1"/>
+          </p:cNvSpPr>
+          <p:nvPr>
+            <p:ph type="title"/>
+          </p:nvPr>
+        </p:nvSpPr>
+        <p:spPr/>
+        <p:txBody>
+          <a:bodyPr/>
+          <a:lstStyle/>
+          <a:p>
+            <a:r>
+              <a:rPr lang="en-US" altLang="zh-TW" dirty="0"/>
+              <a:t>GCM Demo 1</a:t>
+            </a:r>
+            <a:endParaRPr lang="zh-TW" altLang="en-US" dirty="0"/>
+          </a:p>
+        </p:txBody>
+      </p:sp>
+      <p:sp>
+        <p:nvSpPr>
+          <p:cNvPr id="3" name="內容版面配置區 2"/>
+          <p:cNvSpPr>
+            <a:spLocks noGrp="1"/>
+          </p:cNvSpPr>
+          <p:nvPr>
+            <p:ph idx="1"/>
+          </p:nvPr>
+        </p:nvSpPr>
+        <p:spPr/>
+        <p:txBody>
+          <a:bodyPr>
+            <a:normAutofit/>
+          </a:bodyPr>
+          <a:lstStyle/>
+          <a:p>
+            <a:r>
+              <a:rPr lang="en-US" altLang="zh-TW" dirty="0" smtClean="0">
+                <a:latin typeface="+mn-ea"/>
+              </a:rPr>
+              <a:t>Server 向 GCM </a:t>
+            </a:r>
+            <a:r>
+              <a:rPr lang="en-US" altLang="zh-TW" dirty="0" err="1" smtClean="0">
+                <a:latin typeface="+mn-ea"/>
+              </a:rPr>
+              <a:t>發訊息</a:t>
+            </a:r>
+            <a:r>
+              <a:rPr lang="en-US" altLang="zh-TW" dirty="0"/>
+              <a:t> </a:t>
+            </a:r>
+            <a:r>
+              <a:rPr lang="en-US" altLang="zh-TW" dirty="0" smtClean="0"/>
+              <a:t>(2/3</a:t>
+            </a:r>
+            <a:r>
+              <a:rPr lang="en-US" altLang="zh-TW" dirty="0"/>
+              <a:t>)</a:t>
+            </a:r>
+            <a:endParaRPr lang="en-US" altLang="zh-TW" dirty="0" smtClean="0">
+              <a:latin typeface="+mn-ea"/>
+            </a:endParaRPr>
+          </a:p>
+          <a:p>
+            <a:pPr lvl="1"/>
+            <a:r>
+              <a:rPr lang="en-US" altLang="zh-TW" dirty="0" smtClean="0">
+                <a:latin typeface="+mn-ea"/>
+              </a:rPr>
+              <a:t>Post </a:t>
+            </a:r>
+            <a:r>
+              <a:rPr lang="en-US" altLang="zh-TW" dirty="0" err="1">
+                <a:latin typeface="+mn-ea"/>
+              </a:rPr>
+              <a:t>資料，要為JSON格式</a:t>
+            </a:r>
+            <a:endParaRPr lang="en-US" altLang="zh-TW" dirty="0" smtClean="0">
+              <a:latin typeface="+mn-ea"/>
+            </a:endParaRPr>
+          </a:p>
+          <a:p>
+            <a:pPr marL="400050" lvl="2" indent="0">
+              <a:buNone/>
+            </a:pPr>
+            <a:r>
+              <a:rPr lang="en-US" altLang="zh-TW" sz="1600" dirty="0" smtClean="0">
+                <a:latin typeface="+mn-ea"/>
+              </a:rPr>
+              <a:t>{“</a:t>
+            </a:r>
+            <a:r>
+              <a:rPr lang="en-US" altLang="zh-TW" sz="1600" dirty="0" err="1" smtClean="0">
+                <a:latin typeface="+mn-ea"/>
+              </a:rPr>
+              <a:t>registration_ids</a:t>
+            </a:r>
+            <a:r>
+              <a:rPr lang="en-US" altLang="zh-TW" sz="1600" dirty="0" smtClean="0">
+                <a:latin typeface="+mn-ea"/>
+              </a:rPr>
+              <a:t>":[“</a:t>
+            </a:r>
+            <a:r>
+              <a:rPr lang="en-US" altLang="zh-TW" sz="1600" b="1" dirty="0" err="1" smtClean="0">
+                <a:solidFill>
+                  <a:srgbClr val="FF0000"/>
+                </a:solidFill>
+                <a:latin typeface="+mn-ea"/>
+              </a:rPr>
+              <a:t>user註冊的register</a:t>
+            </a:r>
+            <a:r>
+              <a:rPr lang="en-US" altLang="zh-TW" sz="1600" b="1" dirty="0" smtClean="0">
+                <a:solidFill>
+                  <a:srgbClr val="FF0000"/>
+                </a:solidFill>
+                <a:latin typeface="+mn-ea"/>
+              </a:rPr>
+              <a:t> ID</a:t>
+            </a:r>
+            <a:r>
+              <a:rPr lang="en-US" altLang="zh-TW" sz="1600" dirty="0" smtClean="0">
+                <a:latin typeface="+mn-ea"/>
+              </a:rPr>
+              <a:t>"],   </a:t>
+            </a:r>
+          </a:p>
+          <a:p>
+            <a:pPr marL="400050" lvl="2" indent="0">
+              <a:buNone/>
+            </a:pPr>
+            <a:r>
+              <a:rPr lang="en-US" altLang="zh-TW" sz="1600" dirty="0">
+                <a:latin typeface="+mn-ea"/>
+              </a:rPr>
+              <a:t> </a:t>
+            </a:r>
+            <a:r>
+              <a:rPr lang="en-US" altLang="zh-TW" sz="1600" dirty="0" smtClean="0">
+                <a:latin typeface="+mn-ea"/>
+              </a:rPr>
+              <a:t>  "</a:t>
+            </a:r>
+            <a:r>
+              <a:rPr lang="en-US" altLang="zh-TW" sz="1600" dirty="0">
+                <a:latin typeface="+mn-ea"/>
+              </a:rPr>
+              <a:t>data</a:t>
+            </a:r>
+            <a:r>
+              <a:rPr lang="en-US" altLang="zh-TW" sz="1600" dirty="0" smtClean="0">
+                <a:latin typeface="+mn-ea"/>
+              </a:rPr>
+              <a:t>":{</a:t>
+            </a:r>
+            <a:r>
+              <a:rPr lang="en-US" altLang="zh-TW" sz="1600" b="1" dirty="0" err="1" smtClean="0">
+                <a:solidFill>
+                  <a:srgbClr val="FF0000"/>
+                </a:solidFill>
+                <a:latin typeface="+mn-ea"/>
+              </a:rPr>
+              <a:t>傳送訊息內容</a:t>
+            </a:r>
+            <a:r>
+              <a:rPr lang="en-US" altLang="zh-TW" sz="1600" dirty="0" smtClean="0">
+                <a:latin typeface="+mn-ea"/>
+              </a:rPr>
+              <a:t>} </a:t>
+            </a:r>
+            <a:r>
+              <a:rPr lang="en-US" altLang="zh-TW" sz="1600" dirty="0">
+                <a:latin typeface="+mn-ea"/>
+              </a:rPr>
+              <a:t>}</a:t>
+            </a:r>
+            <a:endParaRPr lang="zh-TW" altLang="en-US" sz="1600" dirty="0">
+              <a:latin typeface="+mn-ea"/>
+            </a:endParaRPr>
+          </a:p>
+          <a:p>
+            <a:pPr marL="0" indent="0">
+              <a:buNone/>
+            </a:pPr>
+            <a:r>
+              <a:rPr lang="en-US" altLang="zh-TW" sz="1600" b="1" dirty="0" smtClean="0">
+                <a:latin typeface="+mn-ea"/>
+              </a:rPr>
+              <a:t>    Ex:</a:t>
+            </a:r>
+          </a:p>
+          <a:p>
+            <a:pPr marL="800100" lvl="2" indent="0">
+              <a:buNone/>
+            </a:pPr>
+            <a:r>
+              <a:rPr lang="en-US" altLang="zh-TW" sz="1600" dirty="0">
+                <a:latin typeface="+mn-ea"/>
+              </a:rPr>
+              <a:t>{"</a:t>
+            </a:r>
+            <a:r>
+              <a:rPr lang="en-US" altLang="zh-TW" sz="1600" dirty="0" err="1">
+                <a:latin typeface="+mn-ea"/>
+              </a:rPr>
+              <a:t>registration_ids</a:t>
+            </a:r>
+            <a:r>
+              <a:rPr lang="en-US" altLang="zh-TW" sz="1600" dirty="0">
+                <a:latin typeface="+mn-ea"/>
+              </a:rPr>
+              <a:t>":["</a:t>
+            </a:r>
+            <a:r>
+              <a:rPr lang="en-US" altLang="zh-TW" sz="1600" b="1" dirty="0">
+                <a:solidFill>
+                  <a:srgbClr val="FF0000"/>
+                </a:solidFill>
+                <a:latin typeface="+mn-ea"/>
+              </a:rPr>
+              <a:t>APA91bH2vsurFMpH2dQDYPIW8x</a:t>
+            </a:r>
+            <a:r>
+              <a:rPr lang="en-US" altLang="zh-TW" sz="1600" dirty="0">
+                <a:latin typeface="+mn-ea"/>
+              </a:rPr>
+              <a:t>"],</a:t>
+            </a:r>
+          </a:p>
+          <a:p>
+            <a:pPr marL="800100" lvl="2" indent="0">
+              <a:buNone/>
+            </a:pPr>
+            <a:r>
+              <a:rPr lang="en-US" altLang="zh-TW" sz="1600" dirty="0">
+                <a:latin typeface="+mn-ea"/>
+              </a:rPr>
+              <a:t>  "data":{</a:t>
+            </a:r>
+          </a:p>
+          <a:p>
+            <a:pPr marL="800100" lvl="2" indent="0">
+              <a:buNone/>
+            </a:pPr>
+            <a:r>
+              <a:rPr lang="en-US" altLang="zh-TW" sz="1600" dirty="0">
+                <a:latin typeface="+mn-ea"/>
+              </a:rPr>
+              <a:t>	</a:t>
+            </a:r>
+            <a:r>
+              <a:rPr lang="en-US" altLang="zh-TW" sz="1600" b="1" dirty="0">
+                <a:solidFill>
+                  <a:srgbClr val="FF0000"/>
+                </a:solidFill>
+                <a:latin typeface="+mn-ea"/>
+              </a:rPr>
+              <a:t>"message":{"model":"AAA-001", </a:t>
+            </a:r>
+          </a:p>
+          <a:p>
+            <a:pPr marL="800100" lvl="2" indent="0">
+              <a:buNone/>
+            </a:pPr>
+            <a:r>
+              <a:rPr lang="en-US" altLang="zh-TW" sz="1600" b="1" dirty="0">
+                <a:solidFill>
+                  <a:srgbClr val="FF0000"/>
+                </a:solidFill>
+                <a:latin typeface="+mn-ea"/>
+              </a:rPr>
+              <a:t>	           "</a:t>
+            </a:r>
+            <a:r>
+              <a:rPr lang="en-US" altLang="zh-TW" sz="1600" b="1" dirty="0" err="1">
+                <a:solidFill>
+                  <a:srgbClr val="FF0000"/>
+                </a:solidFill>
+                <a:latin typeface="+mn-ea"/>
+              </a:rPr>
+              <a:t>name":"Car</a:t>
+            </a:r>
+            <a:r>
+              <a:rPr lang="en-US" altLang="zh-TW" sz="1600" b="1" dirty="0">
+                <a:solidFill>
+                  <a:srgbClr val="FF0000"/>
+                </a:solidFill>
+                <a:latin typeface="+mn-ea"/>
+              </a:rPr>
+              <a:t>", </a:t>
+            </a:r>
+          </a:p>
+          <a:p>
+            <a:pPr marL="800100" lvl="2" indent="0">
+              <a:buNone/>
+            </a:pPr>
+            <a:r>
+              <a:rPr lang="en-US" altLang="zh-TW" sz="1600" b="1" dirty="0">
+                <a:solidFill>
+                  <a:srgbClr val="FF0000"/>
+                </a:solidFill>
+                <a:latin typeface="+mn-ea"/>
+              </a:rPr>
+              <a:t>		   "</a:t>
+            </a:r>
+            <a:r>
+              <a:rPr lang="en-US" altLang="zh-TW" sz="1600" b="1" dirty="0" err="1">
+                <a:solidFill>
+                  <a:srgbClr val="FF0000"/>
+                </a:solidFill>
+                <a:latin typeface="+mn-ea"/>
+              </a:rPr>
+              <a:t>color":"Red</a:t>
+            </a:r>
+            <a:r>
+              <a:rPr lang="en-US" altLang="zh-TW" sz="1600" b="1" dirty="0">
+                <a:solidFill>
+                  <a:srgbClr val="FF0000"/>
+                </a:solidFill>
+                <a:latin typeface="+mn-ea"/>
+              </a:rPr>
+              <a:t>" }</a:t>
+            </a:r>
+          </a:p>
+          <a:p>
+            <a:pPr marL="800100" lvl="2" indent="0">
+              <a:buNone/>
+            </a:pPr>
+            <a:r>
+              <a:rPr lang="en-US" altLang="zh-TW" sz="1600" dirty="0">
+                <a:latin typeface="+mn-ea"/>
+              </a:rPr>
+              <a:t>	}</a:t>
+            </a:r>
+          </a:p>
+          <a:p>
+            <a:pPr marL="800100" lvl="2" indent="0">
+              <a:buNone/>
+            </a:pPr>
+            <a:r>
+              <a:rPr lang="en-US" altLang="zh-TW" sz="1600" dirty="0">
+                <a:latin typeface="+mn-ea"/>
+              </a:rPr>
+              <a:t>}</a:t>
+            </a:r>
+            <a:endParaRPr lang="zh-TW" altLang="en-US" sz="1600" dirty="0">
+              <a:latin typeface="+mn-ea"/>
+            </a:endParaRPr>
+          </a:p>
+        </p:txBody>
+      </p:sp>
+      <p:sp>
+        <p:nvSpPr>
+          <p:cNvPr id="4" name="文字方塊 3"/>
+          <p:cNvSpPr txBox="1"/>
+          <p:nvPr/>
+        </p:nvSpPr>
+        <p:spPr>
+          <a:xfrm>
+            <a:off x="971600" y="5589240"/>
+            <a:ext cx="7311617" cy="1200329"/>
+          </a:xfrm>
+          <a:prstGeom prst="rect">
+            <a:avLst/>
+          </a:prstGeom>
+          <a:noFill/>
+        </p:spPr>
+        <p:txBody>
+          <a:bodyPr wrap="none" rtlCol="0">
+            <a:spAutoFit/>
+          </a:bodyPr>
+          <a:lstStyle/>
+          <a:p>
+            <a:pPr marL="457200" indent="-457200">
+              <a:buAutoNum type="arabicPeriod"/>
+            </a:pPr>
+            <a:r>
+              <a:rPr lang="en-US" altLang="zh-TW" sz="2400" b="1" dirty="0" err="1" smtClean="0">
+                <a:solidFill>
+                  <a:srgbClr val="FF0000"/>
+                </a:solidFill>
+                <a:latin typeface="+mn-ea"/>
+              </a:rPr>
+              <a:t>registration_ids</a:t>
+            </a:r>
+            <a:r>
+              <a:rPr lang="en-US" altLang="zh-TW" sz="2400" b="1" dirty="0" smtClean="0">
+                <a:solidFill>
+                  <a:srgbClr val="FF0000"/>
+                </a:solidFill>
+                <a:latin typeface="+mn-ea"/>
+              </a:rPr>
+              <a:t> </a:t>
+            </a:r>
+            <a:r>
+              <a:rPr lang="en-US" altLang="zh-TW" sz="2400" b="1" dirty="0" err="1" smtClean="0">
+                <a:solidFill>
+                  <a:srgbClr val="FF0000"/>
+                </a:solidFill>
+                <a:latin typeface="+mn-ea"/>
+              </a:rPr>
+              <a:t>可以設定多筆，就可以傳給多個user</a:t>
+            </a:r>
+            <a:endParaRPr lang="en-US" altLang="zh-TW" sz="2400" b="1" dirty="0" smtClean="0">
+              <a:solidFill>
+                <a:srgbClr val="FF0000"/>
+              </a:solidFill>
+              <a:latin typeface="+mn-ea"/>
+            </a:endParaRPr>
+          </a:p>
+          <a:p>
+            <a:pPr marL="457200" indent="-457200">
+              <a:buAutoNum type="arabicPeriod"/>
+            </a:pPr>
+            <a:r>
+              <a:rPr lang="en-US" altLang="zh-TW" sz="2400" b="1" dirty="0" smtClean="0">
+                <a:solidFill>
+                  <a:srgbClr val="FF0000"/>
+                </a:solidFill>
+                <a:latin typeface="+mn-ea"/>
+              </a:rPr>
+              <a:t>data </a:t>
+            </a:r>
+            <a:r>
+              <a:rPr lang="en-US" altLang="zh-TW" sz="2400" b="1" dirty="0" err="1" smtClean="0">
+                <a:solidFill>
+                  <a:srgbClr val="FF0000"/>
+                </a:solidFill>
+                <a:latin typeface="+mn-ea"/>
+              </a:rPr>
+              <a:t>內容可以自行定義，只要是JSON格式及可</a:t>
+            </a:r>
+            <a:endParaRPr lang="en-US" altLang="zh-TW" sz="2400" b="1" dirty="0" smtClean="0">
+              <a:solidFill>
+                <a:srgbClr val="FF0000"/>
+              </a:solidFill>
+              <a:latin typeface="+mn-ea"/>
+            </a:endParaRPr>
+          </a:p>
+          <a:p>
+            <a:pPr marL="457200" indent="-457200">
+              <a:buAutoNum type="arabicPeriod"/>
+            </a:pPr>
+            <a:r>
+              <a:rPr lang="en-US" altLang="zh-TW" sz="2400" b="1" dirty="0" smtClean="0">
+                <a:solidFill>
+                  <a:srgbClr val="FF0000"/>
+                </a:solidFill>
+                <a:latin typeface="+mn-ea"/>
+              </a:rPr>
+              <a:t>client </a:t>
+            </a:r>
+            <a:r>
+              <a:rPr lang="en-US" altLang="zh-TW" sz="2400" b="1" dirty="0" err="1" smtClean="0">
+                <a:solidFill>
+                  <a:srgbClr val="FF0000"/>
+                </a:solidFill>
+                <a:latin typeface="+mn-ea"/>
+              </a:rPr>
+              <a:t>收到及為”傳送訊息內容</a:t>
+            </a:r>
+            <a:r>
+              <a:rPr lang="en-US" altLang="zh-TW" sz="2400" b="1" dirty="0" smtClean="0">
+                <a:solidFill>
+                  <a:srgbClr val="FF0000"/>
+                </a:solidFill>
+                <a:latin typeface="+mn-ea"/>
+              </a:rPr>
+              <a:t>”</a:t>
+            </a:r>
+            <a:endParaRPr lang="zh-TW" altLang="en-US" sz="2400" b="1" dirty="0">
+              <a:solidFill>
+                <a:srgbClr val="FF0000"/>
+              </a:solidFill>
+            </a:endParaRPr>
+          </a:p>
+        </p:txBody>
+      </p:sp>
+    </p:spTree>
+    <p:extLst>
+      <p:ext uri="{BB962C8B-B14F-4D97-AF65-F5344CB8AC3E}">
+        <p14:creationId xmlns:p14="http://schemas.microsoft.com/office/powerpoint/2010/main" val="1603846154"/>
+      </p:ext>
+    </p:extLst>
+  </p:cSld>
+  <p:clrMapOvr>
+    <a:masterClrMapping/>
+  </p:clrMapOvr>
+</p:sld>
+</file>
+
+<file path=ppt/slides/slide19.xml><?xml version="1.0" encoding="utf-8"?>
+<p:sld xmlns:a="http://schemas.openxmlformats.org/drawingml/2006/main" xmlns:r="http://schemas.openxmlformats.org/officeDocument/2006/relationships" xmlns:p="http://schemas.openxmlformats.org/presentationml/2006/main">
+  <p:cSld>
+    <p:spTree>
+      <p:nvGrpSpPr>
+        <p:cNvPr id="1" name=""/>
+        <p:cNvGrpSpPr/>
+        <p:nvPr/>
+      </p:nvGrpSpPr>
+      <p:grpSpPr>
+        <a:xfrm>
+          <a:off x="0" y="0"/>
+          <a:ext cx="0" cy="0"/>
+          <a:chOff x="0" y="0"/>
+          <a:chExt cx="0" cy="0"/>
+        </a:xfrm>
+      </p:grpSpPr>
+      <p:sp>
+        <p:nvSpPr>
+          <p:cNvPr id="2" name="標題 1"/>
+          <p:cNvSpPr>
+            <a:spLocks noGrp="1"/>
+          </p:cNvSpPr>
+          <p:nvPr>
+            <p:ph type="title"/>
+          </p:nvPr>
+        </p:nvSpPr>
+        <p:spPr/>
+        <p:txBody>
+          <a:bodyPr/>
+          <a:lstStyle/>
+          <a:p>
+            <a:r>
+              <a:rPr lang="en-US" altLang="zh-TW" dirty="0"/>
+              <a:t>GCM Demo 1</a:t>
+            </a:r>
+            <a:endParaRPr lang="zh-TW" altLang="en-US" dirty="0"/>
+          </a:p>
+        </p:txBody>
+      </p:sp>
+      <p:sp>
+        <p:nvSpPr>
+          <p:cNvPr id="3" name="內容版面配置區 2"/>
+          <p:cNvSpPr>
+            <a:spLocks noGrp="1"/>
+          </p:cNvSpPr>
+          <p:nvPr>
+            <p:ph idx="1"/>
+          </p:nvPr>
+        </p:nvSpPr>
+        <p:spPr/>
+        <p:txBody>
+          <a:bodyPr/>
+          <a:lstStyle/>
+          <a:p>
+            <a:r>
+              <a:rPr lang="en-US" altLang="zh-TW" dirty="0">
+                <a:latin typeface="+mj-ea"/>
+                <a:ea typeface="+mj-ea"/>
+              </a:rPr>
+              <a:t>Server 向 GCM </a:t>
+            </a:r>
+            <a:r>
+              <a:rPr lang="en-US" altLang="zh-TW" dirty="0" err="1" smtClean="0">
+                <a:latin typeface="+mj-ea"/>
+                <a:ea typeface="+mj-ea"/>
+              </a:rPr>
+              <a:t>發訊息</a:t>
+            </a:r>
+            <a:r>
+              <a:rPr lang="en-US" altLang="zh-TW" dirty="0"/>
+              <a:t> </a:t>
+            </a:r>
+            <a:r>
+              <a:rPr lang="en-US" altLang="zh-TW" dirty="0" smtClean="0"/>
+              <a:t>(3/3</a:t>
+            </a:r>
+            <a:r>
+              <a:rPr lang="en-US" altLang="zh-TW" dirty="0"/>
+              <a:t>)</a:t>
+            </a:r>
+            <a:endParaRPr lang="en-US" altLang="zh-TW" dirty="0">
+              <a:latin typeface="+mj-ea"/>
+              <a:ea typeface="+mj-ea"/>
+            </a:endParaRPr>
+          </a:p>
+          <a:p>
+            <a:pPr lvl="1"/>
+            <a:r>
+              <a:rPr lang="en-US" altLang="zh-TW" dirty="0" smtClean="0">
+                <a:latin typeface="+mj-ea"/>
+                <a:ea typeface="+mj-ea"/>
+              </a:rPr>
+              <a:t>post </a:t>
+            </a:r>
+            <a:r>
+              <a:rPr lang="en-US" altLang="zh-TW" dirty="0" err="1" smtClean="0">
+                <a:latin typeface="+mj-ea"/>
+                <a:ea typeface="+mj-ea"/>
+              </a:rPr>
+              <a:t>資料後，server回應的訊息如下</a:t>
+            </a:r>
+            <a:endParaRPr lang="en-US" altLang="zh-TW" dirty="0" smtClean="0">
+              <a:latin typeface="+mj-ea"/>
+              <a:ea typeface="+mj-ea"/>
+            </a:endParaRPr>
+          </a:p>
+          <a:p>
+            <a:pPr marL="457200" lvl="1" indent="0">
+              <a:buNone/>
+            </a:pPr>
+            <a:r>
+              <a:rPr lang="en-US" altLang="zh-TW" sz="2000" dirty="0" smtClean="0">
+                <a:latin typeface="+mj-ea"/>
+                <a:ea typeface="+mj-ea"/>
+              </a:rPr>
+              <a:t>{"multicast_id":6934727490657173521,</a:t>
+            </a:r>
+          </a:p>
+          <a:p>
+            <a:pPr marL="457200" lvl="1" indent="0">
+              <a:buNone/>
+            </a:pPr>
+            <a:r>
+              <a:rPr lang="en-US" altLang="zh-TW" sz="2000" dirty="0" smtClean="0">
+                <a:latin typeface="+mj-ea"/>
+                <a:ea typeface="+mj-ea"/>
+              </a:rPr>
+              <a:t>  "</a:t>
+            </a:r>
+            <a:r>
+              <a:rPr lang="en-US" altLang="zh-TW" sz="2000" b="1" dirty="0">
+                <a:solidFill>
+                  <a:srgbClr val="FF0000"/>
+                </a:solidFill>
+                <a:latin typeface="+mj-ea"/>
+                <a:ea typeface="+mj-ea"/>
+              </a:rPr>
+              <a:t>success</a:t>
+            </a:r>
+            <a:r>
+              <a:rPr lang="en-US" altLang="zh-TW" sz="2000" dirty="0">
+                <a:latin typeface="+mj-ea"/>
+                <a:ea typeface="+mj-ea"/>
+              </a:rPr>
+              <a:t>":1</a:t>
+            </a:r>
+            <a:r>
+              <a:rPr lang="en-US" altLang="zh-TW" sz="2000" dirty="0" smtClean="0">
+                <a:latin typeface="+mj-ea"/>
+                <a:ea typeface="+mj-ea"/>
+              </a:rPr>
+              <a:t>,</a:t>
+            </a:r>
+          </a:p>
+          <a:p>
+            <a:pPr marL="457200" lvl="1" indent="0">
+              <a:buNone/>
+            </a:pPr>
+            <a:r>
+              <a:rPr lang="en-US" altLang="zh-TW" sz="2000" dirty="0" smtClean="0">
+                <a:latin typeface="+mj-ea"/>
+                <a:ea typeface="+mj-ea"/>
+              </a:rPr>
+              <a:t>  "</a:t>
+            </a:r>
+            <a:r>
+              <a:rPr lang="en-US" altLang="zh-TW" sz="2000" b="1" dirty="0">
+                <a:solidFill>
+                  <a:srgbClr val="FF0000"/>
+                </a:solidFill>
+                <a:latin typeface="+mj-ea"/>
+                <a:ea typeface="+mj-ea"/>
+              </a:rPr>
+              <a:t>failure</a:t>
+            </a:r>
+            <a:r>
+              <a:rPr lang="en-US" altLang="zh-TW" sz="2000" dirty="0">
+                <a:latin typeface="+mj-ea"/>
+                <a:ea typeface="+mj-ea"/>
+              </a:rPr>
+              <a:t>":0</a:t>
+            </a:r>
+            <a:r>
+              <a:rPr lang="en-US" altLang="zh-TW" sz="2000" dirty="0" smtClean="0">
+                <a:latin typeface="+mj-ea"/>
+                <a:ea typeface="+mj-ea"/>
+              </a:rPr>
+              <a:t>,</a:t>
+            </a:r>
+          </a:p>
+          <a:p>
+            <a:pPr marL="457200" lvl="1" indent="0">
+              <a:buNone/>
+            </a:pPr>
+            <a:r>
+              <a:rPr lang="en-US" altLang="zh-TW" sz="2000" dirty="0" smtClean="0">
+                <a:latin typeface="+mj-ea"/>
+                <a:ea typeface="+mj-ea"/>
+              </a:rPr>
+              <a:t>  "</a:t>
+            </a:r>
+            <a:r>
+              <a:rPr lang="en-US" altLang="zh-TW" sz="2000" dirty="0">
+                <a:latin typeface="+mj-ea"/>
+                <a:ea typeface="+mj-ea"/>
+              </a:rPr>
+              <a:t>canonical_ids":0</a:t>
+            </a:r>
+            <a:r>
+              <a:rPr lang="en-US" altLang="zh-TW" sz="2000" dirty="0" smtClean="0">
+                <a:latin typeface="+mj-ea"/>
+                <a:ea typeface="+mj-ea"/>
+              </a:rPr>
+              <a:t>,</a:t>
+            </a:r>
+          </a:p>
+          <a:p>
+            <a:pPr marL="457200" lvl="1" indent="0">
+              <a:buNone/>
+            </a:pPr>
+            <a:r>
+              <a:rPr lang="en-US" altLang="zh-TW" sz="2000" dirty="0" smtClean="0">
+                <a:latin typeface="+mj-ea"/>
+                <a:ea typeface="+mj-ea"/>
+              </a:rPr>
+              <a:t>  "</a:t>
+            </a:r>
+            <a:r>
+              <a:rPr lang="en-US" altLang="zh-TW" sz="2000" dirty="0">
+                <a:latin typeface="+mj-ea"/>
+                <a:ea typeface="+mj-ea"/>
+              </a:rPr>
+              <a:t>results":[{"message_id":"0:1448011210423470%5d3f2c26f9fd7ecd"}]}</a:t>
+            </a:r>
+            <a:endParaRPr lang="zh-TW" altLang="en-US" sz="2000" dirty="0">
+              <a:latin typeface="+mj-ea"/>
+              <a:ea typeface="+mj-ea"/>
+            </a:endParaRPr>
+          </a:p>
+        </p:txBody>
+      </p:sp>
+      <p:sp>
+        <p:nvSpPr>
+          <p:cNvPr id="4" name="文字方塊 3"/>
+          <p:cNvSpPr txBox="1"/>
+          <p:nvPr/>
+        </p:nvSpPr>
+        <p:spPr>
+          <a:xfrm>
+            <a:off x="1259632" y="5589239"/>
+            <a:ext cx="4442242" cy="830997"/>
+          </a:xfrm>
+          <a:prstGeom prst="rect">
+            <a:avLst/>
+          </a:prstGeom>
+          <a:noFill/>
+        </p:spPr>
+        <p:txBody>
+          <a:bodyPr wrap="none" rtlCol="0">
+            <a:spAutoFit/>
+          </a:bodyPr>
+          <a:lstStyle/>
+          <a:p>
+            <a:pPr marL="457200" indent="-457200">
+              <a:buAutoNum type="arabicPeriod"/>
+            </a:pPr>
+            <a:r>
+              <a:rPr lang="en-US" altLang="zh-TW" sz="2400" b="1" dirty="0" smtClean="0">
+                <a:solidFill>
+                  <a:srgbClr val="FF0000"/>
+                </a:solidFill>
+                <a:latin typeface="+mn-ea"/>
+              </a:rPr>
+              <a:t>success: </a:t>
+            </a:r>
+            <a:r>
+              <a:rPr lang="en-US" altLang="zh-TW" sz="2400" b="1" dirty="0" err="1" smtClean="0">
+                <a:solidFill>
+                  <a:srgbClr val="FF0000"/>
+                </a:solidFill>
+                <a:latin typeface="+mn-ea"/>
+              </a:rPr>
+              <a:t>推播成功的裝置數量</a:t>
+            </a:r>
+            <a:endParaRPr lang="en-US" altLang="zh-TW" sz="2400" b="1" dirty="0" smtClean="0">
+              <a:solidFill>
+                <a:srgbClr val="FF0000"/>
+              </a:solidFill>
+              <a:latin typeface="+mn-ea"/>
+            </a:endParaRPr>
+          </a:p>
+          <a:p>
+            <a:pPr marL="457200" indent="-457200">
+              <a:buFontTx/>
+              <a:buAutoNum type="arabicPeriod"/>
+            </a:pPr>
+            <a:r>
+              <a:rPr lang="en-US" altLang="zh-TW" sz="2400" b="1" dirty="0" smtClean="0">
+                <a:solidFill>
+                  <a:srgbClr val="FF0000"/>
+                </a:solidFill>
+                <a:latin typeface="+mn-ea"/>
+              </a:rPr>
+              <a:t>failure: </a:t>
+            </a:r>
+            <a:r>
+              <a:rPr lang="en-US" altLang="zh-TW" sz="2400" b="1" dirty="0" err="1" smtClean="0">
+                <a:solidFill>
+                  <a:srgbClr val="FF0000"/>
+                </a:solidFill>
+                <a:latin typeface="+mn-ea"/>
+              </a:rPr>
+              <a:t>推播失敗的裝置數量</a:t>
+            </a:r>
+            <a:endParaRPr lang="en-US" altLang="zh-TW" sz="2400" b="1" dirty="0">
+              <a:solidFill>
+                <a:srgbClr val="FF0000"/>
+              </a:solidFill>
+              <a:latin typeface="+mn-ea"/>
+            </a:endParaRPr>
+          </a:p>
+        </p:txBody>
+      </p:sp>
+    </p:spTree>
+    <p:extLst>
+      <p:ext uri="{BB962C8B-B14F-4D97-AF65-F5344CB8AC3E}">
+        <p14:creationId xmlns:p14="http://schemas.microsoft.com/office/powerpoint/2010/main" val="2803015073"/>
+      </p:ext>
+    </p:extLst>
+  </p:cSld>
+  <p:clrMapOvr>
+    <a:masterClrMapping/>
+  </p:clrMapOvr>
+</p:sld>
+</file>
+
+<file path=ppt/slides/slide2.xml><?xml version="1.0" encoding="utf-8"?>
+<p:sld xmlns:a="http://schemas.openxmlformats.org/drawingml/2006/main" xmlns:r="http://schemas.openxmlformats.org/officeDocument/2006/relationships" xmlns:p="http://schemas.openxmlformats.org/presentationml/2006/main">
+  <p:cSld>
+    <p:spTree>
+      <p:nvGrpSpPr>
+        <p:cNvPr id="1" name=""/>
+        <p:cNvGrpSpPr/>
+        <p:nvPr/>
+      </p:nvGrpSpPr>
+      <p:grpSpPr>
+        <a:xfrm>
+          <a:off x="0" y="0"/>
+          <a:ext cx="0" cy="0"/>
+          <a:chOff x="0" y="0"/>
+          <a:chExt cx="0" cy="0"/>
+        </a:xfrm>
+      </p:grpSpPr>
+      <p:sp>
+        <p:nvSpPr>
+          <p:cNvPr id="2" name="標題 1"/>
+          <p:cNvSpPr>
+            <a:spLocks noGrp="1"/>
+          </p:cNvSpPr>
+          <p:nvPr>
+            <p:ph type="title"/>
+          </p:nvPr>
+        </p:nvSpPr>
+        <p:spPr/>
+        <p:txBody>
+          <a:bodyPr/>
+          <a:lstStyle/>
+          <a:p>
+            <a:endParaRPr lang="zh-TW" altLang="en-US"/>
+          </a:p>
+        </p:txBody>
+      </p:sp>
+      <p:sp>
+        <p:nvSpPr>
+          <p:cNvPr id="3" name="內容版面配置區 2"/>
+          <p:cNvSpPr>
+            <a:spLocks noGrp="1"/>
+          </p:cNvSpPr>
+          <p:nvPr>
+            <p:ph idx="1"/>
+          </p:nvPr>
+        </p:nvSpPr>
+        <p:spPr/>
+        <p:txBody>
+          <a:bodyPr/>
+          <a:lstStyle/>
+          <a:p>
+            <a:r>
+              <a:rPr lang="en-US" altLang="zh-TW" dirty="0" smtClean="0"/>
+              <a:t>GCM </a:t>
+            </a:r>
+            <a:r>
+              <a:rPr lang="en-US" altLang="zh-TW" dirty="0" err="1" smtClean="0"/>
+              <a:t>設定說明</a:t>
+            </a:r>
+            <a:endParaRPr lang="en-US" altLang="zh-TW" dirty="0" smtClean="0"/>
+          </a:p>
+          <a:p>
+            <a:pPr lvl="1"/>
+            <a:r>
+              <a:rPr lang="en-US" altLang="zh-TW" dirty="0">
+                <a:hlinkClick r:id="rId3"/>
+              </a:rPr>
+              <a:t>https://</a:t>
+            </a:r>
+            <a:r>
+              <a:rPr lang="en-US" altLang="zh-TW" dirty="0" smtClean="0">
+                <a:hlinkClick r:id="rId3"/>
+              </a:rPr>
+              <a:t>developers.google.com/cloud-messaging/android/client</a:t>
+            </a:r>
+            <a:endParaRPr lang="en-US" altLang="zh-TW" dirty="0" smtClean="0"/>
+          </a:p>
+          <a:p>
+            <a:endParaRPr lang="en-US" altLang="zh-TW" dirty="0"/>
+          </a:p>
+          <a:p>
+            <a:r>
+              <a:rPr lang="zh-TW" altLang="en-US" dirty="0" smtClean="0"/>
+              <a:t>設定</a:t>
+            </a:r>
+            <a:r>
+              <a:rPr lang="en-US" altLang="zh-TW" dirty="0" smtClean="0"/>
+              <a:t>Google </a:t>
+            </a:r>
+            <a:r>
+              <a:rPr lang="en-US" altLang="zh-TW" dirty="0" err="1" smtClean="0"/>
+              <a:t>專案</a:t>
+            </a:r>
+            <a:r>
+              <a:rPr lang="en-US" altLang="zh-TW" dirty="0" smtClean="0"/>
+              <a:t> console </a:t>
+            </a:r>
+          </a:p>
+          <a:p>
+            <a:pPr marL="0" indent="0">
+              <a:buNone/>
+            </a:pPr>
+            <a:r>
+              <a:rPr lang="en-US" altLang="zh-TW" dirty="0"/>
+              <a:t> </a:t>
+            </a:r>
+            <a:r>
+              <a:rPr lang="en-US" altLang="zh-TW" dirty="0" smtClean="0"/>
+              <a:t>  (Google Developers Console)</a:t>
+            </a:r>
+          </a:p>
+          <a:p>
+            <a:pPr lvl="1"/>
+            <a:r>
+              <a:rPr lang="en-US" altLang="zh-TW" dirty="0"/>
+              <a:t>https://console.developers.google.com/</a:t>
+            </a:r>
+            <a:endParaRPr lang="zh-TW" altLang="en-US" dirty="0"/>
+          </a:p>
+        </p:txBody>
+      </p:sp>
+    </p:spTree>
+    <p:extLst>
+      <p:ext uri="{BB962C8B-B14F-4D97-AF65-F5344CB8AC3E}">
+        <p14:creationId xmlns:p14="http://schemas.microsoft.com/office/powerpoint/2010/main" val="3072050155"/>
+      </p:ext>
+    </p:extLst>
+  </p:cSld>
+  <p:clrMapOvr>
+    <a:masterClrMapping/>
+  </p:clrMapOvr>
+</p:sld>
+</file>
+
+<file path=ppt/slides/slide20.xml><?xml version="1.0" encoding="utf-8"?>
+<p:sld xmlns:a="http://schemas.openxmlformats.org/drawingml/2006/main" xmlns:r="http://schemas.openxmlformats.org/officeDocument/2006/relationships" xmlns:p="http://schemas.openxmlformats.org/presentationml/2006/main">
+  <p:cSld>
+    <p:spTree>
+      <p:nvGrpSpPr>
+        <p:cNvPr id="1" name=""/>
+        <p:cNvGrpSpPr/>
+        <p:nvPr/>
+      </p:nvGrpSpPr>
+      <p:grpSpPr>
+        <a:xfrm>
+          <a:off x="0" y="0"/>
+          <a:ext cx="0" cy="0"/>
+          <a:chOff x="0" y="0"/>
+          <a:chExt cx="0" cy="0"/>
+        </a:xfrm>
+      </p:grpSpPr>
+      <p:sp>
+        <p:nvSpPr>
+          <p:cNvPr id="2" name="標題 1"/>
+          <p:cNvSpPr>
+            <a:spLocks noGrp="1"/>
+          </p:cNvSpPr>
+          <p:nvPr>
+            <p:ph type="title"/>
+          </p:nvPr>
+        </p:nvSpPr>
+        <p:spPr/>
+        <p:txBody>
+          <a:bodyPr/>
+          <a:lstStyle/>
+          <a:p>
+            <a:r>
               <a:rPr lang="zh-TW" altLang="en-US" dirty="0" smtClean="0"/>
               <a:t>新版</a:t>
             </a:r>
@@ -5719,7 +6853,7 @@
 </p:sld>
 </file>
 
-<file path=ppt/slides/slide18.xml><?xml version="1.0" encoding="utf-8"?>
+<file path=ppt/slides/slide21.xml><?xml version="1.0" encoding="utf-8"?>
 <p:sld xmlns:a="http://schemas.openxmlformats.org/drawingml/2006/main" xmlns:r="http://schemas.openxmlformats.org/officeDocument/2006/relationships" xmlns:p="http://schemas.openxmlformats.org/presentationml/2006/main">
   <p:cSld>
     <p:spTree>
@@ -5933,7 +7067,7 @@
 </p:sld>
 </file>
 
-<file path=ppt/slides/slide19.xml><?xml version="1.0" encoding="utf-8"?>
+<file path=ppt/slides/slide22.xml><?xml version="1.0" encoding="utf-8"?>
 <p:sld xmlns:a="http://schemas.openxmlformats.org/drawingml/2006/main" xmlns:r="http://schemas.openxmlformats.org/officeDocument/2006/relationships" xmlns:p="http://schemas.openxmlformats.org/presentationml/2006/main">
   <p:cSld>
     <p:spTree>
@@ -6138,140 +7272,6 @@
     <p:extLst>
       <p:ext uri="{BB962C8B-B14F-4D97-AF65-F5344CB8AC3E}">
         <p14:creationId xmlns:p14="http://schemas.microsoft.com/office/powerpoint/2010/main" val="2332609100"/>
-      </p:ext>
-    </p:extLst>
-  </p:cSld>
-  <p:clrMapOvr>
-    <a:masterClrMapping/>
-  </p:clrMapOvr>
-</p:sld>
-</file>
-
-<file path=ppt/slides/slide2.xml><?xml version="1.0" encoding="utf-8"?>
-<p:sld xmlns:a="http://schemas.openxmlformats.org/drawingml/2006/main" xmlns:r="http://schemas.openxmlformats.org/officeDocument/2006/relationships" xmlns:p="http://schemas.openxmlformats.org/presentationml/2006/main">
-  <p:cSld>
-    <p:spTree>
-      <p:nvGrpSpPr>
-        <p:cNvPr id="1" name=""/>
-        <p:cNvGrpSpPr/>
-        <p:nvPr/>
-      </p:nvGrpSpPr>
-      <p:grpSpPr>
-        <a:xfrm>
-          <a:off x="0" y="0"/>
-          <a:ext cx="0" cy="0"/>
-          <a:chOff x="0" y="0"/>
-          <a:chExt cx="0" cy="0"/>
-        </a:xfrm>
-      </p:grpSpPr>
-      <p:sp>
-        <p:nvSpPr>
-          <p:cNvPr id="2" name="標題 1"/>
-          <p:cNvSpPr>
-            <a:spLocks noGrp="1"/>
-          </p:cNvSpPr>
-          <p:nvPr>
-            <p:ph type="title"/>
-          </p:nvPr>
-        </p:nvSpPr>
-        <p:spPr/>
-        <p:txBody>
-          <a:bodyPr/>
-          <a:lstStyle/>
-          <a:p>
-            <a:endParaRPr lang="zh-TW" altLang="en-US"/>
-          </a:p>
-        </p:txBody>
-      </p:sp>
-      <p:sp>
-        <p:nvSpPr>
-          <p:cNvPr id="3" name="內容版面配置區 2"/>
-          <p:cNvSpPr>
-            <a:spLocks noGrp="1"/>
-          </p:cNvSpPr>
-          <p:nvPr>
-            <p:ph idx="1"/>
-          </p:nvPr>
-        </p:nvSpPr>
-        <p:spPr/>
-        <p:txBody>
-          <a:bodyPr/>
-          <a:lstStyle/>
-          <a:p>
-            <a:r>
-              <a:rPr lang="en-US" altLang="zh-TW" dirty="0" smtClean="0"/>
-              <a:t>GCM </a:t>
-            </a:r>
-            <a:r>
-              <a:rPr lang="en-US" altLang="zh-TW" dirty="0" err="1" smtClean="0"/>
-              <a:t>設定說明</a:t>
-            </a:r>
-            <a:endParaRPr lang="en-US" altLang="zh-TW" dirty="0" smtClean="0"/>
-          </a:p>
-          <a:p>
-            <a:pPr lvl="1"/>
-            <a:r>
-              <a:rPr lang="en-US" altLang="zh-TW" dirty="0">
-                <a:hlinkClick r:id="rId3"/>
-              </a:rPr>
-              <a:t>https://</a:t>
-            </a:r>
-            <a:r>
-              <a:rPr lang="en-US" altLang="zh-TW" dirty="0" smtClean="0">
-                <a:hlinkClick r:id="rId3"/>
-              </a:rPr>
-              <a:t>developers.google.com/cloud-messaging/android/client</a:t>
-            </a:r>
-            <a:endParaRPr lang="en-US" altLang="zh-TW" dirty="0" smtClean="0"/>
-          </a:p>
-          <a:p>
-            <a:endParaRPr lang="en-US" altLang="zh-TW" dirty="0"/>
-          </a:p>
-          <a:p>
-            <a:r>
-              <a:rPr lang="zh-TW" altLang="en-US" dirty="0" smtClean="0"/>
-              <a:t>設定</a:t>
-            </a:r>
-            <a:r>
-              <a:rPr lang="en-US" altLang="zh-TW" dirty="0" smtClean="0"/>
-              <a:t>Google </a:t>
-            </a:r>
-            <a:r>
-              <a:rPr lang="en-US" altLang="zh-TW" dirty="0" err="1" smtClean="0"/>
-              <a:t>專案</a:t>
-            </a:r>
-            <a:r>
-              <a:rPr lang="en-US" altLang="zh-TW" dirty="0" smtClean="0"/>
-              <a:t> console </a:t>
-            </a:r>
-          </a:p>
-          <a:p>
-            <a:pPr marL="0" indent="0">
-              <a:buNone/>
-            </a:pPr>
-            <a:r>
-              <a:rPr lang="en-US" altLang="zh-TW" dirty="0"/>
-              <a:t> </a:t>
-            </a:r>
-            <a:r>
-              <a:rPr lang="en-US" altLang="zh-TW" dirty="0" smtClean="0"/>
-              <a:t>  (Google Developers Console)</a:t>
-            </a:r>
-          </a:p>
-          <a:p>
-            <a:pPr lvl="1"/>
-            <a:r>
-              <a:rPr lang="en-US" altLang="zh-TW" dirty="0"/>
-              <a:t>https://console.developers.google.com/</a:t>
-            </a:r>
-            <a:endParaRPr lang="zh-TW" altLang="en-US" dirty="0"/>
-          </a:p>
-        </p:txBody>
-      </p:sp>
-    </p:spTree>
-    <p:extLst>
-      <p:ext uri="{BB962C8B-B14F-4D97-AF65-F5344CB8AC3E}">
-        <p14:creationId xmlns:p14="http://schemas.microsoft.com/office/powerpoint/2010/main" val="3072050155"/>
       </p:ext>
     </p:extLst>
   </p:cSld>

--- a/CustomerUIDemo/GCM instruction.pptx
+++ b/CustomerUIDemo/GCM instruction.pptx
@@ -5,31 +5,39 @@
     <p:sldMasterId id="2147483648" r:id="rId1"/>
   </p:sldMasterIdLst>
   <p:notesMasterIdLst>
-    <p:notesMasterId r:id="rId24"/>
+    <p:notesMasterId r:id="rId32"/>
   </p:notesMasterIdLst>
   <p:sldIdLst>
     <p:sldId id="256" r:id="rId2"/>
     <p:sldId id="257" r:id="rId3"/>
-    <p:sldId id="258" r:id="rId4"/>
-    <p:sldId id="259" r:id="rId5"/>
-    <p:sldId id="260" r:id="rId6"/>
-    <p:sldId id="261" r:id="rId7"/>
-    <p:sldId id="262" r:id="rId8"/>
-    <p:sldId id="263" r:id="rId9"/>
-    <p:sldId id="264" r:id="rId10"/>
-    <p:sldId id="265" r:id="rId11"/>
-    <p:sldId id="266" r:id="rId12"/>
-    <p:sldId id="267" r:id="rId13"/>
-    <p:sldId id="270" r:id="rId14"/>
-    <p:sldId id="273" r:id="rId15"/>
-    <p:sldId id="272" r:id="rId16"/>
-    <p:sldId id="274" r:id="rId17"/>
-    <p:sldId id="275" r:id="rId18"/>
-    <p:sldId id="276" r:id="rId19"/>
-    <p:sldId id="277" r:id="rId20"/>
-    <p:sldId id="271" r:id="rId21"/>
-    <p:sldId id="268" r:id="rId22"/>
-    <p:sldId id="269" r:id="rId23"/>
+    <p:sldId id="278" r:id="rId4"/>
+    <p:sldId id="279" r:id="rId5"/>
+    <p:sldId id="280" r:id="rId6"/>
+    <p:sldId id="281" r:id="rId7"/>
+    <p:sldId id="282" r:id="rId8"/>
+    <p:sldId id="258" r:id="rId9"/>
+    <p:sldId id="259" r:id="rId10"/>
+    <p:sldId id="260" r:id="rId11"/>
+    <p:sldId id="261" r:id="rId12"/>
+    <p:sldId id="262" r:id="rId13"/>
+    <p:sldId id="263" r:id="rId14"/>
+    <p:sldId id="264" r:id="rId15"/>
+    <p:sldId id="265" r:id="rId16"/>
+    <p:sldId id="266" r:id="rId17"/>
+    <p:sldId id="267" r:id="rId18"/>
+    <p:sldId id="283" r:id="rId19"/>
+    <p:sldId id="284" r:id="rId20"/>
+    <p:sldId id="270" r:id="rId21"/>
+    <p:sldId id="273" r:id="rId22"/>
+    <p:sldId id="272" r:id="rId23"/>
+    <p:sldId id="274" r:id="rId24"/>
+    <p:sldId id="275" r:id="rId25"/>
+    <p:sldId id="285" r:id="rId26"/>
+    <p:sldId id="276" r:id="rId27"/>
+    <p:sldId id="277" r:id="rId28"/>
+    <p:sldId id="271" r:id="rId29"/>
+    <p:sldId id="268" r:id="rId30"/>
+    <p:sldId id="269" r:id="rId31"/>
   </p:sldIdLst>
   <p:sldSz cx="9144000" cy="6858000" type="screen4x3"/>
   <p:notesSz cx="6858000" cy="9144000"/>
@@ -213,7 +221,7 @@
           <a:p>
             <a:fld id="{E999E3F6-2B46-4632-8D41-3674A0205DB8}" type="datetimeFigureOut">
               <a:rPr lang="zh-TW" altLang="en-US" smtClean="0"/>
-              <a:t>2015/11/20</a:t>
+              <a:t>2015/11/24</a:t>
             </a:fld>
             <a:endParaRPr lang="zh-TW" altLang="en-US"/>
           </a:p>
@@ -630,7 +638,7 @@
           <a:p>
             <a:fld id="{320BDF2B-DAE1-40D5-A74F-54A0196EA1F7}" type="slidenum">
               <a:rPr lang="zh-TW" altLang="en-US" smtClean="0"/>
-              <a:t>16</a:t>
+              <a:t>23</a:t>
             </a:fld>
             <a:endParaRPr lang="zh-TW" altLang="en-US"/>
           </a:p>
@@ -830,7 +838,7 @@
           <a:p>
             <a:fld id="{5BBEAD13-0566-4C6C-97E7-55F17F24B09F}" type="datetimeFigureOut">
               <a:rPr lang="zh-TW" altLang="en-US" smtClean="0"/>
-              <a:t>2015/11/20</a:t>
+              <a:t>2015/11/24</a:t>
             </a:fld>
             <a:endParaRPr lang="zh-TW" altLang="en-US"/>
           </a:p>
@@ -995,7 +1003,7 @@
           <a:p>
             <a:fld id="{5BBEAD13-0566-4C6C-97E7-55F17F24B09F}" type="datetimeFigureOut">
               <a:rPr lang="zh-TW" altLang="en-US" smtClean="0"/>
-              <a:t>2015/11/20</a:t>
+              <a:t>2015/11/24</a:t>
             </a:fld>
             <a:endParaRPr lang="zh-TW" altLang="en-US"/>
           </a:p>
@@ -1170,7 +1178,7 @@
           <a:p>
             <a:fld id="{5BBEAD13-0566-4C6C-97E7-55F17F24B09F}" type="datetimeFigureOut">
               <a:rPr lang="zh-TW" altLang="en-US" smtClean="0"/>
-              <a:t>2015/11/20</a:t>
+              <a:t>2015/11/24</a:t>
             </a:fld>
             <a:endParaRPr lang="zh-TW" altLang="en-US"/>
           </a:p>
@@ -1335,7 +1343,7 @@
           <a:p>
             <a:fld id="{5BBEAD13-0566-4C6C-97E7-55F17F24B09F}" type="datetimeFigureOut">
               <a:rPr lang="zh-TW" altLang="en-US" smtClean="0"/>
-              <a:t>2015/11/20</a:t>
+              <a:t>2015/11/24</a:t>
             </a:fld>
             <a:endParaRPr lang="zh-TW" altLang="en-US"/>
           </a:p>
@@ -1576,7 +1584,7 @@
           <a:p>
             <a:fld id="{5BBEAD13-0566-4C6C-97E7-55F17F24B09F}" type="datetimeFigureOut">
               <a:rPr lang="zh-TW" altLang="en-US" smtClean="0"/>
-              <a:t>2015/11/20</a:t>
+              <a:t>2015/11/24</a:t>
             </a:fld>
             <a:endParaRPr lang="zh-TW" altLang="en-US"/>
           </a:p>
@@ -1859,7 +1867,7 @@
           <a:p>
             <a:fld id="{5BBEAD13-0566-4C6C-97E7-55F17F24B09F}" type="datetimeFigureOut">
               <a:rPr lang="zh-TW" altLang="en-US" smtClean="0"/>
-              <a:t>2015/11/20</a:t>
+              <a:t>2015/11/24</a:t>
             </a:fld>
             <a:endParaRPr lang="zh-TW" altLang="en-US"/>
           </a:p>
@@ -2276,7 +2284,7 @@
           <a:p>
             <a:fld id="{5BBEAD13-0566-4C6C-97E7-55F17F24B09F}" type="datetimeFigureOut">
               <a:rPr lang="zh-TW" altLang="en-US" smtClean="0"/>
-              <a:t>2015/11/20</a:t>
+              <a:t>2015/11/24</a:t>
             </a:fld>
             <a:endParaRPr lang="zh-TW" altLang="en-US"/>
           </a:p>
@@ -2389,7 +2397,7 @@
           <a:p>
             <a:fld id="{5BBEAD13-0566-4C6C-97E7-55F17F24B09F}" type="datetimeFigureOut">
               <a:rPr lang="zh-TW" altLang="en-US" smtClean="0"/>
-              <a:t>2015/11/20</a:t>
+              <a:t>2015/11/24</a:t>
             </a:fld>
             <a:endParaRPr lang="zh-TW" altLang="en-US"/>
           </a:p>
@@ -2479,7 +2487,7 @@
           <a:p>
             <a:fld id="{5BBEAD13-0566-4C6C-97E7-55F17F24B09F}" type="datetimeFigureOut">
               <a:rPr lang="zh-TW" altLang="en-US" smtClean="0"/>
-              <a:t>2015/11/20</a:t>
+              <a:t>2015/11/24</a:t>
             </a:fld>
             <a:endParaRPr lang="zh-TW" altLang="en-US"/>
           </a:p>
@@ -2751,7 +2759,7 @@
           <a:p>
             <a:fld id="{5BBEAD13-0566-4C6C-97E7-55F17F24B09F}" type="datetimeFigureOut">
               <a:rPr lang="zh-TW" altLang="en-US" smtClean="0"/>
-              <a:t>2015/11/20</a:t>
+              <a:t>2015/11/24</a:t>
             </a:fld>
             <a:endParaRPr lang="zh-TW" altLang="en-US"/>
           </a:p>
@@ -2999,7 +3007,7 @@
           <a:p>
             <a:fld id="{5BBEAD13-0566-4C6C-97E7-55F17F24B09F}" type="datetimeFigureOut">
               <a:rPr lang="zh-TW" altLang="en-US" smtClean="0"/>
-              <a:t>2015/11/20</a:t>
+              <a:t>2015/11/24</a:t>
             </a:fld>
             <a:endParaRPr lang="zh-TW" altLang="en-US"/>
           </a:p>
@@ -3207,7 +3215,7 @@
           <a:p>
             <a:fld id="{5BBEAD13-0566-4C6C-97E7-55F17F24B09F}" type="datetimeFigureOut">
               <a:rPr lang="zh-TW" altLang="en-US" smtClean="0"/>
-              <a:t>2015/11/20</a:t>
+              <a:t>2015/11/24</a:t>
             </a:fld>
             <a:endParaRPr lang="zh-TW" altLang="en-US"/>
           </a:p>
@@ -3669,6 +3677,1298 @@
         </p:nvSpPr>
         <p:spPr/>
         <p:txBody>
+          <a:bodyPr/>
+          <a:lstStyle/>
+          <a:p>
+            <a:r>
+              <a:rPr lang="zh-TW" altLang="en-US" dirty="0" smtClean="0"/>
+              <a:t>產生</a:t>
+            </a:r>
+            <a:r>
+              <a:rPr lang="en-US" altLang="zh-TW" dirty="0" smtClean="0"/>
+              <a:t>API</a:t>
+            </a:r>
+            <a:r>
+              <a:rPr lang="zh-TW" altLang="en-US" dirty="0" smtClean="0"/>
+              <a:t>金鑰 </a:t>
+            </a:r>
+            <a:r>
+              <a:rPr lang="en-US" altLang="zh-TW" dirty="0" smtClean="0"/>
+              <a:t>(API Key) (1/5)</a:t>
+            </a:r>
+            <a:endParaRPr lang="zh-TW" altLang="en-US" dirty="0"/>
+          </a:p>
+        </p:txBody>
+      </p:sp>
+      <p:sp>
+        <p:nvSpPr>
+          <p:cNvPr id="3" name="內容版面配置區 2"/>
+          <p:cNvSpPr>
+            <a:spLocks noGrp="1"/>
+          </p:cNvSpPr>
+          <p:nvPr>
+            <p:ph idx="1"/>
+          </p:nvPr>
+        </p:nvSpPr>
+        <p:spPr/>
+        <p:txBody>
+          <a:bodyPr/>
+          <a:lstStyle/>
+          <a:p>
+            <a:r>
+              <a:rPr lang="zh-TW" altLang="en-US" dirty="0" smtClean="0"/>
+              <a:t>進入新建立的專案</a:t>
+            </a:r>
+            <a:endParaRPr lang="en-US" altLang="zh-TW" dirty="0" smtClean="0"/>
+          </a:p>
+          <a:p>
+            <a:endParaRPr lang="en-US" altLang="zh-TW" dirty="0"/>
+          </a:p>
+          <a:p>
+            <a:endParaRPr lang="en-US" altLang="zh-TW" dirty="0" smtClean="0"/>
+          </a:p>
+          <a:p>
+            <a:endParaRPr lang="en-US" altLang="zh-TW" dirty="0"/>
+          </a:p>
+        </p:txBody>
+      </p:sp>
+      <p:pic>
+        <p:nvPicPr>
+          <p:cNvPr id="3074" name="Picture 2"/>
+          <p:cNvPicPr>
+            <a:picLocks noChangeAspect="1" noChangeArrowheads="1"/>
+          </p:cNvPicPr>
+          <p:nvPr/>
+        </p:nvPicPr>
+        <p:blipFill>
+          <a:blip r:embed="rId2">
+            <a:extLst>
+              <a:ext uri="{28A0092B-C50C-407E-A947-70E740481C1C}">
+                <a14:useLocalDpi xmlns:a14="http://schemas.microsoft.com/office/drawing/2010/main" val="0"/>
+              </a:ext>
+            </a:extLst>
+          </a:blip>
+          <a:srcRect/>
+          <a:stretch>
+            <a:fillRect/>
+          </a:stretch>
+        </p:blipFill>
+        <p:spPr bwMode="auto">
+          <a:xfrm>
+            <a:off x="899592" y="2149786"/>
+            <a:ext cx="6120680" cy="1716605"/>
+          </a:xfrm>
+          <a:prstGeom prst="rect">
+            <a:avLst/>
+          </a:prstGeom>
+          <a:noFill/>
+          <a:ln>
+            <a:noFill/>
+          </a:ln>
+          <a:extLst>
+            <a:ext uri="{909E8E84-426E-40DD-AFC4-6F175D3DCCD1}">
+              <a14:hiddenFill xmlns:a14="http://schemas.microsoft.com/office/drawing/2010/main">
+                <a:solidFill>
+                  <a:schemeClr val="accent1"/>
+                </a:solidFill>
+              </a14:hiddenFill>
+            </a:ext>
+            <a:ext uri="{91240B29-F687-4F45-9708-019B960494DF}">
+              <a14:hiddenLine xmlns:a14="http://schemas.microsoft.com/office/drawing/2010/main" w="9525">
+                <a:solidFill>
+                  <a:schemeClr val="tx1"/>
+                </a:solidFill>
+                <a:miter lim="800000"/>
+                <a:headEnd/>
+                <a:tailEnd/>
+              </a14:hiddenLine>
+            </a:ext>
+          </a:extLst>
+        </p:spPr>
+      </p:pic>
+      <p:sp>
+        <p:nvSpPr>
+          <p:cNvPr id="5" name="矩形 4"/>
+          <p:cNvSpPr/>
+          <p:nvPr/>
+        </p:nvSpPr>
+        <p:spPr>
+          <a:xfrm>
+            <a:off x="3059832" y="2149786"/>
+            <a:ext cx="1008112" cy="360040"/>
+          </a:xfrm>
+          <a:prstGeom prst="rect">
+            <a:avLst/>
+          </a:prstGeom>
+          <a:noFill/>
+          <a:ln>
+            <a:solidFill>
+              <a:srgbClr val="FF0000"/>
+            </a:solidFill>
+          </a:ln>
+        </p:spPr>
+        <p:style>
+          <a:lnRef idx="2">
+            <a:schemeClr val="accent1">
+              <a:shade val="50000"/>
+            </a:schemeClr>
+          </a:lnRef>
+          <a:fillRef idx="1">
+            <a:schemeClr val="accent1"/>
+          </a:fillRef>
+          <a:effectRef idx="0">
+            <a:schemeClr val="accent1"/>
+          </a:effectRef>
+          <a:fontRef idx="minor">
+            <a:schemeClr val="lt1"/>
+          </a:fontRef>
+        </p:style>
+        <p:txBody>
+          <a:bodyPr rtlCol="0" anchor="ctr"/>
+          <a:lstStyle/>
+          <a:p>
+            <a:pPr algn="ctr"/>
+            <a:endParaRPr lang="zh-TW" altLang="en-US"/>
+          </a:p>
+        </p:txBody>
+      </p:sp>
+    </p:spTree>
+    <p:extLst>
+      <p:ext uri="{BB962C8B-B14F-4D97-AF65-F5344CB8AC3E}">
+        <p14:creationId xmlns:p14="http://schemas.microsoft.com/office/powerpoint/2010/main" val="439696747"/>
+      </p:ext>
+    </p:extLst>
+  </p:cSld>
+  <p:clrMapOvr>
+    <a:masterClrMapping/>
+  </p:clrMapOvr>
+</p:sld>
+</file>
+
+<file path=ppt/slides/slide11.xml><?xml version="1.0" encoding="utf-8"?>
+<p:sld xmlns:a="http://schemas.openxmlformats.org/drawingml/2006/main" xmlns:r="http://schemas.openxmlformats.org/officeDocument/2006/relationships" xmlns:p="http://schemas.openxmlformats.org/presentationml/2006/main">
+  <p:cSld>
+    <p:spTree>
+      <p:nvGrpSpPr>
+        <p:cNvPr id="1" name=""/>
+        <p:cNvGrpSpPr/>
+        <p:nvPr/>
+      </p:nvGrpSpPr>
+      <p:grpSpPr>
+        <a:xfrm>
+          <a:off x="0" y="0"/>
+          <a:ext cx="0" cy="0"/>
+          <a:chOff x="0" y="0"/>
+          <a:chExt cx="0" cy="0"/>
+        </a:xfrm>
+      </p:grpSpPr>
+      <p:sp>
+        <p:nvSpPr>
+          <p:cNvPr id="2" name="標題 1"/>
+          <p:cNvSpPr>
+            <a:spLocks noGrp="1"/>
+          </p:cNvSpPr>
+          <p:nvPr>
+            <p:ph type="title"/>
+          </p:nvPr>
+        </p:nvSpPr>
+        <p:spPr/>
+        <p:txBody>
+          <a:bodyPr/>
+          <a:lstStyle/>
+          <a:p>
+            <a:r>
+              <a:rPr lang="zh-TW" altLang="en-US" dirty="0"/>
+              <a:t>產生</a:t>
+            </a:r>
+            <a:r>
+              <a:rPr lang="en-US" altLang="zh-TW" dirty="0"/>
+              <a:t>API</a:t>
+            </a:r>
+            <a:r>
+              <a:rPr lang="zh-TW" altLang="en-US" dirty="0"/>
+              <a:t>金鑰 </a:t>
+            </a:r>
+            <a:r>
+              <a:rPr lang="en-US" altLang="zh-TW" dirty="0"/>
+              <a:t>(API Key</a:t>
+            </a:r>
+            <a:r>
+              <a:rPr lang="en-US" altLang="zh-TW" dirty="0" smtClean="0"/>
+              <a:t>)</a:t>
+            </a:r>
+            <a:r>
+              <a:rPr lang="en-US" altLang="zh-TW" dirty="0"/>
+              <a:t> </a:t>
+            </a:r>
+            <a:r>
+              <a:rPr lang="en-US" altLang="zh-TW" dirty="0" smtClean="0"/>
+              <a:t>(2/5</a:t>
+            </a:r>
+            <a:r>
+              <a:rPr lang="en-US" altLang="zh-TW" dirty="0"/>
+              <a:t>)</a:t>
+            </a:r>
+            <a:endParaRPr lang="zh-TW" altLang="en-US" dirty="0"/>
+          </a:p>
+        </p:txBody>
+      </p:sp>
+      <p:sp>
+        <p:nvSpPr>
+          <p:cNvPr id="3" name="內容版面配置區 2"/>
+          <p:cNvSpPr>
+            <a:spLocks noGrp="1"/>
+          </p:cNvSpPr>
+          <p:nvPr>
+            <p:ph idx="1"/>
+          </p:nvPr>
+        </p:nvSpPr>
+        <p:spPr/>
+        <p:txBody>
+          <a:bodyPr/>
+          <a:lstStyle/>
+          <a:p>
+            <a:r>
+              <a:rPr lang="zh-TW" altLang="en-US" dirty="0"/>
+              <a:t>建立</a:t>
+            </a:r>
+            <a:r>
+              <a:rPr lang="en-US" altLang="zh-TW" dirty="0"/>
+              <a:t>API Key (API </a:t>
+            </a:r>
+            <a:r>
+              <a:rPr lang="en-US" altLang="zh-TW" dirty="0" err="1"/>
+              <a:t>金鑰</a:t>
+            </a:r>
+            <a:r>
+              <a:rPr lang="en-US" altLang="zh-TW" dirty="0"/>
+              <a:t>)</a:t>
+            </a:r>
+            <a:endParaRPr lang="zh-TW" altLang="en-US" dirty="0"/>
+          </a:p>
+          <a:p>
+            <a:endParaRPr lang="zh-TW" altLang="en-US" dirty="0"/>
+          </a:p>
+        </p:txBody>
+      </p:sp>
+      <p:pic>
+        <p:nvPicPr>
+          <p:cNvPr id="4099" name="Picture 3"/>
+          <p:cNvPicPr>
+            <a:picLocks noChangeAspect="1" noChangeArrowheads="1"/>
+          </p:cNvPicPr>
+          <p:nvPr/>
+        </p:nvPicPr>
+        <p:blipFill>
+          <a:blip r:embed="rId2">
+            <a:extLst>
+              <a:ext uri="{28A0092B-C50C-407E-A947-70E740481C1C}">
+                <a14:useLocalDpi xmlns:a14="http://schemas.microsoft.com/office/drawing/2010/main" val="0"/>
+              </a:ext>
+            </a:extLst>
+          </a:blip>
+          <a:srcRect/>
+          <a:stretch>
+            <a:fillRect/>
+          </a:stretch>
+        </p:blipFill>
+        <p:spPr bwMode="auto">
+          <a:xfrm>
+            <a:off x="323527" y="2204864"/>
+            <a:ext cx="8715489" cy="4032448"/>
+          </a:xfrm>
+          <a:prstGeom prst="rect">
+            <a:avLst/>
+          </a:prstGeom>
+          <a:noFill/>
+          <a:ln>
+            <a:noFill/>
+          </a:ln>
+          <a:extLst>
+            <a:ext uri="{909E8E84-426E-40DD-AFC4-6F175D3DCCD1}">
+              <a14:hiddenFill xmlns:a14="http://schemas.microsoft.com/office/drawing/2010/main">
+                <a:solidFill>
+                  <a:schemeClr val="accent1"/>
+                </a:solidFill>
+              </a14:hiddenFill>
+            </a:ext>
+            <a:ext uri="{91240B29-F687-4F45-9708-019B960494DF}">
+              <a14:hiddenLine xmlns:a14="http://schemas.microsoft.com/office/drawing/2010/main" w="9525">
+                <a:solidFill>
+                  <a:schemeClr val="tx1"/>
+                </a:solidFill>
+                <a:miter lim="800000"/>
+                <a:headEnd/>
+                <a:tailEnd/>
+              </a14:hiddenLine>
+            </a:ext>
+          </a:extLst>
+        </p:spPr>
+      </p:pic>
+      <p:sp>
+        <p:nvSpPr>
+          <p:cNvPr id="9" name="矩形 8"/>
+          <p:cNvSpPr/>
+          <p:nvPr/>
+        </p:nvSpPr>
+        <p:spPr>
+          <a:xfrm>
+            <a:off x="467544" y="3356992"/>
+            <a:ext cx="360040" cy="180020"/>
+          </a:xfrm>
+          <a:prstGeom prst="rect">
+            <a:avLst/>
+          </a:prstGeom>
+          <a:noFill/>
+          <a:ln>
+            <a:solidFill>
+              <a:srgbClr val="FF0000"/>
+            </a:solidFill>
+          </a:ln>
+        </p:spPr>
+        <p:style>
+          <a:lnRef idx="2">
+            <a:schemeClr val="accent1">
+              <a:shade val="50000"/>
+            </a:schemeClr>
+          </a:lnRef>
+          <a:fillRef idx="1">
+            <a:schemeClr val="accent1"/>
+          </a:fillRef>
+          <a:effectRef idx="0">
+            <a:schemeClr val="accent1"/>
+          </a:effectRef>
+          <a:fontRef idx="minor">
+            <a:schemeClr val="lt1"/>
+          </a:fontRef>
+        </p:style>
+        <p:txBody>
+          <a:bodyPr rtlCol="0" anchor="ctr"/>
+          <a:lstStyle/>
+          <a:p>
+            <a:pPr algn="ctr"/>
+            <a:endParaRPr lang="zh-TW" altLang="en-US"/>
+          </a:p>
+        </p:txBody>
+      </p:sp>
+      <p:sp>
+        <p:nvSpPr>
+          <p:cNvPr id="10" name="矩形 9"/>
+          <p:cNvSpPr/>
+          <p:nvPr/>
+        </p:nvSpPr>
+        <p:spPr>
+          <a:xfrm>
+            <a:off x="406854" y="2996952"/>
+            <a:ext cx="492738" cy="180020"/>
+          </a:xfrm>
+          <a:prstGeom prst="rect">
+            <a:avLst/>
+          </a:prstGeom>
+          <a:noFill/>
+          <a:ln>
+            <a:solidFill>
+              <a:srgbClr val="FF0000"/>
+            </a:solidFill>
+          </a:ln>
+        </p:spPr>
+        <p:style>
+          <a:lnRef idx="2">
+            <a:schemeClr val="accent1">
+              <a:shade val="50000"/>
+            </a:schemeClr>
+          </a:lnRef>
+          <a:fillRef idx="1">
+            <a:schemeClr val="accent1"/>
+          </a:fillRef>
+          <a:effectRef idx="0">
+            <a:schemeClr val="accent1"/>
+          </a:effectRef>
+          <a:fontRef idx="minor">
+            <a:schemeClr val="lt1"/>
+          </a:fontRef>
+        </p:style>
+        <p:txBody>
+          <a:bodyPr rtlCol="0" anchor="ctr"/>
+          <a:lstStyle/>
+          <a:p>
+            <a:pPr algn="ctr"/>
+            <a:endParaRPr lang="zh-TW" altLang="en-US"/>
+          </a:p>
+        </p:txBody>
+      </p:sp>
+      <p:sp>
+        <p:nvSpPr>
+          <p:cNvPr id="11" name="矩形 10"/>
+          <p:cNvSpPr/>
+          <p:nvPr/>
+        </p:nvSpPr>
+        <p:spPr>
+          <a:xfrm>
+            <a:off x="5508104" y="4437112"/>
+            <a:ext cx="720080" cy="288032"/>
+          </a:xfrm>
+          <a:prstGeom prst="rect">
+            <a:avLst/>
+          </a:prstGeom>
+          <a:noFill/>
+          <a:ln>
+            <a:solidFill>
+              <a:srgbClr val="FF0000"/>
+            </a:solidFill>
+          </a:ln>
+        </p:spPr>
+        <p:style>
+          <a:lnRef idx="2">
+            <a:schemeClr val="accent1">
+              <a:shade val="50000"/>
+            </a:schemeClr>
+          </a:lnRef>
+          <a:fillRef idx="1">
+            <a:schemeClr val="accent1"/>
+          </a:fillRef>
+          <a:effectRef idx="0">
+            <a:schemeClr val="accent1"/>
+          </a:effectRef>
+          <a:fontRef idx="minor">
+            <a:schemeClr val="lt1"/>
+          </a:fontRef>
+        </p:style>
+        <p:txBody>
+          <a:bodyPr rtlCol="0" anchor="ctr"/>
+          <a:lstStyle/>
+          <a:p>
+            <a:pPr algn="ctr"/>
+            <a:endParaRPr lang="zh-TW" altLang="en-US"/>
+          </a:p>
+        </p:txBody>
+      </p:sp>
+      <p:sp>
+        <p:nvSpPr>
+          <p:cNvPr id="12" name="矩形 11"/>
+          <p:cNvSpPr/>
+          <p:nvPr/>
+        </p:nvSpPr>
+        <p:spPr>
+          <a:xfrm>
+            <a:off x="5508104" y="4751688"/>
+            <a:ext cx="2520280" cy="405503"/>
+          </a:xfrm>
+          <a:prstGeom prst="rect">
+            <a:avLst/>
+          </a:prstGeom>
+          <a:noFill/>
+          <a:ln>
+            <a:solidFill>
+              <a:srgbClr val="FF0000"/>
+            </a:solidFill>
+          </a:ln>
+        </p:spPr>
+        <p:style>
+          <a:lnRef idx="2">
+            <a:schemeClr val="accent1">
+              <a:shade val="50000"/>
+            </a:schemeClr>
+          </a:lnRef>
+          <a:fillRef idx="1">
+            <a:schemeClr val="accent1"/>
+          </a:fillRef>
+          <a:effectRef idx="0">
+            <a:schemeClr val="accent1"/>
+          </a:effectRef>
+          <a:fontRef idx="minor">
+            <a:schemeClr val="lt1"/>
+          </a:fontRef>
+        </p:style>
+        <p:txBody>
+          <a:bodyPr rtlCol="0" anchor="ctr"/>
+          <a:lstStyle/>
+          <a:p>
+            <a:pPr algn="ctr"/>
+            <a:endParaRPr lang="zh-TW" altLang="en-US"/>
+          </a:p>
+        </p:txBody>
+      </p:sp>
+    </p:spTree>
+    <p:extLst>
+      <p:ext uri="{BB962C8B-B14F-4D97-AF65-F5344CB8AC3E}">
+        <p14:creationId xmlns:p14="http://schemas.microsoft.com/office/powerpoint/2010/main" val="1439386057"/>
+      </p:ext>
+    </p:extLst>
+  </p:cSld>
+  <p:clrMapOvr>
+    <a:masterClrMapping/>
+  </p:clrMapOvr>
+</p:sld>
+</file>
+
+<file path=ppt/slides/slide12.xml><?xml version="1.0" encoding="utf-8"?>
+<p:sld xmlns:a="http://schemas.openxmlformats.org/drawingml/2006/main" xmlns:r="http://schemas.openxmlformats.org/officeDocument/2006/relationships" xmlns:p="http://schemas.openxmlformats.org/presentationml/2006/main">
+  <p:cSld>
+    <p:spTree>
+      <p:nvGrpSpPr>
+        <p:cNvPr id="1" name=""/>
+        <p:cNvGrpSpPr/>
+        <p:nvPr/>
+      </p:nvGrpSpPr>
+      <p:grpSpPr>
+        <a:xfrm>
+          <a:off x="0" y="0"/>
+          <a:ext cx="0" cy="0"/>
+          <a:chOff x="0" y="0"/>
+          <a:chExt cx="0" cy="0"/>
+        </a:xfrm>
+      </p:grpSpPr>
+      <p:sp>
+        <p:nvSpPr>
+          <p:cNvPr id="2" name="標題 1"/>
+          <p:cNvSpPr>
+            <a:spLocks noGrp="1"/>
+          </p:cNvSpPr>
+          <p:nvPr>
+            <p:ph type="title"/>
+          </p:nvPr>
+        </p:nvSpPr>
+        <p:spPr/>
+        <p:txBody>
+          <a:bodyPr/>
+          <a:lstStyle/>
+          <a:p>
+            <a:r>
+              <a:rPr lang="zh-TW" altLang="en-US" dirty="0"/>
+              <a:t>產生</a:t>
+            </a:r>
+            <a:r>
+              <a:rPr lang="en-US" altLang="zh-TW" dirty="0"/>
+              <a:t>API</a:t>
+            </a:r>
+            <a:r>
+              <a:rPr lang="zh-TW" altLang="en-US" dirty="0"/>
+              <a:t>金鑰 </a:t>
+            </a:r>
+            <a:r>
+              <a:rPr lang="en-US" altLang="zh-TW" dirty="0"/>
+              <a:t>(API Key</a:t>
+            </a:r>
+            <a:r>
+              <a:rPr lang="en-US" altLang="zh-TW" dirty="0" smtClean="0"/>
+              <a:t>)</a:t>
+            </a:r>
+            <a:r>
+              <a:rPr lang="en-US" altLang="zh-TW" dirty="0"/>
+              <a:t> </a:t>
+            </a:r>
+            <a:r>
+              <a:rPr lang="en-US" altLang="zh-TW" dirty="0" smtClean="0"/>
+              <a:t>(3/5</a:t>
+            </a:r>
+            <a:r>
+              <a:rPr lang="en-US" altLang="zh-TW" dirty="0"/>
+              <a:t>)</a:t>
+            </a:r>
+            <a:endParaRPr lang="zh-TW" altLang="en-US" dirty="0"/>
+          </a:p>
+        </p:txBody>
+      </p:sp>
+      <p:sp>
+        <p:nvSpPr>
+          <p:cNvPr id="3" name="內容版面配置區 2"/>
+          <p:cNvSpPr>
+            <a:spLocks noGrp="1"/>
+          </p:cNvSpPr>
+          <p:nvPr>
+            <p:ph idx="1"/>
+          </p:nvPr>
+        </p:nvSpPr>
+        <p:spPr/>
+        <p:txBody>
+          <a:bodyPr/>
+          <a:lstStyle/>
+          <a:p>
+            <a:r>
+              <a:rPr lang="zh-TW" altLang="en-US" dirty="0" smtClean="0"/>
+              <a:t>選擇「伺服器金鑰」</a:t>
+            </a:r>
+            <a:endParaRPr lang="zh-TW" altLang="en-US" dirty="0"/>
+          </a:p>
+        </p:txBody>
+      </p:sp>
+      <p:pic>
+        <p:nvPicPr>
+          <p:cNvPr id="5122" name="Picture 2"/>
+          <p:cNvPicPr>
+            <a:picLocks noChangeAspect="1" noChangeArrowheads="1"/>
+          </p:cNvPicPr>
+          <p:nvPr/>
+        </p:nvPicPr>
+        <p:blipFill>
+          <a:blip r:embed="rId2">
+            <a:extLst>
+              <a:ext uri="{28A0092B-C50C-407E-A947-70E740481C1C}">
+                <a14:useLocalDpi xmlns:a14="http://schemas.microsoft.com/office/drawing/2010/main" val="0"/>
+              </a:ext>
+            </a:extLst>
+          </a:blip>
+          <a:srcRect/>
+          <a:stretch>
+            <a:fillRect/>
+          </a:stretch>
+        </p:blipFill>
+        <p:spPr bwMode="auto">
+          <a:xfrm>
+            <a:off x="899592" y="2276872"/>
+            <a:ext cx="6229350" cy="1809750"/>
+          </a:xfrm>
+          <a:prstGeom prst="rect">
+            <a:avLst/>
+          </a:prstGeom>
+          <a:noFill/>
+          <a:ln>
+            <a:noFill/>
+          </a:ln>
+          <a:extLst>
+            <a:ext uri="{909E8E84-426E-40DD-AFC4-6F175D3DCCD1}">
+              <a14:hiddenFill xmlns:a14="http://schemas.microsoft.com/office/drawing/2010/main">
+                <a:solidFill>
+                  <a:schemeClr val="accent1"/>
+                </a:solidFill>
+              </a14:hiddenFill>
+            </a:ext>
+            <a:ext uri="{91240B29-F687-4F45-9708-019B960494DF}">
+              <a14:hiddenLine xmlns:a14="http://schemas.microsoft.com/office/drawing/2010/main" w="9525">
+                <a:solidFill>
+                  <a:schemeClr val="tx1"/>
+                </a:solidFill>
+                <a:miter lim="800000"/>
+                <a:headEnd/>
+                <a:tailEnd/>
+              </a14:hiddenLine>
+            </a:ext>
+          </a:extLst>
+        </p:spPr>
+      </p:pic>
+      <p:sp>
+        <p:nvSpPr>
+          <p:cNvPr id="5" name="矩形 4"/>
+          <p:cNvSpPr/>
+          <p:nvPr/>
+        </p:nvSpPr>
+        <p:spPr>
+          <a:xfrm>
+            <a:off x="1187624" y="3465750"/>
+            <a:ext cx="1224136" cy="323289"/>
+          </a:xfrm>
+          <a:prstGeom prst="rect">
+            <a:avLst/>
+          </a:prstGeom>
+          <a:noFill/>
+          <a:ln>
+            <a:solidFill>
+              <a:srgbClr val="FF0000"/>
+            </a:solidFill>
+          </a:ln>
+        </p:spPr>
+        <p:style>
+          <a:lnRef idx="2">
+            <a:schemeClr val="accent1">
+              <a:shade val="50000"/>
+            </a:schemeClr>
+          </a:lnRef>
+          <a:fillRef idx="1">
+            <a:schemeClr val="accent1"/>
+          </a:fillRef>
+          <a:effectRef idx="0">
+            <a:schemeClr val="accent1"/>
+          </a:effectRef>
+          <a:fontRef idx="minor">
+            <a:schemeClr val="lt1"/>
+          </a:fontRef>
+        </p:style>
+        <p:txBody>
+          <a:bodyPr rtlCol="0" anchor="ctr"/>
+          <a:lstStyle/>
+          <a:p>
+            <a:pPr algn="ctr"/>
+            <a:endParaRPr lang="zh-TW" altLang="en-US"/>
+          </a:p>
+        </p:txBody>
+      </p:sp>
+    </p:spTree>
+    <p:extLst>
+      <p:ext uri="{BB962C8B-B14F-4D97-AF65-F5344CB8AC3E}">
+        <p14:creationId xmlns:p14="http://schemas.microsoft.com/office/powerpoint/2010/main" val="1328898144"/>
+      </p:ext>
+    </p:extLst>
+  </p:cSld>
+  <p:clrMapOvr>
+    <a:masterClrMapping/>
+  </p:clrMapOvr>
+</p:sld>
+</file>
+
+<file path=ppt/slides/slide13.xml><?xml version="1.0" encoding="utf-8"?>
+<p:sld xmlns:a="http://schemas.openxmlformats.org/drawingml/2006/main" xmlns:r="http://schemas.openxmlformats.org/officeDocument/2006/relationships" xmlns:p="http://schemas.openxmlformats.org/presentationml/2006/main">
+  <p:cSld>
+    <p:spTree>
+      <p:nvGrpSpPr>
+        <p:cNvPr id="1" name=""/>
+        <p:cNvGrpSpPr/>
+        <p:nvPr/>
+      </p:nvGrpSpPr>
+      <p:grpSpPr>
+        <a:xfrm>
+          <a:off x="0" y="0"/>
+          <a:ext cx="0" cy="0"/>
+          <a:chOff x="0" y="0"/>
+          <a:chExt cx="0" cy="0"/>
+        </a:xfrm>
+      </p:grpSpPr>
+      <p:sp>
+        <p:nvSpPr>
+          <p:cNvPr id="2" name="標題 1"/>
+          <p:cNvSpPr>
+            <a:spLocks noGrp="1"/>
+          </p:cNvSpPr>
+          <p:nvPr>
+            <p:ph type="title"/>
+          </p:nvPr>
+        </p:nvSpPr>
+        <p:spPr/>
+        <p:txBody>
+          <a:bodyPr/>
+          <a:lstStyle/>
+          <a:p>
+            <a:r>
+              <a:rPr lang="zh-TW" altLang="en-US" dirty="0"/>
+              <a:t>產生</a:t>
+            </a:r>
+            <a:r>
+              <a:rPr lang="en-US" altLang="zh-TW" dirty="0"/>
+              <a:t>API</a:t>
+            </a:r>
+            <a:r>
+              <a:rPr lang="zh-TW" altLang="en-US" dirty="0"/>
+              <a:t>金鑰 </a:t>
+            </a:r>
+            <a:r>
+              <a:rPr lang="en-US" altLang="zh-TW" dirty="0"/>
+              <a:t>(API Key</a:t>
+            </a:r>
+            <a:r>
+              <a:rPr lang="en-US" altLang="zh-TW" dirty="0" smtClean="0"/>
+              <a:t>)</a:t>
+            </a:r>
+            <a:r>
+              <a:rPr lang="en-US" altLang="zh-TW" dirty="0"/>
+              <a:t> </a:t>
+            </a:r>
+            <a:r>
+              <a:rPr lang="en-US" altLang="zh-TW" dirty="0" smtClean="0"/>
+              <a:t>(4/5</a:t>
+            </a:r>
+            <a:r>
+              <a:rPr lang="en-US" altLang="zh-TW" dirty="0"/>
+              <a:t>)</a:t>
+            </a:r>
+            <a:endParaRPr lang="zh-TW" altLang="en-US" dirty="0"/>
+          </a:p>
+        </p:txBody>
+      </p:sp>
+      <p:sp>
+        <p:nvSpPr>
+          <p:cNvPr id="3" name="內容版面配置區 2"/>
+          <p:cNvSpPr>
+            <a:spLocks noGrp="1"/>
+          </p:cNvSpPr>
+          <p:nvPr>
+            <p:ph idx="1"/>
+          </p:nvPr>
+        </p:nvSpPr>
+        <p:spPr/>
+        <p:txBody>
+          <a:bodyPr/>
+          <a:lstStyle/>
+          <a:p>
+            <a:r>
+              <a:rPr lang="zh-TW" altLang="en-US" dirty="0" smtClean="0"/>
+              <a:t>填寫</a:t>
+            </a:r>
+            <a:r>
+              <a:rPr lang="en-US" altLang="zh-TW" dirty="0" smtClean="0"/>
+              <a:t>”</a:t>
+            </a:r>
+            <a:r>
+              <a:rPr lang="en-US" altLang="zh-TW" dirty="0" err="1" smtClean="0"/>
+              <a:t>名稱</a:t>
+            </a:r>
+            <a:r>
+              <a:rPr lang="en-US" altLang="zh-TW" dirty="0" smtClean="0"/>
+              <a:t>”，</a:t>
+            </a:r>
+            <a:r>
+              <a:rPr lang="en-US" altLang="zh-TW" dirty="0" err="1" smtClean="0"/>
+              <a:t>按下”建立</a:t>
+            </a:r>
+            <a:r>
+              <a:rPr lang="en-US" altLang="zh-TW" dirty="0" smtClean="0"/>
+              <a:t>”</a:t>
+            </a:r>
+            <a:endParaRPr lang="zh-TW" altLang="en-US" dirty="0"/>
+          </a:p>
+        </p:txBody>
+      </p:sp>
+      <p:pic>
+        <p:nvPicPr>
+          <p:cNvPr id="6146" name="Picture 2"/>
+          <p:cNvPicPr>
+            <a:picLocks noChangeAspect="1" noChangeArrowheads="1"/>
+          </p:cNvPicPr>
+          <p:nvPr/>
+        </p:nvPicPr>
+        <p:blipFill>
+          <a:blip r:embed="rId2">
+            <a:extLst>
+              <a:ext uri="{28A0092B-C50C-407E-A947-70E740481C1C}">
+                <a14:useLocalDpi xmlns:a14="http://schemas.microsoft.com/office/drawing/2010/main" val="0"/>
+              </a:ext>
+            </a:extLst>
+          </a:blip>
+          <a:srcRect/>
+          <a:stretch>
+            <a:fillRect/>
+          </a:stretch>
+        </p:blipFill>
+        <p:spPr bwMode="auto">
+          <a:xfrm>
+            <a:off x="755576" y="2204864"/>
+            <a:ext cx="7272808" cy="3755126"/>
+          </a:xfrm>
+          <a:prstGeom prst="rect">
+            <a:avLst/>
+          </a:prstGeom>
+          <a:noFill/>
+          <a:ln>
+            <a:noFill/>
+          </a:ln>
+          <a:extLst>
+            <a:ext uri="{909E8E84-426E-40DD-AFC4-6F175D3DCCD1}">
+              <a14:hiddenFill xmlns:a14="http://schemas.microsoft.com/office/drawing/2010/main">
+                <a:solidFill>
+                  <a:schemeClr val="accent1"/>
+                </a:solidFill>
+              </a14:hiddenFill>
+            </a:ext>
+            <a:ext uri="{91240B29-F687-4F45-9708-019B960494DF}">
+              <a14:hiddenLine xmlns:a14="http://schemas.microsoft.com/office/drawing/2010/main" w="9525">
+                <a:solidFill>
+                  <a:schemeClr val="tx1"/>
+                </a:solidFill>
+                <a:miter lim="800000"/>
+                <a:headEnd/>
+                <a:tailEnd/>
+              </a14:hiddenLine>
+            </a:ext>
+          </a:extLst>
+        </p:spPr>
+      </p:pic>
+      <p:sp>
+        <p:nvSpPr>
+          <p:cNvPr id="5" name="矩形 4"/>
+          <p:cNvSpPr/>
+          <p:nvPr/>
+        </p:nvSpPr>
+        <p:spPr>
+          <a:xfrm>
+            <a:off x="827584" y="3789039"/>
+            <a:ext cx="6696744" cy="648073"/>
+          </a:xfrm>
+          <a:prstGeom prst="rect">
+            <a:avLst/>
+          </a:prstGeom>
+          <a:noFill/>
+          <a:ln>
+            <a:solidFill>
+              <a:srgbClr val="FF0000"/>
+            </a:solidFill>
+          </a:ln>
+        </p:spPr>
+        <p:style>
+          <a:lnRef idx="2">
+            <a:schemeClr val="accent1">
+              <a:shade val="50000"/>
+            </a:schemeClr>
+          </a:lnRef>
+          <a:fillRef idx="1">
+            <a:schemeClr val="accent1"/>
+          </a:fillRef>
+          <a:effectRef idx="0">
+            <a:schemeClr val="accent1"/>
+          </a:effectRef>
+          <a:fontRef idx="minor">
+            <a:schemeClr val="lt1"/>
+          </a:fontRef>
+        </p:style>
+        <p:txBody>
+          <a:bodyPr rtlCol="0" anchor="ctr"/>
+          <a:lstStyle/>
+          <a:p>
+            <a:pPr algn="ctr"/>
+            <a:endParaRPr lang="zh-TW" altLang="en-US"/>
+          </a:p>
+        </p:txBody>
+      </p:sp>
+      <p:sp>
+        <p:nvSpPr>
+          <p:cNvPr id="6" name="矩形 5"/>
+          <p:cNvSpPr/>
+          <p:nvPr/>
+        </p:nvSpPr>
+        <p:spPr>
+          <a:xfrm>
+            <a:off x="848259" y="5373216"/>
+            <a:ext cx="612068" cy="323289"/>
+          </a:xfrm>
+          <a:prstGeom prst="rect">
+            <a:avLst/>
+          </a:prstGeom>
+          <a:noFill/>
+          <a:ln>
+            <a:solidFill>
+              <a:srgbClr val="FF0000"/>
+            </a:solidFill>
+          </a:ln>
+        </p:spPr>
+        <p:style>
+          <a:lnRef idx="2">
+            <a:schemeClr val="accent1">
+              <a:shade val="50000"/>
+            </a:schemeClr>
+          </a:lnRef>
+          <a:fillRef idx="1">
+            <a:schemeClr val="accent1"/>
+          </a:fillRef>
+          <a:effectRef idx="0">
+            <a:schemeClr val="accent1"/>
+          </a:effectRef>
+          <a:fontRef idx="minor">
+            <a:schemeClr val="lt1"/>
+          </a:fontRef>
+        </p:style>
+        <p:txBody>
+          <a:bodyPr rtlCol="0" anchor="ctr"/>
+          <a:lstStyle/>
+          <a:p>
+            <a:pPr algn="ctr"/>
+            <a:endParaRPr lang="zh-TW" altLang="en-US"/>
+          </a:p>
+        </p:txBody>
+      </p:sp>
+    </p:spTree>
+    <p:extLst>
+      <p:ext uri="{BB962C8B-B14F-4D97-AF65-F5344CB8AC3E}">
+        <p14:creationId xmlns:p14="http://schemas.microsoft.com/office/powerpoint/2010/main" val="3128095695"/>
+      </p:ext>
+    </p:extLst>
+  </p:cSld>
+  <p:clrMapOvr>
+    <a:masterClrMapping/>
+  </p:clrMapOvr>
+</p:sld>
+</file>
+
+<file path=ppt/slides/slide14.xml><?xml version="1.0" encoding="utf-8"?>
+<p:sld xmlns:a="http://schemas.openxmlformats.org/drawingml/2006/main" xmlns:r="http://schemas.openxmlformats.org/officeDocument/2006/relationships" xmlns:p="http://schemas.openxmlformats.org/presentationml/2006/main">
+  <p:cSld>
+    <p:spTree>
+      <p:nvGrpSpPr>
+        <p:cNvPr id="1" name=""/>
+        <p:cNvGrpSpPr/>
+        <p:nvPr/>
+      </p:nvGrpSpPr>
+      <p:grpSpPr>
+        <a:xfrm>
+          <a:off x="0" y="0"/>
+          <a:ext cx="0" cy="0"/>
+          <a:chOff x="0" y="0"/>
+          <a:chExt cx="0" cy="0"/>
+        </a:xfrm>
+      </p:grpSpPr>
+      <p:sp>
+        <p:nvSpPr>
+          <p:cNvPr id="2" name="標題 1"/>
+          <p:cNvSpPr>
+            <a:spLocks noGrp="1"/>
+          </p:cNvSpPr>
+          <p:nvPr>
+            <p:ph type="title"/>
+          </p:nvPr>
+        </p:nvSpPr>
+        <p:spPr/>
+        <p:txBody>
+          <a:bodyPr/>
+          <a:lstStyle/>
+          <a:p>
+            <a:r>
+              <a:rPr lang="zh-TW" altLang="en-US" dirty="0"/>
+              <a:t>產生</a:t>
+            </a:r>
+            <a:r>
+              <a:rPr lang="en-US" altLang="zh-TW" dirty="0"/>
+              <a:t>API</a:t>
+            </a:r>
+            <a:r>
+              <a:rPr lang="zh-TW" altLang="en-US" dirty="0"/>
+              <a:t>金鑰 </a:t>
+            </a:r>
+            <a:r>
+              <a:rPr lang="en-US" altLang="zh-TW" dirty="0"/>
+              <a:t>(API Key</a:t>
+            </a:r>
+            <a:r>
+              <a:rPr lang="en-US" altLang="zh-TW" dirty="0" smtClean="0"/>
+              <a:t>)</a:t>
+            </a:r>
+            <a:r>
+              <a:rPr lang="en-US" altLang="zh-TW" dirty="0"/>
+              <a:t> </a:t>
+            </a:r>
+            <a:r>
+              <a:rPr lang="en-US" altLang="zh-TW" dirty="0" smtClean="0"/>
+              <a:t>(5/5</a:t>
+            </a:r>
+            <a:r>
+              <a:rPr lang="en-US" altLang="zh-TW" dirty="0"/>
+              <a:t>)</a:t>
+            </a:r>
+            <a:endParaRPr lang="zh-TW" altLang="en-US" dirty="0"/>
+          </a:p>
+        </p:txBody>
+      </p:sp>
+      <p:sp>
+        <p:nvSpPr>
+          <p:cNvPr id="3" name="內容版面配置區 2"/>
+          <p:cNvSpPr>
+            <a:spLocks noGrp="1"/>
+          </p:cNvSpPr>
+          <p:nvPr>
+            <p:ph idx="1"/>
+          </p:nvPr>
+        </p:nvSpPr>
+        <p:spPr/>
+        <p:txBody>
+          <a:bodyPr/>
+          <a:lstStyle/>
+          <a:p>
+            <a:r>
+              <a:rPr lang="zh-TW" altLang="en-US" dirty="0" smtClean="0"/>
+              <a:t>得到</a:t>
+            </a:r>
+            <a:r>
+              <a:rPr lang="en-US" altLang="zh-TW" dirty="0" smtClean="0"/>
+              <a:t>API </a:t>
+            </a:r>
+            <a:r>
+              <a:rPr lang="en-US" altLang="zh-TW" dirty="0" err="1" smtClean="0"/>
+              <a:t>金鑰</a:t>
+            </a:r>
+            <a:endParaRPr lang="zh-TW" altLang="en-US" dirty="0"/>
+          </a:p>
+        </p:txBody>
+      </p:sp>
+      <p:pic>
+        <p:nvPicPr>
+          <p:cNvPr id="4" name="圖片 3"/>
+          <p:cNvPicPr>
+            <a:picLocks noChangeAspect="1"/>
+          </p:cNvPicPr>
+          <p:nvPr/>
+        </p:nvPicPr>
+        <p:blipFill>
+          <a:blip r:embed="rId2">
+            <a:extLst>
+              <a:ext uri="{28A0092B-C50C-407E-A947-70E740481C1C}">
+                <a14:useLocalDpi xmlns:a14="http://schemas.microsoft.com/office/drawing/2010/main" val="0"/>
+              </a:ext>
+            </a:extLst>
+          </a:blip>
+          <a:stretch>
+            <a:fillRect/>
+          </a:stretch>
+        </p:blipFill>
+        <p:spPr>
+          <a:xfrm>
+            <a:off x="1628775" y="2343150"/>
+            <a:ext cx="4959449" cy="1829700"/>
+          </a:xfrm>
+          <a:prstGeom prst="rect">
+            <a:avLst/>
+          </a:prstGeom>
+        </p:spPr>
+      </p:pic>
+      <p:sp>
+        <p:nvSpPr>
+          <p:cNvPr id="9" name="矩形 8"/>
+          <p:cNvSpPr/>
+          <p:nvPr/>
+        </p:nvSpPr>
+        <p:spPr>
+          <a:xfrm>
+            <a:off x="1628775" y="3041976"/>
+            <a:ext cx="4536504" cy="432048"/>
+          </a:xfrm>
+          <a:prstGeom prst="rect">
+            <a:avLst/>
+          </a:prstGeom>
+          <a:noFill/>
+          <a:ln>
+            <a:solidFill>
+              <a:srgbClr val="FF0000"/>
+            </a:solidFill>
+          </a:ln>
+        </p:spPr>
+        <p:style>
+          <a:lnRef idx="2">
+            <a:schemeClr val="accent1">
+              <a:shade val="50000"/>
+            </a:schemeClr>
+          </a:lnRef>
+          <a:fillRef idx="1">
+            <a:schemeClr val="accent1"/>
+          </a:fillRef>
+          <a:effectRef idx="0">
+            <a:schemeClr val="accent1"/>
+          </a:effectRef>
+          <a:fontRef idx="minor">
+            <a:schemeClr val="lt1"/>
+          </a:fontRef>
+        </p:style>
+        <p:txBody>
+          <a:bodyPr rtlCol="0" anchor="ctr"/>
+          <a:lstStyle/>
+          <a:p>
+            <a:pPr algn="ctr"/>
+            <a:endParaRPr lang="zh-TW" altLang="en-US"/>
+          </a:p>
+        </p:txBody>
+      </p:sp>
+      <p:pic>
+        <p:nvPicPr>
+          <p:cNvPr id="5" name="圖片 4"/>
+          <p:cNvPicPr>
+            <a:picLocks noChangeAspect="1"/>
+          </p:cNvPicPr>
+          <p:nvPr/>
+        </p:nvPicPr>
+        <p:blipFill>
+          <a:blip r:embed="rId3">
+            <a:extLst>
+              <a:ext uri="{28A0092B-C50C-407E-A947-70E740481C1C}">
+                <a14:useLocalDpi xmlns:a14="http://schemas.microsoft.com/office/drawing/2010/main" val="0"/>
+              </a:ext>
+            </a:extLst>
+          </a:blip>
+          <a:stretch>
+            <a:fillRect/>
+          </a:stretch>
+        </p:blipFill>
+        <p:spPr>
+          <a:xfrm>
+            <a:off x="179512" y="4437112"/>
+            <a:ext cx="8532440" cy="1986265"/>
+          </a:xfrm>
+          <a:prstGeom prst="rect">
+            <a:avLst/>
+          </a:prstGeom>
+        </p:spPr>
+      </p:pic>
+      <p:sp>
+        <p:nvSpPr>
+          <p:cNvPr id="11" name="矩形 10"/>
+          <p:cNvSpPr/>
+          <p:nvPr/>
+        </p:nvSpPr>
+        <p:spPr>
+          <a:xfrm>
+            <a:off x="5724128" y="6148649"/>
+            <a:ext cx="3087960" cy="376696"/>
+          </a:xfrm>
+          <a:prstGeom prst="rect">
+            <a:avLst/>
+          </a:prstGeom>
+          <a:noFill/>
+          <a:ln>
+            <a:solidFill>
+              <a:srgbClr val="FF0000"/>
+            </a:solidFill>
+          </a:ln>
+        </p:spPr>
+        <p:style>
+          <a:lnRef idx="2">
+            <a:schemeClr val="accent1">
+              <a:shade val="50000"/>
+            </a:schemeClr>
+          </a:lnRef>
+          <a:fillRef idx="1">
+            <a:schemeClr val="accent1"/>
+          </a:fillRef>
+          <a:effectRef idx="0">
+            <a:schemeClr val="accent1"/>
+          </a:effectRef>
+          <a:fontRef idx="minor">
+            <a:schemeClr val="lt1"/>
+          </a:fontRef>
+        </p:style>
+        <p:txBody>
+          <a:bodyPr rtlCol="0" anchor="ctr"/>
+          <a:lstStyle/>
+          <a:p>
+            <a:pPr algn="ctr"/>
+            <a:endParaRPr lang="zh-TW" altLang="en-US"/>
+          </a:p>
+        </p:txBody>
+      </p:sp>
+    </p:spTree>
+    <p:extLst>
+      <p:ext uri="{BB962C8B-B14F-4D97-AF65-F5344CB8AC3E}">
+        <p14:creationId xmlns:p14="http://schemas.microsoft.com/office/powerpoint/2010/main" val="3424333882"/>
+      </p:ext>
+    </p:extLst>
+  </p:cSld>
+  <p:clrMapOvr>
+    <a:masterClrMapping/>
+  </p:clrMapOvr>
+</p:sld>
+</file>
+
+<file path=ppt/slides/slide15.xml><?xml version="1.0" encoding="utf-8"?>
+<p:sld xmlns:a="http://schemas.openxmlformats.org/drawingml/2006/main" xmlns:r="http://schemas.openxmlformats.org/officeDocument/2006/relationships" xmlns:p="http://schemas.openxmlformats.org/presentationml/2006/main">
+  <p:cSld>
+    <p:spTree>
+      <p:nvGrpSpPr>
+        <p:cNvPr id="1" name=""/>
+        <p:cNvGrpSpPr/>
+        <p:nvPr/>
+      </p:nvGrpSpPr>
+      <p:grpSpPr>
+        <a:xfrm>
+          <a:off x="0" y="0"/>
+          <a:ext cx="0" cy="0"/>
+          <a:chOff x="0" y="0"/>
+          <a:chExt cx="0" cy="0"/>
+        </a:xfrm>
+      </p:grpSpPr>
+      <p:sp>
+        <p:nvSpPr>
+          <p:cNvPr id="2" name="標題 1"/>
+          <p:cNvSpPr>
+            <a:spLocks noGrp="1"/>
+          </p:cNvSpPr>
+          <p:nvPr>
+            <p:ph type="title"/>
+          </p:nvPr>
+        </p:nvSpPr>
+        <p:spPr/>
+        <p:txBody>
           <a:bodyPr>
             <a:normAutofit/>
           </a:bodyPr>
@@ -3930,7 +5230,7 @@
 </p:sld>
 </file>
 
-<file path=ppt/slides/slide11.xml><?xml version="1.0" encoding="utf-8"?>
+<file path=ppt/slides/slide16.xml><?xml version="1.0" encoding="utf-8"?>
 <p:sld xmlns:a="http://schemas.openxmlformats.org/drawingml/2006/main" xmlns:r="http://schemas.openxmlformats.org/officeDocument/2006/relationships" xmlns:p="http://schemas.openxmlformats.org/presentationml/2006/main">
   <p:cSld>
     <p:spTree>
@@ -4118,7 +5418,7 @@
 </p:sld>
 </file>
 
-<file path=ppt/slides/slide12.xml><?xml version="1.0" encoding="utf-8"?>
+<file path=ppt/slides/slide17.xml><?xml version="1.0" encoding="utf-8"?>
 <p:sld xmlns:a="http://schemas.openxmlformats.org/drawingml/2006/main" xmlns:r="http://schemas.openxmlformats.org/officeDocument/2006/relationships" xmlns:p="http://schemas.openxmlformats.org/presentationml/2006/main">
   <p:cSld>
     <p:spTree>
@@ -4311,10 +5611,17 @@
   <p:clrMapOvr>
     <a:masterClrMapping/>
   </p:clrMapOvr>
+  <p:timing>
+    <p:tnLst>
+      <p:par>
+        <p:cTn id="1" dur="indefinite" restart="never" nodeType="tmRoot"/>
+      </p:par>
+    </p:tnLst>
+  </p:timing>
 </p:sld>
 </file>
 
-<file path=ppt/slides/slide13.xml><?xml version="1.0" encoding="utf-8"?>
+<file path=ppt/slides/slide18.xml><?xml version="1.0" encoding="utf-8"?>
 <p:sld xmlns:a="http://schemas.openxmlformats.org/drawingml/2006/main" xmlns:r="http://schemas.openxmlformats.org/officeDocument/2006/relationships" xmlns:p="http://schemas.openxmlformats.org/presentationml/2006/main">
   <p:cSld>
     <p:spTree>
@@ -4347,8 +5654,8 @@
           <a:lstStyle/>
           <a:p>
             <a:r>
-              <a:rPr lang="en-US" altLang="zh-TW" dirty="0" smtClean="0"/>
-              <a:t>GCM Demo 1</a:t>
+              <a:rPr lang="en-US" altLang="zh-TW" dirty="0"/>
+              <a:t>Downstream Messaging</a:t>
             </a:r>
             <a:endParaRPr lang="zh-TW" altLang="en-US" dirty="0"/>
           </a:p>
@@ -4356,306 +5663,185 @@
       </p:sp>
       <p:sp>
         <p:nvSpPr>
-          <p:cNvPr id="3" name="內容版面配置區 2"/>
-          <p:cNvSpPr>
-            <a:spLocks noGrp="1"/>
-          </p:cNvSpPr>
-          <p:nvPr>
-            <p:ph idx="1"/>
-          </p:nvPr>
-        </p:nvSpPr>
-        <p:spPr/>
-        <p:txBody>
-          <a:bodyPr>
-            <a:normAutofit/>
-          </a:bodyPr>
-          <a:lstStyle/>
-          <a:p>
-            <a:r>
-              <a:rPr lang="zh-TW" altLang="en-US" dirty="0" smtClean="0"/>
-              <a:t>設定</a:t>
-            </a:r>
-            <a:r>
-              <a:rPr lang="en-US" altLang="zh-TW" dirty="0" smtClean="0"/>
-              <a:t>AndroidManifest.xml (1/2)</a:t>
-            </a:r>
-          </a:p>
-          <a:p>
-            <a:pPr lvl="1"/>
-            <a:r>
-              <a:rPr lang="zh-TW" altLang="en-US" dirty="0" smtClean="0"/>
-              <a:t>增加 </a:t>
-            </a:r>
-            <a:r>
-              <a:rPr lang="en-US" altLang="zh-TW" dirty="0" smtClean="0"/>
-              <a:t>permission</a:t>
-            </a:r>
-          </a:p>
-          <a:p>
-            <a:pPr marL="457200" lvl="1" indent="0">
-              <a:buNone/>
-            </a:pPr>
-            <a:r>
-              <a:rPr lang="en-US" altLang="zh-TW" sz="1600" dirty="0">
+          <p:cNvPr id="4" name="雲朵形 3"/>
+          <p:cNvSpPr/>
+          <p:nvPr/>
+        </p:nvSpPr>
+        <p:spPr>
+          <a:xfrm>
+            <a:off x="6516216" y="1988840"/>
+            <a:ext cx="1728192" cy="1440160"/>
+          </a:xfrm>
+          <a:prstGeom prst="cloud">
+            <a:avLst/>
+          </a:prstGeom>
+        </p:spPr>
+        <p:style>
+          <a:lnRef idx="2">
+            <a:schemeClr val="accent4">
+              <a:shade val="50000"/>
+            </a:schemeClr>
+          </a:lnRef>
+          <a:fillRef idx="1">
+            <a:schemeClr val="accent4"/>
+          </a:fillRef>
+          <a:effectRef idx="0">
+            <a:schemeClr val="accent4"/>
+          </a:effectRef>
+          <a:fontRef idx="minor">
+            <a:schemeClr val="lt1"/>
+          </a:fontRef>
+        </p:style>
+        <p:txBody>
+          <a:bodyPr rtlCol="0" anchor="ctr"/>
+          <a:lstStyle/>
+          <a:p>
+            <a:pPr algn="ctr"/>
+            <a:r>
+              <a:rPr lang="en-US" altLang="zh-TW" b="1" dirty="0" smtClean="0">
                 <a:latin typeface="+mj-ea"/>
                 <a:ea typeface="+mj-ea"/>
               </a:rPr>
-              <a:t> </a:t>
-            </a:r>
-            <a:r>
-              <a:rPr lang="en-US" altLang="zh-TW" sz="1600" dirty="0" smtClean="0">
-                <a:latin typeface="+mj-ea"/>
-                <a:ea typeface="+mj-ea"/>
-              </a:rPr>
-              <a:t>   &lt;</a:t>
-            </a:r>
-            <a:r>
-              <a:rPr lang="en-US" altLang="zh-TW" sz="1600" dirty="0">
-                <a:latin typeface="+mj-ea"/>
-                <a:ea typeface="+mj-ea"/>
-              </a:rPr>
-              <a:t>uses-permission </a:t>
-            </a:r>
-            <a:r>
-              <a:rPr lang="en-US" altLang="zh-TW" sz="1600" dirty="0" err="1">
-                <a:latin typeface="+mj-ea"/>
-                <a:ea typeface="+mj-ea"/>
-              </a:rPr>
-              <a:t>android:name</a:t>
-            </a:r>
-            <a:r>
-              <a:rPr lang="en-US" altLang="zh-TW" sz="1600" dirty="0">
-                <a:latin typeface="+mj-ea"/>
-                <a:ea typeface="+mj-ea"/>
-              </a:rPr>
-              <a:t>="</a:t>
-            </a:r>
-            <a:r>
-              <a:rPr lang="en-US" altLang="zh-TW" sz="1600" dirty="0" err="1">
-                <a:latin typeface="+mj-ea"/>
-                <a:ea typeface="+mj-ea"/>
-              </a:rPr>
-              <a:t>android.permission.INTERNET</a:t>
-            </a:r>
-            <a:r>
-              <a:rPr lang="en-US" altLang="zh-TW" sz="1600" dirty="0">
-                <a:latin typeface="+mj-ea"/>
-                <a:ea typeface="+mj-ea"/>
-              </a:rPr>
-              <a:t>" /&gt;</a:t>
-            </a:r>
-          </a:p>
-          <a:p>
-            <a:pPr marL="457200" lvl="1" indent="0">
-              <a:buNone/>
-            </a:pPr>
-            <a:r>
-              <a:rPr lang="en-US" altLang="zh-TW" sz="1600" dirty="0" smtClean="0">
-                <a:latin typeface="+mj-ea"/>
-                <a:ea typeface="+mj-ea"/>
-              </a:rPr>
-              <a:t>    &lt;</a:t>
-            </a:r>
-            <a:r>
-              <a:rPr lang="en-US" altLang="zh-TW" sz="1600" dirty="0">
-                <a:latin typeface="+mj-ea"/>
-                <a:ea typeface="+mj-ea"/>
-              </a:rPr>
-              <a:t>uses-permission </a:t>
-            </a:r>
-            <a:r>
-              <a:rPr lang="en-US" altLang="zh-TW" sz="1600" dirty="0" err="1">
-                <a:latin typeface="+mj-ea"/>
-                <a:ea typeface="+mj-ea"/>
-              </a:rPr>
-              <a:t>android:name</a:t>
-            </a:r>
-            <a:r>
-              <a:rPr lang="en-US" altLang="zh-TW" sz="1600" dirty="0">
-                <a:latin typeface="+mj-ea"/>
-                <a:ea typeface="+mj-ea"/>
-              </a:rPr>
-              <a:t>="</a:t>
-            </a:r>
-            <a:r>
-              <a:rPr lang="en-US" altLang="zh-TW" sz="1600" dirty="0" err="1">
-                <a:latin typeface="+mj-ea"/>
-                <a:ea typeface="+mj-ea"/>
-              </a:rPr>
-              <a:t>android.permission.WAKE_LOCK</a:t>
-            </a:r>
-            <a:r>
-              <a:rPr lang="en-US" altLang="zh-TW" sz="1600" dirty="0">
-                <a:latin typeface="+mj-ea"/>
-                <a:ea typeface="+mj-ea"/>
-              </a:rPr>
-              <a:t>" /&gt;</a:t>
-            </a:r>
-          </a:p>
-          <a:p>
-            <a:pPr marL="457200" lvl="1" indent="0">
-              <a:buNone/>
-            </a:pPr>
-            <a:r>
-              <a:rPr lang="en-US" altLang="zh-TW" sz="1600" dirty="0">
-                <a:latin typeface="+mj-ea"/>
-                <a:ea typeface="+mj-ea"/>
-              </a:rPr>
-              <a:t>    &lt;uses-permission </a:t>
-            </a:r>
-            <a:r>
-              <a:rPr lang="en-US" altLang="zh-TW" sz="1600" dirty="0" err="1">
-                <a:latin typeface="+mj-ea"/>
-                <a:ea typeface="+mj-ea"/>
-              </a:rPr>
-              <a:t>android:name</a:t>
-            </a:r>
-            <a:r>
-              <a:rPr lang="en-US" altLang="zh-TW" sz="1600" dirty="0">
-                <a:latin typeface="+mj-ea"/>
-                <a:ea typeface="+mj-ea"/>
-              </a:rPr>
-              <a:t>="com.google.android.c2dm.permission.RECEIVE" /&gt;</a:t>
-            </a:r>
-            <a:endParaRPr lang="en-US" altLang="zh-TW" sz="1600" dirty="0" smtClean="0">
+              <a:t>GCM</a:t>
+            </a:r>
+            <a:endParaRPr lang="zh-TW" altLang="en-US" b="1" dirty="0">
               <a:latin typeface="+mj-ea"/>
               <a:ea typeface="+mj-ea"/>
             </a:endParaRPr>
           </a:p>
-          <a:p>
-            <a:pPr marL="457200" lvl="1" indent="0">
-              <a:buNone/>
-            </a:pPr>
-            <a:endParaRPr lang="en-US" altLang="zh-TW" dirty="0" smtClean="0"/>
-          </a:p>
-          <a:p>
-            <a:pPr lvl="1"/>
-            <a:r>
-              <a:rPr lang="zh-TW" altLang="en-US" dirty="0" smtClean="0"/>
-              <a:t>增加</a:t>
-            </a:r>
+        </p:txBody>
+      </p:sp>
+      <p:sp>
+        <p:nvSpPr>
+          <p:cNvPr id="5" name="矩形 4"/>
+          <p:cNvSpPr/>
+          <p:nvPr/>
+        </p:nvSpPr>
+        <p:spPr>
+          <a:xfrm>
+            <a:off x="683568" y="2240868"/>
+            <a:ext cx="1512168" cy="936104"/>
+          </a:xfrm>
+          <a:prstGeom prst="rect">
+            <a:avLst/>
+          </a:prstGeom>
+        </p:spPr>
+        <p:style>
+          <a:lnRef idx="2">
+            <a:schemeClr val="accent6">
+              <a:shade val="50000"/>
+            </a:schemeClr>
+          </a:lnRef>
+          <a:fillRef idx="1">
+            <a:schemeClr val="accent6"/>
+          </a:fillRef>
+          <a:effectRef idx="0">
+            <a:schemeClr val="accent6"/>
+          </a:effectRef>
+          <a:fontRef idx="minor">
+            <a:schemeClr val="lt1"/>
+          </a:fontRef>
+        </p:style>
+        <p:txBody>
+          <a:bodyPr rtlCol="0" anchor="ctr"/>
+          <a:lstStyle/>
+          <a:p>
+            <a:pPr algn="ctr"/>
             <a:r>
               <a:rPr lang="en-US" altLang="zh-TW" dirty="0" smtClean="0"/>
-              <a:t>meta-data</a:t>
-            </a:r>
-          </a:p>
-          <a:p>
-            <a:pPr marL="457200" lvl="1" indent="0">
-              <a:buNone/>
-            </a:pPr>
-            <a:r>
-              <a:rPr lang="en-US" altLang="zh-TW" sz="1600" dirty="0" smtClean="0">
-                <a:latin typeface="+mj-ea"/>
-                <a:ea typeface="+mj-ea"/>
-              </a:rPr>
-              <a:t>&lt;</a:t>
-            </a:r>
-            <a:r>
-              <a:rPr lang="en-US" altLang="zh-TW" sz="1600" dirty="0">
-                <a:latin typeface="+mj-ea"/>
-                <a:ea typeface="+mj-ea"/>
-              </a:rPr>
-              <a:t>meta-data</a:t>
-            </a:r>
-            <a:br>
-              <a:rPr lang="en-US" altLang="zh-TW" sz="1600" dirty="0">
-                <a:latin typeface="+mj-ea"/>
-                <a:ea typeface="+mj-ea"/>
-              </a:rPr>
-            </a:br>
-            <a:r>
-              <a:rPr lang="en-US" altLang="zh-TW" sz="1600" dirty="0">
-                <a:latin typeface="+mj-ea"/>
-                <a:ea typeface="+mj-ea"/>
-              </a:rPr>
-              <a:t>    </a:t>
-            </a:r>
-            <a:r>
-              <a:rPr lang="en-US" altLang="zh-TW" sz="1600" dirty="0" err="1">
-                <a:latin typeface="+mj-ea"/>
-                <a:ea typeface="+mj-ea"/>
-              </a:rPr>
-              <a:t>android:name</a:t>
-            </a:r>
-            <a:r>
-              <a:rPr lang="en-US" altLang="zh-TW" sz="1600" dirty="0">
-                <a:latin typeface="+mj-ea"/>
-                <a:ea typeface="+mj-ea"/>
-              </a:rPr>
-              <a:t>="</a:t>
-            </a:r>
-            <a:r>
-              <a:rPr lang="en-US" altLang="zh-TW" sz="1600" dirty="0" err="1">
-                <a:latin typeface="+mj-ea"/>
-                <a:ea typeface="+mj-ea"/>
-              </a:rPr>
-              <a:t>com.google.android.gms.version</a:t>
-            </a:r>
-            <a:r>
-              <a:rPr lang="en-US" altLang="zh-TW" sz="1600" dirty="0">
-                <a:latin typeface="+mj-ea"/>
-                <a:ea typeface="+mj-ea"/>
-              </a:rPr>
-              <a:t>"</a:t>
-            </a:r>
-            <a:br>
-              <a:rPr lang="en-US" altLang="zh-TW" sz="1600" dirty="0">
-                <a:latin typeface="+mj-ea"/>
-                <a:ea typeface="+mj-ea"/>
-              </a:rPr>
-            </a:br>
-            <a:r>
-              <a:rPr lang="en-US" altLang="zh-TW" sz="1600" dirty="0">
-                <a:latin typeface="+mj-ea"/>
-                <a:ea typeface="+mj-ea"/>
-              </a:rPr>
-              <a:t>    </a:t>
-            </a:r>
-            <a:r>
-              <a:rPr lang="en-US" altLang="zh-TW" sz="1600" dirty="0" err="1">
-                <a:latin typeface="+mj-ea"/>
-                <a:ea typeface="+mj-ea"/>
-              </a:rPr>
-              <a:t>android:value</a:t>
-            </a:r>
-            <a:r>
-              <a:rPr lang="en-US" altLang="zh-TW" sz="1600" dirty="0">
-                <a:latin typeface="+mj-ea"/>
-                <a:ea typeface="+mj-ea"/>
-              </a:rPr>
-              <a:t>="@integer/</a:t>
-            </a:r>
-            <a:r>
-              <a:rPr lang="en-US" altLang="zh-TW" sz="1600" dirty="0" err="1">
-                <a:latin typeface="+mj-ea"/>
-                <a:ea typeface="+mj-ea"/>
-              </a:rPr>
-              <a:t>google_play_services_version</a:t>
-            </a:r>
-            <a:r>
-              <a:rPr lang="en-US" altLang="zh-TW" sz="1600" dirty="0">
-                <a:latin typeface="+mj-ea"/>
-                <a:ea typeface="+mj-ea"/>
-              </a:rPr>
-              <a:t>" /&gt;</a:t>
-            </a:r>
-            <a:endParaRPr lang="zh-TW" altLang="en-US" sz="1600" dirty="0">
-              <a:latin typeface="+mj-ea"/>
-              <a:ea typeface="+mj-ea"/>
-            </a:endParaRPr>
-          </a:p>
-        </p:txBody>
-      </p:sp>
-      <p:sp>
-        <p:nvSpPr>
-          <p:cNvPr id="4" name="文字方塊 3"/>
+              <a:t>App Server</a:t>
+            </a:r>
+            <a:endParaRPr lang="zh-TW" altLang="en-US" dirty="0"/>
+          </a:p>
+        </p:txBody>
+      </p:sp>
+      <p:sp>
+        <p:nvSpPr>
+          <p:cNvPr id="7" name="矩形 6"/>
+          <p:cNvSpPr/>
+          <p:nvPr/>
+        </p:nvSpPr>
+        <p:spPr>
+          <a:xfrm>
+            <a:off x="3707904" y="5548064"/>
+            <a:ext cx="1656184" cy="576064"/>
+          </a:xfrm>
+          <a:prstGeom prst="rect">
+            <a:avLst/>
+          </a:prstGeom>
+        </p:spPr>
+        <p:style>
+          <a:lnRef idx="2">
+            <a:schemeClr val="accent3">
+              <a:shade val="50000"/>
+            </a:schemeClr>
+          </a:lnRef>
+          <a:fillRef idx="1">
+            <a:schemeClr val="accent3"/>
+          </a:fillRef>
+          <a:effectRef idx="0">
+            <a:schemeClr val="accent3"/>
+          </a:effectRef>
+          <a:fontRef idx="minor">
+            <a:schemeClr val="lt1"/>
+          </a:fontRef>
+        </p:style>
+        <p:txBody>
+          <a:bodyPr rtlCol="0" anchor="ctr"/>
+          <a:lstStyle/>
+          <a:p>
+            <a:pPr algn="ctr"/>
+            <a:r>
+              <a:rPr lang="en-US" altLang="zh-TW" dirty="0" smtClean="0"/>
+              <a:t>App Client</a:t>
+            </a:r>
+            <a:endParaRPr lang="zh-TW" altLang="en-US" dirty="0"/>
+          </a:p>
+        </p:txBody>
+      </p:sp>
+      <p:cxnSp>
+        <p:nvCxnSpPr>
+          <p:cNvPr id="9" name="直線單箭頭接點 8"/>
+          <p:cNvCxnSpPr/>
+          <p:nvPr/>
+        </p:nvCxnSpPr>
+        <p:spPr>
+          <a:xfrm flipV="1">
+            <a:off x="5364088" y="3176972"/>
+            <a:ext cx="1296144" cy="2371092"/>
+          </a:xfrm>
+          <a:prstGeom prst="straightConnector1">
+            <a:avLst/>
+          </a:prstGeom>
+          <a:ln w="38100">
+            <a:tailEnd type="arrow"/>
+          </a:ln>
+        </p:spPr>
+        <p:style>
+          <a:lnRef idx="1">
+            <a:schemeClr val="accent6"/>
+          </a:lnRef>
+          <a:fillRef idx="0">
+            <a:schemeClr val="accent6"/>
+          </a:fillRef>
+          <a:effectRef idx="0">
+            <a:schemeClr val="accent6"/>
+          </a:effectRef>
+          <a:fontRef idx="minor">
+            <a:schemeClr val="tx1"/>
+          </a:fontRef>
+        </p:style>
+      </p:cxnSp>
+      <p:sp>
+        <p:nvSpPr>
+          <p:cNvPr id="10" name="文字方塊 9"/>
           <p:cNvSpPr txBox="1"/>
           <p:nvPr/>
         </p:nvSpPr>
         <p:spPr>
           <a:xfrm>
-            <a:off x="971600" y="5989930"/>
-            <a:ext cx="7510389" cy="461665"/>
+            <a:off x="4355976" y="3861048"/>
+            <a:ext cx="1708994" cy="369332"/>
           </a:xfrm>
           <a:prstGeom prst="rect">
             <a:avLst/>
@@ -4669,33 +5855,216 @@
           <a:lstStyle/>
           <a:p>
             <a:r>
-              <a:rPr lang="zh-TW" altLang="en-US" sz="2400" b="1" dirty="0" smtClean="0">
+              <a:rPr lang="en-US" altLang="zh-TW" dirty="0" smtClean="0"/>
+              <a:t>Register to GCM</a:t>
+            </a:r>
+            <a:endParaRPr lang="zh-TW" altLang="en-US" dirty="0"/>
+          </a:p>
+        </p:txBody>
+      </p:sp>
+      <p:cxnSp>
+        <p:nvCxnSpPr>
+          <p:cNvPr id="11" name="直線單箭頭接點 10"/>
+          <p:cNvCxnSpPr/>
+          <p:nvPr/>
+        </p:nvCxnSpPr>
+        <p:spPr>
+          <a:xfrm flipH="1">
+            <a:off x="5508104" y="3356992"/>
+            <a:ext cx="1368152" cy="2479104"/>
+          </a:xfrm>
+          <a:prstGeom prst="straightConnector1">
+            <a:avLst/>
+          </a:prstGeom>
+          <a:ln w="38100">
+            <a:tailEnd type="arrow"/>
+          </a:ln>
+        </p:spPr>
+        <p:style>
+          <a:lnRef idx="1">
+            <a:schemeClr val="accent6"/>
+          </a:lnRef>
+          <a:fillRef idx="0">
+            <a:schemeClr val="accent6"/>
+          </a:fillRef>
+          <a:effectRef idx="0">
+            <a:schemeClr val="accent6"/>
+          </a:effectRef>
+          <a:fontRef idx="minor">
+            <a:schemeClr val="tx1"/>
+          </a:fontRef>
+        </p:style>
+      </p:cxnSp>
+      <p:sp>
+        <p:nvSpPr>
+          <p:cNvPr id="18" name="文字方塊 17"/>
+          <p:cNvSpPr txBox="1"/>
+          <p:nvPr/>
+        </p:nvSpPr>
+        <p:spPr>
+          <a:xfrm>
+            <a:off x="6217370" y="4602215"/>
+            <a:ext cx="1773755" cy="369332"/>
+          </a:xfrm>
+          <a:prstGeom prst="rect">
+            <a:avLst/>
+          </a:prstGeom>
+          <a:noFill/>
+        </p:spPr>
+        <p:txBody>
+          <a:bodyPr wrap="none" rtlCol="0">
+            <a:spAutoFit/>
+          </a:bodyPr>
+          <a:lstStyle/>
+          <a:p>
+            <a:r>
+              <a:rPr lang="en-US" altLang="zh-TW" dirty="0" smtClean="0"/>
+              <a:t>Get registered ID</a:t>
+            </a:r>
+            <a:endParaRPr lang="zh-TW" altLang="en-US" dirty="0"/>
+          </a:p>
+        </p:txBody>
+      </p:sp>
+      <p:cxnSp>
+        <p:nvCxnSpPr>
+          <p:cNvPr id="19" name="直線單箭頭接點 18"/>
+          <p:cNvCxnSpPr>
+            <a:stCxn id="7" idx="1"/>
+            <a:endCxn id="5" idx="2"/>
+          </p:cNvCxnSpPr>
+          <p:nvPr/>
+        </p:nvCxnSpPr>
+        <p:spPr>
+          <a:xfrm flipH="1" flipV="1">
+            <a:off x="1439652" y="3176972"/>
+            <a:ext cx="2268252" cy="2659124"/>
+          </a:xfrm>
+          <a:prstGeom prst="straightConnector1">
+            <a:avLst/>
+          </a:prstGeom>
+          <a:ln w="38100">
+            <a:tailEnd type="arrow"/>
+          </a:ln>
+        </p:spPr>
+        <p:style>
+          <a:lnRef idx="1">
+            <a:schemeClr val="accent6"/>
+          </a:lnRef>
+          <a:fillRef idx="0">
+            <a:schemeClr val="accent6"/>
+          </a:fillRef>
+          <a:effectRef idx="0">
+            <a:schemeClr val="accent6"/>
+          </a:effectRef>
+          <a:fontRef idx="minor">
+            <a:schemeClr val="tx1"/>
+          </a:fontRef>
+        </p:style>
+      </p:cxnSp>
+      <p:sp>
+        <p:nvSpPr>
+          <p:cNvPr id="22" name="文字方塊 21"/>
+          <p:cNvSpPr txBox="1"/>
+          <p:nvPr/>
+        </p:nvSpPr>
+        <p:spPr>
+          <a:xfrm>
+            <a:off x="710426" y="4648381"/>
+            <a:ext cx="1919564" cy="646331"/>
+          </a:xfrm>
+          <a:prstGeom prst="rect">
+            <a:avLst/>
+          </a:prstGeom>
+          <a:noFill/>
+        </p:spPr>
+        <p:txBody>
+          <a:bodyPr wrap="none" rtlCol="0">
+            <a:spAutoFit/>
+          </a:bodyPr>
+          <a:lstStyle/>
+          <a:p>
+            <a:r>
+              <a:rPr lang="en-US" altLang="zh-TW" dirty="0" smtClean="0"/>
+              <a:t>Save registered ID </a:t>
+            </a:r>
+          </a:p>
+          <a:p>
+            <a:r>
+              <a:rPr lang="en-US" altLang="zh-TW" dirty="0" smtClean="0"/>
+              <a:t>to App Server</a:t>
+            </a:r>
+            <a:endParaRPr lang="zh-TW" altLang="en-US" dirty="0"/>
+          </a:p>
+        </p:txBody>
+      </p:sp>
+      <p:cxnSp>
+        <p:nvCxnSpPr>
+          <p:cNvPr id="24" name="直線單箭頭接點 23"/>
+          <p:cNvCxnSpPr>
+            <a:stCxn id="5" idx="3"/>
+            <a:endCxn id="4" idx="2"/>
+          </p:cNvCxnSpPr>
+          <p:nvPr/>
+        </p:nvCxnSpPr>
+        <p:spPr>
+          <a:xfrm>
+            <a:off x="2195736" y="2708920"/>
+            <a:ext cx="4325841" cy="0"/>
+          </a:xfrm>
+          <a:prstGeom prst="straightConnector1">
+            <a:avLst/>
+          </a:prstGeom>
+          <a:ln>
+            <a:tailEnd type="arrow"/>
+          </a:ln>
+        </p:spPr>
+        <p:style>
+          <a:lnRef idx="3">
+            <a:schemeClr val="accent5"/>
+          </a:lnRef>
+          <a:fillRef idx="0">
+            <a:schemeClr val="accent5"/>
+          </a:fillRef>
+          <a:effectRef idx="2">
+            <a:schemeClr val="accent5"/>
+          </a:effectRef>
+          <a:fontRef idx="minor">
+            <a:schemeClr val="tx1"/>
+          </a:fontRef>
+        </p:style>
+      </p:cxnSp>
+      <p:sp>
+        <p:nvSpPr>
+          <p:cNvPr id="27" name="文字方塊 26"/>
+          <p:cNvSpPr txBox="1"/>
+          <p:nvPr/>
+        </p:nvSpPr>
+        <p:spPr>
+          <a:xfrm>
+            <a:off x="3236666" y="2141077"/>
+            <a:ext cx="2492990" cy="369332"/>
+          </a:xfrm>
+          <a:prstGeom prst="rect">
+            <a:avLst/>
+          </a:prstGeom>
+          <a:noFill/>
+        </p:spPr>
+        <p:txBody>
+          <a:bodyPr wrap="none" rtlCol="0">
+            <a:spAutoFit/>
+          </a:bodyPr>
+          <a:lstStyle/>
+          <a:p>
+            <a:r>
+              <a:rPr lang="en-US" altLang="zh-TW" b="1" dirty="0" smtClean="0">
                 <a:solidFill>
                   <a:srgbClr val="FF0000"/>
                 </a:solidFill>
                 <a:latin typeface="+mn-ea"/>
               </a:rPr>
-              <a:t>設定完成後，要</a:t>
-            </a:r>
-            <a:r>
-              <a:rPr lang="en-US" altLang="zh-TW" sz="2400" b="1" dirty="0" smtClean="0">
-                <a:solidFill>
-                  <a:srgbClr val="FF0000"/>
-                </a:solidFill>
-                <a:latin typeface="+mn-ea"/>
-              </a:rPr>
-              <a:t>Rebuild  </a:t>
-            </a:r>
-            <a:r>
-              <a:rPr lang="en-US" altLang="zh-TW" sz="2400" b="1" dirty="0" err="1" smtClean="0">
-                <a:solidFill>
-                  <a:srgbClr val="FF0000"/>
-                </a:solidFill>
-                <a:latin typeface="+mn-ea"/>
-              </a:rPr>
-              <a:t>project，這樣meta-data才會產生</a:t>
-            </a:r>
-            <a:endParaRPr lang="zh-TW" altLang="en-US" sz="2400" b="1" dirty="0">
+              <a:t>Post the Message to GCM</a:t>
+            </a:r>
+            <a:endParaRPr lang="zh-TW" altLang="en-US" b="1" dirty="0">
               <a:solidFill>
                 <a:srgbClr val="FF0000"/>
               </a:solidFill>
@@ -4704,20 +6073,756 @@
           </a:p>
         </p:txBody>
       </p:sp>
+      <p:cxnSp>
+        <p:nvCxnSpPr>
+          <p:cNvPr id="28" name="直線單箭頭接點 27"/>
+          <p:cNvCxnSpPr>
+            <a:stCxn id="4" idx="1"/>
+            <a:endCxn id="7" idx="3"/>
+          </p:cNvCxnSpPr>
+          <p:nvPr/>
+        </p:nvCxnSpPr>
+        <p:spPr>
+          <a:xfrm flipH="1">
+            <a:off x="5364088" y="3427466"/>
+            <a:ext cx="2016224" cy="2408630"/>
+          </a:xfrm>
+          <a:prstGeom prst="straightConnector1">
+            <a:avLst/>
+          </a:prstGeom>
+          <a:ln>
+            <a:tailEnd type="arrow"/>
+          </a:ln>
+        </p:spPr>
+        <p:style>
+          <a:lnRef idx="3">
+            <a:schemeClr val="accent5"/>
+          </a:lnRef>
+          <a:fillRef idx="0">
+            <a:schemeClr val="accent5"/>
+          </a:fillRef>
+          <a:effectRef idx="2">
+            <a:schemeClr val="accent5"/>
+          </a:effectRef>
+          <a:fontRef idx="minor">
+            <a:schemeClr val="tx1"/>
+          </a:fontRef>
+        </p:style>
+      </p:cxnSp>
+      <p:sp>
+        <p:nvSpPr>
+          <p:cNvPr id="31" name="文字方塊 30"/>
+          <p:cNvSpPr txBox="1"/>
+          <p:nvPr/>
+        </p:nvSpPr>
+        <p:spPr>
+          <a:xfrm>
+            <a:off x="6651010" y="4215245"/>
+            <a:ext cx="2489784" cy="369332"/>
+          </a:xfrm>
+          <a:prstGeom prst="rect">
+            <a:avLst/>
+          </a:prstGeom>
+          <a:noFill/>
+        </p:spPr>
+        <p:txBody>
+          <a:bodyPr wrap="none" rtlCol="0">
+            <a:spAutoFit/>
+          </a:bodyPr>
+          <a:lstStyle/>
+          <a:p>
+            <a:r>
+              <a:rPr lang="en-US" altLang="zh-TW" b="1" dirty="0" smtClean="0">
+                <a:solidFill>
+                  <a:srgbClr val="FF0000"/>
+                </a:solidFill>
+                <a:latin typeface="+mn-ea"/>
+              </a:rPr>
+              <a:t>Get a message from GCM</a:t>
+            </a:r>
+            <a:endParaRPr lang="zh-TW" altLang="en-US" b="1" dirty="0">
+              <a:solidFill>
+                <a:srgbClr val="FF0000"/>
+              </a:solidFill>
+              <a:latin typeface="+mn-ea"/>
+            </a:endParaRPr>
+          </a:p>
+        </p:txBody>
+      </p:sp>
     </p:spTree>
     <p:extLst>
       <p:ext uri="{BB962C8B-B14F-4D97-AF65-F5344CB8AC3E}">
-        <p14:creationId xmlns:p14="http://schemas.microsoft.com/office/powerpoint/2010/main" val="819756465"/>
+        <p14:creationId xmlns:p14="http://schemas.microsoft.com/office/powerpoint/2010/main" val="2450936561"/>
       </p:ext>
     </p:extLst>
   </p:cSld>
   <p:clrMapOvr>
     <a:masterClrMapping/>
   </p:clrMapOvr>
+  <p:timing>
+    <p:tnLst>
+      <p:par>
+        <p:cTn id="1" dur="indefinite" restart="never" nodeType="tmRoot">
+          <p:childTnLst>
+            <p:seq concurrent="1" nextAc="seek">
+              <p:cTn id="2" dur="indefinite" nodeType="mainSeq">
+                <p:childTnLst>
+                  <p:par>
+                    <p:cTn id="3" fill="hold">
+                      <p:stCondLst>
+                        <p:cond delay="indefinite"/>
+                      </p:stCondLst>
+                      <p:childTnLst>
+                        <p:par>
+                          <p:cTn id="4" fill="hold">
+                            <p:stCondLst>
+                              <p:cond delay="0"/>
+                            </p:stCondLst>
+                            <p:childTnLst>
+                              <p:par>
+                                <p:cTn id="5" presetID="22" presetClass="entr" presetSubtype="4" fill="hold" grpId="0" nodeType="clickEffect">
+                                  <p:stCondLst>
+                                    <p:cond delay="0"/>
+                                  </p:stCondLst>
+                                  <p:childTnLst>
+                                    <p:set>
+                                      <p:cBhvr>
+                                        <p:cTn id="6" dur="1" fill="hold">
+                                          <p:stCondLst>
+                                            <p:cond delay="0"/>
+                                          </p:stCondLst>
+                                        </p:cTn>
+                                        <p:tgtEl>
+                                          <p:spTgt spid="10"/>
+                                        </p:tgtEl>
+                                        <p:attrNameLst>
+                                          <p:attrName>style.visibility</p:attrName>
+                                        </p:attrNameLst>
+                                      </p:cBhvr>
+                                      <p:to>
+                                        <p:strVal val="visible"/>
+                                      </p:to>
+                                    </p:set>
+                                    <p:animEffect transition="in" filter="wipe(down)">
+                                      <p:cBhvr>
+                                        <p:cTn id="7" dur="500"/>
+                                        <p:tgtEl>
+                                          <p:spTgt spid="10"/>
+                                        </p:tgtEl>
+                                      </p:cBhvr>
+                                    </p:animEffect>
+                                  </p:childTnLst>
+                                </p:cTn>
+                              </p:par>
+                              <p:par>
+                                <p:cTn id="8" presetID="22" presetClass="entr" presetSubtype="4" fill="hold" nodeType="withEffect">
+                                  <p:stCondLst>
+                                    <p:cond delay="0"/>
+                                  </p:stCondLst>
+                                  <p:childTnLst>
+                                    <p:set>
+                                      <p:cBhvr>
+                                        <p:cTn id="9" dur="1" fill="hold">
+                                          <p:stCondLst>
+                                            <p:cond delay="0"/>
+                                          </p:stCondLst>
+                                        </p:cTn>
+                                        <p:tgtEl>
+                                          <p:spTgt spid="9"/>
+                                        </p:tgtEl>
+                                        <p:attrNameLst>
+                                          <p:attrName>style.visibility</p:attrName>
+                                        </p:attrNameLst>
+                                      </p:cBhvr>
+                                      <p:to>
+                                        <p:strVal val="visible"/>
+                                      </p:to>
+                                    </p:set>
+                                    <p:animEffect transition="in" filter="wipe(down)">
+                                      <p:cBhvr>
+                                        <p:cTn id="10" dur="500"/>
+                                        <p:tgtEl>
+                                          <p:spTgt spid="9"/>
+                                        </p:tgtEl>
+                                      </p:cBhvr>
+                                    </p:animEffect>
+                                  </p:childTnLst>
+                                </p:cTn>
+                              </p:par>
+                            </p:childTnLst>
+                          </p:cTn>
+                        </p:par>
+                      </p:childTnLst>
+                    </p:cTn>
+                  </p:par>
+                  <p:par>
+                    <p:cTn id="11" fill="hold">
+                      <p:stCondLst>
+                        <p:cond delay="indefinite"/>
+                      </p:stCondLst>
+                      <p:childTnLst>
+                        <p:par>
+                          <p:cTn id="12" fill="hold">
+                            <p:stCondLst>
+                              <p:cond delay="0"/>
+                            </p:stCondLst>
+                            <p:childTnLst>
+                              <p:par>
+                                <p:cTn id="13" presetID="22" presetClass="entr" presetSubtype="1" fill="hold" nodeType="clickEffect">
+                                  <p:stCondLst>
+                                    <p:cond delay="0"/>
+                                  </p:stCondLst>
+                                  <p:childTnLst>
+                                    <p:set>
+                                      <p:cBhvr>
+                                        <p:cTn id="14" dur="1" fill="hold">
+                                          <p:stCondLst>
+                                            <p:cond delay="0"/>
+                                          </p:stCondLst>
+                                        </p:cTn>
+                                        <p:tgtEl>
+                                          <p:spTgt spid="11"/>
+                                        </p:tgtEl>
+                                        <p:attrNameLst>
+                                          <p:attrName>style.visibility</p:attrName>
+                                        </p:attrNameLst>
+                                      </p:cBhvr>
+                                      <p:to>
+                                        <p:strVal val="visible"/>
+                                      </p:to>
+                                    </p:set>
+                                    <p:animEffect transition="in" filter="wipe(up)">
+                                      <p:cBhvr>
+                                        <p:cTn id="15" dur="500"/>
+                                        <p:tgtEl>
+                                          <p:spTgt spid="11"/>
+                                        </p:tgtEl>
+                                      </p:cBhvr>
+                                    </p:animEffect>
+                                  </p:childTnLst>
+                                </p:cTn>
+                              </p:par>
+                              <p:par>
+                                <p:cTn id="16" presetID="22" presetClass="entr" presetSubtype="4" fill="hold" grpId="0" nodeType="withEffect">
+                                  <p:stCondLst>
+                                    <p:cond delay="0"/>
+                                  </p:stCondLst>
+                                  <p:childTnLst>
+                                    <p:set>
+                                      <p:cBhvr>
+                                        <p:cTn id="17" dur="1" fill="hold">
+                                          <p:stCondLst>
+                                            <p:cond delay="0"/>
+                                          </p:stCondLst>
+                                        </p:cTn>
+                                        <p:tgtEl>
+                                          <p:spTgt spid="18"/>
+                                        </p:tgtEl>
+                                        <p:attrNameLst>
+                                          <p:attrName>style.visibility</p:attrName>
+                                        </p:attrNameLst>
+                                      </p:cBhvr>
+                                      <p:to>
+                                        <p:strVal val="visible"/>
+                                      </p:to>
+                                    </p:set>
+                                    <p:animEffect transition="in" filter="wipe(down)">
+                                      <p:cBhvr>
+                                        <p:cTn id="18" dur="500"/>
+                                        <p:tgtEl>
+                                          <p:spTgt spid="18"/>
+                                        </p:tgtEl>
+                                      </p:cBhvr>
+                                    </p:animEffect>
+                                  </p:childTnLst>
+                                </p:cTn>
+                              </p:par>
+                            </p:childTnLst>
+                          </p:cTn>
+                        </p:par>
+                      </p:childTnLst>
+                    </p:cTn>
+                  </p:par>
+                  <p:par>
+                    <p:cTn id="19" fill="hold">
+                      <p:stCondLst>
+                        <p:cond delay="indefinite"/>
+                      </p:stCondLst>
+                      <p:childTnLst>
+                        <p:par>
+                          <p:cTn id="20" fill="hold">
+                            <p:stCondLst>
+                              <p:cond delay="0"/>
+                            </p:stCondLst>
+                            <p:childTnLst>
+                              <p:par>
+                                <p:cTn id="21" presetID="22" presetClass="entr" presetSubtype="4" fill="hold" nodeType="clickEffect">
+                                  <p:stCondLst>
+                                    <p:cond delay="0"/>
+                                  </p:stCondLst>
+                                  <p:childTnLst>
+                                    <p:set>
+                                      <p:cBhvr>
+                                        <p:cTn id="22" dur="1" fill="hold">
+                                          <p:stCondLst>
+                                            <p:cond delay="0"/>
+                                          </p:stCondLst>
+                                        </p:cTn>
+                                        <p:tgtEl>
+                                          <p:spTgt spid="19"/>
+                                        </p:tgtEl>
+                                        <p:attrNameLst>
+                                          <p:attrName>style.visibility</p:attrName>
+                                        </p:attrNameLst>
+                                      </p:cBhvr>
+                                      <p:to>
+                                        <p:strVal val="visible"/>
+                                      </p:to>
+                                    </p:set>
+                                    <p:animEffect transition="in" filter="wipe(down)">
+                                      <p:cBhvr>
+                                        <p:cTn id="23" dur="500"/>
+                                        <p:tgtEl>
+                                          <p:spTgt spid="19"/>
+                                        </p:tgtEl>
+                                      </p:cBhvr>
+                                    </p:animEffect>
+                                  </p:childTnLst>
+                                </p:cTn>
+                              </p:par>
+                              <p:par>
+                                <p:cTn id="24" presetID="22" presetClass="entr" presetSubtype="4" fill="hold" grpId="0" nodeType="withEffect">
+                                  <p:stCondLst>
+                                    <p:cond delay="0"/>
+                                  </p:stCondLst>
+                                  <p:childTnLst>
+                                    <p:set>
+                                      <p:cBhvr>
+                                        <p:cTn id="25" dur="1" fill="hold">
+                                          <p:stCondLst>
+                                            <p:cond delay="0"/>
+                                          </p:stCondLst>
+                                        </p:cTn>
+                                        <p:tgtEl>
+                                          <p:spTgt spid="22"/>
+                                        </p:tgtEl>
+                                        <p:attrNameLst>
+                                          <p:attrName>style.visibility</p:attrName>
+                                        </p:attrNameLst>
+                                      </p:cBhvr>
+                                      <p:to>
+                                        <p:strVal val="visible"/>
+                                      </p:to>
+                                    </p:set>
+                                    <p:animEffect transition="in" filter="wipe(down)">
+                                      <p:cBhvr>
+                                        <p:cTn id="26" dur="500"/>
+                                        <p:tgtEl>
+                                          <p:spTgt spid="22"/>
+                                        </p:tgtEl>
+                                      </p:cBhvr>
+                                    </p:animEffect>
+                                  </p:childTnLst>
+                                </p:cTn>
+                              </p:par>
+                            </p:childTnLst>
+                          </p:cTn>
+                        </p:par>
+                      </p:childTnLst>
+                    </p:cTn>
+                  </p:par>
+                  <p:par>
+                    <p:cTn id="27" fill="hold">
+                      <p:stCondLst>
+                        <p:cond delay="indefinite"/>
+                      </p:stCondLst>
+                      <p:childTnLst>
+                        <p:par>
+                          <p:cTn id="28" fill="hold">
+                            <p:stCondLst>
+                              <p:cond delay="0"/>
+                            </p:stCondLst>
+                            <p:childTnLst>
+                              <p:par>
+                                <p:cTn id="29" presetID="1" presetClass="exit" presetSubtype="0" fill="hold" grpId="1" nodeType="clickEffect">
+                                  <p:stCondLst>
+                                    <p:cond delay="0"/>
+                                  </p:stCondLst>
+                                  <p:childTnLst>
+                                    <p:set>
+                                      <p:cBhvr>
+                                        <p:cTn id="30" dur="1" fill="hold">
+                                          <p:stCondLst>
+                                            <p:cond delay="0"/>
+                                          </p:stCondLst>
+                                        </p:cTn>
+                                        <p:tgtEl>
+                                          <p:spTgt spid="10"/>
+                                        </p:tgtEl>
+                                        <p:attrNameLst>
+                                          <p:attrName>style.visibility</p:attrName>
+                                        </p:attrNameLst>
+                                      </p:cBhvr>
+                                      <p:to>
+                                        <p:strVal val="hidden"/>
+                                      </p:to>
+                                    </p:set>
+                                  </p:childTnLst>
+                                </p:cTn>
+                              </p:par>
+                              <p:par>
+                                <p:cTn id="31" presetID="1" presetClass="exit" presetSubtype="0" fill="hold" nodeType="withEffect">
+                                  <p:stCondLst>
+                                    <p:cond delay="0"/>
+                                  </p:stCondLst>
+                                  <p:childTnLst>
+                                    <p:set>
+                                      <p:cBhvr>
+                                        <p:cTn id="32" dur="1" fill="hold">
+                                          <p:stCondLst>
+                                            <p:cond delay="0"/>
+                                          </p:stCondLst>
+                                        </p:cTn>
+                                        <p:tgtEl>
+                                          <p:spTgt spid="9"/>
+                                        </p:tgtEl>
+                                        <p:attrNameLst>
+                                          <p:attrName>style.visibility</p:attrName>
+                                        </p:attrNameLst>
+                                      </p:cBhvr>
+                                      <p:to>
+                                        <p:strVal val="hidden"/>
+                                      </p:to>
+                                    </p:set>
+                                  </p:childTnLst>
+                                </p:cTn>
+                              </p:par>
+                              <p:par>
+                                <p:cTn id="33" presetID="1" presetClass="exit" presetSubtype="0" fill="hold" nodeType="withEffect">
+                                  <p:stCondLst>
+                                    <p:cond delay="0"/>
+                                  </p:stCondLst>
+                                  <p:childTnLst>
+                                    <p:set>
+                                      <p:cBhvr>
+                                        <p:cTn id="34" dur="1" fill="hold">
+                                          <p:stCondLst>
+                                            <p:cond delay="0"/>
+                                          </p:stCondLst>
+                                        </p:cTn>
+                                        <p:tgtEl>
+                                          <p:spTgt spid="11"/>
+                                        </p:tgtEl>
+                                        <p:attrNameLst>
+                                          <p:attrName>style.visibility</p:attrName>
+                                        </p:attrNameLst>
+                                      </p:cBhvr>
+                                      <p:to>
+                                        <p:strVal val="hidden"/>
+                                      </p:to>
+                                    </p:set>
+                                  </p:childTnLst>
+                                </p:cTn>
+                              </p:par>
+                              <p:par>
+                                <p:cTn id="35" presetID="1" presetClass="exit" presetSubtype="0" fill="hold" grpId="1" nodeType="withEffect">
+                                  <p:stCondLst>
+                                    <p:cond delay="0"/>
+                                  </p:stCondLst>
+                                  <p:childTnLst>
+                                    <p:set>
+                                      <p:cBhvr>
+                                        <p:cTn id="36" dur="1" fill="hold">
+                                          <p:stCondLst>
+                                            <p:cond delay="0"/>
+                                          </p:stCondLst>
+                                        </p:cTn>
+                                        <p:tgtEl>
+                                          <p:spTgt spid="18"/>
+                                        </p:tgtEl>
+                                        <p:attrNameLst>
+                                          <p:attrName>style.visibility</p:attrName>
+                                        </p:attrNameLst>
+                                      </p:cBhvr>
+                                      <p:to>
+                                        <p:strVal val="hidden"/>
+                                      </p:to>
+                                    </p:set>
+                                  </p:childTnLst>
+                                </p:cTn>
+                              </p:par>
+                              <p:par>
+                                <p:cTn id="37" presetID="1" presetClass="exit" presetSubtype="0" fill="hold" nodeType="withEffect">
+                                  <p:stCondLst>
+                                    <p:cond delay="0"/>
+                                  </p:stCondLst>
+                                  <p:childTnLst>
+                                    <p:set>
+                                      <p:cBhvr>
+                                        <p:cTn id="38" dur="1" fill="hold">
+                                          <p:stCondLst>
+                                            <p:cond delay="0"/>
+                                          </p:stCondLst>
+                                        </p:cTn>
+                                        <p:tgtEl>
+                                          <p:spTgt spid="19"/>
+                                        </p:tgtEl>
+                                        <p:attrNameLst>
+                                          <p:attrName>style.visibility</p:attrName>
+                                        </p:attrNameLst>
+                                      </p:cBhvr>
+                                      <p:to>
+                                        <p:strVal val="hidden"/>
+                                      </p:to>
+                                    </p:set>
+                                  </p:childTnLst>
+                                </p:cTn>
+                              </p:par>
+                              <p:par>
+                                <p:cTn id="39" presetID="1" presetClass="exit" presetSubtype="0" fill="hold" grpId="1" nodeType="withEffect">
+                                  <p:stCondLst>
+                                    <p:cond delay="0"/>
+                                  </p:stCondLst>
+                                  <p:childTnLst>
+                                    <p:set>
+                                      <p:cBhvr>
+                                        <p:cTn id="40" dur="1" fill="hold">
+                                          <p:stCondLst>
+                                            <p:cond delay="0"/>
+                                          </p:stCondLst>
+                                        </p:cTn>
+                                        <p:tgtEl>
+                                          <p:spTgt spid="22"/>
+                                        </p:tgtEl>
+                                        <p:attrNameLst>
+                                          <p:attrName>style.visibility</p:attrName>
+                                        </p:attrNameLst>
+                                      </p:cBhvr>
+                                      <p:to>
+                                        <p:strVal val="hidden"/>
+                                      </p:to>
+                                    </p:set>
+                                  </p:childTnLst>
+                                </p:cTn>
+                              </p:par>
+                            </p:childTnLst>
+                          </p:cTn>
+                        </p:par>
+                      </p:childTnLst>
+                    </p:cTn>
+                  </p:par>
+                  <p:par>
+                    <p:cTn id="41" fill="hold">
+                      <p:stCondLst>
+                        <p:cond delay="indefinite"/>
+                      </p:stCondLst>
+                      <p:childTnLst>
+                        <p:par>
+                          <p:cTn id="42" fill="hold">
+                            <p:stCondLst>
+                              <p:cond delay="0"/>
+                            </p:stCondLst>
+                            <p:childTnLst>
+                              <p:par>
+                                <p:cTn id="43" presetID="22" presetClass="entr" presetSubtype="8" fill="hold" nodeType="clickEffect">
+                                  <p:stCondLst>
+                                    <p:cond delay="0"/>
+                                  </p:stCondLst>
+                                  <p:childTnLst>
+                                    <p:set>
+                                      <p:cBhvr>
+                                        <p:cTn id="44" dur="1" fill="hold">
+                                          <p:stCondLst>
+                                            <p:cond delay="0"/>
+                                          </p:stCondLst>
+                                        </p:cTn>
+                                        <p:tgtEl>
+                                          <p:spTgt spid="24"/>
+                                        </p:tgtEl>
+                                        <p:attrNameLst>
+                                          <p:attrName>style.visibility</p:attrName>
+                                        </p:attrNameLst>
+                                      </p:cBhvr>
+                                      <p:to>
+                                        <p:strVal val="visible"/>
+                                      </p:to>
+                                    </p:set>
+                                    <p:animEffect transition="in" filter="wipe(left)">
+                                      <p:cBhvr>
+                                        <p:cTn id="45" dur="500"/>
+                                        <p:tgtEl>
+                                          <p:spTgt spid="24"/>
+                                        </p:tgtEl>
+                                      </p:cBhvr>
+                                    </p:animEffect>
+                                  </p:childTnLst>
+                                </p:cTn>
+                              </p:par>
+                              <p:par>
+                                <p:cTn id="46" presetID="22" presetClass="entr" presetSubtype="4" fill="hold" grpId="0" nodeType="withEffect">
+                                  <p:stCondLst>
+                                    <p:cond delay="0"/>
+                                  </p:stCondLst>
+                                  <p:childTnLst>
+                                    <p:set>
+                                      <p:cBhvr>
+                                        <p:cTn id="47" dur="1" fill="hold">
+                                          <p:stCondLst>
+                                            <p:cond delay="0"/>
+                                          </p:stCondLst>
+                                        </p:cTn>
+                                        <p:tgtEl>
+                                          <p:spTgt spid="27"/>
+                                        </p:tgtEl>
+                                        <p:attrNameLst>
+                                          <p:attrName>style.visibility</p:attrName>
+                                        </p:attrNameLst>
+                                      </p:cBhvr>
+                                      <p:to>
+                                        <p:strVal val="visible"/>
+                                      </p:to>
+                                    </p:set>
+                                    <p:animEffect transition="in" filter="wipe(down)">
+                                      <p:cBhvr>
+                                        <p:cTn id="48" dur="500"/>
+                                        <p:tgtEl>
+                                          <p:spTgt spid="27"/>
+                                        </p:tgtEl>
+                                      </p:cBhvr>
+                                    </p:animEffect>
+                                  </p:childTnLst>
+                                </p:cTn>
+                              </p:par>
+                            </p:childTnLst>
+                          </p:cTn>
+                        </p:par>
+                      </p:childTnLst>
+                    </p:cTn>
+                  </p:par>
+                  <p:par>
+                    <p:cTn id="49" fill="hold">
+                      <p:stCondLst>
+                        <p:cond delay="indefinite"/>
+                      </p:stCondLst>
+                      <p:childTnLst>
+                        <p:par>
+                          <p:cTn id="50" fill="hold">
+                            <p:stCondLst>
+                              <p:cond delay="0"/>
+                            </p:stCondLst>
+                            <p:childTnLst>
+                              <p:par>
+                                <p:cTn id="51" presetID="22" presetClass="entr" presetSubtype="1" fill="hold" nodeType="clickEffect">
+                                  <p:stCondLst>
+                                    <p:cond delay="0"/>
+                                  </p:stCondLst>
+                                  <p:childTnLst>
+                                    <p:set>
+                                      <p:cBhvr>
+                                        <p:cTn id="52" dur="1" fill="hold">
+                                          <p:stCondLst>
+                                            <p:cond delay="0"/>
+                                          </p:stCondLst>
+                                        </p:cTn>
+                                        <p:tgtEl>
+                                          <p:spTgt spid="28"/>
+                                        </p:tgtEl>
+                                        <p:attrNameLst>
+                                          <p:attrName>style.visibility</p:attrName>
+                                        </p:attrNameLst>
+                                      </p:cBhvr>
+                                      <p:to>
+                                        <p:strVal val="visible"/>
+                                      </p:to>
+                                    </p:set>
+                                    <p:animEffect transition="in" filter="wipe(up)">
+                                      <p:cBhvr>
+                                        <p:cTn id="53" dur="500"/>
+                                        <p:tgtEl>
+                                          <p:spTgt spid="28"/>
+                                        </p:tgtEl>
+                                      </p:cBhvr>
+                                    </p:animEffect>
+                                  </p:childTnLst>
+                                </p:cTn>
+                              </p:par>
+                              <p:par>
+                                <p:cTn id="54" presetID="22" presetClass="entr" presetSubtype="4" fill="hold" grpId="0" nodeType="withEffect">
+                                  <p:stCondLst>
+                                    <p:cond delay="0"/>
+                                  </p:stCondLst>
+                                  <p:childTnLst>
+                                    <p:set>
+                                      <p:cBhvr>
+                                        <p:cTn id="55" dur="1" fill="hold">
+                                          <p:stCondLst>
+                                            <p:cond delay="0"/>
+                                          </p:stCondLst>
+                                        </p:cTn>
+                                        <p:tgtEl>
+                                          <p:spTgt spid="31"/>
+                                        </p:tgtEl>
+                                        <p:attrNameLst>
+                                          <p:attrName>style.visibility</p:attrName>
+                                        </p:attrNameLst>
+                                      </p:cBhvr>
+                                      <p:to>
+                                        <p:strVal val="visible"/>
+                                      </p:to>
+                                    </p:set>
+                                    <p:animEffect transition="in" filter="wipe(down)">
+                                      <p:cBhvr>
+                                        <p:cTn id="56" dur="500"/>
+                                        <p:tgtEl>
+                                          <p:spTgt spid="31"/>
+                                        </p:tgtEl>
+                                      </p:cBhvr>
+                                    </p:animEffect>
+                                  </p:childTnLst>
+                                </p:cTn>
+                              </p:par>
+                            </p:childTnLst>
+                          </p:cTn>
+                        </p:par>
+                      </p:childTnLst>
+                    </p:cTn>
+                  </p:par>
+                </p:childTnLst>
+              </p:cTn>
+              <p:prevCondLst>
+                <p:cond evt="onPrev" delay="0">
+                  <p:tgtEl>
+                    <p:sldTgt/>
+                  </p:tgtEl>
+                </p:cond>
+              </p:prevCondLst>
+              <p:nextCondLst>
+                <p:cond evt="onNext" delay="0">
+                  <p:tgtEl>
+                    <p:sldTgt/>
+                  </p:tgtEl>
+                </p:cond>
+              </p:nextCondLst>
+            </p:seq>
+          </p:childTnLst>
+        </p:cTn>
+      </p:par>
+    </p:tnLst>
+    <p:bldLst>
+      <p:bldP spid="10" grpId="0"/>
+      <p:bldP spid="10" grpId="1"/>
+      <p:bldP spid="18" grpId="0"/>
+      <p:bldP spid="18" grpId="1"/>
+      <p:bldP spid="22" grpId="0"/>
+      <p:bldP spid="22" grpId="1"/>
+      <p:bldP spid="27" grpId="0"/>
+      <p:bldP spid="31" grpId="0"/>
+    </p:bldLst>
+  </p:timing>
 </p:sld>
 </file>
 
-<file path=ppt/slides/slide14.xml><?xml version="1.0" encoding="utf-8"?>
+<file path=ppt/slides/slide19.xml><?xml version="1.0" encoding="utf-8"?>
 <p:sld xmlns:a="http://schemas.openxmlformats.org/drawingml/2006/main" xmlns:r="http://schemas.openxmlformats.org/officeDocument/2006/relationships" xmlns:p="http://schemas.openxmlformats.org/presentationml/2006/main">
   <p:cSld>
     <p:spTree>
@@ -4751,7 +6856,646 @@
           <a:p>
             <a:r>
               <a:rPr lang="en-US" altLang="zh-TW" dirty="0"/>
-              <a:t>GCM Demo 1</a:t>
+              <a:t>Downstream Messaging</a:t>
+            </a:r>
+            <a:endParaRPr lang="zh-TW" altLang="en-US" dirty="0"/>
+          </a:p>
+        </p:txBody>
+      </p:sp>
+      <p:sp>
+        <p:nvSpPr>
+          <p:cNvPr id="3" name="內容版面配置區 2"/>
+          <p:cNvSpPr>
+            <a:spLocks noGrp="1"/>
+          </p:cNvSpPr>
+          <p:nvPr>
+            <p:ph idx="1"/>
+          </p:nvPr>
+        </p:nvSpPr>
+        <p:spPr/>
+        <p:txBody>
+          <a:bodyPr/>
+          <a:lstStyle/>
+          <a:p>
+            <a:r>
+              <a:rPr lang="en-US" altLang="zh-TW" dirty="0" smtClean="0"/>
+              <a:t>HTTP connection Server </a:t>
+            </a:r>
+            <a:r>
+              <a:rPr lang="en-US" altLang="zh-TW" dirty="0" smtClean="0"/>
+              <a:t>Reference</a:t>
+            </a:r>
+            <a:endParaRPr lang="en-US" altLang="zh-TW" dirty="0"/>
+          </a:p>
+          <a:p>
+            <a:pPr lvl="1"/>
+            <a:r>
+              <a:rPr lang="en-US" altLang="zh-TW" dirty="0"/>
+              <a:t>https://developers.google.com/cloud-messaging/http-server-ref#send-downstream</a:t>
+            </a:r>
+            <a:endParaRPr lang="zh-TW" altLang="en-US" dirty="0"/>
+          </a:p>
+        </p:txBody>
+      </p:sp>
+    </p:spTree>
+    <p:extLst>
+      <p:ext uri="{BB962C8B-B14F-4D97-AF65-F5344CB8AC3E}">
+        <p14:creationId xmlns:p14="http://schemas.microsoft.com/office/powerpoint/2010/main" val="2169250140"/>
+      </p:ext>
+    </p:extLst>
+  </p:cSld>
+  <p:clrMapOvr>
+    <a:masterClrMapping/>
+  </p:clrMapOvr>
+  <p:timing>
+    <p:tnLst>
+      <p:par>
+        <p:cTn id="1" dur="indefinite" restart="never" nodeType="tmRoot"/>
+      </p:par>
+    </p:tnLst>
+  </p:timing>
+</p:sld>
+</file>
+
+<file path=ppt/slides/slide2.xml><?xml version="1.0" encoding="utf-8"?>
+<p:sld xmlns:a="http://schemas.openxmlformats.org/drawingml/2006/main" xmlns:r="http://schemas.openxmlformats.org/officeDocument/2006/relationships" xmlns:p="http://schemas.openxmlformats.org/presentationml/2006/main">
+  <p:cSld>
+    <p:spTree>
+      <p:nvGrpSpPr>
+        <p:cNvPr id="1" name=""/>
+        <p:cNvGrpSpPr/>
+        <p:nvPr/>
+      </p:nvGrpSpPr>
+      <p:grpSpPr>
+        <a:xfrm>
+          <a:off x="0" y="0"/>
+          <a:ext cx="0" cy="0"/>
+          <a:chOff x="0" y="0"/>
+          <a:chExt cx="0" cy="0"/>
+        </a:xfrm>
+      </p:grpSpPr>
+      <p:sp>
+        <p:nvSpPr>
+          <p:cNvPr id="2" name="標題 1"/>
+          <p:cNvSpPr>
+            <a:spLocks noGrp="1"/>
+          </p:cNvSpPr>
+          <p:nvPr>
+            <p:ph type="title"/>
+          </p:nvPr>
+        </p:nvSpPr>
+        <p:spPr/>
+        <p:txBody>
+          <a:bodyPr/>
+          <a:lstStyle/>
+          <a:p>
+            <a:endParaRPr lang="zh-TW" altLang="en-US" dirty="0"/>
+          </a:p>
+        </p:txBody>
+      </p:sp>
+      <p:sp>
+        <p:nvSpPr>
+          <p:cNvPr id="3" name="內容版面配置區 2"/>
+          <p:cNvSpPr>
+            <a:spLocks noGrp="1"/>
+          </p:cNvSpPr>
+          <p:nvPr>
+            <p:ph idx="1"/>
+          </p:nvPr>
+        </p:nvSpPr>
+        <p:spPr/>
+        <p:txBody>
+          <a:bodyPr/>
+          <a:lstStyle/>
+          <a:p>
+            <a:r>
+              <a:rPr lang="en-US" altLang="zh-TW" dirty="0" smtClean="0"/>
+              <a:t>GCM </a:t>
+            </a:r>
+            <a:r>
+              <a:rPr lang="en-US" altLang="zh-TW" dirty="0" err="1" smtClean="0"/>
+              <a:t>設定說明</a:t>
+            </a:r>
+            <a:endParaRPr lang="en-US" altLang="zh-TW" dirty="0" smtClean="0"/>
+          </a:p>
+          <a:p>
+            <a:pPr lvl="1"/>
+            <a:r>
+              <a:rPr lang="en-US" altLang="zh-TW" dirty="0">
+                <a:hlinkClick r:id="rId3"/>
+              </a:rPr>
+              <a:t>https://</a:t>
+            </a:r>
+            <a:r>
+              <a:rPr lang="en-US" altLang="zh-TW" dirty="0" smtClean="0">
+                <a:hlinkClick r:id="rId3"/>
+              </a:rPr>
+              <a:t>developers.google.com/cloud-messaging/android/client</a:t>
+            </a:r>
+            <a:endParaRPr lang="en-US" altLang="zh-TW" dirty="0" smtClean="0"/>
+          </a:p>
+          <a:p>
+            <a:endParaRPr lang="en-US" altLang="zh-TW" dirty="0"/>
+          </a:p>
+          <a:p>
+            <a:r>
+              <a:rPr lang="zh-TW" altLang="en-US" dirty="0" smtClean="0"/>
+              <a:t>設定</a:t>
+            </a:r>
+            <a:r>
+              <a:rPr lang="en-US" altLang="zh-TW" dirty="0" smtClean="0"/>
+              <a:t>Google </a:t>
+            </a:r>
+            <a:r>
+              <a:rPr lang="en-US" altLang="zh-TW" dirty="0" err="1" smtClean="0"/>
+              <a:t>專案</a:t>
+            </a:r>
+            <a:r>
+              <a:rPr lang="en-US" altLang="zh-TW" dirty="0" smtClean="0"/>
+              <a:t> console </a:t>
+            </a:r>
+          </a:p>
+          <a:p>
+            <a:pPr marL="0" indent="0">
+              <a:buNone/>
+            </a:pPr>
+            <a:r>
+              <a:rPr lang="en-US" altLang="zh-TW" dirty="0"/>
+              <a:t> </a:t>
+            </a:r>
+            <a:r>
+              <a:rPr lang="en-US" altLang="zh-TW" dirty="0" smtClean="0"/>
+              <a:t>  (Google Developers Console)</a:t>
+            </a:r>
+          </a:p>
+          <a:p>
+            <a:pPr lvl="1"/>
+            <a:r>
+              <a:rPr lang="en-US" altLang="zh-TW" dirty="0"/>
+              <a:t>https://console.developers.google.com/</a:t>
+            </a:r>
+            <a:endParaRPr lang="zh-TW" altLang="en-US" dirty="0"/>
+          </a:p>
+        </p:txBody>
+      </p:sp>
+    </p:spTree>
+    <p:extLst>
+      <p:ext uri="{BB962C8B-B14F-4D97-AF65-F5344CB8AC3E}">
+        <p14:creationId xmlns:p14="http://schemas.microsoft.com/office/powerpoint/2010/main" val="3072050155"/>
+      </p:ext>
+    </p:extLst>
+  </p:cSld>
+  <p:clrMapOvr>
+    <a:masterClrMapping/>
+  </p:clrMapOvr>
+</p:sld>
+</file>
+
+<file path=ppt/slides/slide20.xml><?xml version="1.0" encoding="utf-8"?>
+<p:sld xmlns:a="http://schemas.openxmlformats.org/drawingml/2006/main" xmlns:r="http://schemas.openxmlformats.org/officeDocument/2006/relationships" xmlns:p="http://schemas.openxmlformats.org/presentationml/2006/main">
+  <p:cSld>
+    <p:spTree>
+      <p:nvGrpSpPr>
+        <p:cNvPr id="1" name=""/>
+        <p:cNvGrpSpPr/>
+        <p:nvPr/>
+      </p:nvGrpSpPr>
+      <p:grpSpPr>
+        <a:xfrm>
+          <a:off x="0" y="0"/>
+          <a:ext cx="0" cy="0"/>
+          <a:chOff x="0" y="0"/>
+          <a:chExt cx="0" cy="0"/>
+        </a:xfrm>
+      </p:grpSpPr>
+      <p:sp>
+        <p:nvSpPr>
+          <p:cNvPr id="2" name="標題 1"/>
+          <p:cNvSpPr>
+            <a:spLocks noGrp="1"/>
+          </p:cNvSpPr>
+          <p:nvPr>
+            <p:ph type="title"/>
+          </p:nvPr>
+        </p:nvSpPr>
+        <p:spPr/>
+        <p:txBody>
+          <a:bodyPr/>
+          <a:lstStyle/>
+          <a:p>
+            <a:r>
+              <a:rPr lang="en-US" altLang="zh-TW" dirty="0" smtClean="0"/>
+              <a:t>Downstream Messaging</a:t>
+            </a:r>
+            <a:endParaRPr lang="zh-TW" altLang="en-US" dirty="0"/>
+          </a:p>
+        </p:txBody>
+      </p:sp>
+      <p:sp>
+        <p:nvSpPr>
+          <p:cNvPr id="3" name="內容版面配置區 2"/>
+          <p:cNvSpPr>
+            <a:spLocks noGrp="1"/>
+          </p:cNvSpPr>
+          <p:nvPr>
+            <p:ph idx="1"/>
+          </p:nvPr>
+        </p:nvSpPr>
+        <p:spPr/>
+        <p:txBody>
+          <a:bodyPr>
+            <a:normAutofit/>
+          </a:bodyPr>
+          <a:lstStyle/>
+          <a:p>
+            <a:r>
+              <a:rPr lang="zh-TW" altLang="en-US" dirty="0" smtClean="0"/>
+              <a:t>設定</a:t>
+            </a:r>
+            <a:r>
+              <a:rPr lang="en-US" altLang="zh-TW" dirty="0" smtClean="0"/>
+              <a:t>AndroidManifest.xml (1/2)</a:t>
+            </a:r>
+          </a:p>
+          <a:p>
+            <a:pPr lvl="1"/>
+            <a:r>
+              <a:rPr lang="zh-TW" altLang="en-US" dirty="0" smtClean="0"/>
+              <a:t>增加 </a:t>
+            </a:r>
+            <a:r>
+              <a:rPr lang="en-US" altLang="zh-TW" dirty="0" smtClean="0"/>
+              <a:t>permission</a:t>
+            </a:r>
+          </a:p>
+          <a:p>
+            <a:pPr marL="457200" lvl="1" indent="0">
+              <a:buNone/>
+            </a:pPr>
+            <a:r>
+              <a:rPr lang="en-US" altLang="zh-TW" sz="1600" dirty="0">
+                <a:latin typeface="+mj-ea"/>
+                <a:ea typeface="+mj-ea"/>
+              </a:rPr>
+              <a:t> </a:t>
+            </a:r>
+            <a:r>
+              <a:rPr lang="en-US" altLang="zh-TW" sz="1600" dirty="0" smtClean="0">
+                <a:latin typeface="+mj-ea"/>
+                <a:ea typeface="+mj-ea"/>
+              </a:rPr>
+              <a:t>   &lt;</a:t>
+            </a:r>
+            <a:r>
+              <a:rPr lang="en-US" altLang="zh-TW" sz="1600" dirty="0">
+                <a:latin typeface="+mj-ea"/>
+                <a:ea typeface="+mj-ea"/>
+              </a:rPr>
+              <a:t>uses-permission </a:t>
+            </a:r>
+            <a:r>
+              <a:rPr lang="en-US" altLang="zh-TW" sz="1600" dirty="0" err="1">
+                <a:latin typeface="+mj-ea"/>
+                <a:ea typeface="+mj-ea"/>
+              </a:rPr>
+              <a:t>android:name</a:t>
+            </a:r>
+            <a:r>
+              <a:rPr lang="en-US" altLang="zh-TW" sz="1600" dirty="0">
+                <a:latin typeface="+mj-ea"/>
+                <a:ea typeface="+mj-ea"/>
+              </a:rPr>
+              <a:t>="</a:t>
+            </a:r>
+            <a:r>
+              <a:rPr lang="en-US" altLang="zh-TW" sz="1600" dirty="0" err="1">
+                <a:latin typeface="+mj-ea"/>
+                <a:ea typeface="+mj-ea"/>
+              </a:rPr>
+              <a:t>android.permission.INTERNET</a:t>
+            </a:r>
+            <a:r>
+              <a:rPr lang="en-US" altLang="zh-TW" sz="1600" dirty="0">
+                <a:latin typeface="+mj-ea"/>
+                <a:ea typeface="+mj-ea"/>
+              </a:rPr>
+              <a:t>" /&gt;</a:t>
+            </a:r>
+          </a:p>
+          <a:p>
+            <a:pPr marL="457200" lvl="1" indent="0">
+              <a:buNone/>
+            </a:pPr>
+            <a:r>
+              <a:rPr lang="en-US" altLang="zh-TW" sz="1600" dirty="0" smtClean="0">
+                <a:latin typeface="+mj-ea"/>
+                <a:ea typeface="+mj-ea"/>
+              </a:rPr>
+              <a:t>    &lt;</a:t>
+            </a:r>
+            <a:r>
+              <a:rPr lang="en-US" altLang="zh-TW" sz="1600" dirty="0">
+                <a:latin typeface="+mj-ea"/>
+                <a:ea typeface="+mj-ea"/>
+              </a:rPr>
+              <a:t>uses-permission </a:t>
+            </a:r>
+            <a:r>
+              <a:rPr lang="en-US" altLang="zh-TW" sz="1600" dirty="0" err="1">
+                <a:latin typeface="+mj-ea"/>
+                <a:ea typeface="+mj-ea"/>
+              </a:rPr>
+              <a:t>android:name</a:t>
+            </a:r>
+            <a:r>
+              <a:rPr lang="en-US" altLang="zh-TW" sz="1600" dirty="0">
+                <a:latin typeface="+mj-ea"/>
+                <a:ea typeface="+mj-ea"/>
+              </a:rPr>
+              <a:t>="</a:t>
+            </a:r>
+            <a:r>
+              <a:rPr lang="en-US" altLang="zh-TW" sz="1600" dirty="0" err="1">
+                <a:latin typeface="+mj-ea"/>
+                <a:ea typeface="+mj-ea"/>
+              </a:rPr>
+              <a:t>android.permission.WAKE_LOCK</a:t>
+            </a:r>
+            <a:r>
+              <a:rPr lang="en-US" altLang="zh-TW" sz="1600" dirty="0">
+                <a:latin typeface="+mj-ea"/>
+                <a:ea typeface="+mj-ea"/>
+              </a:rPr>
+              <a:t>" /&gt;</a:t>
+            </a:r>
+          </a:p>
+          <a:p>
+            <a:pPr marL="457200" lvl="1" indent="0">
+              <a:buNone/>
+            </a:pPr>
+            <a:r>
+              <a:rPr lang="en-US" altLang="zh-TW" sz="1600" dirty="0">
+                <a:latin typeface="+mj-ea"/>
+                <a:ea typeface="+mj-ea"/>
+              </a:rPr>
+              <a:t>    &lt;uses-permission </a:t>
+            </a:r>
+            <a:r>
+              <a:rPr lang="en-US" altLang="zh-TW" sz="1600" dirty="0" err="1">
+                <a:latin typeface="+mj-ea"/>
+                <a:ea typeface="+mj-ea"/>
+              </a:rPr>
+              <a:t>android:name</a:t>
+            </a:r>
+            <a:r>
+              <a:rPr lang="en-US" altLang="zh-TW" sz="1600" dirty="0">
+                <a:latin typeface="+mj-ea"/>
+                <a:ea typeface="+mj-ea"/>
+              </a:rPr>
+              <a:t>="com.google.android.c2dm.permission.RECEIVE" /&gt;</a:t>
+            </a:r>
+            <a:endParaRPr lang="en-US" altLang="zh-TW" sz="1600" dirty="0" smtClean="0">
+              <a:latin typeface="+mj-ea"/>
+              <a:ea typeface="+mj-ea"/>
+            </a:endParaRPr>
+          </a:p>
+          <a:p>
+            <a:pPr marL="457200" lvl="1" indent="0">
+              <a:buNone/>
+            </a:pPr>
+            <a:endParaRPr lang="en-US" altLang="zh-TW" dirty="0" smtClean="0"/>
+          </a:p>
+          <a:p>
+            <a:pPr lvl="1"/>
+            <a:r>
+              <a:rPr lang="zh-TW" altLang="en-US" dirty="0" smtClean="0"/>
+              <a:t>增加</a:t>
+            </a:r>
+            <a:r>
+              <a:rPr lang="en-US" altLang="zh-TW" dirty="0" smtClean="0"/>
+              <a:t>meta-data</a:t>
+            </a:r>
+          </a:p>
+          <a:p>
+            <a:pPr marL="457200" lvl="1" indent="0">
+              <a:buNone/>
+            </a:pPr>
+            <a:r>
+              <a:rPr lang="en-US" altLang="zh-TW" sz="1600" dirty="0" smtClean="0">
+                <a:latin typeface="+mj-ea"/>
+                <a:ea typeface="+mj-ea"/>
+              </a:rPr>
+              <a:t>&lt;</a:t>
+            </a:r>
+            <a:r>
+              <a:rPr lang="en-US" altLang="zh-TW" sz="1600" dirty="0">
+                <a:latin typeface="+mj-ea"/>
+                <a:ea typeface="+mj-ea"/>
+              </a:rPr>
+              <a:t>meta-data</a:t>
+            </a:r>
+            <a:br>
+              <a:rPr lang="en-US" altLang="zh-TW" sz="1600" dirty="0">
+                <a:latin typeface="+mj-ea"/>
+                <a:ea typeface="+mj-ea"/>
+              </a:rPr>
+            </a:br>
+            <a:r>
+              <a:rPr lang="en-US" altLang="zh-TW" sz="1600" dirty="0">
+                <a:latin typeface="+mj-ea"/>
+                <a:ea typeface="+mj-ea"/>
+              </a:rPr>
+              <a:t>    </a:t>
+            </a:r>
+            <a:r>
+              <a:rPr lang="en-US" altLang="zh-TW" sz="1600" dirty="0" err="1">
+                <a:latin typeface="+mj-ea"/>
+                <a:ea typeface="+mj-ea"/>
+              </a:rPr>
+              <a:t>android:name</a:t>
+            </a:r>
+            <a:r>
+              <a:rPr lang="en-US" altLang="zh-TW" sz="1600" dirty="0">
+                <a:latin typeface="+mj-ea"/>
+                <a:ea typeface="+mj-ea"/>
+              </a:rPr>
+              <a:t>="</a:t>
+            </a:r>
+            <a:r>
+              <a:rPr lang="en-US" altLang="zh-TW" sz="1600" dirty="0" err="1">
+                <a:latin typeface="+mj-ea"/>
+                <a:ea typeface="+mj-ea"/>
+              </a:rPr>
+              <a:t>com.google.android.gms.version</a:t>
+            </a:r>
+            <a:r>
+              <a:rPr lang="en-US" altLang="zh-TW" sz="1600" dirty="0">
+                <a:latin typeface="+mj-ea"/>
+                <a:ea typeface="+mj-ea"/>
+              </a:rPr>
+              <a:t>"</a:t>
+            </a:r>
+            <a:br>
+              <a:rPr lang="en-US" altLang="zh-TW" sz="1600" dirty="0">
+                <a:latin typeface="+mj-ea"/>
+                <a:ea typeface="+mj-ea"/>
+              </a:rPr>
+            </a:br>
+            <a:r>
+              <a:rPr lang="en-US" altLang="zh-TW" sz="1600" dirty="0">
+                <a:latin typeface="+mj-ea"/>
+                <a:ea typeface="+mj-ea"/>
+              </a:rPr>
+              <a:t>    </a:t>
+            </a:r>
+            <a:r>
+              <a:rPr lang="en-US" altLang="zh-TW" sz="1600" dirty="0" err="1">
+                <a:latin typeface="+mj-ea"/>
+                <a:ea typeface="+mj-ea"/>
+              </a:rPr>
+              <a:t>android:value</a:t>
+            </a:r>
+            <a:r>
+              <a:rPr lang="en-US" altLang="zh-TW" sz="1600" dirty="0">
+                <a:latin typeface="+mj-ea"/>
+                <a:ea typeface="+mj-ea"/>
+              </a:rPr>
+              <a:t>="@integer/</a:t>
+            </a:r>
+            <a:r>
+              <a:rPr lang="en-US" altLang="zh-TW" sz="1600" dirty="0" err="1">
+                <a:latin typeface="+mj-ea"/>
+                <a:ea typeface="+mj-ea"/>
+              </a:rPr>
+              <a:t>google_play_services_version</a:t>
+            </a:r>
+            <a:r>
+              <a:rPr lang="en-US" altLang="zh-TW" sz="1600" dirty="0">
+                <a:latin typeface="+mj-ea"/>
+                <a:ea typeface="+mj-ea"/>
+              </a:rPr>
+              <a:t>" /&gt;</a:t>
+            </a:r>
+            <a:endParaRPr lang="zh-TW" altLang="en-US" sz="1600" dirty="0">
+              <a:latin typeface="+mj-ea"/>
+              <a:ea typeface="+mj-ea"/>
+            </a:endParaRPr>
+          </a:p>
+        </p:txBody>
+      </p:sp>
+      <p:sp>
+        <p:nvSpPr>
+          <p:cNvPr id="4" name="文字方塊 3"/>
+          <p:cNvSpPr txBox="1"/>
+          <p:nvPr/>
+        </p:nvSpPr>
+        <p:spPr>
+          <a:xfrm>
+            <a:off x="971600" y="5989930"/>
+            <a:ext cx="7510389" cy="461665"/>
+          </a:xfrm>
+          <a:prstGeom prst="rect">
+            <a:avLst/>
+          </a:prstGeom>
+          <a:noFill/>
+        </p:spPr>
+        <p:txBody>
+          <a:bodyPr wrap="none" rtlCol="0">
+            <a:spAutoFit/>
+          </a:bodyPr>
+          <a:lstStyle/>
+          <a:p>
+            <a:r>
+              <a:rPr lang="zh-TW" altLang="en-US" sz="2400" b="1" dirty="0" smtClean="0">
+                <a:solidFill>
+                  <a:srgbClr val="FF0000"/>
+                </a:solidFill>
+                <a:latin typeface="+mn-ea"/>
+              </a:rPr>
+              <a:t>設定完成後，要</a:t>
+            </a:r>
+            <a:r>
+              <a:rPr lang="en-US" altLang="zh-TW" sz="2400" b="1" dirty="0" smtClean="0">
+                <a:solidFill>
+                  <a:srgbClr val="FF0000"/>
+                </a:solidFill>
+                <a:latin typeface="+mn-ea"/>
+              </a:rPr>
+              <a:t>Rebuild  </a:t>
+            </a:r>
+            <a:r>
+              <a:rPr lang="en-US" altLang="zh-TW" sz="2400" b="1" dirty="0" err="1" smtClean="0">
+                <a:solidFill>
+                  <a:srgbClr val="FF0000"/>
+                </a:solidFill>
+                <a:latin typeface="+mn-ea"/>
+              </a:rPr>
+              <a:t>project，這樣meta-data才會產生</a:t>
+            </a:r>
+            <a:endParaRPr lang="zh-TW" altLang="en-US" sz="2400" b="1" dirty="0">
+              <a:solidFill>
+                <a:srgbClr val="FF0000"/>
+              </a:solidFill>
+              <a:latin typeface="+mn-ea"/>
+            </a:endParaRPr>
+          </a:p>
+        </p:txBody>
+      </p:sp>
+    </p:spTree>
+    <p:extLst>
+      <p:ext uri="{BB962C8B-B14F-4D97-AF65-F5344CB8AC3E}">
+        <p14:creationId xmlns:p14="http://schemas.microsoft.com/office/powerpoint/2010/main" val="819756465"/>
+      </p:ext>
+    </p:extLst>
+  </p:cSld>
+  <p:clrMapOvr>
+    <a:masterClrMapping/>
+  </p:clrMapOvr>
+  <p:timing>
+    <p:tnLst>
+      <p:par>
+        <p:cTn id="1" dur="indefinite" restart="never" nodeType="tmRoot"/>
+      </p:par>
+    </p:tnLst>
+  </p:timing>
+</p:sld>
+</file>
+
+<file path=ppt/slides/slide21.xml><?xml version="1.0" encoding="utf-8"?>
+<p:sld xmlns:a="http://schemas.openxmlformats.org/drawingml/2006/main" xmlns:r="http://schemas.openxmlformats.org/officeDocument/2006/relationships" xmlns:p="http://schemas.openxmlformats.org/presentationml/2006/main">
+  <p:cSld>
+    <p:spTree>
+      <p:nvGrpSpPr>
+        <p:cNvPr id="1" name=""/>
+        <p:cNvGrpSpPr/>
+        <p:nvPr/>
+      </p:nvGrpSpPr>
+      <p:grpSpPr>
+        <a:xfrm>
+          <a:off x="0" y="0"/>
+          <a:ext cx="0" cy="0"/>
+          <a:chOff x="0" y="0"/>
+          <a:chExt cx="0" cy="0"/>
+        </a:xfrm>
+      </p:grpSpPr>
+      <p:sp>
+        <p:nvSpPr>
+          <p:cNvPr id="2" name="標題 1"/>
+          <p:cNvSpPr>
+            <a:spLocks noGrp="1"/>
+          </p:cNvSpPr>
+          <p:nvPr>
+            <p:ph type="title"/>
+          </p:nvPr>
+        </p:nvSpPr>
+        <p:spPr/>
+        <p:txBody>
+          <a:bodyPr/>
+          <a:lstStyle/>
+          <a:p>
+            <a:r>
+              <a:rPr lang="en-US" altLang="zh-TW" dirty="0"/>
+              <a:t>Downstream Messaging</a:t>
             </a:r>
             <a:endParaRPr lang="zh-TW" altLang="en-US" dirty="0"/>
           </a:p>
@@ -4989,10 +7733,17 @@
   <p:clrMapOvr>
     <a:masterClrMapping/>
   </p:clrMapOvr>
+  <p:timing>
+    <p:tnLst>
+      <p:par>
+        <p:cTn id="1" dur="indefinite" restart="never" nodeType="tmRoot"/>
+      </p:par>
+    </p:tnLst>
+  </p:timing>
 </p:sld>
 </file>
 
-<file path=ppt/slides/slide15.xml><?xml version="1.0" encoding="utf-8"?>
+<file path=ppt/slides/slide22.xml><?xml version="1.0" encoding="utf-8"?>
 <p:sld xmlns:a="http://schemas.openxmlformats.org/drawingml/2006/main" xmlns:r="http://schemas.openxmlformats.org/officeDocument/2006/relationships" xmlns:p="http://schemas.openxmlformats.org/presentationml/2006/main">
   <p:cSld>
     <p:spTree>
@@ -5026,7 +7777,7 @@
           <a:p>
             <a:r>
               <a:rPr lang="en-US" altLang="zh-TW" dirty="0"/>
-              <a:t>GCM Demo 1</a:t>
+              <a:t>Downstream Messaging</a:t>
             </a:r>
             <a:endParaRPr lang="zh-TW" altLang="en-US" dirty="0"/>
           </a:p>
@@ -5203,10 +7954,17 @@
   <p:clrMapOvr>
     <a:masterClrMapping/>
   </p:clrMapOvr>
+  <p:timing>
+    <p:tnLst>
+      <p:par>
+        <p:cTn id="1" dur="indefinite" restart="never" nodeType="tmRoot"/>
+      </p:par>
+    </p:tnLst>
+  </p:timing>
 </p:sld>
 </file>
 
-<file path=ppt/slides/slide16.xml><?xml version="1.0" encoding="utf-8"?>
+<file path=ppt/slides/slide23.xml><?xml version="1.0" encoding="utf-8"?>
 <p:sld xmlns:a="http://schemas.openxmlformats.org/drawingml/2006/main" xmlns:r="http://schemas.openxmlformats.org/officeDocument/2006/relationships" xmlns:p="http://schemas.openxmlformats.org/presentationml/2006/main">
   <p:cSld>
     <p:spTree>
@@ -5240,7 +7998,7 @@
           <a:p>
             <a:r>
               <a:rPr lang="en-US" altLang="zh-TW" dirty="0"/>
-              <a:t>GCM Demo 1</a:t>
+              <a:t>Downstream Messaging</a:t>
             </a:r>
             <a:endParaRPr lang="zh-TW" altLang="en-US" dirty="0"/>
           </a:p>
@@ -5635,10 +8393,17 @@
   <p:clrMapOvr>
     <a:masterClrMapping/>
   </p:clrMapOvr>
+  <p:timing>
+    <p:tnLst>
+      <p:par>
+        <p:cTn id="1" dur="indefinite" restart="never" nodeType="tmRoot"/>
+      </p:par>
+    </p:tnLst>
+  </p:timing>
 </p:sld>
 </file>
 
-<file path=ppt/slides/slide17.xml><?xml version="1.0" encoding="utf-8"?>
+<file path=ppt/slides/slide24.xml><?xml version="1.0" encoding="utf-8"?>
 <p:sld xmlns:a="http://schemas.openxmlformats.org/drawingml/2006/main" xmlns:r="http://schemas.openxmlformats.org/officeDocument/2006/relationships" xmlns:p="http://schemas.openxmlformats.org/presentationml/2006/main">
   <p:cSld>
     <p:spTree>
@@ -5672,7 +8437,7 @@
           <a:p>
             <a:r>
               <a:rPr lang="en-US" altLang="zh-TW" dirty="0"/>
-              <a:t>GCM Demo 1</a:t>
+              <a:t>Downstream Messaging</a:t>
             </a:r>
             <a:endParaRPr lang="zh-TW" altLang="en-US" dirty="0"/>
           </a:p>
@@ -5703,8 +8468,13 @@
             </a:r>
             <a:r>
               <a:rPr lang="en-US" altLang="zh-TW" dirty="0" smtClean="0"/>
-              <a:t> (1/3)</a:t>
-            </a:r>
+              <a:t> (</a:t>
+            </a:r>
+            <a:r>
+              <a:rPr lang="en-US" altLang="zh-TW" dirty="0" smtClean="0"/>
+              <a:t>1/4)</a:t>
+            </a:r>
+            <a:endParaRPr lang="en-US" altLang="zh-TW" dirty="0" smtClean="0"/>
           </a:p>
           <a:p>
             <a:pPr lvl="1"/>
@@ -5789,10 +8559,17 @@
   <p:clrMapOvr>
     <a:masterClrMapping/>
   </p:clrMapOvr>
+  <p:timing>
+    <p:tnLst>
+      <p:par>
+        <p:cTn id="1" dur="indefinite" restart="never" nodeType="tmRoot"/>
+      </p:par>
+    </p:tnLst>
+  </p:timing>
 </p:sld>
 </file>
 
-<file path=ppt/slides/slide18.xml><?xml version="1.0" encoding="utf-8"?>
+<file path=ppt/slides/slide25.xml><?xml version="1.0" encoding="utf-8"?>
 <p:sld xmlns:a="http://schemas.openxmlformats.org/drawingml/2006/main" xmlns:r="http://schemas.openxmlformats.org/officeDocument/2006/relationships" xmlns:p="http://schemas.openxmlformats.org/presentationml/2006/main">
   <p:cSld>
     <p:spTree>
@@ -5826,7 +8603,7 @@
           <a:p>
             <a:r>
               <a:rPr lang="en-US" altLang="zh-TW" dirty="0"/>
-              <a:t>GCM Demo 1</a:t>
+              <a:t>Downstream Messaging</a:t>
             </a:r>
             <a:endParaRPr lang="zh-TW" altLang="en-US" dirty="0"/>
           </a:p>
@@ -5850,183 +8627,81 @@
           <a:lstStyle/>
           <a:p>
             <a:r>
+              <a:rPr lang="en-US" altLang="zh-TW" dirty="0">
+                <a:latin typeface="+mn-ea"/>
+              </a:rPr>
+              <a:t>Server 向 GCM </a:t>
+            </a:r>
+            <a:r>
+              <a:rPr lang="en-US" altLang="zh-TW" dirty="0" err="1">
+                <a:latin typeface="+mn-ea"/>
+              </a:rPr>
+              <a:t>發訊息</a:t>
+            </a:r>
+            <a:r>
+              <a:rPr lang="en-US" altLang="zh-TW" dirty="0"/>
+              <a:t> (</a:t>
+            </a:r>
+            <a:r>
+              <a:rPr lang="en-US" altLang="zh-TW" dirty="0" smtClean="0"/>
+              <a:t>2/4)</a:t>
+            </a:r>
+            <a:endParaRPr lang="en-US" altLang="zh-TW" dirty="0" smtClean="0"/>
+          </a:p>
+          <a:p>
+            <a:pPr lvl="1"/>
+            <a:r>
+              <a:rPr lang="en-US" altLang="zh-TW" dirty="0">
+                <a:latin typeface="+mn-ea"/>
+              </a:rPr>
+              <a:t>post </a:t>
+            </a:r>
+            <a:r>
+              <a:rPr lang="en-US" altLang="zh-TW" dirty="0" err="1">
+                <a:latin typeface="+mn-ea"/>
+              </a:rPr>
+              <a:t>資料，JSON格式</a:t>
+            </a:r>
+            <a:r>
               <a:rPr lang="en-US" altLang="zh-TW" dirty="0" smtClean="0">
                 <a:latin typeface="+mn-ea"/>
               </a:rPr>
-              <a:t>Server 向 GCM </a:t>
+              <a:t>(1): </a:t>
             </a:r>
             <a:r>
               <a:rPr lang="en-US" altLang="zh-TW" dirty="0" err="1" smtClean="0">
                 <a:latin typeface="+mn-ea"/>
               </a:rPr>
-              <a:t>發訊息</a:t>
-            </a:r>
-            <a:r>
-              <a:rPr lang="en-US" altLang="zh-TW" dirty="0"/>
-              <a:t> </a:t>
-            </a:r>
-            <a:r>
-              <a:rPr lang="en-US" altLang="zh-TW" dirty="0" smtClean="0"/>
-              <a:t>(2/3</a:t>
-            </a:r>
-            <a:r>
-              <a:rPr lang="en-US" altLang="zh-TW" dirty="0"/>
-              <a:t>)</a:t>
-            </a:r>
-            <a:endParaRPr lang="en-US" altLang="zh-TW" dirty="0" smtClean="0">
+              <a:t>傳送單一user</a:t>
+            </a:r>
+            <a:endParaRPr lang="en-US" altLang="zh-TW" dirty="0">
               <a:latin typeface="+mn-ea"/>
             </a:endParaRPr>
           </a:p>
           <a:p>
-            <a:pPr lvl="1"/>
-            <a:r>
-              <a:rPr lang="en-US" altLang="zh-TW" dirty="0" smtClean="0">
-                <a:latin typeface="+mn-ea"/>
-              </a:rPr>
-              <a:t>Post </a:t>
-            </a:r>
-            <a:r>
-              <a:rPr lang="en-US" altLang="zh-TW" dirty="0" err="1">
-                <a:latin typeface="+mn-ea"/>
-              </a:rPr>
-              <a:t>資料，要為JSON格式</a:t>
-            </a:r>
-            <a:endParaRPr lang="en-US" altLang="zh-TW" dirty="0" smtClean="0">
-              <a:latin typeface="+mn-ea"/>
-            </a:endParaRPr>
-          </a:p>
-          <a:p>
-            <a:pPr marL="400050" lvl="2" indent="0">
+            <a:pPr marL="457200" lvl="1" indent="0">
               <a:buNone/>
             </a:pPr>
             <a:r>
               <a:rPr lang="en-US" altLang="zh-TW" sz="1600" dirty="0" smtClean="0">
-                <a:latin typeface="+mn-ea"/>
-              </a:rPr>
-              <a:t>{“</a:t>
-            </a:r>
-            <a:r>
-              <a:rPr lang="en-US" altLang="zh-TW" sz="1600" dirty="0" err="1" smtClean="0">
-                <a:latin typeface="+mn-ea"/>
-              </a:rPr>
-              <a:t>registration_ids</a:t>
+                <a:latin typeface="+mj-ea"/>
+                <a:ea typeface="+mj-ea"/>
+              </a:rPr>
+              <a:t>{ "</a:t>
+            </a:r>
+            <a:r>
+              <a:rPr lang="en-US" altLang="zh-TW" sz="1600" dirty="0">
+                <a:latin typeface="+mj-ea"/>
+                <a:ea typeface="+mj-ea"/>
+              </a:rPr>
+              <a:t>to" : </a:t>
             </a:r>
             <a:r>
               <a:rPr lang="en-US" altLang="zh-TW" sz="1600" dirty="0" smtClean="0">
-                <a:latin typeface="+mn-ea"/>
-              </a:rPr>
-              <a:t>":[“</a:t>
-            </a:r>
-            <a:r>
-              <a:rPr lang="en-US" altLang="zh-TW" sz="1600" b="1" dirty="0" err="1" smtClean="0">
-                <a:solidFill>
-                  <a:srgbClr val="FF0000"/>
-                </a:solidFill>
-                <a:latin typeface="+mn-ea"/>
-              </a:rPr>
-              <a:t>user註冊的register</a:t>
-            </a:r>
-            <a:r>
-              <a:rPr lang="en-US" altLang="zh-TW" sz="1600" b="1" dirty="0" smtClean="0">
-                <a:solidFill>
-                  <a:srgbClr val="FF0000"/>
-                </a:solidFill>
-                <a:latin typeface="+mn-ea"/>
-              </a:rPr>
-              <a:t> ID</a:t>
-            </a:r>
-            <a:r>
-              <a:rPr lang="en-US" altLang="zh-TW" sz="1600" dirty="0" smtClean="0">
-                <a:latin typeface="+mn-ea"/>
-              </a:rPr>
-              <a:t>"],   </a:t>
-            </a:r>
-          </a:p>
-          <a:p>
-            <a:pPr marL="400050" lvl="2" indent="0">
-              <a:buNone/>
-            </a:pPr>
-            <a:r>
-              <a:rPr lang="en-US" altLang="zh-TW" sz="1600" dirty="0">
-                <a:latin typeface="+mn-ea"/>
-              </a:rPr>
-              <a:t> </a:t>
-            </a:r>
-            <a:r>
-              <a:rPr lang="en-US" altLang="zh-TW" sz="1600" dirty="0" smtClean="0">
-                <a:latin typeface="+mn-ea"/>
-              </a:rPr>
-              <a:t>  "</a:t>
-            </a:r>
-            <a:r>
-              <a:rPr lang="en-US" altLang="zh-TW" sz="1600" dirty="0">
-                <a:latin typeface="+mn-ea"/>
-              </a:rPr>
-              <a:t>data</a:t>
-            </a:r>
-            <a:r>
-              <a:rPr lang="en-US" altLang="zh-TW" sz="1600" dirty="0" smtClean="0">
-                <a:latin typeface="+mn-ea"/>
-              </a:rPr>
-              <a:t>":{</a:t>
-            </a:r>
-            <a:r>
-              <a:rPr lang="en-US" altLang="zh-TW" sz="1600" b="1" dirty="0" err="1" smtClean="0">
-                <a:solidFill>
-                  <a:srgbClr val="FF0000"/>
-                </a:solidFill>
-                <a:latin typeface="+mn-ea"/>
-              </a:rPr>
-              <a:t>傳送訊息內容</a:t>
-            </a:r>
-            <a:r>
-              <a:rPr lang="en-US" altLang="zh-TW" sz="1600" dirty="0" smtClean="0">
-                <a:latin typeface="+mn-ea"/>
-              </a:rPr>
-              <a:t>} </a:t>
-            </a:r>
-            <a:r>
-              <a:rPr lang="en-US" altLang="zh-TW" sz="1600" dirty="0">
-                <a:latin typeface="+mn-ea"/>
-              </a:rPr>
-              <a:t>}</a:t>
-            </a:r>
-            <a:endParaRPr lang="zh-TW" altLang="en-US" sz="1600" dirty="0">
-              <a:latin typeface="+mn-ea"/>
-            </a:endParaRPr>
-          </a:p>
-          <a:p>
-            <a:pPr marL="0" indent="0">
-              <a:buNone/>
-            </a:pPr>
-            <a:r>
-              <a:rPr lang="en-US" altLang="zh-TW" sz="1600" b="1" dirty="0" smtClean="0">
-                <a:latin typeface="+mn-ea"/>
-              </a:rPr>
-              <a:t>    Ex:</a:t>
-            </a:r>
-          </a:p>
-          <a:p>
-            <a:pPr marL="800100" lvl="2" indent="0">
-              <a:buNone/>
-            </a:pPr>
-            <a:r>
-              <a:rPr lang="en-US" altLang="zh-TW" sz="1600" dirty="0">
-                <a:latin typeface="+mn-ea"/>
-              </a:rPr>
-              <a:t>{"</a:t>
-            </a:r>
-            <a:r>
-              <a:rPr lang="en-US" altLang="zh-TW" sz="1600" dirty="0" err="1">
-                <a:latin typeface="+mn-ea"/>
-              </a:rPr>
-              <a:t>registration_ids</a:t>
-            </a:r>
-            <a:r>
-              <a:rPr lang="en-US" altLang="zh-TW" sz="1600" dirty="0">
-                <a:latin typeface="+mn-ea"/>
-              </a:rPr>
-              <a:t>":["</a:t>
+                <a:latin typeface="+mj-ea"/>
+                <a:ea typeface="+mj-ea"/>
+              </a:rPr>
+              <a:t>"</a:t>
             </a:r>
             <a:r>
               <a:rPr lang="en-US" altLang="zh-TW" sz="1600" b="1" dirty="0">
@@ -6035,35 +8710,16 @@
                 </a:solidFill>
                 <a:latin typeface="+mn-ea"/>
               </a:rPr>
-              <a:t>APA91bH2vsurFMpH2dQDYPIW8x</a:t>
-            </a:r>
-            <a:r>
-              <a:rPr lang="en-US" altLang="zh-TW" sz="1600" dirty="0">
+              <a:t> </a:t>
+            </a:r>
+            <a:r>
+              <a:rPr lang="en-US" altLang="zh-TW" sz="1600" b="1" dirty="0" err="1">
+                <a:solidFill>
+                  <a:srgbClr val="FF0000"/>
+                </a:solidFill>
                 <a:latin typeface="+mn-ea"/>
               </a:rPr>
-              <a:t>"],</a:t>
-            </a:r>
-          </a:p>
-          <a:p>
-            <a:pPr marL="800100" lvl="2" indent="0">
-              <a:buNone/>
-            </a:pPr>
-            <a:r>
-              <a:rPr lang="en-US" altLang="zh-TW" sz="1600" dirty="0">
-                <a:latin typeface="+mn-ea"/>
-              </a:rPr>
-              <a:t>  "data":{</a:t>
-            </a:r>
-          </a:p>
-          <a:p>
-            <a:pPr marL="800100" lvl="2" indent="0">
-              <a:buNone/>
-            </a:pPr>
-            <a:r>
-              <a:rPr lang="en-US" altLang="zh-TW" sz="1600" dirty="0">
-                <a:latin typeface="+mn-ea"/>
-              </a:rPr>
-              <a:t>	</a:t>
+              <a:t>user註冊的register</a:t>
             </a:r>
             <a:r>
               <a:rPr lang="en-US" altLang="zh-TW" sz="1600" b="1" dirty="0">
@@ -6072,13 +8728,58 @@
                 </a:solidFill>
                 <a:latin typeface="+mn-ea"/>
               </a:rPr>
-              <a:t>"message":{"model":"AAA-001", </a:t>
-            </a:r>
-          </a:p>
-          <a:p>
-            <a:pPr marL="800100" lvl="2" indent="0">
-              <a:buNone/>
-            </a:pPr>
+              <a:t> ID</a:t>
+            </a:r>
+            <a:r>
+              <a:rPr lang="en-US" altLang="zh-TW" sz="1600" dirty="0" smtClean="0">
+                <a:latin typeface="+mj-ea"/>
+                <a:ea typeface="+mj-ea"/>
+              </a:rPr>
+              <a:t>“,</a:t>
+            </a:r>
+            <a:r>
+              <a:rPr lang="en-US" altLang="zh-TW" sz="1600" dirty="0">
+                <a:latin typeface="+mj-ea"/>
+                <a:ea typeface="+mj-ea"/>
+              </a:rPr>
+              <a:t/>
+            </a:r>
+            <a:br>
+              <a:rPr lang="en-US" altLang="zh-TW" sz="1600" dirty="0">
+                <a:latin typeface="+mj-ea"/>
+                <a:ea typeface="+mj-ea"/>
+              </a:rPr>
+            </a:br>
+            <a:r>
+              <a:rPr lang="en-US" altLang="zh-TW" sz="1600" dirty="0" smtClean="0">
+                <a:latin typeface="+mj-ea"/>
+                <a:ea typeface="+mj-ea"/>
+              </a:rPr>
+              <a:t>   "</a:t>
+            </a:r>
+            <a:r>
+              <a:rPr lang="en-US" altLang="zh-TW" sz="1600" dirty="0">
+                <a:latin typeface="+mj-ea"/>
+                <a:ea typeface="+mj-ea"/>
+              </a:rPr>
+              <a:t>data": </a:t>
+            </a:r>
+            <a:r>
+              <a:rPr lang="en-US" altLang="zh-TW" sz="1600" dirty="0" smtClean="0">
+                <a:latin typeface="+mj-ea"/>
+                <a:ea typeface="+mj-ea"/>
+              </a:rPr>
+              <a:t>{</a:t>
+            </a:r>
+            <a:r>
+              <a:rPr lang="en-US" altLang="zh-TW" sz="1600" b="1" dirty="0" err="1">
+                <a:solidFill>
+                  <a:srgbClr val="FF0000"/>
+                </a:solidFill>
+                <a:latin typeface="+mn-ea"/>
+              </a:rPr>
+              <a:t>傳送訊息內容</a:t>
+            </a:r>
             <a:r>
               <a:rPr lang="en-US" altLang="zh-TW" sz="1600" b="1" dirty="0">
                 <a:solidFill>
@@ -6086,227 +8787,189 @@
                 </a:solidFill>
                 <a:latin typeface="+mn-ea"/>
               </a:rPr>
-              <a:t>	           "</a:t>
-            </a:r>
-            <a:r>
-              <a:rPr lang="en-US" altLang="zh-TW" sz="1600" b="1" dirty="0" err="1">
-                <a:solidFill>
-                  <a:srgbClr val="FF0000"/>
-                </a:solidFill>
-                <a:latin typeface="+mn-ea"/>
-              </a:rPr>
-              <a:t>name":"Car</a:t>
-            </a:r>
-            <a:r>
-              <a:rPr lang="en-US" altLang="zh-TW" sz="1600" b="1" dirty="0">
-                <a:solidFill>
-                  <a:srgbClr val="FF0000"/>
-                </a:solidFill>
-                <a:latin typeface="+mn-ea"/>
-              </a:rPr>
-              <a:t>", </a:t>
-            </a:r>
-          </a:p>
-          <a:p>
-            <a:pPr marL="800100" lvl="2" indent="0">
+              <a:t> </a:t>
+            </a:r>
+            <a:r>
+              <a:rPr lang="en-US" altLang="zh-TW" sz="1600" dirty="0" smtClean="0">
+                <a:latin typeface="+mj-ea"/>
+                <a:ea typeface="+mj-ea"/>
+              </a:rPr>
+              <a:t>}</a:t>
+            </a:r>
+            <a:r>
+              <a:rPr lang="en-US" altLang="zh-TW" sz="1600" dirty="0">
+                <a:latin typeface="+mj-ea"/>
+                <a:ea typeface="+mj-ea"/>
+              </a:rPr>
+              <a:t> </a:t>
+            </a:r>
+            <a:r>
+              <a:rPr lang="en-US" altLang="zh-TW" sz="1600" dirty="0" smtClean="0">
+                <a:latin typeface="+mj-ea"/>
+                <a:ea typeface="+mj-ea"/>
+              </a:rPr>
+              <a:t>}</a:t>
+            </a:r>
+          </a:p>
+          <a:p>
+            <a:pPr marL="457200" lvl="1" indent="0">
               <a:buNone/>
             </a:pPr>
-            <a:r>
-              <a:rPr lang="en-US" altLang="zh-TW" sz="1600" b="1" dirty="0">
-                <a:solidFill>
-                  <a:srgbClr val="FF0000"/>
-                </a:solidFill>
-                <a:latin typeface="+mn-ea"/>
-              </a:rPr>
-              <a:t>		   "</a:t>
-            </a:r>
-            <a:r>
-              <a:rPr lang="en-US" altLang="zh-TW" sz="1600" b="1" dirty="0" err="1">
-                <a:solidFill>
-                  <a:srgbClr val="FF0000"/>
-                </a:solidFill>
-                <a:latin typeface="+mn-ea"/>
-              </a:rPr>
-              <a:t>color":"Red</a:t>
-            </a:r>
-            <a:r>
-              <a:rPr lang="en-US" altLang="zh-TW" sz="1600" b="1" dirty="0">
-                <a:solidFill>
-                  <a:srgbClr val="FF0000"/>
-                </a:solidFill>
-                <a:latin typeface="+mn-ea"/>
-              </a:rPr>
-              <a:t>" }</a:t>
-            </a:r>
-          </a:p>
-          <a:p>
-            <a:pPr marL="800100" lvl="2" indent="0">
+            <a:endParaRPr lang="en-US" altLang="zh-TW" sz="1600" dirty="0">
+              <a:latin typeface="+mj-ea"/>
+              <a:ea typeface="+mj-ea"/>
+            </a:endParaRPr>
+          </a:p>
+          <a:p>
+            <a:pPr marL="457200" lvl="1" indent="0">
               <a:buNone/>
             </a:pPr>
             <a:r>
-              <a:rPr lang="en-US" altLang="zh-TW" sz="1600" dirty="0">
-                <a:latin typeface="+mn-ea"/>
-              </a:rPr>
-              <a:t>	}</a:t>
-            </a:r>
-          </a:p>
-          <a:p>
-            <a:pPr marL="800100" lvl="2" indent="0">
+              <a:rPr lang="en-US" altLang="zh-TW" sz="1600" dirty="0" smtClean="0">
+                <a:latin typeface="+mj-ea"/>
+                <a:ea typeface="+mj-ea"/>
+              </a:rPr>
+              <a:t>Ex:</a:t>
+            </a:r>
+          </a:p>
+          <a:p>
+            <a:pPr marL="457200" lvl="1" indent="0">
               <a:buNone/>
             </a:pPr>
             <a:r>
-              <a:rPr lang="en-US" altLang="zh-TW" sz="1600" dirty="0">
-                <a:latin typeface="+mn-ea"/>
-              </a:rPr>
+              <a:rPr lang="en-US" altLang="zh-TW" sz="1600" dirty="0" smtClean="0"/>
+              <a:t>{ "</a:t>
+            </a:r>
+            <a:r>
+              <a:rPr lang="en-US" altLang="zh-TW" sz="1600" dirty="0"/>
+              <a:t>to" : "bk3RNwTe3H0:CI2k_HHwgIpoDKCIZvvDMExUdFQ3P1</a:t>
+            </a:r>
+            <a:r>
+              <a:rPr lang="en-US" altLang="zh-TW" sz="1600" dirty="0" smtClean="0"/>
+              <a:t>...“,</a:t>
+            </a:r>
+            <a:r>
+              <a:rPr lang="en-US" altLang="zh-TW" sz="1600" dirty="0"/>
+              <a:t/>
+            </a:r>
+            <a:br>
+              <a:rPr lang="en-US" altLang="zh-TW" sz="1600" dirty="0"/>
+            </a:br>
+            <a:r>
+              <a:rPr lang="en-US" altLang="zh-TW" sz="1600" dirty="0" smtClean="0"/>
+              <a:t>  "</a:t>
+            </a:r>
+            <a:r>
+              <a:rPr lang="en-US" altLang="zh-TW" sz="1600" dirty="0"/>
+              <a:t>data"</a:t>
+            </a:r>
+            <a:r>
+              <a:rPr lang="en-US" altLang="zh-TW" sz="1600" dirty="0"/>
+              <a:t>: {</a:t>
+            </a:r>
+            <a:br>
+              <a:rPr lang="en-US" altLang="zh-TW" sz="1600" dirty="0"/>
+            </a:br>
+            <a:r>
+              <a:rPr lang="en-US" altLang="zh-TW" sz="1600" dirty="0"/>
+              <a:t>    </a:t>
+            </a:r>
+            <a:r>
+              <a:rPr lang="en-US" altLang="zh-TW" sz="1600" dirty="0"/>
+              <a:t>"score"</a:t>
+            </a:r>
+            <a:r>
+              <a:rPr lang="en-US" altLang="zh-TW" sz="1600" dirty="0"/>
+              <a:t>: </a:t>
+            </a:r>
+            <a:r>
+              <a:rPr lang="en-US" altLang="zh-TW" sz="1600" dirty="0"/>
+              <a:t>"5x1"</a:t>
+            </a:r>
+            <a:r>
+              <a:rPr lang="en-US" altLang="zh-TW" sz="1600" dirty="0"/>
+              <a:t>,</a:t>
+            </a:r>
+            <a:br>
+              <a:rPr lang="en-US" altLang="zh-TW" sz="1600" dirty="0"/>
+            </a:br>
+            <a:r>
+              <a:rPr lang="en-US" altLang="zh-TW" sz="1600" dirty="0"/>
+              <a:t>    </a:t>
+            </a:r>
+            <a:r>
+              <a:rPr lang="en-US" altLang="zh-TW" sz="1600" dirty="0"/>
+              <a:t>"time"</a:t>
+            </a:r>
+            <a:r>
+              <a:rPr lang="en-US" altLang="zh-TW" sz="1600" dirty="0"/>
+              <a:t>: </a:t>
+            </a:r>
+            <a:r>
+              <a:rPr lang="en-US" altLang="zh-TW" sz="1600" dirty="0"/>
+              <a:t>"15:10"</a:t>
+            </a:r>
+            <a:r>
+              <a:rPr lang="en-US" altLang="zh-TW" sz="1600" dirty="0"/>
+              <a:t/>
+            </a:r>
+            <a:br>
+              <a:rPr lang="en-US" altLang="zh-TW" sz="1600" dirty="0"/>
+            </a:br>
+            <a:r>
+              <a:rPr lang="en-US" altLang="zh-TW" sz="1600" dirty="0"/>
+              <a:t>  </a:t>
+            </a:r>
+            <a:r>
+              <a:rPr lang="en-US" altLang="zh-TW" sz="1600" dirty="0" smtClean="0"/>
               <a:t>}</a:t>
             </a:r>
-            <a:endParaRPr lang="zh-TW" altLang="en-US" sz="1600" dirty="0">
-              <a:latin typeface="+mn-ea"/>
+            <a:r>
+              <a:rPr lang="en-US" altLang="zh-TW" sz="1600" dirty="0"/>
+              <a:t/>
+            </a:r>
+            <a:br>
+              <a:rPr lang="en-US" altLang="zh-TW" sz="1600" dirty="0"/>
+            </a:br>
+            <a:r>
+              <a:rPr lang="en-US" altLang="zh-TW" sz="1600" dirty="0"/>
+              <a:t> </a:t>
+            </a:r>
+            <a:r>
+              <a:rPr lang="en-US" altLang="zh-TW" sz="1600" dirty="0" smtClean="0"/>
+              <a:t>}</a:t>
+            </a:r>
+            <a:endParaRPr lang="en-US" altLang="zh-TW" sz="1600" dirty="0">
+              <a:latin typeface="+mj-ea"/>
+              <a:ea typeface="+mj-ea"/>
             </a:endParaRPr>
           </a:p>
-        </p:txBody>
-      </p:sp>
-      <p:sp>
-        <p:nvSpPr>
-          <p:cNvPr id="4" name="文字方塊 3"/>
-          <p:cNvSpPr txBox="1"/>
-          <p:nvPr/>
-        </p:nvSpPr>
-        <p:spPr>
-          <a:xfrm>
-            <a:off x="971600" y="5589240"/>
-            <a:ext cx="7311617" cy="1200329"/>
-          </a:xfrm>
-          <a:prstGeom prst="rect">
-            <a:avLst/>
-          </a:prstGeom>
-          <a:noFill/>
-        </p:spPr>
-        <p:txBody>
-          <a:bodyPr wrap="none" rtlCol="0">
-            <a:spAutoFit/>
-          </a:bodyPr>
-          <a:lstStyle/>
-          <a:p>
-            <a:pPr marL="457200" indent="-457200">
-              <a:buAutoNum type="arabicPeriod"/>
-            </a:pPr>
-            <a:r>
-              <a:rPr lang="en-US" altLang="zh-TW" sz="2400" b="1" dirty="0" err="1" smtClean="0">
-                <a:solidFill>
-                  <a:srgbClr val="FF0000"/>
-                </a:solidFill>
-                <a:latin typeface="+mn-ea"/>
-              </a:rPr>
-              <a:t>registration_ids</a:t>
-            </a:r>
-            <a:r>
-              <a:rPr lang="en-US" altLang="zh-TW" sz="2400" b="1" dirty="0" smtClean="0">
-                <a:solidFill>
-                  <a:srgbClr val="FF0000"/>
-                </a:solidFill>
-                <a:latin typeface="+mn-ea"/>
-              </a:rPr>
-              <a:t> </a:t>
-            </a:r>
-            <a:r>
-              <a:rPr lang="en-US" altLang="zh-TW" sz="2400" b="1" dirty="0" err="1" smtClean="0">
-                <a:solidFill>
-                  <a:srgbClr val="FF0000"/>
-                </a:solidFill>
-                <a:latin typeface="+mn-ea"/>
-              </a:rPr>
-              <a:t>可以設定多筆，就可以傳給多個user</a:t>
-            </a:r>
-            <a:endParaRPr lang="en-US" altLang="zh-TW" sz="2400" b="1" dirty="0" smtClean="0">
-              <a:solidFill>
-                <a:srgbClr val="FF0000"/>
-              </a:solidFill>
-              <a:latin typeface="+mn-ea"/>
-            </a:endParaRPr>
-          </a:p>
-          <a:p>
-            <a:pPr marL="457200" indent="-457200">
-              <a:buAutoNum type="arabicPeriod"/>
-            </a:pPr>
-            <a:r>
-              <a:rPr lang="en-US" altLang="zh-TW" sz="2400" b="1" dirty="0" smtClean="0">
-                <a:solidFill>
-                  <a:srgbClr val="FF0000"/>
-                </a:solidFill>
-                <a:latin typeface="+mn-ea"/>
-              </a:rPr>
-              <a:t>data </a:t>
-            </a:r>
-            <a:r>
-              <a:rPr lang="en-US" altLang="zh-TW" sz="2400" b="1" dirty="0" err="1" smtClean="0">
-                <a:solidFill>
-                  <a:srgbClr val="FF0000"/>
-                </a:solidFill>
-                <a:latin typeface="+mn-ea"/>
-              </a:rPr>
-              <a:t>內容可以自行定義，只要是JSON格式及可</a:t>
-            </a:r>
-            <a:endParaRPr lang="en-US" altLang="zh-TW" sz="2400" b="1" dirty="0" smtClean="0">
-              <a:solidFill>
-                <a:srgbClr val="FF0000"/>
-              </a:solidFill>
-              <a:latin typeface="+mn-ea"/>
-            </a:endParaRPr>
-          </a:p>
-          <a:p>
-            <a:pPr marL="457200" indent="-457200">
-              <a:buAutoNum type="arabicPeriod"/>
-            </a:pPr>
-            <a:r>
-              <a:rPr lang="en-US" altLang="zh-TW" sz="2400" b="1" dirty="0" smtClean="0">
-                <a:solidFill>
-                  <a:srgbClr val="FF0000"/>
-                </a:solidFill>
-                <a:latin typeface="+mn-ea"/>
-              </a:rPr>
-              <a:t>client </a:t>
-            </a:r>
-            <a:r>
-              <a:rPr lang="en-US" altLang="zh-TW" sz="2400" b="1" dirty="0" err="1" smtClean="0">
-                <a:solidFill>
-                  <a:srgbClr val="FF0000"/>
-                </a:solidFill>
-                <a:latin typeface="+mn-ea"/>
-              </a:rPr>
-              <a:t>收到及為”傳送訊息內容</a:t>
-            </a:r>
-            <a:r>
-              <a:rPr lang="en-US" altLang="zh-TW" sz="2400" b="1" dirty="0" smtClean="0">
-                <a:solidFill>
-                  <a:srgbClr val="FF0000"/>
-                </a:solidFill>
-                <a:latin typeface="+mn-ea"/>
-              </a:rPr>
-              <a:t>”</a:t>
-            </a:r>
-            <a:endParaRPr lang="zh-TW" altLang="en-US" sz="2400" b="1" dirty="0">
-              <a:solidFill>
-                <a:srgbClr val="FF0000"/>
-              </a:solidFill>
-            </a:endParaRPr>
+          <a:p>
+            <a:endParaRPr lang="zh-TW" altLang="en-US" dirty="0"/>
           </a:p>
         </p:txBody>
       </p:sp>
     </p:spTree>
     <p:extLst>
       <p:ext uri="{BB962C8B-B14F-4D97-AF65-F5344CB8AC3E}">
-        <p14:creationId xmlns:p14="http://schemas.microsoft.com/office/powerpoint/2010/main" val="1603846154"/>
+        <p14:creationId xmlns:p14="http://schemas.microsoft.com/office/powerpoint/2010/main" val="1629082285"/>
       </p:ext>
     </p:extLst>
   </p:cSld>
   <p:clrMapOvr>
     <a:masterClrMapping/>
   </p:clrMapOvr>
+  <p:timing>
+    <p:tnLst>
+      <p:par>
+        <p:cTn id="1" dur="indefinite" restart="never" nodeType="tmRoot"/>
+      </p:par>
+    </p:tnLst>
+  </p:timing>
 </p:sld>
 </file>
 
-<file path=ppt/slides/slide19.xml><?xml version="1.0" encoding="utf-8"?>
+<file path=ppt/slides/slide26.xml><?xml version="1.0" encoding="utf-8"?>
 <p:sld xmlns:a="http://schemas.openxmlformats.org/drawingml/2006/main" xmlns:r="http://schemas.openxmlformats.org/officeDocument/2006/relationships" xmlns:p="http://schemas.openxmlformats.org/presentationml/2006/main">
   <p:cSld>
     <p:spTree>
@@ -6340,7 +9003,7 @@
           <a:p>
             <a:r>
               <a:rPr lang="en-US" altLang="zh-TW" dirty="0"/>
-              <a:t>GCM Demo 1</a:t>
+              <a:t>Downstream Messaging</a:t>
             </a:r>
             <a:endParaRPr lang="zh-TW" altLang="en-US" dirty="0"/>
           </a:p>
@@ -6358,20 +9021,20 @@
         </p:nvSpPr>
         <p:spPr/>
         <p:txBody>
-          <a:bodyPr/>
-          <a:lstStyle/>
-          <a:p>
-            <a:r>
-              <a:rPr lang="en-US" altLang="zh-TW" dirty="0">
-                <a:latin typeface="+mj-ea"/>
-                <a:ea typeface="+mj-ea"/>
+          <a:bodyPr>
+            <a:normAutofit/>
+          </a:bodyPr>
+          <a:lstStyle/>
+          <a:p>
+            <a:r>
+              <a:rPr lang="en-US" altLang="zh-TW" dirty="0" smtClean="0">
+                <a:latin typeface="+mn-ea"/>
               </a:rPr>
               <a:t>Server 向 GCM </a:t>
             </a:r>
             <a:r>
               <a:rPr lang="en-US" altLang="zh-TW" dirty="0" err="1" smtClean="0">
-                <a:latin typeface="+mj-ea"/>
-                <a:ea typeface="+mj-ea"/>
+                <a:latin typeface="+mn-ea"/>
               </a:rPr>
               <a:t>發訊息</a:t>
             </a:r>
@@ -6381,169 +9044,315 @@
             </a:r>
             <a:r>
               <a:rPr lang="en-US" altLang="zh-TW" dirty="0" smtClean="0"/>
-              <a:t>(3/3</a:t>
-            </a:r>
-            <a:r>
-              <a:rPr lang="en-US" altLang="zh-TW" dirty="0"/>
-              <a:t>)</a:t>
-            </a:r>
-            <a:endParaRPr lang="en-US" altLang="zh-TW" dirty="0">
-              <a:latin typeface="+mj-ea"/>
-              <a:ea typeface="+mj-ea"/>
+              <a:t>(3/4)</a:t>
+            </a:r>
+            <a:endParaRPr lang="en-US" altLang="zh-TW" dirty="0" smtClean="0">
+              <a:latin typeface="+mn-ea"/>
             </a:endParaRPr>
           </a:p>
           <a:p>
             <a:pPr lvl="1"/>
             <a:r>
               <a:rPr lang="en-US" altLang="zh-TW" dirty="0" smtClean="0">
-                <a:latin typeface="+mj-ea"/>
-                <a:ea typeface="+mj-ea"/>
+                <a:latin typeface="+mn-ea"/>
               </a:rPr>
               <a:t>post </a:t>
             </a:r>
             <a:r>
+              <a:rPr lang="en-US" altLang="zh-TW" dirty="0" err="1">
+                <a:latin typeface="+mn-ea"/>
+              </a:rPr>
+              <a:t>資料</a:t>
+            </a:r>
+            <a:r>
               <a:rPr lang="en-US" altLang="zh-TW" dirty="0" err="1" smtClean="0">
-                <a:latin typeface="+mj-ea"/>
-                <a:ea typeface="+mj-ea"/>
-              </a:rPr>
-              <a:t>資料後，server回應的訊息如下</a:t>
+                <a:latin typeface="+mn-ea"/>
+              </a:rPr>
+              <a:t>，JSON格式</a:t>
+            </a:r>
+            <a:r>
+              <a:rPr lang="en-US" altLang="zh-TW" dirty="0" smtClean="0">
+                <a:latin typeface="+mn-ea"/>
+              </a:rPr>
+              <a:t>(2): </a:t>
+            </a:r>
+            <a:r>
+              <a:rPr lang="en-US" altLang="zh-TW" dirty="0" err="1" smtClean="0">
+                <a:latin typeface="+mn-ea"/>
+              </a:rPr>
+              <a:t>傳送多個user</a:t>
             </a:r>
             <a:endParaRPr lang="en-US" altLang="zh-TW" dirty="0" smtClean="0">
-              <a:latin typeface="+mj-ea"/>
-              <a:ea typeface="+mj-ea"/>
+              <a:latin typeface="+mn-ea"/>
             </a:endParaRPr>
           </a:p>
           <a:p>
-            <a:pPr marL="457200" lvl="1" indent="0">
+            <a:pPr marL="400050" lvl="2" indent="0">
               <a:buNone/>
             </a:pPr>
             <a:r>
-              <a:rPr lang="en-US" altLang="zh-TW" sz="2000" dirty="0" smtClean="0">
-                <a:latin typeface="+mj-ea"/>
-                <a:ea typeface="+mj-ea"/>
-              </a:rPr>
-              <a:t>{"multicast_id":6934727490657173521,</a:t>
-            </a:r>
-          </a:p>
-          <a:p>
-            <a:pPr marL="457200" lvl="1" indent="0">
-              <a:buNone/>
-            </a:pPr>
-            <a:r>
-              <a:rPr lang="en-US" altLang="zh-TW" sz="2000" dirty="0" smtClean="0">
-                <a:latin typeface="+mj-ea"/>
-                <a:ea typeface="+mj-ea"/>
-              </a:rPr>
-              <a:t>  "</a:t>
-            </a:r>
-            <a:r>
-              <a:rPr lang="en-US" altLang="zh-TW" sz="2000" b="1" dirty="0">
+              <a:rPr lang="en-US" altLang="zh-TW" sz="1600" dirty="0" smtClean="0">
+                <a:latin typeface="+mn-ea"/>
+              </a:rPr>
+              <a:t>{“</a:t>
+            </a:r>
+            <a:r>
+              <a:rPr lang="en-US" altLang="zh-TW" sz="1600" dirty="0" err="1" smtClean="0">
+                <a:latin typeface="+mn-ea"/>
+              </a:rPr>
+              <a:t>registration_ids</a:t>
+            </a:r>
+            <a:r>
+              <a:rPr lang="en-US" altLang="zh-TW" sz="1600" dirty="0" smtClean="0">
+                <a:latin typeface="+mn-ea"/>
+              </a:rPr>
+              <a:t>":[“</a:t>
+            </a:r>
+            <a:r>
+              <a:rPr lang="en-US" altLang="zh-TW" sz="1600" b="1" dirty="0" err="1" smtClean="0">
                 <a:solidFill>
                   <a:srgbClr val="FF0000"/>
                 </a:solidFill>
-                <a:latin typeface="+mj-ea"/>
-                <a:ea typeface="+mj-ea"/>
-              </a:rPr>
-              <a:t>success</a:t>
-            </a:r>
-            <a:r>
-              <a:rPr lang="en-US" altLang="zh-TW" sz="2000" dirty="0">
-                <a:latin typeface="+mj-ea"/>
-                <a:ea typeface="+mj-ea"/>
-              </a:rPr>
-              <a:t>":1</a:t>
-            </a:r>
-            <a:r>
-              <a:rPr lang="en-US" altLang="zh-TW" sz="2000" dirty="0" smtClean="0">
-                <a:latin typeface="+mj-ea"/>
-                <a:ea typeface="+mj-ea"/>
-              </a:rPr>
-              <a:t>,</a:t>
-            </a:r>
-          </a:p>
-          <a:p>
-            <a:pPr marL="457200" lvl="1" indent="0">
-              <a:buNone/>
-            </a:pPr>
-            <a:r>
-              <a:rPr lang="en-US" altLang="zh-TW" sz="2000" dirty="0" smtClean="0">
-                <a:latin typeface="+mj-ea"/>
-                <a:ea typeface="+mj-ea"/>
-              </a:rPr>
-              <a:t>  "</a:t>
-            </a:r>
-            <a:r>
-              <a:rPr lang="en-US" altLang="zh-TW" sz="2000" b="1" dirty="0">
+                <a:latin typeface="+mn-ea"/>
+              </a:rPr>
+              <a:t>user註冊的register</a:t>
+            </a:r>
+            <a:r>
+              <a:rPr lang="en-US" altLang="zh-TW" sz="1600" b="1" dirty="0" smtClean="0">
                 <a:solidFill>
                   <a:srgbClr val="FF0000"/>
                 </a:solidFill>
-                <a:latin typeface="+mj-ea"/>
-                <a:ea typeface="+mj-ea"/>
-              </a:rPr>
-              <a:t>failure</a:t>
-            </a:r>
-            <a:r>
-              <a:rPr lang="en-US" altLang="zh-TW" sz="2000" dirty="0">
-                <a:latin typeface="+mj-ea"/>
-                <a:ea typeface="+mj-ea"/>
-              </a:rPr>
-              <a:t>":0</a:t>
-            </a:r>
-            <a:r>
-              <a:rPr lang="en-US" altLang="zh-TW" sz="2000" dirty="0" smtClean="0">
-                <a:latin typeface="+mj-ea"/>
-                <a:ea typeface="+mj-ea"/>
-              </a:rPr>
-              <a:t>,</a:t>
-            </a:r>
-          </a:p>
-          <a:p>
-            <a:pPr marL="457200" lvl="1" indent="0">
+                <a:latin typeface="+mn-ea"/>
+              </a:rPr>
+              <a:t> ID</a:t>
+            </a:r>
+            <a:r>
+              <a:rPr lang="en-US" altLang="zh-TW" sz="1600" dirty="0" smtClean="0">
+                <a:latin typeface="+mn-ea"/>
+              </a:rPr>
+              <a:t>"],   </a:t>
+            </a:r>
+          </a:p>
+          <a:p>
+            <a:pPr marL="400050" lvl="2" indent="0">
               <a:buNone/>
             </a:pPr>
             <a:r>
-              <a:rPr lang="en-US" altLang="zh-TW" sz="2000" dirty="0" smtClean="0">
-                <a:latin typeface="+mj-ea"/>
-                <a:ea typeface="+mj-ea"/>
+              <a:rPr lang="en-US" altLang="zh-TW" sz="1600" dirty="0">
+                <a:latin typeface="+mn-ea"/>
+              </a:rPr>
+              <a:t> </a:t>
+            </a:r>
+            <a:r>
+              <a:rPr lang="en-US" altLang="zh-TW" sz="1600" dirty="0" smtClean="0">
+                <a:latin typeface="+mn-ea"/>
               </a:rPr>
               <a:t>  "</a:t>
             </a:r>
             <a:r>
-              <a:rPr lang="en-US" altLang="zh-TW" sz="2000" dirty="0">
-                <a:latin typeface="+mj-ea"/>
-                <a:ea typeface="+mj-ea"/>
-              </a:rPr>
-              <a:t>canonical_ids":0</a:t>
-            </a:r>
-            <a:r>
-              <a:rPr lang="en-US" altLang="zh-TW" sz="2000" dirty="0" smtClean="0">
-                <a:latin typeface="+mj-ea"/>
-                <a:ea typeface="+mj-ea"/>
-              </a:rPr>
-              <a:t>,</a:t>
-            </a:r>
-          </a:p>
-          <a:p>
-            <a:pPr marL="457200" lvl="1" indent="0">
+              <a:rPr lang="en-US" altLang="zh-TW" sz="1600" dirty="0">
+                <a:latin typeface="+mn-ea"/>
+              </a:rPr>
+              <a:t>data</a:t>
+            </a:r>
+            <a:r>
+              <a:rPr lang="en-US" altLang="zh-TW" sz="1600" dirty="0" smtClean="0">
+                <a:latin typeface="+mn-ea"/>
+              </a:rPr>
+              <a:t>":{</a:t>
+            </a:r>
+            <a:r>
+              <a:rPr lang="en-US" altLang="zh-TW" sz="1600" b="1" dirty="0" err="1" smtClean="0">
+                <a:solidFill>
+                  <a:srgbClr val="FF0000"/>
+                </a:solidFill>
+                <a:latin typeface="+mn-ea"/>
+              </a:rPr>
+              <a:t>傳送訊息內容</a:t>
+            </a:r>
+            <a:r>
+              <a:rPr lang="en-US" altLang="zh-TW" sz="1600" dirty="0" smtClean="0">
+                <a:latin typeface="+mn-ea"/>
+              </a:rPr>
+              <a:t>} </a:t>
+            </a:r>
+            <a:r>
+              <a:rPr lang="en-US" altLang="zh-TW" sz="1600" dirty="0">
+                <a:latin typeface="+mn-ea"/>
+              </a:rPr>
+              <a:t>}</a:t>
+            </a:r>
+            <a:endParaRPr lang="zh-TW" altLang="en-US" sz="1600" dirty="0">
+              <a:latin typeface="+mn-ea"/>
+            </a:endParaRPr>
+          </a:p>
+          <a:p>
+            <a:pPr marL="0" indent="0">
               <a:buNone/>
             </a:pPr>
             <a:r>
-              <a:rPr lang="en-US" altLang="zh-TW" sz="2000" dirty="0" smtClean="0">
-                <a:latin typeface="+mj-ea"/>
-                <a:ea typeface="+mj-ea"/>
-              </a:rPr>
-              <a:t>  "</a:t>
-            </a:r>
-            <a:r>
-              <a:rPr lang="en-US" altLang="zh-TW" sz="2000" dirty="0">
-                <a:latin typeface="+mj-ea"/>
-                <a:ea typeface="+mj-ea"/>
-              </a:rPr>
-              <a:t>results":[{"message_id":"0:1448011210423470%5d3f2c26f9fd7ecd"}]}</a:t>
-            </a:r>
-            <a:endParaRPr lang="zh-TW" altLang="en-US" sz="2000" dirty="0">
-              <a:latin typeface="+mj-ea"/>
-              <a:ea typeface="+mj-ea"/>
+              <a:rPr lang="en-US" altLang="zh-TW" sz="1600" b="1" dirty="0" smtClean="0">
+                <a:latin typeface="+mn-ea"/>
+              </a:rPr>
+              <a:t>    Ex:</a:t>
+            </a:r>
+          </a:p>
+          <a:p>
+            <a:pPr marL="800100" lvl="2" indent="0">
+              <a:buNone/>
+            </a:pPr>
+            <a:r>
+              <a:rPr lang="en-US" altLang="zh-TW" sz="1600" dirty="0" smtClean="0">
+                <a:latin typeface="+mn-ea"/>
+              </a:rPr>
+              <a:t>{"</a:t>
+            </a:r>
+            <a:r>
+              <a:rPr lang="en-US" altLang="zh-TW" sz="1600" dirty="0" err="1" smtClean="0">
+                <a:latin typeface="+mn-ea"/>
+              </a:rPr>
+              <a:t>registration_ids</a:t>
+            </a:r>
+            <a:r>
+              <a:rPr lang="en-US" altLang="zh-TW" sz="1600" dirty="0" smtClean="0">
+                <a:latin typeface="+mn-ea"/>
+              </a:rPr>
+              <a:t>":["</a:t>
+            </a:r>
+            <a:r>
+              <a:rPr lang="en-US" altLang="zh-TW" sz="1600" b="1" dirty="0" smtClean="0">
+                <a:solidFill>
+                  <a:srgbClr val="FF0000"/>
+                </a:solidFill>
+                <a:latin typeface="+mn-ea"/>
+              </a:rPr>
+              <a:t>APA91bH2vsurFMpH2dQDYPIW8x</a:t>
+            </a:r>
+            <a:r>
+              <a:rPr lang="en-US" altLang="zh-TW" sz="1600" dirty="0" smtClean="0">
+                <a:latin typeface="+mn-ea"/>
+              </a:rPr>
+              <a:t>"],</a:t>
+            </a:r>
+          </a:p>
+          <a:p>
+            <a:pPr marL="800100" lvl="2" indent="0">
+              <a:buNone/>
+            </a:pPr>
+            <a:r>
+              <a:rPr lang="en-US" altLang="zh-TW" sz="1600" dirty="0" smtClean="0">
+                <a:latin typeface="+mn-ea"/>
+              </a:rPr>
+              <a:t>  "data":{</a:t>
+            </a:r>
+          </a:p>
+          <a:p>
+            <a:pPr marL="800100" lvl="2" indent="0">
+              <a:buNone/>
+            </a:pPr>
+            <a:r>
+              <a:rPr lang="en-US" altLang="zh-TW" sz="1600" dirty="0" smtClean="0">
+                <a:latin typeface="+mn-ea"/>
+              </a:rPr>
+              <a:t>	</a:t>
+            </a:r>
+            <a:r>
+              <a:rPr lang="en-US" altLang="zh-TW" sz="1600" b="1" dirty="0" smtClean="0">
+                <a:solidFill>
+                  <a:srgbClr val="FF0000"/>
+                </a:solidFill>
+                <a:latin typeface="+mn-ea"/>
+              </a:rPr>
+              <a:t>"message":{"model":"AAA-001", </a:t>
+            </a:r>
+          </a:p>
+          <a:p>
+            <a:pPr marL="800100" lvl="2" indent="0">
+              <a:buNone/>
+            </a:pPr>
+            <a:r>
+              <a:rPr lang="en-US" altLang="zh-TW" sz="1600" b="1" dirty="0" smtClean="0">
+                <a:solidFill>
+                  <a:srgbClr val="FF0000"/>
+                </a:solidFill>
+                <a:latin typeface="+mn-ea"/>
+              </a:rPr>
+              <a:t>	           "</a:t>
+            </a:r>
+            <a:r>
+              <a:rPr lang="en-US" altLang="zh-TW" sz="1600" b="1" dirty="0" err="1" smtClean="0">
+                <a:solidFill>
+                  <a:srgbClr val="FF0000"/>
+                </a:solidFill>
+                <a:latin typeface="+mn-ea"/>
+              </a:rPr>
+              <a:t>name":"Car</a:t>
+            </a:r>
+            <a:r>
+              <a:rPr lang="en-US" altLang="zh-TW" sz="1600" b="1" dirty="0" smtClean="0">
+                <a:solidFill>
+                  <a:srgbClr val="FF0000"/>
+                </a:solidFill>
+                <a:latin typeface="+mn-ea"/>
+              </a:rPr>
+              <a:t>", </a:t>
+            </a:r>
+          </a:p>
+          <a:p>
+            <a:pPr marL="800100" lvl="2" indent="0">
+              <a:buNone/>
+            </a:pPr>
+            <a:r>
+              <a:rPr lang="en-US" altLang="zh-TW" sz="1600" b="1" dirty="0" smtClean="0">
+                <a:solidFill>
+                  <a:srgbClr val="FF0000"/>
+                </a:solidFill>
+                <a:latin typeface="+mn-ea"/>
+              </a:rPr>
+              <a:t>		   "</a:t>
+            </a:r>
+            <a:r>
+              <a:rPr lang="en-US" altLang="zh-TW" sz="1600" b="1" dirty="0" err="1" smtClean="0">
+                <a:solidFill>
+                  <a:srgbClr val="FF0000"/>
+                </a:solidFill>
+                <a:latin typeface="+mn-ea"/>
+              </a:rPr>
+              <a:t>color":"Red</a:t>
+            </a:r>
+            <a:r>
+              <a:rPr lang="en-US" altLang="zh-TW" sz="1600" b="1" dirty="0" smtClean="0">
+                <a:solidFill>
+                  <a:srgbClr val="FF0000"/>
+                </a:solidFill>
+                <a:latin typeface="+mn-ea"/>
+              </a:rPr>
+              <a:t>" }</a:t>
+            </a:r>
+          </a:p>
+          <a:p>
+            <a:pPr marL="800100" lvl="2" indent="0">
+              <a:buNone/>
+            </a:pPr>
+            <a:r>
+              <a:rPr lang="en-US" altLang="zh-TW" sz="1600" dirty="0" smtClean="0">
+                <a:latin typeface="+mn-ea"/>
+              </a:rPr>
+              <a:t>	}</a:t>
+            </a:r>
+          </a:p>
+          <a:p>
+            <a:pPr marL="800100" lvl="2" indent="0">
+              <a:buNone/>
+            </a:pPr>
+            <a:r>
+              <a:rPr lang="en-US" altLang="zh-TW" sz="1600" dirty="0" smtClean="0">
+                <a:latin typeface="+mn-ea"/>
+              </a:rPr>
+              <a:t>}</a:t>
+            </a:r>
+            <a:endParaRPr lang="zh-TW" altLang="en-US" sz="1600" dirty="0">
+              <a:latin typeface="+mn-ea"/>
             </a:endParaRPr>
           </a:p>
         </p:txBody>
@@ -6556,8 +9365,8 @@
         </p:nvSpPr>
         <p:spPr>
           <a:xfrm>
-            <a:off x="1259632" y="5589239"/>
-            <a:ext cx="4442242" cy="830997"/>
+            <a:off x="971600" y="5589240"/>
+            <a:ext cx="7311617" cy="1200329"/>
           </a:xfrm>
           <a:prstGeom prst="rect">
             <a:avLst/>
@@ -6574,13 +9383,22 @@
               <a:buAutoNum type="arabicPeriod"/>
             </a:pPr>
             <a:r>
+              <a:rPr lang="en-US" altLang="zh-TW" sz="2400" b="1" dirty="0" err="1" smtClean="0">
+                <a:solidFill>
+                  <a:srgbClr val="FF0000"/>
+                </a:solidFill>
+                <a:latin typeface="+mn-ea"/>
+              </a:rPr>
+              <a:t>registration_ids</a:t>
+            </a:r>
+            <a:r>
               <a:rPr lang="en-US" altLang="zh-TW" sz="2400" b="1" dirty="0" smtClean="0">
                 <a:solidFill>
                   <a:srgbClr val="FF0000"/>
                 </a:solidFill>
                 <a:latin typeface="+mn-ea"/>
               </a:rPr>
-              <a:t>success: </a:t>
+              <a:t> </a:t>
             </a:r>
             <a:r>
               <a:rPr lang="en-US" altLang="zh-TW" sz="2400" b="1" dirty="0" err="1" smtClean="0">
@@ -6589,7 +9407,7 @@
                 </a:solidFill>
                 <a:latin typeface="+mn-ea"/>
               </a:rPr>
-              <a:t>推播成功的裝置數量</a:t>
+              <a:t>可以設定多筆，就可以傳給多個user</a:t>
             </a:r>
             <a:endParaRPr lang="en-US" altLang="zh-TW" sz="2400" b="1" dirty="0" smtClean="0">
               <a:solidFill>
@@ -6600,7 +9418,6 @@
           </a:p>
           <a:p>
             <a:pPr marL="457200" indent="-457200">
-              <a:buFontTx/>
               <a:buAutoNum type="arabicPeriod"/>
             </a:pPr>
             <a:r>
@@ -6610,7 +9427,7 @@
                 </a:solidFill>
                 <a:latin typeface="+mn-ea"/>
               </a:rPr>
-              <a:t>failure: </a:t>
+              <a:t>data </a:t>
             </a:r>
             <a:r>
               <a:rPr lang="en-US" altLang="zh-TW" sz="2400" b="1" dirty="0" err="1" smtClean="0">
@@ -6619,31 +9436,75 @@
                 </a:solidFill>
                 <a:latin typeface="+mn-ea"/>
               </a:rPr>
-              <a:t>推播失敗的裝置數量</a:t>
-            </a:r>
-            <a:endParaRPr lang="en-US" altLang="zh-TW" sz="2400" b="1" dirty="0">
+              <a:t>內容可以自行定義，只要是JSON格式及可</a:t>
+            </a:r>
+            <a:endParaRPr lang="en-US" altLang="zh-TW" sz="2400" b="1" dirty="0" smtClean="0">
               <a:solidFill>
                 <a:srgbClr val="FF0000"/>
               </a:solidFill>
               <a:latin typeface="+mn-ea"/>
             </a:endParaRPr>
           </a:p>
+          <a:p>
+            <a:pPr marL="457200" indent="-457200">
+              <a:buAutoNum type="arabicPeriod"/>
+            </a:pPr>
+            <a:r>
+              <a:rPr lang="en-US" altLang="zh-TW" sz="2400" b="1" dirty="0" smtClean="0">
+                <a:solidFill>
+                  <a:srgbClr val="FF0000"/>
+                </a:solidFill>
+                <a:latin typeface="+mn-ea"/>
+              </a:rPr>
+              <a:t>client </a:t>
+            </a:r>
+            <a:r>
+              <a:rPr lang="en-US" altLang="zh-TW" sz="2400" b="1" dirty="0" err="1" smtClean="0">
+                <a:solidFill>
+                  <a:srgbClr val="FF0000"/>
+                </a:solidFill>
+                <a:latin typeface="+mn-ea"/>
+              </a:rPr>
+              <a:t>收到及為”傳送訊息內容</a:t>
+            </a:r>
+            <a:r>
+              <a:rPr lang="en-US" altLang="zh-TW" sz="2400" b="1" dirty="0" smtClean="0">
+                <a:solidFill>
+                  <a:srgbClr val="FF0000"/>
+                </a:solidFill>
+                <a:latin typeface="+mn-ea"/>
+              </a:rPr>
+              <a:t>”</a:t>
+            </a:r>
+            <a:endParaRPr lang="zh-TW" altLang="en-US" sz="2400" b="1" dirty="0">
+              <a:solidFill>
+                <a:srgbClr val="FF0000"/>
+              </a:solidFill>
+            </a:endParaRPr>
+          </a:p>
         </p:txBody>
       </p:sp>
     </p:spTree>
     <p:extLst>
       <p:ext uri="{BB962C8B-B14F-4D97-AF65-F5344CB8AC3E}">
-        <p14:creationId xmlns:p14="http://schemas.microsoft.com/office/powerpoint/2010/main" val="2803015073"/>
+        <p14:creationId xmlns:p14="http://schemas.microsoft.com/office/powerpoint/2010/main" val="1603846154"/>
       </p:ext>
     </p:extLst>
   </p:cSld>
   <p:clrMapOvr>
     <a:masterClrMapping/>
   </p:clrMapOvr>
+  <p:timing>
+    <p:tnLst>
+      <p:par>
+        <p:cTn id="1" dur="indefinite" restart="never" nodeType="tmRoot"/>
+      </p:par>
+    </p:tnLst>
+  </p:timing>
 </p:sld>
 </file>
 
-<file path=ppt/slides/slide2.xml><?xml version="1.0" encoding="utf-8"?>
+<file path=ppt/slides/slide27.xml><?xml version="1.0" encoding="utf-8"?>
 <p:sld xmlns:a="http://schemas.openxmlformats.org/drawingml/2006/main" xmlns:r="http://schemas.openxmlformats.org/officeDocument/2006/relationships" xmlns:p="http://schemas.openxmlformats.org/presentationml/2006/main">
   <p:cSld>
     <p:spTree>
@@ -6675,7 +9536,11 @@
           <a:bodyPr/>
           <a:lstStyle/>
           <a:p>
-            <a:endParaRPr lang="zh-TW" altLang="en-US"/>
+            <a:r>
+              <a:rPr lang="en-US" altLang="zh-TW" dirty="0"/>
+              <a:t>Downstream Messaging</a:t>
+            </a:r>
+            <a:endParaRPr lang="zh-TW" altLang="en-US" dirty="0"/>
           </a:p>
         </p:txBody>
       </p:sp>
@@ -6695,89 +9560,291 @@
           <a:lstStyle/>
           <a:p>
             <a:r>
+              <a:rPr lang="en-US" altLang="zh-TW" dirty="0">
+                <a:latin typeface="+mj-ea"/>
+                <a:ea typeface="+mj-ea"/>
+              </a:rPr>
+              <a:t>Server 向 GCM </a:t>
+            </a:r>
+            <a:r>
+              <a:rPr lang="en-US" altLang="zh-TW" dirty="0" err="1" smtClean="0">
+                <a:latin typeface="+mj-ea"/>
+                <a:ea typeface="+mj-ea"/>
+              </a:rPr>
+              <a:t>發訊息</a:t>
+            </a:r>
+            <a:r>
+              <a:rPr lang="en-US" altLang="zh-TW" dirty="0"/>
+              <a:t> </a:t>
+            </a:r>
+            <a:r>
               <a:rPr lang="en-US" altLang="zh-TW" dirty="0" smtClean="0"/>
-              <a:t>GCM </a:t>
-            </a:r>
-            <a:r>
-              <a:rPr lang="en-US" altLang="zh-TW" dirty="0" err="1" smtClean="0"/>
-              <a:t>設定說明</a:t>
-            </a:r>
-            <a:endParaRPr lang="en-US" altLang="zh-TW" dirty="0" smtClean="0"/>
+              <a:t>(4/4)</a:t>
+            </a:r>
+            <a:endParaRPr lang="en-US" altLang="zh-TW" dirty="0">
+              <a:latin typeface="+mj-ea"/>
+              <a:ea typeface="+mj-ea"/>
+            </a:endParaRPr>
           </a:p>
           <a:p>
             <a:pPr lvl="1"/>
             <a:r>
-              <a:rPr lang="en-US" altLang="zh-TW" dirty="0">
-                <a:hlinkClick r:id="rId3"/>
-              </a:rPr>
-              <a:t>https://</a:t>
-            </a:r>
-            <a:r>
               <a:rPr lang="en-US" altLang="zh-TW" dirty="0" smtClean="0">
-                <a:hlinkClick r:id="rId3"/>
-              </a:rPr>
-              <a:t>developers.google.com/cloud-messaging/android/client</a:t>
-            </a:r>
-            <a:endParaRPr lang="en-US" altLang="zh-TW" dirty="0" smtClean="0"/>
-          </a:p>
-          <a:p>
-            <a:endParaRPr lang="en-US" altLang="zh-TW" dirty="0"/>
-          </a:p>
-          <a:p>
-            <a:r>
-              <a:rPr lang="zh-TW" altLang="en-US" dirty="0" smtClean="0"/>
-              <a:t>設定</a:t>
-            </a:r>
-            <a:r>
-              <a:rPr lang="en-US" altLang="zh-TW" dirty="0" smtClean="0"/>
-              <a:t>Google </a:t>
-            </a:r>
-            <a:r>
-              <a:rPr lang="en-US" altLang="zh-TW" dirty="0" err="1" smtClean="0"/>
-              <a:t>專案</a:t>
-            </a:r>
-            <a:r>
-              <a:rPr lang="en-US" altLang="zh-TW" dirty="0" smtClean="0"/>
-              <a:t> console </a:t>
-            </a:r>
-          </a:p>
-          <a:p>
-            <a:pPr marL="0" indent="0">
+                <a:latin typeface="+mj-ea"/>
+                <a:ea typeface="+mj-ea"/>
+              </a:rPr>
+              <a:t>Server Response </a:t>
+            </a:r>
+            <a:r>
+              <a:rPr lang="en-US" altLang="zh-TW" dirty="0" err="1" smtClean="0">
+                <a:latin typeface="+mj-ea"/>
+                <a:ea typeface="+mj-ea"/>
+              </a:rPr>
+              <a:t>的訊息如下</a:t>
+            </a:r>
+            <a:endParaRPr lang="en-US" altLang="zh-TW" dirty="0" smtClean="0">
+              <a:latin typeface="+mj-ea"/>
+              <a:ea typeface="+mj-ea"/>
+            </a:endParaRPr>
+          </a:p>
+          <a:p>
+            <a:pPr marL="457200" lvl="1" indent="0">
               <a:buNone/>
             </a:pPr>
             <a:r>
-              <a:rPr lang="en-US" altLang="zh-TW" dirty="0"/>
-              <a:t> </a:t>
-            </a:r>
-            <a:r>
-              <a:rPr lang="en-US" altLang="zh-TW" dirty="0" smtClean="0"/>
-              <a:t>  (Google Developers Console)</a:t>
-            </a:r>
-          </a:p>
-          <a:p>
-            <a:pPr lvl="1"/>
-            <a:r>
-              <a:rPr lang="en-US" altLang="zh-TW" dirty="0"/>
-              <a:t>https://console.developers.google.com/</a:t>
-            </a:r>
-            <a:endParaRPr lang="zh-TW" altLang="en-US" dirty="0"/>
+              <a:rPr lang="en-US" altLang="zh-TW" sz="2000" dirty="0" smtClean="0">
+                <a:latin typeface="+mj-ea"/>
+                <a:ea typeface="+mj-ea"/>
+              </a:rPr>
+              <a:t>{"multicast_id":6934727490657173521,</a:t>
+            </a:r>
+          </a:p>
+          <a:p>
+            <a:pPr marL="457200" lvl="1" indent="0">
+              <a:buNone/>
+            </a:pPr>
+            <a:r>
+              <a:rPr lang="en-US" altLang="zh-TW" sz="2000" dirty="0" smtClean="0">
+                <a:latin typeface="+mj-ea"/>
+                <a:ea typeface="+mj-ea"/>
+              </a:rPr>
+              <a:t>  "</a:t>
+            </a:r>
+            <a:r>
+              <a:rPr lang="en-US" altLang="zh-TW" sz="2000" b="1" dirty="0">
+                <a:solidFill>
+                  <a:srgbClr val="FF0000"/>
+                </a:solidFill>
+                <a:latin typeface="+mj-ea"/>
+                <a:ea typeface="+mj-ea"/>
+              </a:rPr>
+              <a:t>success</a:t>
+            </a:r>
+            <a:r>
+              <a:rPr lang="en-US" altLang="zh-TW" sz="2000" dirty="0">
+                <a:latin typeface="+mj-ea"/>
+                <a:ea typeface="+mj-ea"/>
+              </a:rPr>
+              <a:t>":1</a:t>
+            </a:r>
+            <a:r>
+              <a:rPr lang="en-US" altLang="zh-TW" sz="2000" dirty="0" smtClean="0">
+                <a:latin typeface="+mj-ea"/>
+                <a:ea typeface="+mj-ea"/>
+              </a:rPr>
+              <a:t>,</a:t>
+            </a:r>
+          </a:p>
+          <a:p>
+            <a:pPr marL="457200" lvl="1" indent="0">
+              <a:buNone/>
+            </a:pPr>
+            <a:r>
+              <a:rPr lang="en-US" altLang="zh-TW" sz="2000" dirty="0" smtClean="0">
+                <a:latin typeface="+mj-ea"/>
+                <a:ea typeface="+mj-ea"/>
+              </a:rPr>
+              <a:t>  "</a:t>
+            </a:r>
+            <a:r>
+              <a:rPr lang="en-US" altLang="zh-TW" sz="2000" b="1" dirty="0">
+                <a:solidFill>
+                  <a:srgbClr val="FF0000"/>
+                </a:solidFill>
+                <a:latin typeface="+mj-ea"/>
+                <a:ea typeface="+mj-ea"/>
+              </a:rPr>
+              <a:t>failure</a:t>
+            </a:r>
+            <a:r>
+              <a:rPr lang="en-US" altLang="zh-TW" sz="2000" dirty="0">
+                <a:latin typeface="+mj-ea"/>
+                <a:ea typeface="+mj-ea"/>
+              </a:rPr>
+              <a:t>":0</a:t>
+            </a:r>
+            <a:r>
+              <a:rPr lang="en-US" altLang="zh-TW" sz="2000" dirty="0" smtClean="0">
+                <a:latin typeface="+mj-ea"/>
+                <a:ea typeface="+mj-ea"/>
+              </a:rPr>
+              <a:t>,</a:t>
+            </a:r>
+          </a:p>
+          <a:p>
+            <a:pPr marL="457200" lvl="1" indent="0">
+              <a:buNone/>
+            </a:pPr>
+            <a:r>
+              <a:rPr lang="en-US" altLang="zh-TW" sz="2000" dirty="0" smtClean="0">
+                <a:latin typeface="+mj-ea"/>
+                <a:ea typeface="+mj-ea"/>
+              </a:rPr>
+              <a:t>  "</a:t>
+            </a:r>
+            <a:r>
+              <a:rPr lang="en-US" altLang="zh-TW" sz="2000" dirty="0">
+                <a:latin typeface="+mj-ea"/>
+                <a:ea typeface="+mj-ea"/>
+              </a:rPr>
+              <a:t>canonical_ids":0</a:t>
+            </a:r>
+            <a:r>
+              <a:rPr lang="en-US" altLang="zh-TW" sz="2000" dirty="0" smtClean="0">
+                <a:latin typeface="+mj-ea"/>
+                <a:ea typeface="+mj-ea"/>
+              </a:rPr>
+              <a:t>,</a:t>
+            </a:r>
+          </a:p>
+          <a:p>
+            <a:pPr marL="457200" lvl="1" indent="0">
+              <a:buNone/>
+            </a:pPr>
+            <a:r>
+              <a:rPr lang="en-US" altLang="zh-TW" sz="2000" dirty="0" smtClean="0">
+                <a:latin typeface="+mj-ea"/>
+                <a:ea typeface="+mj-ea"/>
+              </a:rPr>
+              <a:t>  "</a:t>
+            </a:r>
+            <a:r>
+              <a:rPr lang="en-US" altLang="zh-TW" sz="2000" dirty="0">
+                <a:latin typeface="+mj-ea"/>
+                <a:ea typeface="+mj-ea"/>
+              </a:rPr>
+              <a:t>results":[{"message_id":"0:1448011210423470%5d3f2c26f9fd7ecd"}]}</a:t>
+            </a:r>
+            <a:endParaRPr lang="zh-TW" altLang="en-US" sz="2000" dirty="0">
+              <a:latin typeface="+mj-ea"/>
+              <a:ea typeface="+mj-ea"/>
+            </a:endParaRPr>
+          </a:p>
+        </p:txBody>
+      </p:sp>
+      <p:sp>
+        <p:nvSpPr>
+          <p:cNvPr id="4" name="文字方塊 3"/>
+          <p:cNvSpPr txBox="1"/>
+          <p:nvPr/>
+        </p:nvSpPr>
+        <p:spPr>
+          <a:xfrm>
+            <a:off x="1259632" y="5589239"/>
+            <a:ext cx="4442242" cy="830997"/>
+          </a:xfrm>
+          <a:prstGeom prst="rect">
+            <a:avLst/>
+          </a:prstGeom>
+          <a:noFill/>
+        </p:spPr>
+        <p:txBody>
+          <a:bodyPr wrap="none" rtlCol="0">
+            <a:spAutoFit/>
+          </a:bodyPr>
+          <a:lstStyle/>
+          <a:p>
+            <a:pPr marL="457200" indent="-457200">
+              <a:buAutoNum type="arabicPeriod"/>
+            </a:pPr>
+            <a:r>
+              <a:rPr lang="en-US" altLang="zh-TW" sz="2400" b="1" dirty="0" smtClean="0">
+                <a:solidFill>
+                  <a:srgbClr val="FF0000"/>
+                </a:solidFill>
+                <a:latin typeface="+mn-ea"/>
+              </a:rPr>
+              <a:t>success: </a:t>
+            </a:r>
+            <a:r>
+              <a:rPr lang="en-US" altLang="zh-TW" sz="2400" b="1" dirty="0" err="1" smtClean="0">
+                <a:solidFill>
+                  <a:srgbClr val="FF0000"/>
+                </a:solidFill>
+                <a:latin typeface="+mn-ea"/>
+              </a:rPr>
+              <a:t>推播成功的裝置數量</a:t>
+            </a:r>
+            <a:endParaRPr lang="en-US" altLang="zh-TW" sz="2400" b="1" dirty="0" smtClean="0">
+              <a:solidFill>
+                <a:srgbClr val="FF0000"/>
+              </a:solidFill>
+              <a:latin typeface="+mn-ea"/>
+            </a:endParaRPr>
+          </a:p>
+          <a:p>
+            <a:pPr marL="457200" indent="-457200">
+              <a:buFontTx/>
+              <a:buAutoNum type="arabicPeriod"/>
+            </a:pPr>
+            <a:r>
+              <a:rPr lang="en-US" altLang="zh-TW" sz="2400" b="1" dirty="0" smtClean="0">
+                <a:solidFill>
+                  <a:srgbClr val="FF0000"/>
+                </a:solidFill>
+                <a:latin typeface="+mn-ea"/>
+              </a:rPr>
+              <a:t>failure: </a:t>
+            </a:r>
+            <a:r>
+              <a:rPr lang="en-US" altLang="zh-TW" sz="2400" b="1" dirty="0" err="1" smtClean="0">
+                <a:solidFill>
+                  <a:srgbClr val="FF0000"/>
+                </a:solidFill>
+                <a:latin typeface="+mn-ea"/>
+              </a:rPr>
+              <a:t>推播失敗的裝置數量</a:t>
+            </a:r>
+            <a:endParaRPr lang="en-US" altLang="zh-TW" sz="2400" b="1" dirty="0">
+              <a:solidFill>
+                <a:srgbClr val="FF0000"/>
+              </a:solidFill>
+              <a:latin typeface="+mn-ea"/>
+            </a:endParaRPr>
           </a:p>
         </p:txBody>
       </p:sp>
     </p:spTree>
     <p:extLst>
       <p:ext uri="{BB962C8B-B14F-4D97-AF65-F5344CB8AC3E}">
-        <p14:creationId xmlns:p14="http://schemas.microsoft.com/office/powerpoint/2010/main" val="3072050155"/>
+        <p14:creationId xmlns:p14="http://schemas.microsoft.com/office/powerpoint/2010/main" val="2803015073"/>
       </p:ext>
     </p:extLst>
   </p:cSld>
   <p:clrMapOvr>
     <a:masterClrMapping/>
   </p:clrMapOvr>
+  <p:timing>
+    <p:tnLst>
+      <p:par>
+        <p:cTn id="1" dur="indefinite" restart="never" nodeType="tmRoot"/>
+      </p:par>
+    </p:tnLst>
+  </p:timing>
 </p:sld>
 </file>
 
-<file path=ppt/slides/slide20.xml><?xml version="1.0" encoding="utf-8"?>
+<file path=ppt/slides/slide28.xml><?xml version="1.0" encoding="utf-8"?>
 <p:sld xmlns:a="http://schemas.openxmlformats.org/drawingml/2006/main" xmlns:r="http://schemas.openxmlformats.org/officeDocument/2006/relationships" xmlns:p="http://schemas.openxmlformats.org/presentationml/2006/main">
   <p:cSld>
     <p:spTree>
@@ -6850,10 +9917,17 @@
   <p:clrMapOvr>
     <a:masterClrMapping/>
   </p:clrMapOvr>
+  <p:timing>
+    <p:tnLst>
+      <p:par>
+        <p:cTn id="1" dur="indefinite" restart="never" nodeType="tmRoot"/>
+      </p:par>
+    </p:tnLst>
+  </p:timing>
 </p:sld>
 </file>
 
-<file path=ppt/slides/slide21.xml><?xml version="1.0" encoding="utf-8"?>
+<file path=ppt/slides/slide29.xml><?xml version="1.0" encoding="utf-8"?>
 <p:sld xmlns:a="http://schemas.openxmlformats.org/drawingml/2006/main" xmlns:r="http://schemas.openxmlformats.org/officeDocument/2006/relationships" xmlns:p="http://schemas.openxmlformats.org/presentationml/2006/main">
   <p:cSld>
     <p:spTree>
@@ -7067,7 +10141,216 @@
 </p:sld>
 </file>
 
-<file path=ppt/slides/slide22.xml><?xml version="1.0" encoding="utf-8"?>
+<file path=ppt/slides/slide3.xml><?xml version="1.0" encoding="utf-8"?>
+<p:sld xmlns:a="http://schemas.openxmlformats.org/drawingml/2006/main" xmlns:r="http://schemas.openxmlformats.org/officeDocument/2006/relationships" xmlns:p="http://schemas.openxmlformats.org/presentationml/2006/main">
+  <p:cSld>
+    <p:spTree>
+      <p:nvGrpSpPr>
+        <p:cNvPr id="1" name=""/>
+        <p:cNvGrpSpPr/>
+        <p:nvPr/>
+      </p:nvGrpSpPr>
+      <p:grpSpPr>
+        <a:xfrm>
+          <a:off x="0" y="0"/>
+          <a:ext cx="0" cy="0"/>
+          <a:chOff x="0" y="0"/>
+          <a:chExt cx="0" cy="0"/>
+        </a:xfrm>
+      </p:grpSpPr>
+      <p:sp>
+        <p:nvSpPr>
+          <p:cNvPr id="2" name="標題 1"/>
+          <p:cNvSpPr>
+            <a:spLocks noGrp="1"/>
+          </p:cNvSpPr>
+          <p:nvPr>
+            <p:ph type="title"/>
+          </p:nvPr>
+        </p:nvSpPr>
+        <p:spPr/>
+        <p:txBody>
+          <a:bodyPr/>
+          <a:lstStyle/>
+          <a:p>
+            <a:r>
+              <a:rPr lang="en-US" altLang="zh-TW" dirty="0" smtClean="0"/>
+              <a:t>Overview</a:t>
+            </a:r>
+            <a:endParaRPr lang="zh-TW" altLang="en-US" dirty="0"/>
+          </a:p>
+        </p:txBody>
+      </p:sp>
+      <p:sp>
+        <p:nvSpPr>
+          <p:cNvPr id="3" name="內容版面配置區 2"/>
+          <p:cNvSpPr>
+            <a:spLocks noGrp="1"/>
+          </p:cNvSpPr>
+          <p:nvPr>
+            <p:ph idx="1"/>
+          </p:nvPr>
+        </p:nvSpPr>
+        <p:spPr/>
+        <p:txBody>
+          <a:bodyPr/>
+          <a:lstStyle/>
+          <a:p>
+            <a:r>
+              <a:rPr lang="en-US" altLang="zh-TW" dirty="0">
+                <a:latin typeface="+mj-ea"/>
+                <a:ea typeface="+mj-ea"/>
+              </a:rPr>
+              <a:t>GCM </a:t>
+            </a:r>
+            <a:endParaRPr lang="en-US" altLang="zh-TW" dirty="0" smtClean="0">
+              <a:latin typeface="+mj-ea"/>
+              <a:ea typeface="+mj-ea"/>
+            </a:endParaRPr>
+          </a:p>
+          <a:p>
+            <a:pPr lvl="1"/>
+            <a:r>
+              <a:rPr lang="en-US" altLang="zh-TW" dirty="0" smtClean="0">
+                <a:latin typeface="+mj-ea"/>
+                <a:ea typeface="+mj-ea"/>
+              </a:rPr>
+              <a:t>Google </a:t>
+            </a:r>
+            <a:r>
+              <a:rPr lang="en-US" altLang="zh-TW" dirty="0">
+                <a:latin typeface="+mj-ea"/>
+                <a:ea typeface="+mj-ea"/>
+              </a:rPr>
+              <a:t>Cloud </a:t>
+            </a:r>
+            <a:r>
+              <a:rPr lang="en-US" altLang="zh-TW" dirty="0" smtClean="0">
+                <a:latin typeface="+mj-ea"/>
+                <a:ea typeface="+mj-ea"/>
+              </a:rPr>
+              <a:t>Messaging</a:t>
+            </a:r>
+            <a:endParaRPr lang="en-US" altLang="zh-TW" dirty="0">
+              <a:latin typeface="+mj-ea"/>
+              <a:ea typeface="+mj-ea"/>
+            </a:endParaRPr>
+          </a:p>
+          <a:p>
+            <a:r>
+              <a:rPr lang="en-US" altLang="zh-TW" dirty="0" smtClean="0">
+                <a:latin typeface="+mj-ea"/>
+                <a:ea typeface="+mj-ea"/>
+              </a:rPr>
+              <a:t>Send </a:t>
+            </a:r>
+            <a:r>
+              <a:rPr lang="en-US" altLang="zh-TW" dirty="0">
+                <a:latin typeface="+mj-ea"/>
+                <a:ea typeface="+mj-ea"/>
+              </a:rPr>
+              <a:t>messages between servers and client </a:t>
+            </a:r>
+            <a:r>
+              <a:rPr lang="en-US" altLang="zh-TW" dirty="0" smtClean="0">
+                <a:latin typeface="+mj-ea"/>
+                <a:ea typeface="+mj-ea"/>
+              </a:rPr>
+              <a:t>apps</a:t>
+            </a:r>
+          </a:p>
+          <a:p>
+            <a:pPr lvl="1"/>
+            <a:r>
+              <a:rPr lang="en-US" altLang="zh-TW" dirty="0">
+                <a:latin typeface="+mj-ea"/>
+                <a:ea typeface="+mj-ea"/>
+              </a:rPr>
+              <a:t>D</a:t>
+            </a:r>
+            <a:r>
+              <a:rPr lang="en-US" altLang="zh-TW" dirty="0" smtClean="0">
+                <a:latin typeface="+mj-ea"/>
+                <a:ea typeface="+mj-ea"/>
+              </a:rPr>
+              <a:t>ownstream </a:t>
+            </a:r>
+            <a:r>
+              <a:rPr lang="en-US" altLang="zh-TW" dirty="0">
+                <a:latin typeface="+mj-ea"/>
+                <a:ea typeface="+mj-ea"/>
+              </a:rPr>
+              <a:t>messages from servers to client </a:t>
+            </a:r>
+            <a:r>
+              <a:rPr lang="en-US" altLang="zh-TW" dirty="0" smtClean="0">
+                <a:latin typeface="+mj-ea"/>
+                <a:ea typeface="+mj-ea"/>
+              </a:rPr>
+              <a:t>apps</a:t>
+            </a:r>
+          </a:p>
+          <a:p>
+            <a:pPr lvl="2"/>
+            <a:r>
+              <a:rPr lang="en-US" altLang="zh-TW" dirty="0">
+                <a:latin typeface="+mj-ea"/>
+                <a:ea typeface="+mj-ea"/>
+              </a:rPr>
+              <a:t>a GCM message can transfer </a:t>
+            </a:r>
+            <a:r>
+              <a:rPr lang="en-US" altLang="zh-TW" b="1" dirty="0">
+                <a:solidFill>
+                  <a:srgbClr val="FF0000"/>
+                </a:solidFill>
+                <a:latin typeface="+mj-ea"/>
+                <a:ea typeface="+mj-ea"/>
+              </a:rPr>
+              <a:t>up to 4kb of payload </a:t>
+            </a:r>
+            <a:r>
+              <a:rPr lang="en-US" altLang="zh-TW" dirty="0">
+                <a:latin typeface="+mj-ea"/>
+                <a:ea typeface="+mj-ea"/>
+              </a:rPr>
+              <a:t>to the client app</a:t>
+            </a:r>
+            <a:endParaRPr lang="en-US" altLang="zh-TW" dirty="0" smtClean="0">
+              <a:latin typeface="+mj-ea"/>
+              <a:ea typeface="+mj-ea"/>
+            </a:endParaRPr>
+          </a:p>
+          <a:p>
+            <a:pPr lvl="1"/>
+            <a:r>
+              <a:rPr lang="en-US" altLang="zh-TW" dirty="0" smtClean="0">
+                <a:latin typeface="+mj-ea"/>
+                <a:ea typeface="+mj-ea"/>
+              </a:rPr>
+              <a:t>Upstream messages from client apps to servers.</a:t>
+            </a:r>
+            <a:endParaRPr lang="zh-TW" altLang="en-US" dirty="0">
+              <a:latin typeface="+mj-ea"/>
+              <a:ea typeface="+mj-ea"/>
+            </a:endParaRPr>
+          </a:p>
+        </p:txBody>
+      </p:sp>
+    </p:spTree>
+    <p:extLst>
+      <p:ext uri="{BB962C8B-B14F-4D97-AF65-F5344CB8AC3E}">
+        <p14:creationId xmlns:p14="http://schemas.microsoft.com/office/powerpoint/2010/main" val="3663310733"/>
+      </p:ext>
+    </p:extLst>
+  </p:cSld>
+  <p:clrMapOvr>
+    <a:masterClrMapping/>
+  </p:clrMapOvr>
+</p:sld>
+</file>
+
+<file path=ppt/slides/slide30.xml><?xml version="1.0" encoding="utf-8"?>
 <p:sld xmlns:a="http://schemas.openxmlformats.org/drawingml/2006/main" xmlns:r="http://schemas.openxmlformats.org/officeDocument/2006/relationships" xmlns:p="http://schemas.openxmlformats.org/presentationml/2006/main">
   <p:cSld>
     <p:spTree>
@@ -7281,7 +10564,771 @@
 </p:sld>
 </file>
 
-<file path=ppt/slides/slide3.xml><?xml version="1.0" encoding="utf-8"?>
+<file path=ppt/slides/slide4.xml><?xml version="1.0" encoding="utf-8"?>
+<p:sld xmlns:a="http://schemas.openxmlformats.org/drawingml/2006/main" xmlns:r="http://schemas.openxmlformats.org/officeDocument/2006/relationships" xmlns:p="http://schemas.openxmlformats.org/presentationml/2006/main">
+  <p:cSld>
+    <p:spTree>
+      <p:nvGrpSpPr>
+        <p:cNvPr id="1" name=""/>
+        <p:cNvGrpSpPr/>
+        <p:nvPr/>
+      </p:nvGrpSpPr>
+      <p:grpSpPr>
+        <a:xfrm>
+          <a:off x="0" y="0"/>
+          <a:ext cx="0" cy="0"/>
+          <a:chOff x="0" y="0"/>
+          <a:chExt cx="0" cy="0"/>
+        </a:xfrm>
+      </p:grpSpPr>
+      <p:sp>
+        <p:nvSpPr>
+          <p:cNvPr id="2" name="標題 1"/>
+          <p:cNvSpPr>
+            <a:spLocks noGrp="1"/>
+          </p:cNvSpPr>
+          <p:nvPr>
+            <p:ph type="title"/>
+          </p:nvPr>
+        </p:nvSpPr>
+        <p:spPr/>
+        <p:txBody>
+          <a:bodyPr/>
+          <a:lstStyle/>
+          <a:p>
+            <a:r>
+              <a:rPr lang="en-US" altLang="zh-TW" dirty="0"/>
+              <a:t>Overview</a:t>
+            </a:r>
+            <a:endParaRPr lang="zh-TW" altLang="en-US" dirty="0"/>
+          </a:p>
+        </p:txBody>
+      </p:sp>
+      <p:sp>
+        <p:nvSpPr>
+          <p:cNvPr id="3" name="內容版面配置區 2"/>
+          <p:cNvSpPr>
+            <a:spLocks noGrp="1"/>
+          </p:cNvSpPr>
+          <p:nvPr>
+            <p:ph idx="1"/>
+          </p:nvPr>
+        </p:nvSpPr>
+        <p:spPr>
+          <a:xfrm>
+            <a:off x="457200" y="1600201"/>
+            <a:ext cx="8229600" cy="2908920"/>
+          </a:xfrm>
+        </p:spPr>
+        <p:txBody>
+          <a:bodyPr/>
+          <a:lstStyle/>
+          <a:p>
+            <a:r>
+              <a:rPr lang="en-US" altLang="zh-TW" dirty="0">
+                <a:latin typeface="+mj-ea"/>
+                <a:ea typeface="+mj-ea"/>
+              </a:rPr>
+              <a:t>GCM Architecture</a:t>
+            </a:r>
+            <a:endParaRPr lang="zh-TW" altLang="en-US" dirty="0">
+              <a:latin typeface="+mj-ea"/>
+              <a:ea typeface="+mj-ea"/>
+            </a:endParaRPr>
+          </a:p>
+        </p:txBody>
+      </p:sp>
+      <p:pic>
+        <p:nvPicPr>
+          <p:cNvPr id="1026" name="Picture 2"/>
+          <p:cNvPicPr>
+            <a:picLocks noChangeAspect="1" noChangeArrowheads="1"/>
+          </p:cNvPicPr>
+          <p:nvPr/>
+        </p:nvPicPr>
+        <p:blipFill>
+          <a:blip r:embed="rId2">
+            <a:extLst>
+              <a:ext uri="{28A0092B-C50C-407E-A947-70E740481C1C}">
+                <a14:useLocalDpi xmlns:a14="http://schemas.microsoft.com/office/drawing/2010/main" val="0"/>
+              </a:ext>
+            </a:extLst>
+          </a:blip>
+          <a:srcRect/>
+          <a:stretch>
+            <a:fillRect/>
+          </a:stretch>
+        </p:blipFill>
+        <p:spPr bwMode="auto">
+          <a:xfrm>
+            <a:off x="251520" y="2214901"/>
+            <a:ext cx="8585398" cy="2294219"/>
+          </a:xfrm>
+          <a:prstGeom prst="rect">
+            <a:avLst/>
+          </a:prstGeom>
+          <a:noFill/>
+          <a:ln>
+            <a:noFill/>
+          </a:ln>
+          <a:extLst>
+            <a:ext uri="{909E8E84-426E-40DD-AFC4-6F175D3DCCD1}">
+              <a14:hiddenFill xmlns:a14="http://schemas.microsoft.com/office/drawing/2010/main">
+                <a:solidFill>
+                  <a:schemeClr val="accent1"/>
+                </a:solidFill>
+              </a14:hiddenFill>
+            </a:ext>
+            <a:ext uri="{91240B29-F687-4F45-9708-019B960494DF}">
+              <a14:hiddenLine xmlns:a14="http://schemas.microsoft.com/office/drawing/2010/main" w="9525">
+                <a:solidFill>
+                  <a:schemeClr val="tx1"/>
+                </a:solidFill>
+                <a:miter lim="800000"/>
+                <a:headEnd/>
+                <a:tailEnd/>
+              </a14:hiddenLine>
+            </a:ext>
+          </a:extLst>
+        </p:spPr>
+      </p:pic>
+      <p:sp>
+        <p:nvSpPr>
+          <p:cNvPr id="5" name="內容版面配置區 2"/>
+          <p:cNvSpPr txBox="1">
+            <a:spLocks/>
+          </p:cNvSpPr>
+          <p:nvPr/>
+        </p:nvSpPr>
+        <p:spPr>
+          <a:xfrm>
+            <a:off x="457200" y="4509120"/>
+            <a:ext cx="8229600" cy="2160240"/>
+          </a:xfrm>
+          <a:prstGeom prst="rect">
+            <a:avLst/>
+          </a:prstGeom>
+        </p:spPr>
+        <p:txBody>
+          <a:bodyPr vert="horz" lIns="91440" tIns="45720" rIns="91440" bIns="45720" rtlCol="0">
+            <a:normAutofit fontScale="92500" lnSpcReduction="20000"/>
+          </a:bodyPr>
+          <a:lstStyle>
+            <a:lvl1pPr marL="342900" indent="-342900" algn="l" defTabSz="914400" rtl="0" eaLnBrk="1" latinLnBrk="0" hangingPunct="1">
+              <a:spcBef>
+                <a:spcPct val="20000"/>
+              </a:spcBef>
+              <a:buFont typeface="Arial" pitchFamily="34" charset="0"/>
+              <a:buChar char="•"/>
+              <a:defRPr sz="3200" kern="1200">
+                <a:solidFill>
+                  <a:schemeClr val="tx1"/>
+                </a:solidFill>
+                <a:latin typeface="+mn-lt"/>
+                <a:ea typeface="+mn-ea"/>
+                <a:cs typeface="+mn-cs"/>
+              </a:defRPr>
+            </a:lvl1pPr>
+            <a:lvl2pPr marL="742950" indent="-285750" algn="l" defTabSz="914400" rtl="0" eaLnBrk="1" latinLnBrk="0" hangingPunct="1">
+              <a:spcBef>
+                <a:spcPct val="20000"/>
+              </a:spcBef>
+              <a:buFont typeface="Arial" pitchFamily="34" charset="0"/>
+              <a:buChar char="–"/>
+              <a:defRPr sz="2800" kern="1200">
+                <a:solidFill>
+                  <a:schemeClr val="tx1"/>
+                </a:solidFill>
+                <a:latin typeface="+mn-lt"/>
+                <a:ea typeface="+mn-ea"/>
+                <a:cs typeface="+mn-cs"/>
+              </a:defRPr>
+            </a:lvl2pPr>
+            <a:lvl3pPr marL="1143000" indent="-228600" algn="l" defTabSz="914400" rtl="0" eaLnBrk="1" latinLnBrk="0" hangingPunct="1">
+              <a:spcBef>
+                <a:spcPct val="20000"/>
+              </a:spcBef>
+              <a:buFont typeface="Arial" pitchFamily="34" charset="0"/>
+              <a:buChar char="•"/>
+              <a:defRPr sz="2400" kern="1200">
+                <a:solidFill>
+                  <a:schemeClr val="tx1"/>
+                </a:solidFill>
+                <a:latin typeface="+mn-lt"/>
+                <a:ea typeface="+mn-ea"/>
+                <a:cs typeface="+mn-cs"/>
+              </a:defRPr>
+            </a:lvl3pPr>
+            <a:lvl4pPr marL="1600200" indent="-228600" algn="l" defTabSz="914400" rtl="0" eaLnBrk="1" latinLnBrk="0" hangingPunct="1">
+              <a:spcBef>
+                <a:spcPct val="20000"/>
+              </a:spcBef>
+              <a:buFont typeface="Arial" pitchFamily="34" charset="0"/>
+              <a:buChar char="–"/>
+              <a:defRPr sz="2000" kern="1200">
+                <a:solidFill>
+                  <a:schemeClr val="tx1"/>
+                </a:solidFill>
+                <a:latin typeface="+mn-lt"/>
+                <a:ea typeface="+mn-ea"/>
+                <a:cs typeface="+mn-cs"/>
+              </a:defRPr>
+            </a:lvl4pPr>
+            <a:lvl5pPr marL="2057400" indent="-228600" algn="l" defTabSz="914400" rtl="0" eaLnBrk="1" latinLnBrk="0" hangingPunct="1">
+              <a:spcBef>
+                <a:spcPct val="20000"/>
+              </a:spcBef>
+              <a:buFont typeface="Arial" pitchFamily="34" charset="0"/>
+              <a:buChar char="»"/>
+              <a:defRPr sz="2000" kern="1200">
+                <a:solidFill>
+                  <a:schemeClr val="tx1"/>
+                </a:solidFill>
+                <a:latin typeface="+mn-lt"/>
+                <a:ea typeface="+mn-ea"/>
+                <a:cs typeface="+mn-cs"/>
+              </a:defRPr>
+            </a:lvl5pPr>
+            <a:lvl6pPr marL="2514600" indent="-228600" algn="l" defTabSz="914400" rtl="0" eaLnBrk="1" latinLnBrk="0" hangingPunct="1">
+              <a:spcBef>
+                <a:spcPct val="20000"/>
+              </a:spcBef>
+              <a:buFont typeface="Arial" pitchFamily="34" charset="0"/>
+              <a:buChar char="•"/>
+              <a:defRPr sz="2000" kern="1200">
+                <a:solidFill>
+                  <a:schemeClr val="tx1"/>
+                </a:solidFill>
+                <a:latin typeface="+mn-lt"/>
+                <a:ea typeface="+mn-ea"/>
+                <a:cs typeface="+mn-cs"/>
+              </a:defRPr>
+            </a:lvl6pPr>
+            <a:lvl7pPr marL="2971800" indent="-228600" algn="l" defTabSz="914400" rtl="0" eaLnBrk="1" latinLnBrk="0" hangingPunct="1">
+              <a:spcBef>
+                <a:spcPct val="20000"/>
+              </a:spcBef>
+              <a:buFont typeface="Arial" pitchFamily="34" charset="0"/>
+              <a:buChar char="•"/>
+              <a:defRPr sz="2000" kern="1200">
+                <a:solidFill>
+                  <a:schemeClr val="tx1"/>
+                </a:solidFill>
+                <a:latin typeface="+mn-lt"/>
+                <a:ea typeface="+mn-ea"/>
+                <a:cs typeface="+mn-cs"/>
+              </a:defRPr>
+            </a:lvl7pPr>
+            <a:lvl8pPr marL="3429000" indent="-228600" algn="l" defTabSz="914400" rtl="0" eaLnBrk="1" latinLnBrk="0" hangingPunct="1">
+              <a:spcBef>
+                <a:spcPct val="20000"/>
+              </a:spcBef>
+              <a:buFont typeface="Arial" pitchFamily="34" charset="0"/>
+              <a:buChar char="•"/>
+              <a:defRPr sz="2000" kern="1200">
+                <a:solidFill>
+                  <a:schemeClr val="tx1"/>
+                </a:solidFill>
+                <a:latin typeface="+mn-lt"/>
+                <a:ea typeface="+mn-ea"/>
+                <a:cs typeface="+mn-cs"/>
+              </a:defRPr>
+            </a:lvl8pPr>
+            <a:lvl9pPr marL="3886200" indent="-228600" algn="l" defTabSz="914400" rtl="0" eaLnBrk="1" latinLnBrk="0" hangingPunct="1">
+              <a:spcBef>
+                <a:spcPct val="20000"/>
+              </a:spcBef>
+              <a:buFont typeface="Arial" pitchFamily="34" charset="0"/>
+              <a:buChar char="•"/>
+              <a:defRPr sz="2000" kern="1200">
+                <a:solidFill>
+                  <a:schemeClr val="tx1"/>
+                </a:solidFill>
+                <a:latin typeface="+mn-lt"/>
+                <a:ea typeface="+mn-ea"/>
+                <a:cs typeface="+mn-cs"/>
+              </a:defRPr>
+            </a:lvl9pPr>
+          </a:lstStyle>
+          <a:p>
+            <a:r>
+              <a:rPr lang="en-US" altLang="zh-TW" dirty="0" smtClean="0">
+                <a:latin typeface="+mj-ea"/>
+                <a:ea typeface="+mj-ea"/>
+              </a:rPr>
+              <a:t>App Server</a:t>
+            </a:r>
+          </a:p>
+          <a:p>
+            <a:r>
+              <a:rPr lang="en-US" altLang="zh-TW" dirty="0" smtClean="0">
+                <a:latin typeface="+mj-ea"/>
+                <a:ea typeface="+mj-ea"/>
+              </a:rPr>
+              <a:t>GCM connection Server</a:t>
+            </a:r>
+          </a:p>
+          <a:p>
+            <a:r>
+              <a:rPr lang="en-US" altLang="zh-TW" dirty="0" smtClean="0">
+                <a:latin typeface="+mj-ea"/>
+                <a:ea typeface="+mj-ea"/>
+              </a:rPr>
+              <a:t>Client App</a:t>
+            </a:r>
+          </a:p>
+          <a:p>
+            <a:pPr lvl="1"/>
+            <a:r>
+              <a:rPr lang="en-US" altLang="zh-TW" dirty="0" smtClean="0">
+                <a:latin typeface="+mj-ea"/>
+                <a:ea typeface="+mj-ea"/>
+              </a:rPr>
+              <a:t>App </a:t>
+            </a:r>
+            <a:r>
+              <a:rPr lang="en-US" altLang="zh-TW" dirty="0">
+                <a:latin typeface="+mj-ea"/>
+                <a:ea typeface="+mj-ea"/>
+              </a:rPr>
+              <a:t>must register with GCM and get a unique identifier called a registration token</a:t>
+            </a:r>
+            <a:endParaRPr lang="zh-TW" altLang="en-US" dirty="0">
+              <a:latin typeface="+mj-ea"/>
+              <a:ea typeface="+mj-ea"/>
+            </a:endParaRPr>
+          </a:p>
+        </p:txBody>
+      </p:sp>
+    </p:spTree>
+    <p:extLst>
+      <p:ext uri="{BB962C8B-B14F-4D97-AF65-F5344CB8AC3E}">
+        <p14:creationId xmlns:p14="http://schemas.microsoft.com/office/powerpoint/2010/main" val="2442170940"/>
+      </p:ext>
+    </p:extLst>
+  </p:cSld>
+  <p:clrMapOvr>
+    <a:masterClrMapping/>
+  </p:clrMapOvr>
+</p:sld>
+</file>
+
+<file path=ppt/slides/slide5.xml><?xml version="1.0" encoding="utf-8"?>
+<p:sld xmlns:a="http://schemas.openxmlformats.org/drawingml/2006/main" xmlns:r="http://schemas.openxmlformats.org/officeDocument/2006/relationships" xmlns:p="http://schemas.openxmlformats.org/presentationml/2006/main">
+  <p:cSld>
+    <p:spTree>
+      <p:nvGrpSpPr>
+        <p:cNvPr id="1" name=""/>
+        <p:cNvGrpSpPr/>
+        <p:nvPr/>
+      </p:nvGrpSpPr>
+      <p:grpSpPr>
+        <a:xfrm>
+          <a:off x="0" y="0"/>
+          <a:ext cx="0" cy="0"/>
+          <a:chOff x="0" y="0"/>
+          <a:chExt cx="0" cy="0"/>
+        </a:xfrm>
+      </p:grpSpPr>
+      <p:sp>
+        <p:nvSpPr>
+          <p:cNvPr id="2" name="標題 1"/>
+          <p:cNvSpPr>
+            <a:spLocks noGrp="1"/>
+          </p:cNvSpPr>
+          <p:nvPr>
+            <p:ph type="title"/>
+          </p:nvPr>
+        </p:nvSpPr>
+        <p:spPr/>
+        <p:txBody>
+          <a:bodyPr/>
+          <a:lstStyle/>
+          <a:p>
+            <a:r>
+              <a:rPr lang="en-US" altLang="zh-TW" dirty="0"/>
+              <a:t>Overview</a:t>
+            </a:r>
+            <a:endParaRPr lang="zh-TW" altLang="en-US" dirty="0"/>
+          </a:p>
+        </p:txBody>
+      </p:sp>
+      <p:sp>
+        <p:nvSpPr>
+          <p:cNvPr id="3" name="內容版面配置區 2"/>
+          <p:cNvSpPr>
+            <a:spLocks noGrp="1"/>
+          </p:cNvSpPr>
+          <p:nvPr>
+            <p:ph idx="1"/>
+          </p:nvPr>
+        </p:nvSpPr>
+        <p:spPr/>
+        <p:txBody>
+          <a:bodyPr/>
+          <a:lstStyle/>
+          <a:p>
+            <a:r>
+              <a:rPr lang="en-US" altLang="zh-TW" dirty="0" smtClean="0"/>
+              <a:t>Components</a:t>
+            </a:r>
+            <a:endParaRPr lang="zh-TW" altLang="en-US" dirty="0"/>
+          </a:p>
+        </p:txBody>
+      </p:sp>
+      <p:pic>
+        <p:nvPicPr>
+          <p:cNvPr id="2050" name="Picture 2"/>
+          <p:cNvPicPr>
+            <a:picLocks noChangeAspect="1" noChangeArrowheads="1"/>
+          </p:cNvPicPr>
+          <p:nvPr/>
+        </p:nvPicPr>
+        <p:blipFill>
+          <a:blip r:embed="rId2">
+            <a:extLst>
+              <a:ext uri="{28A0092B-C50C-407E-A947-70E740481C1C}">
+                <a14:useLocalDpi xmlns:a14="http://schemas.microsoft.com/office/drawing/2010/main" val="0"/>
+              </a:ext>
+            </a:extLst>
+          </a:blip>
+          <a:srcRect/>
+          <a:stretch>
+            <a:fillRect/>
+          </a:stretch>
+        </p:blipFill>
+        <p:spPr bwMode="auto">
+          <a:xfrm>
+            <a:off x="107504" y="2348880"/>
+            <a:ext cx="8931823" cy="2435194"/>
+          </a:xfrm>
+          <a:prstGeom prst="rect">
+            <a:avLst/>
+          </a:prstGeom>
+          <a:noFill/>
+          <a:ln>
+            <a:noFill/>
+          </a:ln>
+          <a:extLst>
+            <a:ext uri="{909E8E84-426E-40DD-AFC4-6F175D3DCCD1}">
+              <a14:hiddenFill xmlns:a14="http://schemas.microsoft.com/office/drawing/2010/main">
+                <a:solidFill>
+                  <a:schemeClr val="accent1"/>
+                </a:solidFill>
+              </a14:hiddenFill>
+            </a:ext>
+            <a:ext uri="{91240B29-F687-4F45-9708-019B960494DF}">
+              <a14:hiddenLine xmlns:a14="http://schemas.microsoft.com/office/drawing/2010/main" w="9525">
+                <a:solidFill>
+                  <a:schemeClr val="tx1"/>
+                </a:solidFill>
+                <a:miter lim="800000"/>
+                <a:headEnd/>
+                <a:tailEnd/>
+              </a14:hiddenLine>
+            </a:ext>
+          </a:extLst>
+        </p:spPr>
+      </p:pic>
+    </p:spTree>
+    <p:extLst>
+      <p:ext uri="{BB962C8B-B14F-4D97-AF65-F5344CB8AC3E}">
+        <p14:creationId xmlns:p14="http://schemas.microsoft.com/office/powerpoint/2010/main" val="3598105654"/>
+      </p:ext>
+    </p:extLst>
+  </p:cSld>
+  <p:clrMapOvr>
+    <a:masterClrMapping/>
+  </p:clrMapOvr>
+</p:sld>
+</file>
+
+<file path=ppt/slides/slide6.xml><?xml version="1.0" encoding="utf-8"?>
+<p:sld xmlns:a="http://schemas.openxmlformats.org/drawingml/2006/main" xmlns:r="http://schemas.openxmlformats.org/officeDocument/2006/relationships" xmlns:p="http://schemas.openxmlformats.org/presentationml/2006/main">
+  <p:cSld>
+    <p:spTree>
+      <p:nvGrpSpPr>
+        <p:cNvPr id="1" name=""/>
+        <p:cNvGrpSpPr/>
+        <p:nvPr/>
+      </p:nvGrpSpPr>
+      <p:grpSpPr>
+        <a:xfrm>
+          <a:off x="0" y="0"/>
+          <a:ext cx="0" cy="0"/>
+          <a:chOff x="0" y="0"/>
+          <a:chExt cx="0" cy="0"/>
+        </a:xfrm>
+      </p:grpSpPr>
+      <p:sp>
+        <p:nvSpPr>
+          <p:cNvPr id="2" name="標題 1"/>
+          <p:cNvSpPr>
+            <a:spLocks noGrp="1"/>
+          </p:cNvSpPr>
+          <p:nvPr>
+            <p:ph type="title"/>
+          </p:nvPr>
+        </p:nvSpPr>
+        <p:spPr/>
+        <p:txBody>
+          <a:bodyPr/>
+          <a:lstStyle/>
+          <a:p>
+            <a:r>
+              <a:rPr lang="en-US" altLang="zh-TW" dirty="0"/>
+              <a:t>Overview</a:t>
+            </a:r>
+            <a:endParaRPr lang="zh-TW" altLang="en-US" dirty="0"/>
+          </a:p>
+        </p:txBody>
+      </p:sp>
+      <p:sp>
+        <p:nvSpPr>
+          <p:cNvPr id="3" name="內容版面配置區 2"/>
+          <p:cNvSpPr>
+            <a:spLocks noGrp="1"/>
+          </p:cNvSpPr>
+          <p:nvPr>
+            <p:ph idx="1"/>
+          </p:nvPr>
+        </p:nvSpPr>
+        <p:spPr/>
+        <p:txBody>
+          <a:bodyPr/>
+          <a:lstStyle/>
+          <a:p>
+            <a:r>
+              <a:rPr lang="en-US" altLang="zh-TW" dirty="0"/>
+              <a:t>C</a:t>
+            </a:r>
+            <a:r>
+              <a:rPr lang="en-US" altLang="zh-TW" dirty="0" smtClean="0"/>
+              <a:t>redentials</a:t>
+            </a:r>
+            <a:endParaRPr lang="zh-TW" altLang="en-US" dirty="0"/>
+          </a:p>
+        </p:txBody>
+      </p:sp>
+      <p:pic>
+        <p:nvPicPr>
+          <p:cNvPr id="3074" name="Picture 2"/>
+          <p:cNvPicPr>
+            <a:picLocks noChangeAspect="1" noChangeArrowheads="1"/>
+          </p:cNvPicPr>
+          <p:nvPr/>
+        </p:nvPicPr>
+        <p:blipFill>
+          <a:blip r:embed="rId2">
+            <a:extLst>
+              <a:ext uri="{28A0092B-C50C-407E-A947-70E740481C1C}">
+                <a14:useLocalDpi xmlns:a14="http://schemas.microsoft.com/office/drawing/2010/main" val="0"/>
+              </a:ext>
+            </a:extLst>
+          </a:blip>
+          <a:srcRect/>
+          <a:stretch>
+            <a:fillRect/>
+          </a:stretch>
+        </p:blipFill>
+        <p:spPr bwMode="auto">
+          <a:xfrm>
+            <a:off x="179512" y="2204864"/>
+            <a:ext cx="8894621" cy="4174012"/>
+          </a:xfrm>
+          <a:prstGeom prst="rect">
+            <a:avLst/>
+          </a:prstGeom>
+          <a:noFill/>
+          <a:ln>
+            <a:noFill/>
+          </a:ln>
+          <a:extLst>
+            <a:ext uri="{909E8E84-426E-40DD-AFC4-6F175D3DCCD1}">
+              <a14:hiddenFill xmlns:a14="http://schemas.microsoft.com/office/drawing/2010/main">
+                <a:solidFill>
+                  <a:schemeClr val="accent1"/>
+                </a:solidFill>
+              </a14:hiddenFill>
+            </a:ext>
+            <a:ext uri="{91240B29-F687-4F45-9708-019B960494DF}">
+              <a14:hiddenLine xmlns:a14="http://schemas.microsoft.com/office/drawing/2010/main" w="9525">
+                <a:solidFill>
+                  <a:schemeClr val="tx1"/>
+                </a:solidFill>
+                <a:miter lim="800000"/>
+                <a:headEnd/>
+                <a:tailEnd/>
+              </a14:hiddenLine>
+            </a:ext>
+          </a:extLst>
+        </p:spPr>
+      </p:pic>
+    </p:spTree>
+    <p:extLst>
+      <p:ext uri="{BB962C8B-B14F-4D97-AF65-F5344CB8AC3E}">
+        <p14:creationId xmlns:p14="http://schemas.microsoft.com/office/powerpoint/2010/main" val="2128653016"/>
+      </p:ext>
+    </p:extLst>
+  </p:cSld>
+  <p:clrMapOvr>
+    <a:masterClrMapping/>
+  </p:clrMapOvr>
+</p:sld>
+</file>
+
+<file path=ppt/slides/slide7.xml><?xml version="1.0" encoding="utf-8"?>
+<p:sld xmlns:a="http://schemas.openxmlformats.org/drawingml/2006/main" xmlns:r="http://schemas.openxmlformats.org/officeDocument/2006/relationships" xmlns:p="http://schemas.openxmlformats.org/presentationml/2006/main">
+  <p:cSld>
+    <p:spTree>
+      <p:nvGrpSpPr>
+        <p:cNvPr id="1" name=""/>
+        <p:cNvGrpSpPr/>
+        <p:nvPr/>
+      </p:nvGrpSpPr>
+      <p:grpSpPr>
+        <a:xfrm>
+          <a:off x="0" y="0"/>
+          <a:ext cx="0" cy="0"/>
+          <a:chOff x="0" y="0"/>
+          <a:chExt cx="0" cy="0"/>
+        </a:xfrm>
+      </p:grpSpPr>
+      <p:sp>
+        <p:nvSpPr>
+          <p:cNvPr id="2" name="標題 1"/>
+          <p:cNvSpPr>
+            <a:spLocks noGrp="1"/>
+          </p:cNvSpPr>
+          <p:nvPr>
+            <p:ph type="title"/>
+          </p:nvPr>
+        </p:nvSpPr>
+        <p:spPr/>
+        <p:txBody>
+          <a:bodyPr/>
+          <a:lstStyle/>
+          <a:p>
+            <a:r>
+              <a:rPr lang="en-US" altLang="zh-TW" dirty="0"/>
+              <a:t>Overview</a:t>
+            </a:r>
+            <a:endParaRPr lang="zh-TW" altLang="en-US" dirty="0"/>
+          </a:p>
+        </p:txBody>
+      </p:sp>
+      <p:sp>
+        <p:nvSpPr>
+          <p:cNvPr id="3" name="內容版面配置區 2"/>
+          <p:cNvSpPr>
+            <a:spLocks noGrp="1"/>
+          </p:cNvSpPr>
+          <p:nvPr>
+            <p:ph idx="1"/>
+          </p:nvPr>
+        </p:nvSpPr>
+        <p:spPr/>
+        <p:txBody>
+          <a:bodyPr>
+            <a:normAutofit lnSpcReduction="10000"/>
+          </a:bodyPr>
+          <a:lstStyle/>
+          <a:p>
+            <a:r>
+              <a:rPr lang="en-US" altLang="zh-TW" dirty="0" smtClean="0"/>
+              <a:t>Communication Type</a:t>
+            </a:r>
+          </a:p>
+          <a:p>
+            <a:pPr lvl="1"/>
+            <a:r>
+              <a:rPr lang="en-US" altLang="zh-TW" dirty="0"/>
+              <a:t>Versatile Messaging </a:t>
+            </a:r>
+            <a:r>
+              <a:rPr lang="en-US" altLang="zh-TW" dirty="0" smtClean="0"/>
+              <a:t>Targets</a:t>
+            </a:r>
+          </a:p>
+          <a:p>
+            <a:pPr lvl="2"/>
+            <a:r>
+              <a:rPr lang="en-US" altLang="zh-TW" dirty="0" smtClean="0"/>
+              <a:t>Device group message</a:t>
+            </a:r>
+          </a:p>
+          <a:p>
+            <a:pPr lvl="2"/>
+            <a:r>
+              <a:rPr lang="en-US" altLang="zh-TW" dirty="0" smtClean="0"/>
+              <a:t>Topic message</a:t>
+            </a:r>
+          </a:p>
+          <a:p>
+            <a:pPr lvl="2"/>
+            <a:endParaRPr lang="en-US" altLang="zh-TW" dirty="0"/>
+          </a:p>
+          <a:p>
+            <a:pPr lvl="1"/>
+            <a:r>
+              <a:rPr lang="en-US" altLang="zh-TW" dirty="0"/>
+              <a:t>Downstream </a:t>
+            </a:r>
+            <a:r>
+              <a:rPr lang="en-US" altLang="zh-TW" dirty="0" smtClean="0"/>
+              <a:t>Messaging</a:t>
+            </a:r>
+          </a:p>
+          <a:p>
+            <a:pPr lvl="2"/>
+            <a:r>
+              <a:rPr lang="en-US" altLang="zh-TW" dirty="0" smtClean="0"/>
+              <a:t>Send downstream messages</a:t>
+            </a:r>
+          </a:p>
+          <a:p>
+            <a:pPr lvl="2"/>
+            <a:endParaRPr lang="en-US" altLang="zh-TW" dirty="0"/>
+          </a:p>
+          <a:p>
+            <a:pPr lvl="1"/>
+            <a:r>
+              <a:rPr lang="en-US" altLang="zh-TW" dirty="0"/>
+              <a:t>Upstream </a:t>
+            </a:r>
+            <a:r>
+              <a:rPr lang="en-US" altLang="zh-TW" dirty="0" smtClean="0"/>
+              <a:t>Messaging</a:t>
+            </a:r>
+          </a:p>
+          <a:p>
+            <a:pPr lvl="2"/>
+            <a:r>
+              <a:rPr lang="en-US" altLang="zh-TW" dirty="0" smtClean="0"/>
+              <a:t>Send upstream messages</a:t>
+            </a:r>
+            <a:endParaRPr lang="en-US" altLang="zh-TW" dirty="0"/>
+          </a:p>
+          <a:p>
+            <a:pPr lvl="1"/>
+            <a:endParaRPr lang="zh-TW" altLang="en-US" dirty="0"/>
+          </a:p>
+        </p:txBody>
+      </p:sp>
+    </p:spTree>
+    <p:extLst>
+      <p:ext uri="{BB962C8B-B14F-4D97-AF65-F5344CB8AC3E}">
+        <p14:creationId xmlns:p14="http://schemas.microsoft.com/office/powerpoint/2010/main" val="3993183835"/>
+      </p:ext>
+    </p:extLst>
+  </p:cSld>
+  <p:clrMapOvr>
+    <a:masterClrMapping/>
+  </p:clrMapOvr>
+</p:sld>
+</file>
+
+<file path=ppt/slides/slide8.xml><?xml version="1.0" encoding="utf-8"?>
 <p:sld xmlns:a="http://schemas.openxmlformats.org/drawingml/2006/main" xmlns:r="http://schemas.openxmlformats.org/officeDocument/2006/relationships" xmlns:p="http://schemas.openxmlformats.org/presentationml/2006/main">
   <p:cSld>
     <p:spTree>
@@ -7501,7 +11548,7 @@
 </p:sld>
 </file>
 
-<file path=ppt/slides/slide4.xml><?xml version="1.0" encoding="utf-8"?>
+<file path=ppt/slides/slide9.xml><?xml version="1.0" encoding="utf-8"?>
 <p:sld xmlns:a="http://schemas.openxmlformats.org/drawingml/2006/main" xmlns:r="http://schemas.openxmlformats.org/officeDocument/2006/relationships" xmlns:p="http://schemas.openxmlformats.org/presentationml/2006/main">
   <p:cSld>
     <p:spTree>
@@ -7804,1298 +11851,6 @@
     <p:extLst>
       <p:ext uri="{BB962C8B-B14F-4D97-AF65-F5344CB8AC3E}">
         <p14:creationId xmlns:p14="http://schemas.microsoft.com/office/powerpoint/2010/main" val="4203044679"/>
-      </p:ext>
-    </p:extLst>
-  </p:cSld>
-  <p:clrMapOvr>
-    <a:masterClrMapping/>
-  </p:clrMapOvr>
-</p:sld>
-</file>
-
-<file path=ppt/slides/slide5.xml><?xml version="1.0" encoding="utf-8"?>
-<p:sld xmlns:a="http://schemas.openxmlformats.org/drawingml/2006/main" xmlns:r="http://schemas.openxmlformats.org/officeDocument/2006/relationships" xmlns:p="http://schemas.openxmlformats.org/presentationml/2006/main">
-  <p:cSld>
-    <p:spTree>
-      <p:nvGrpSpPr>
-        <p:cNvPr id="1" name=""/>
-        <p:cNvGrpSpPr/>
-        <p:nvPr/>
-      </p:nvGrpSpPr>
-      <p:grpSpPr>
-        <a:xfrm>
-          <a:off x="0" y="0"/>
-          <a:ext cx="0" cy="0"/>
-          <a:chOff x="0" y="0"/>
-          <a:chExt cx="0" cy="0"/>
-        </a:xfrm>
-      </p:grpSpPr>
-      <p:sp>
-        <p:nvSpPr>
-          <p:cNvPr id="2" name="標題 1"/>
-          <p:cNvSpPr>
-            <a:spLocks noGrp="1"/>
-          </p:cNvSpPr>
-          <p:nvPr>
-            <p:ph type="title"/>
-          </p:nvPr>
-        </p:nvSpPr>
-        <p:spPr/>
-        <p:txBody>
-          <a:bodyPr/>
-          <a:lstStyle/>
-          <a:p>
-            <a:r>
-              <a:rPr lang="zh-TW" altLang="en-US" dirty="0" smtClean="0"/>
-              <a:t>產生</a:t>
-            </a:r>
-            <a:r>
-              <a:rPr lang="en-US" altLang="zh-TW" dirty="0" smtClean="0"/>
-              <a:t>API</a:t>
-            </a:r>
-            <a:r>
-              <a:rPr lang="zh-TW" altLang="en-US" dirty="0" smtClean="0"/>
-              <a:t>金鑰 </a:t>
-            </a:r>
-            <a:r>
-              <a:rPr lang="en-US" altLang="zh-TW" dirty="0" smtClean="0"/>
-              <a:t>(API Key) (1/5)</a:t>
-            </a:r>
-            <a:endParaRPr lang="zh-TW" altLang="en-US" dirty="0"/>
-          </a:p>
-        </p:txBody>
-      </p:sp>
-      <p:sp>
-        <p:nvSpPr>
-          <p:cNvPr id="3" name="內容版面配置區 2"/>
-          <p:cNvSpPr>
-            <a:spLocks noGrp="1"/>
-          </p:cNvSpPr>
-          <p:nvPr>
-            <p:ph idx="1"/>
-          </p:nvPr>
-        </p:nvSpPr>
-        <p:spPr/>
-        <p:txBody>
-          <a:bodyPr/>
-          <a:lstStyle/>
-          <a:p>
-            <a:r>
-              <a:rPr lang="zh-TW" altLang="en-US" dirty="0" smtClean="0"/>
-              <a:t>進入新建立的專案</a:t>
-            </a:r>
-            <a:endParaRPr lang="en-US" altLang="zh-TW" dirty="0" smtClean="0"/>
-          </a:p>
-          <a:p>
-            <a:endParaRPr lang="en-US" altLang="zh-TW" dirty="0"/>
-          </a:p>
-          <a:p>
-            <a:endParaRPr lang="en-US" altLang="zh-TW" dirty="0" smtClean="0"/>
-          </a:p>
-          <a:p>
-            <a:endParaRPr lang="en-US" altLang="zh-TW" dirty="0"/>
-          </a:p>
-        </p:txBody>
-      </p:sp>
-      <p:pic>
-        <p:nvPicPr>
-          <p:cNvPr id="3074" name="Picture 2"/>
-          <p:cNvPicPr>
-            <a:picLocks noChangeAspect="1" noChangeArrowheads="1"/>
-          </p:cNvPicPr>
-          <p:nvPr/>
-        </p:nvPicPr>
-        <p:blipFill>
-          <a:blip r:embed="rId2">
-            <a:extLst>
-              <a:ext uri="{28A0092B-C50C-407E-A947-70E740481C1C}">
-                <a14:useLocalDpi xmlns:a14="http://schemas.microsoft.com/office/drawing/2010/main" val="0"/>
-              </a:ext>
-            </a:extLst>
-          </a:blip>
-          <a:srcRect/>
-          <a:stretch>
-            <a:fillRect/>
-          </a:stretch>
-        </p:blipFill>
-        <p:spPr bwMode="auto">
-          <a:xfrm>
-            <a:off x="899592" y="2149786"/>
-            <a:ext cx="6120680" cy="1716605"/>
-          </a:xfrm>
-          <a:prstGeom prst="rect">
-            <a:avLst/>
-          </a:prstGeom>
-          <a:noFill/>
-          <a:ln>
-            <a:noFill/>
-          </a:ln>
-          <a:extLst>
-            <a:ext uri="{909E8E84-426E-40DD-AFC4-6F175D3DCCD1}">
-              <a14:hiddenFill xmlns:a14="http://schemas.microsoft.com/office/drawing/2010/main">
-                <a:solidFill>
-                  <a:schemeClr val="accent1"/>
-                </a:solidFill>
-              </a14:hiddenFill>
-            </a:ext>
-            <a:ext uri="{91240B29-F687-4F45-9708-019B960494DF}">
-              <a14:hiddenLine xmlns:a14="http://schemas.microsoft.com/office/drawing/2010/main" w="9525">
-                <a:solidFill>
-                  <a:schemeClr val="tx1"/>
-                </a:solidFill>
-                <a:miter lim="800000"/>
-                <a:headEnd/>
-                <a:tailEnd/>
-              </a14:hiddenLine>
-            </a:ext>
-          </a:extLst>
-        </p:spPr>
-      </p:pic>
-      <p:sp>
-        <p:nvSpPr>
-          <p:cNvPr id="5" name="矩形 4"/>
-          <p:cNvSpPr/>
-          <p:nvPr/>
-        </p:nvSpPr>
-        <p:spPr>
-          <a:xfrm>
-            <a:off x="3059832" y="2149786"/>
-            <a:ext cx="1008112" cy="360040"/>
-          </a:xfrm>
-          <a:prstGeom prst="rect">
-            <a:avLst/>
-          </a:prstGeom>
-          <a:noFill/>
-          <a:ln>
-            <a:solidFill>
-              <a:srgbClr val="FF0000"/>
-            </a:solidFill>
-          </a:ln>
-        </p:spPr>
-        <p:style>
-          <a:lnRef idx="2">
-            <a:schemeClr val="accent1">
-              <a:shade val="50000"/>
-            </a:schemeClr>
-          </a:lnRef>
-          <a:fillRef idx="1">
-            <a:schemeClr val="accent1"/>
-          </a:fillRef>
-          <a:effectRef idx="0">
-            <a:schemeClr val="accent1"/>
-          </a:effectRef>
-          <a:fontRef idx="minor">
-            <a:schemeClr val="lt1"/>
-          </a:fontRef>
-        </p:style>
-        <p:txBody>
-          <a:bodyPr rtlCol="0" anchor="ctr"/>
-          <a:lstStyle/>
-          <a:p>
-            <a:pPr algn="ctr"/>
-            <a:endParaRPr lang="zh-TW" altLang="en-US"/>
-          </a:p>
-        </p:txBody>
-      </p:sp>
-    </p:spTree>
-    <p:extLst>
-      <p:ext uri="{BB962C8B-B14F-4D97-AF65-F5344CB8AC3E}">
-        <p14:creationId xmlns:p14="http://schemas.microsoft.com/office/powerpoint/2010/main" val="439696747"/>
-      </p:ext>
-    </p:extLst>
-  </p:cSld>
-  <p:clrMapOvr>
-    <a:masterClrMapping/>
-  </p:clrMapOvr>
-</p:sld>
-</file>
-
-<file path=ppt/slides/slide6.xml><?xml version="1.0" encoding="utf-8"?>
-<p:sld xmlns:a="http://schemas.openxmlformats.org/drawingml/2006/main" xmlns:r="http://schemas.openxmlformats.org/officeDocument/2006/relationships" xmlns:p="http://schemas.openxmlformats.org/presentationml/2006/main">
-  <p:cSld>
-    <p:spTree>
-      <p:nvGrpSpPr>
-        <p:cNvPr id="1" name=""/>
-        <p:cNvGrpSpPr/>
-        <p:nvPr/>
-      </p:nvGrpSpPr>
-      <p:grpSpPr>
-        <a:xfrm>
-          <a:off x="0" y="0"/>
-          <a:ext cx="0" cy="0"/>
-          <a:chOff x="0" y="0"/>
-          <a:chExt cx="0" cy="0"/>
-        </a:xfrm>
-      </p:grpSpPr>
-      <p:sp>
-        <p:nvSpPr>
-          <p:cNvPr id="2" name="標題 1"/>
-          <p:cNvSpPr>
-            <a:spLocks noGrp="1"/>
-          </p:cNvSpPr>
-          <p:nvPr>
-            <p:ph type="title"/>
-          </p:nvPr>
-        </p:nvSpPr>
-        <p:spPr/>
-        <p:txBody>
-          <a:bodyPr/>
-          <a:lstStyle/>
-          <a:p>
-            <a:r>
-              <a:rPr lang="zh-TW" altLang="en-US" dirty="0"/>
-              <a:t>產生</a:t>
-            </a:r>
-            <a:r>
-              <a:rPr lang="en-US" altLang="zh-TW" dirty="0"/>
-              <a:t>API</a:t>
-            </a:r>
-            <a:r>
-              <a:rPr lang="zh-TW" altLang="en-US" dirty="0"/>
-              <a:t>金鑰 </a:t>
-            </a:r>
-            <a:r>
-              <a:rPr lang="en-US" altLang="zh-TW" dirty="0"/>
-              <a:t>(API Key</a:t>
-            </a:r>
-            <a:r>
-              <a:rPr lang="en-US" altLang="zh-TW" dirty="0" smtClean="0"/>
-              <a:t>)</a:t>
-            </a:r>
-            <a:r>
-              <a:rPr lang="en-US" altLang="zh-TW" dirty="0"/>
-              <a:t> </a:t>
-            </a:r>
-            <a:r>
-              <a:rPr lang="en-US" altLang="zh-TW" dirty="0" smtClean="0"/>
-              <a:t>(2/5</a:t>
-            </a:r>
-            <a:r>
-              <a:rPr lang="en-US" altLang="zh-TW" dirty="0"/>
-              <a:t>)</a:t>
-            </a:r>
-            <a:endParaRPr lang="zh-TW" altLang="en-US" dirty="0"/>
-          </a:p>
-        </p:txBody>
-      </p:sp>
-      <p:sp>
-        <p:nvSpPr>
-          <p:cNvPr id="3" name="內容版面配置區 2"/>
-          <p:cNvSpPr>
-            <a:spLocks noGrp="1"/>
-          </p:cNvSpPr>
-          <p:nvPr>
-            <p:ph idx="1"/>
-          </p:nvPr>
-        </p:nvSpPr>
-        <p:spPr/>
-        <p:txBody>
-          <a:bodyPr/>
-          <a:lstStyle/>
-          <a:p>
-            <a:r>
-              <a:rPr lang="zh-TW" altLang="en-US" dirty="0"/>
-              <a:t>建立</a:t>
-            </a:r>
-            <a:r>
-              <a:rPr lang="en-US" altLang="zh-TW" dirty="0"/>
-              <a:t>API Key (API </a:t>
-            </a:r>
-            <a:r>
-              <a:rPr lang="en-US" altLang="zh-TW" dirty="0" err="1"/>
-              <a:t>金鑰</a:t>
-            </a:r>
-            <a:r>
-              <a:rPr lang="en-US" altLang="zh-TW" dirty="0"/>
-              <a:t>)</a:t>
-            </a:r>
-            <a:endParaRPr lang="zh-TW" altLang="en-US" dirty="0"/>
-          </a:p>
-          <a:p>
-            <a:endParaRPr lang="zh-TW" altLang="en-US" dirty="0"/>
-          </a:p>
-        </p:txBody>
-      </p:sp>
-      <p:pic>
-        <p:nvPicPr>
-          <p:cNvPr id="4099" name="Picture 3"/>
-          <p:cNvPicPr>
-            <a:picLocks noChangeAspect="1" noChangeArrowheads="1"/>
-          </p:cNvPicPr>
-          <p:nvPr/>
-        </p:nvPicPr>
-        <p:blipFill>
-          <a:blip r:embed="rId2">
-            <a:extLst>
-              <a:ext uri="{28A0092B-C50C-407E-A947-70E740481C1C}">
-                <a14:useLocalDpi xmlns:a14="http://schemas.microsoft.com/office/drawing/2010/main" val="0"/>
-              </a:ext>
-            </a:extLst>
-          </a:blip>
-          <a:srcRect/>
-          <a:stretch>
-            <a:fillRect/>
-          </a:stretch>
-        </p:blipFill>
-        <p:spPr bwMode="auto">
-          <a:xfrm>
-            <a:off x="323527" y="2204864"/>
-            <a:ext cx="8715489" cy="4032448"/>
-          </a:xfrm>
-          <a:prstGeom prst="rect">
-            <a:avLst/>
-          </a:prstGeom>
-          <a:noFill/>
-          <a:ln>
-            <a:noFill/>
-          </a:ln>
-          <a:extLst>
-            <a:ext uri="{909E8E84-426E-40DD-AFC4-6F175D3DCCD1}">
-              <a14:hiddenFill xmlns:a14="http://schemas.microsoft.com/office/drawing/2010/main">
-                <a:solidFill>
-                  <a:schemeClr val="accent1"/>
-                </a:solidFill>
-              </a14:hiddenFill>
-            </a:ext>
-            <a:ext uri="{91240B29-F687-4F45-9708-019B960494DF}">
-              <a14:hiddenLine xmlns:a14="http://schemas.microsoft.com/office/drawing/2010/main" w="9525">
-                <a:solidFill>
-                  <a:schemeClr val="tx1"/>
-                </a:solidFill>
-                <a:miter lim="800000"/>
-                <a:headEnd/>
-                <a:tailEnd/>
-              </a14:hiddenLine>
-            </a:ext>
-          </a:extLst>
-        </p:spPr>
-      </p:pic>
-      <p:sp>
-        <p:nvSpPr>
-          <p:cNvPr id="9" name="矩形 8"/>
-          <p:cNvSpPr/>
-          <p:nvPr/>
-        </p:nvSpPr>
-        <p:spPr>
-          <a:xfrm>
-            <a:off x="467544" y="3356992"/>
-            <a:ext cx="360040" cy="180020"/>
-          </a:xfrm>
-          <a:prstGeom prst="rect">
-            <a:avLst/>
-          </a:prstGeom>
-          <a:noFill/>
-          <a:ln>
-            <a:solidFill>
-              <a:srgbClr val="FF0000"/>
-            </a:solidFill>
-          </a:ln>
-        </p:spPr>
-        <p:style>
-          <a:lnRef idx="2">
-            <a:schemeClr val="accent1">
-              <a:shade val="50000"/>
-            </a:schemeClr>
-          </a:lnRef>
-          <a:fillRef idx="1">
-            <a:schemeClr val="accent1"/>
-          </a:fillRef>
-          <a:effectRef idx="0">
-            <a:schemeClr val="accent1"/>
-          </a:effectRef>
-          <a:fontRef idx="minor">
-            <a:schemeClr val="lt1"/>
-          </a:fontRef>
-        </p:style>
-        <p:txBody>
-          <a:bodyPr rtlCol="0" anchor="ctr"/>
-          <a:lstStyle/>
-          <a:p>
-            <a:pPr algn="ctr"/>
-            <a:endParaRPr lang="zh-TW" altLang="en-US"/>
-          </a:p>
-        </p:txBody>
-      </p:sp>
-      <p:sp>
-        <p:nvSpPr>
-          <p:cNvPr id="10" name="矩形 9"/>
-          <p:cNvSpPr/>
-          <p:nvPr/>
-        </p:nvSpPr>
-        <p:spPr>
-          <a:xfrm>
-            <a:off x="406854" y="2996952"/>
-            <a:ext cx="492738" cy="180020"/>
-          </a:xfrm>
-          <a:prstGeom prst="rect">
-            <a:avLst/>
-          </a:prstGeom>
-          <a:noFill/>
-          <a:ln>
-            <a:solidFill>
-              <a:srgbClr val="FF0000"/>
-            </a:solidFill>
-          </a:ln>
-        </p:spPr>
-        <p:style>
-          <a:lnRef idx="2">
-            <a:schemeClr val="accent1">
-              <a:shade val="50000"/>
-            </a:schemeClr>
-          </a:lnRef>
-          <a:fillRef idx="1">
-            <a:schemeClr val="accent1"/>
-          </a:fillRef>
-          <a:effectRef idx="0">
-            <a:schemeClr val="accent1"/>
-          </a:effectRef>
-          <a:fontRef idx="minor">
-            <a:schemeClr val="lt1"/>
-          </a:fontRef>
-        </p:style>
-        <p:txBody>
-          <a:bodyPr rtlCol="0" anchor="ctr"/>
-          <a:lstStyle/>
-          <a:p>
-            <a:pPr algn="ctr"/>
-            <a:endParaRPr lang="zh-TW" altLang="en-US"/>
-          </a:p>
-        </p:txBody>
-      </p:sp>
-      <p:sp>
-        <p:nvSpPr>
-          <p:cNvPr id="11" name="矩形 10"/>
-          <p:cNvSpPr/>
-          <p:nvPr/>
-        </p:nvSpPr>
-        <p:spPr>
-          <a:xfrm>
-            <a:off x="5508104" y="4437112"/>
-            <a:ext cx="720080" cy="288032"/>
-          </a:xfrm>
-          <a:prstGeom prst="rect">
-            <a:avLst/>
-          </a:prstGeom>
-          <a:noFill/>
-          <a:ln>
-            <a:solidFill>
-              <a:srgbClr val="FF0000"/>
-            </a:solidFill>
-          </a:ln>
-        </p:spPr>
-        <p:style>
-          <a:lnRef idx="2">
-            <a:schemeClr val="accent1">
-              <a:shade val="50000"/>
-            </a:schemeClr>
-          </a:lnRef>
-          <a:fillRef idx="1">
-            <a:schemeClr val="accent1"/>
-          </a:fillRef>
-          <a:effectRef idx="0">
-            <a:schemeClr val="accent1"/>
-          </a:effectRef>
-          <a:fontRef idx="minor">
-            <a:schemeClr val="lt1"/>
-          </a:fontRef>
-        </p:style>
-        <p:txBody>
-          <a:bodyPr rtlCol="0" anchor="ctr"/>
-          <a:lstStyle/>
-          <a:p>
-            <a:pPr algn="ctr"/>
-            <a:endParaRPr lang="zh-TW" altLang="en-US"/>
-          </a:p>
-        </p:txBody>
-      </p:sp>
-      <p:sp>
-        <p:nvSpPr>
-          <p:cNvPr id="12" name="矩形 11"/>
-          <p:cNvSpPr/>
-          <p:nvPr/>
-        </p:nvSpPr>
-        <p:spPr>
-          <a:xfrm>
-            <a:off x="5508104" y="4751688"/>
-            <a:ext cx="2520280" cy="405503"/>
-          </a:xfrm>
-          <a:prstGeom prst="rect">
-            <a:avLst/>
-          </a:prstGeom>
-          <a:noFill/>
-          <a:ln>
-            <a:solidFill>
-              <a:srgbClr val="FF0000"/>
-            </a:solidFill>
-          </a:ln>
-        </p:spPr>
-        <p:style>
-          <a:lnRef idx="2">
-            <a:schemeClr val="accent1">
-              <a:shade val="50000"/>
-            </a:schemeClr>
-          </a:lnRef>
-          <a:fillRef idx="1">
-            <a:schemeClr val="accent1"/>
-          </a:fillRef>
-          <a:effectRef idx="0">
-            <a:schemeClr val="accent1"/>
-          </a:effectRef>
-          <a:fontRef idx="minor">
-            <a:schemeClr val="lt1"/>
-          </a:fontRef>
-        </p:style>
-        <p:txBody>
-          <a:bodyPr rtlCol="0" anchor="ctr"/>
-          <a:lstStyle/>
-          <a:p>
-            <a:pPr algn="ctr"/>
-            <a:endParaRPr lang="zh-TW" altLang="en-US"/>
-          </a:p>
-        </p:txBody>
-      </p:sp>
-    </p:spTree>
-    <p:extLst>
-      <p:ext uri="{BB962C8B-B14F-4D97-AF65-F5344CB8AC3E}">
-        <p14:creationId xmlns:p14="http://schemas.microsoft.com/office/powerpoint/2010/main" val="1439386057"/>
-      </p:ext>
-    </p:extLst>
-  </p:cSld>
-  <p:clrMapOvr>
-    <a:masterClrMapping/>
-  </p:clrMapOvr>
-</p:sld>
-</file>
-
-<file path=ppt/slides/slide7.xml><?xml version="1.0" encoding="utf-8"?>
-<p:sld xmlns:a="http://schemas.openxmlformats.org/drawingml/2006/main" xmlns:r="http://schemas.openxmlformats.org/officeDocument/2006/relationships" xmlns:p="http://schemas.openxmlformats.org/presentationml/2006/main">
-  <p:cSld>
-    <p:spTree>
-      <p:nvGrpSpPr>
-        <p:cNvPr id="1" name=""/>
-        <p:cNvGrpSpPr/>
-        <p:nvPr/>
-      </p:nvGrpSpPr>
-      <p:grpSpPr>
-        <a:xfrm>
-          <a:off x="0" y="0"/>
-          <a:ext cx="0" cy="0"/>
-          <a:chOff x="0" y="0"/>
-          <a:chExt cx="0" cy="0"/>
-        </a:xfrm>
-      </p:grpSpPr>
-      <p:sp>
-        <p:nvSpPr>
-          <p:cNvPr id="2" name="標題 1"/>
-          <p:cNvSpPr>
-            <a:spLocks noGrp="1"/>
-          </p:cNvSpPr>
-          <p:nvPr>
-            <p:ph type="title"/>
-          </p:nvPr>
-        </p:nvSpPr>
-        <p:spPr/>
-        <p:txBody>
-          <a:bodyPr/>
-          <a:lstStyle/>
-          <a:p>
-            <a:r>
-              <a:rPr lang="zh-TW" altLang="en-US" dirty="0"/>
-              <a:t>產生</a:t>
-            </a:r>
-            <a:r>
-              <a:rPr lang="en-US" altLang="zh-TW" dirty="0"/>
-              <a:t>API</a:t>
-            </a:r>
-            <a:r>
-              <a:rPr lang="zh-TW" altLang="en-US" dirty="0"/>
-              <a:t>金鑰 </a:t>
-            </a:r>
-            <a:r>
-              <a:rPr lang="en-US" altLang="zh-TW" dirty="0"/>
-              <a:t>(API Key</a:t>
-            </a:r>
-            <a:r>
-              <a:rPr lang="en-US" altLang="zh-TW" dirty="0" smtClean="0"/>
-              <a:t>)</a:t>
-            </a:r>
-            <a:r>
-              <a:rPr lang="en-US" altLang="zh-TW" dirty="0"/>
-              <a:t> </a:t>
-            </a:r>
-            <a:r>
-              <a:rPr lang="en-US" altLang="zh-TW" dirty="0" smtClean="0"/>
-              <a:t>(3/5</a:t>
-            </a:r>
-            <a:r>
-              <a:rPr lang="en-US" altLang="zh-TW" dirty="0"/>
-              <a:t>)</a:t>
-            </a:r>
-            <a:endParaRPr lang="zh-TW" altLang="en-US" dirty="0"/>
-          </a:p>
-        </p:txBody>
-      </p:sp>
-      <p:sp>
-        <p:nvSpPr>
-          <p:cNvPr id="3" name="內容版面配置區 2"/>
-          <p:cNvSpPr>
-            <a:spLocks noGrp="1"/>
-          </p:cNvSpPr>
-          <p:nvPr>
-            <p:ph idx="1"/>
-          </p:nvPr>
-        </p:nvSpPr>
-        <p:spPr/>
-        <p:txBody>
-          <a:bodyPr/>
-          <a:lstStyle/>
-          <a:p>
-            <a:r>
-              <a:rPr lang="zh-TW" altLang="en-US" dirty="0" smtClean="0"/>
-              <a:t>選擇「伺服器金鑰」</a:t>
-            </a:r>
-            <a:endParaRPr lang="zh-TW" altLang="en-US" dirty="0"/>
-          </a:p>
-        </p:txBody>
-      </p:sp>
-      <p:pic>
-        <p:nvPicPr>
-          <p:cNvPr id="5122" name="Picture 2"/>
-          <p:cNvPicPr>
-            <a:picLocks noChangeAspect="1" noChangeArrowheads="1"/>
-          </p:cNvPicPr>
-          <p:nvPr/>
-        </p:nvPicPr>
-        <p:blipFill>
-          <a:blip r:embed="rId2">
-            <a:extLst>
-              <a:ext uri="{28A0092B-C50C-407E-A947-70E740481C1C}">
-                <a14:useLocalDpi xmlns:a14="http://schemas.microsoft.com/office/drawing/2010/main" val="0"/>
-              </a:ext>
-            </a:extLst>
-          </a:blip>
-          <a:srcRect/>
-          <a:stretch>
-            <a:fillRect/>
-          </a:stretch>
-        </p:blipFill>
-        <p:spPr bwMode="auto">
-          <a:xfrm>
-            <a:off x="899592" y="2276872"/>
-            <a:ext cx="6229350" cy="1809750"/>
-          </a:xfrm>
-          <a:prstGeom prst="rect">
-            <a:avLst/>
-          </a:prstGeom>
-          <a:noFill/>
-          <a:ln>
-            <a:noFill/>
-          </a:ln>
-          <a:extLst>
-            <a:ext uri="{909E8E84-426E-40DD-AFC4-6F175D3DCCD1}">
-              <a14:hiddenFill xmlns:a14="http://schemas.microsoft.com/office/drawing/2010/main">
-                <a:solidFill>
-                  <a:schemeClr val="accent1"/>
-                </a:solidFill>
-              </a14:hiddenFill>
-            </a:ext>
-            <a:ext uri="{91240B29-F687-4F45-9708-019B960494DF}">
-              <a14:hiddenLine xmlns:a14="http://schemas.microsoft.com/office/drawing/2010/main" w="9525">
-                <a:solidFill>
-                  <a:schemeClr val="tx1"/>
-                </a:solidFill>
-                <a:miter lim="800000"/>
-                <a:headEnd/>
-                <a:tailEnd/>
-              </a14:hiddenLine>
-            </a:ext>
-          </a:extLst>
-        </p:spPr>
-      </p:pic>
-      <p:sp>
-        <p:nvSpPr>
-          <p:cNvPr id="5" name="矩形 4"/>
-          <p:cNvSpPr/>
-          <p:nvPr/>
-        </p:nvSpPr>
-        <p:spPr>
-          <a:xfrm>
-            <a:off x="1187624" y="3465750"/>
-            <a:ext cx="1224136" cy="323289"/>
-          </a:xfrm>
-          <a:prstGeom prst="rect">
-            <a:avLst/>
-          </a:prstGeom>
-          <a:noFill/>
-          <a:ln>
-            <a:solidFill>
-              <a:srgbClr val="FF0000"/>
-            </a:solidFill>
-          </a:ln>
-        </p:spPr>
-        <p:style>
-          <a:lnRef idx="2">
-            <a:schemeClr val="accent1">
-              <a:shade val="50000"/>
-            </a:schemeClr>
-          </a:lnRef>
-          <a:fillRef idx="1">
-            <a:schemeClr val="accent1"/>
-          </a:fillRef>
-          <a:effectRef idx="0">
-            <a:schemeClr val="accent1"/>
-          </a:effectRef>
-          <a:fontRef idx="minor">
-            <a:schemeClr val="lt1"/>
-          </a:fontRef>
-        </p:style>
-        <p:txBody>
-          <a:bodyPr rtlCol="0" anchor="ctr"/>
-          <a:lstStyle/>
-          <a:p>
-            <a:pPr algn="ctr"/>
-            <a:endParaRPr lang="zh-TW" altLang="en-US"/>
-          </a:p>
-        </p:txBody>
-      </p:sp>
-    </p:spTree>
-    <p:extLst>
-      <p:ext uri="{BB962C8B-B14F-4D97-AF65-F5344CB8AC3E}">
-        <p14:creationId xmlns:p14="http://schemas.microsoft.com/office/powerpoint/2010/main" val="1328898144"/>
-      </p:ext>
-    </p:extLst>
-  </p:cSld>
-  <p:clrMapOvr>
-    <a:masterClrMapping/>
-  </p:clrMapOvr>
-</p:sld>
-</file>
-
-<file path=ppt/slides/slide8.xml><?xml version="1.0" encoding="utf-8"?>
-<p:sld xmlns:a="http://schemas.openxmlformats.org/drawingml/2006/main" xmlns:r="http://schemas.openxmlformats.org/officeDocument/2006/relationships" xmlns:p="http://schemas.openxmlformats.org/presentationml/2006/main">
-  <p:cSld>
-    <p:spTree>
-      <p:nvGrpSpPr>
-        <p:cNvPr id="1" name=""/>
-        <p:cNvGrpSpPr/>
-        <p:nvPr/>
-      </p:nvGrpSpPr>
-      <p:grpSpPr>
-        <a:xfrm>
-          <a:off x="0" y="0"/>
-          <a:ext cx="0" cy="0"/>
-          <a:chOff x="0" y="0"/>
-          <a:chExt cx="0" cy="0"/>
-        </a:xfrm>
-      </p:grpSpPr>
-      <p:sp>
-        <p:nvSpPr>
-          <p:cNvPr id="2" name="標題 1"/>
-          <p:cNvSpPr>
-            <a:spLocks noGrp="1"/>
-          </p:cNvSpPr>
-          <p:nvPr>
-            <p:ph type="title"/>
-          </p:nvPr>
-        </p:nvSpPr>
-        <p:spPr/>
-        <p:txBody>
-          <a:bodyPr/>
-          <a:lstStyle/>
-          <a:p>
-            <a:r>
-              <a:rPr lang="zh-TW" altLang="en-US" dirty="0"/>
-              <a:t>產生</a:t>
-            </a:r>
-            <a:r>
-              <a:rPr lang="en-US" altLang="zh-TW" dirty="0"/>
-              <a:t>API</a:t>
-            </a:r>
-            <a:r>
-              <a:rPr lang="zh-TW" altLang="en-US" dirty="0"/>
-              <a:t>金鑰 </a:t>
-            </a:r>
-            <a:r>
-              <a:rPr lang="en-US" altLang="zh-TW" dirty="0"/>
-              <a:t>(API Key</a:t>
-            </a:r>
-            <a:r>
-              <a:rPr lang="en-US" altLang="zh-TW" dirty="0" smtClean="0"/>
-              <a:t>)</a:t>
-            </a:r>
-            <a:r>
-              <a:rPr lang="en-US" altLang="zh-TW" dirty="0"/>
-              <a:t> </a:t>
-            </a:r>
-            <a:r>
-              <a:rPr lang="en-US" altLang="zh-TW" dirty="0" smtClean="0"/>
-              <a:t>(4/5</a:t>
-            </a:r>
-            <a:r>
-              <a:rPr lang="en-US" altLang="zh-TW" dirty="0"/>
-              <a:t>)</a:t>
-            </a:r>
-            <a:endParaRPr lang="zh-TW" altLang="en-US" dirty="0"/>
-          </a:p>
-        </p:txBody>
-      </p:sp>
-      <p:sp>
-        <p:nvSpPr>
-          <p:cNvPr id="3" name="內容版面配置區 2"/>
-          <p:cNvSpPr>
-            <a:spLocks noGrp="1"/>
-          </p:cNvSpPr>
-          <p:nvPr>
-            <p:ph idx="1"/>
-          </p:nvPr>
-        </p:nvSpPr>
-        <p:spPr/>
-        <p:txBody>
-          <a:bodyPr/>
-          <a:lstStyle/>
-          <a:p>
-            <a:r>
-              <a:rPr lang="zh-TW" altLang="en-US" dirty="0" smtClean="0"/>
-              <a:t>填寫</a:t>
-            </a:r>
-            <a:r>
-              <a:rPr lang="en-US" altLang="zh-TW" dirty="0" smtClean="0"/>
-              <a:t>”</a:t>
-            </a:r>
-            <a:r>
-              <a:rPr lang="en-US" altLang="zh-TW" dirty="0" err="1" smtClean="0"/>
-              <a:t>名稱</a:t>
-            </a:r>
-            <a:r>
-              <a:rPr lang="en-US" altLang="zh-TW" dirty="0" smtClean="0"/>
-              <a:t>”，</a:t>
-            </a:r>
-            <a:r>
-              <a:rPr lang="en-US" altLang="zh-TW" dirty="0" err="1" smtClean="0"/>
-              <a:t>按下”建立</a:t>
-            </a:r>
-            <a:r>
-              <a:rPr lang="en-US" altLang="zh-TW" dirty="0" smtClean="0"/>
-              <a:t>”</a:t>
-            </a:r>
-            <a:endParaRPr lang="zh-TW" altLang="en-US" dirty="0"/>
-          </a:p>
-        </p:txBody>
-      </p:sp>
-      <p:pic>
-        <p:nvPicPr>
-          <p:cNvPr id="6146" name="Picture 2"/>
-          <p:cNvPicPr>
-            <a:picLocks noChangeAspect="1" noChangeArrowheads="1"/>
-          </p:cNvPicPr>
-          <p:nvPr/>
-        </p:nvPicPr>
-        <p:blipFill>
-          <a:blip r:embed="rId2">
-            <a:extLst>
-              <a:ext uri="{28A0092B-C50C-407E-A947-70E740481C1C}">
-                <a14:useLocalDpi xmlns:a14="http://schemas.microsoft.com/office/drawing/2010/main" val="0"/>
-              </a:ext>
-            </a:extLst>
-          </a:blip>
-          <a:srcRect/>
-          <a:stretch>
-            <a:fillRect/>
-          </a:stretch>
-        </p:blipFill>
-        <p:spPr bwMode="auto">
-          <a:xfrm>
-            <a:off x="755576" y="2204864"/>
-            <a:ext cx="7272808" cy="3755126"/>
-          </a:xfrm>
-          <a:prstGeom prst="rect">
-            <a:avLst/>
-          </a:prstGeom>
-          <a:noFill/>
-          <a:ln>
-            <a:noFill/>
-          </a:ln>
-          <a:extLst>
-            <a:ext uri="{909E8E84-426E-40DD-AFC4-6F175D3DCCD1}">
-              <a14:hiddenFill xmlns:a14="http://schemas.microsoft.com/office/drawing/2010/main">
-                <a:solidFill>
-                  <a:schemeClr val="accent1"/>
-                </a:solidFill>
-              </a14:hiddenFill>
-            </a:ext>
-            <a:ext uri="{91240B29-F687-4F45-9708-019B960494DF}">
-              <a14:hiddenLine xmlns:a14="http://schemas.microsoft.com/office/drawing/2010/main" w="9525">
-                <a:solidFill>
-                  <a:schemeClr val="tx1"/>
-                </a:solidFill>
-                <a:miter lim="800000"/>
-                <a:headEnd/>
-                <a:tailEnd/>
-              </a14:hiddenLine>
-            </a:ext>
-          </a:extLst>
-        </p:spPr>
-      </p:pic>
-      <p:sp>
-        <p:nvSpPr>
-          <p:cNvPr id="5" name="矩形 4"/>
-          <p:cNvSpPr/>
-          <p:nvPr/>
-        </p:nvSpPr>
-        <p:spPr>
-          <a:xfrm>
-            <a:off x="827584" y="3789039"/>
-            <a:ext cx="6696744" cy="648073"/>
-          </a:xfrm>
-          <a:prstGeom prst="rect">
-            <a:avLst/>
-          </a:prstGeom>
-          <a:noFill/>
-          <a:ln>
-            <a:solidFill>
-              <a:srgbClr val="FF0000"/>
-            </a:solidFill>
-          </a:ln>
-        </p:spPr>
-        <p:style>
-          <a:lnRef idx="2">
-            <a:schemeClr val="accent1">
-              <a:shade val="50000"/>
-            </a:schemeClr>
-          </a:lnRef>
-          <a:fillRef idx="1">
-            <a:schemeClr val="accent1"/>
-          </a:fillRef>
-          <a:effectRef idx="0">
-            <a:schemeClr val="accent1"/>
-          </a:effectRef>
-          <a:fontRef idx="minor">
-            <a:schemeClr val="lt1"/>
-          </a:fontRef>
-        </p:style>
-        <p:txBody>
-          <a:bodyPr rtlCol="0" anchor="ctr"/>
-          <a:lstStyle/>
-          <a:p>
-            <a:pPr algn="ctr"/>
-            <a:endParaRPr lang="zh-TW" altLang="en-US"/>
-          </a:p>
-        </p:txBody>
-      </p:sp>
-      <p:sp>
-        <p:nvSpPr>
-          <p:cNvPr id="6" name="矩形 5"/>
-          <p:cNvSpPr/>
-          <p:nvPr/>
-        </p:nvSpPr>
-        <p:spPr>
-          <a:xfrm>
-            <a:off x="848259" y="5373216"/>
-            <a:ext cx="612068" cy="323289"/>
-          </a:xfrm>
-          <a:prstGeom prst="rect">
-            <a:avLst/>
-          </a:prstGeom>
-          <a:noFill/>
-          <a:ln>
-            <a:solidFill>
-              <a:srgbClr val="FF0000"/>
-            </a:solidFill>
-          </a:ln>
-        </p:spPr>
-        <p:style>
-          <a:lnRef idx="2">
-            <a:schemeClr val="accent1">
-              <a:shade val="50000"/>
-            </a:schemeClr>
-          </a:lnRef>
-          <a:fillRef idx="1">
-            <a:schemeClr val="accent1"/>
-          </a:fillRef>
-          <a:effectRef idx="0">
-            <a:schemeClr val="accent1"/>
-          </a:effectRef>
-          <a:fontRef idx="minor">
-            <a:schemeClr val="lt1"/>
-          </a:fontRef>
-        </p:style>
-        <p:txBody>
-          <a:bodyPr rtlCol="0" anchor="ctr"/>
-          <a:lstStyle/>
-          <a:p>
-            <a:pPr algn="ctr"/>
-            <a:endParaRPr lang="zh-TW" altLang="en-US"/>
-          </a:p>
-        </p:txBody>
-      </p:sp>
-    </p:spTree>
-    <p:extLst>
-      <p:ext uri="{BB962C8B-B14F-4D97-AF65-F5344CB8AC3E}">
-        <p14:creationId xmlns:p14="http://schemas.microsoft.com/office/powerpoint/2010/main" val="3128095695"/>
-      </p:ext>
-    </p:extLst>
-  </p:cSld>
-  <p:clrMapOvr>
-    <a:masterClrMapping/>
-  </p:clrMapOvr>
-</p:sld>
-</file>
-
-<file path=ppt/slides/slide9.xml><?xml version="1.0" encoding="utf-8"?>
-<p:sld xmlns:a="http://schemas.openxmlformats.org/drawingml/2006/main" xmlns:r="http://schemas.openxmlformats.org/officeDocument/2006/relationships" xmlns:p="http://schemas.openxmlformats.org/presentationml/2006/main">
-  <p:cSld>
-    <p:spTree>
-      <p:nvGrpSpPr>
-        <p:cNvPr id="1" name=""/>
-        <p:cNvGrpSpPr/>
-        <p:nvPr/>
-      </p:nvGrpSpPr>
-      <p:grpSpPr>
-        <a:xfrm>
-          <a:off x="0" y="0"/>
-          <a:ext cx="0" cy="0"/>
-          <a:chOff x="0" y="0"/>
-          <a:chExt cx="0" cy="0"/>
-        </a:xfrm>
-      </p:grpSpPr>
-      <p:sp>
-        <p:nvSpPr>
-          <p:cNvPr id="2" name="標題 1"/>
-          <p:cNvSpPr>
-            <a:spLocks noGrp="1"/>
-          </p:cNvSpPr>
-          <p:nvPr>
-            <p:ph type="title"/>
-          </p:nvPr>
-        </p:nvSpPr>
-        <p:spPr/>
-        <p:txBody>
-          <a:bodyPr/>
-          <a:lstStyle/>
-          <a:p>
-            <a:r>
-              <a:rPr lang="zh-TW" altLang="en-US" dirty="0"/>
-              <a:t>產生</a:t>
-            </a:r>
-            <a:r>
-              <a:rPr lang="en-US" altLang="zh-TW" dirty="0"/>
-              <a:t>API</a:t>
-            </a:r>
-            <a:r>
-              <a:rPr lang="zh-TW" altLang="en-US" dirty="0"/>
-              <a:t>金鑰 </a:t>
-            </a:r>
-            <a:r>
-              <a:rPr lang="en-US" altLang="zh-TW" dirty="0"/>
-              <a:t>(API Key</a:t>
-            </a:r>
-            <a:r>
-              <a:rPr lang="en-US" altLang="zh-TW" dirty="0" smtClean="0"/>
-              <a:t>)</a:t>
-            </a:r>
-            <a:r>
-              <a:rPr lang="en-US" altLang="zh-TW" dirty="0"/>
-              <a:t> </a:t>
-            </a:r>
-            <a:r>
-              <a:rPr lang="en-US" altLang="zh-TW" dirty="0" smtClean="0"/>
-              <a:t>(5/5</a:t>
-            </a:r>
-            <a:r>
-              <a:rPr lang="en-US" altLang="zh-TW" dirty="0"/>
-              <a:t>)</a:t>
-            </a:r>
-            <a:endParaRPr lang="zh-TW" altLang="en-US" dirty="0"/>
-          </a:p>
-        </p:txBody>
-      </p:sp>
-      <p:sp>
-        <p:nvSpPr>
-          <p:cNvPr id="3" name="內容版面配置區 2"/>
-          <p:cNvSpPr>
-            <a:spLocks noGrp="1"/>
-          </p:cNvSpPr>
-          <p:nvPr>
-            <p:ph idx="1"/>
-          </p:nvPr>
-        </p:nvSpPr>
-        <p:spPr/>
-        <p:txBody>
-          <a:bodyPr/>
-          <a:lstStyle/>
-          <a:p>
-            <a:r>
-              <a:rPr lang="zh-TW" altLang="en-US" dirty="0" smtClean="0"/>
-              <a:t>得到</a:t>
-            </a:r>
-            <a:r>
-              <a:rPr lang="en-US" altLang="zh-TW" dirty="0" smtClean="0"/>
-              <a:t>API </a:t>
-            </a:r>
-            <a:r>
-              <a:rPr lang="en-US" altLang="zh-TW" dirty="0" err="1" smtClean="0"/>
-              <a:t>金鑰</a:t>
-            </a:r>
-            <a:endParaRPr lang="zh-TW" altLang="en-US" dirty="0"/>
-          </a:p>
-        </p:txBody>
-      </p:sp>
-      <p:pic>
-        <p:nvPicPr>
-          <p:cNvPr id="4" name="圖片 3"/>
-          <p:cNvPicPr>
-            <a:picLocks noChangeAspect="1"/>
-          </p:cNvPicPr>
-          <p:nvPr/>
-        </p:nvPicPr>
-        <p:blipFill>
-          <a:blip r:embed="rId2">
-            <a:extLst>
-              <a:ext uri="{28A0092B-C50C-407E-A947-70E740481C1C}">
-                <a14:useLocalDpi xmlns:a14="http://schemas.microsoft.com/office/drawing/2010/main" val="0"/>
-              </a:ext>
-            </a:extLst>
-          </a:blip>
-          <a:stretch>
-            <a:fillRect/>
-          </a:stretch>
-        </p:blipFill>
-        <p:spPr>
-          <a:xfrm>
-            <a:off x="1628775" y="2343150"/>
-            <a:ext cx="4959449" cy="1829700"/>
-          </a:xfrm>
-          <a:prstGeom prst="rect">
-            <a:avLst/>
-          </a:prstGeom>
-        </p:spPr>
-      </p:pic>
-      <p:sp>
-        <p:nvSpPr>
-          <p:cNvPr id="9" name="矩形 8"/>
-          <p:cNvSpPr/>
-          <p:nvPr/>
-        </p:nvSpPr>
-        <p:spPr>
-          <a:xfrm>
-            <a:off x="1628775" y="3041976"/>
-            <a:ext cx="4536504" cy="432048"/>
-          </a:xfrm>
-          <a:prstGeom prst="rect">
-            <a:avLst/>
-          </a:prstGeom>
-          <a:noFill/>
-          <a:ln>
-            <a:solidFill>
-              <a:srgbClr val="FF0000"/>
-            </a:solidFill>
-          </a:ln>
-        </p:spPr>
-        <p:style>
-          <a:lnRef idx="2">
-            <a:schemeClr val="accent1">
-              <a:shade val="50000"/>
-            </a:schemeClr>
-          </a:lnRef>
-          <a:fillRef idx="1">
-            <a:schemeClr val="accent1"/>
-          </a:fillRef>
-          <a:effectRef idx="0">
-            <a:schemeClr val="accent1"/>
-          </a:effectRef>
-          <a:fontRef idx="minor">
-            <a:schemeClr val="lt1"/>
-          </a:fontRef>
-        </p:style>
-        <p:txBody>
-          <a:bodyPr rtlCol="0" anchor="ctr"/>
-          <a:lstStyle/>
-          <a:p>
-            <a:pPr algn="ctr"/>
-            <a:endParaRPr lang="zh-TW" altLang="en-US"/>
-          </a:p>
-        </p:txBody>
-      </p:sp>
-      <p:pic>
-        <p:nvPicPr>
-          <p:cNvPr id="5" name="圖片 4"/>
-          <p:cNvPicPr>
-            <a:picLocks noChangeAspect="1"/>
-          </p:cNvPicPr>
-          <p:nvPr/>
-        </p:nvPicPr>
-        <p:blipFill>
-          <a:blip r:embed="rId3">
-            <a:extLst>
-              <a:ext uri="{28A0092B-C50C-407E-A947-70E740481C1C}">
-                <a14:useLocalDpi xmlns:a14="http://schemas.microsoft.com/office/drawing/2010/main" val="0"/>
-              </a:ext>
-            </a:extLst>
-          </a:blip>
-          <a:stretch>
-            <a:fillRect/>
-          </a:stretch>
-        </p:blipFill>
-        <p:spPr>
-          <a:xfrm>
-            <a:off x="179512" y="4437112"/>
-            <a:ext cx="8532440" cy="1986265"/>
-          </a:xfrm>
-          <a:prstGeom prst="rect">
-            <a:avLst/>
-          </a:prstGeom>
-        </p:spPr>
-      </p:pic>
-      <p:sp>
-        <p:nvSpPr>
-          <p:cNvPr id="11" name="矩形 10"/>
-          <p:cNvSpPr/>
-          <p:nvPr/>
-        </p:nvSpPr>
-        <p:spPr>
-          <a:xfrm>
-            <a:off x="5724128" y="6148649"/>
-            <a:ext cx="3087960" cy="376696"/>
-          </a:xfrm>
-          <a:prstGeom prst="rect">
-            <a:avLst/>
-          </a:prstGeom>
-          <a:noFill/>
-          <a:ln>
-            <a:solidFill>
-              <a:srgbClr val="FF0000"/>
-            </a:solidFill>
-          </a:ln>
-        </p:spPr>
-        <p:style>
-          <a:lnRef idx="2">
-            <a:schemeClr val="accent1">
-              <a:shade val="50000"/>
-            </a:schemeClr>
-          </a:lnRef>
-          <a:fillRef idx="1">
-            <a:schemeClr val="accent1"/>
-          </a:fillRef>
-          <a:effectRef idx="0">
-            <a:schemeClr val="accent1"/>
-          </a:effectRef>
-          <a:fontRef idx="minor">
-            <a:schemeClr val="lt1"/>
-          </a:fontRef>
-        </p:style>
-        <p:txBody>
-          <a:bodyPr rtlCol="0" anchor="ctr"/>
-          <a:lstStyle/>
-          <a:p>
-            <a:pPr algn="ctr"/>
-            <a:endParaRPr lang="zh-TW" altLang="en-US"/>
-          </a:p>
-        </p:txBody>
-      </p:sp>
-    </p:spTree>
-    <p:extLst>
-      <p:ext uri="{BB962C8B-B14F-4D97-AF65-F5344CB8AC3E}">
-        <p14:creationId xmlns:p14="http://schemas.microsoft.com/office/powerpoint/2010/main" val="3424333882"/>
       </p:ext>
     </p:extLst>
   </p:cSld>

--- a/CustomerUIDemo/GCM instruction.pptx
+++ b/CustomerUIDemo/GCM instruction.pptx
@@ -231,7 +231,7 @@
           <a:p>
             <a:fld id="{E999E3F6-2B46-4632-8D41-3674A0205DB8}" type="datetimeFigureOut">
               <a:rPr lang="zh-TW" altLang="en-US" smtClean="0"/>
-              <a:t>2015/11/26</a:t>
+              <a:t>2015/11/27</a:t>
             </a:fld>
             <a:endParaRPr lang="zh-TW" altLang="en-US"/>
           </a:p>
@@ -848,7 +848,7 @@
           <a:p>
             <a:fld id="{5BBEAD13-0566-4C6C-97E7-55F17F24B09F}" type="datetimeFigureOut">
               <a:rPr lang="zh-TW" altLang="en-US" smtClean="0"/>
-              <a:t>2015/11/26</a:t>
+              <a:t>2015/11/27</a:t>
             </a:fld>
             <a:endParaRPr lang="zh-TW" altLang="en-US"/>
           </a:p>
@@ -1013,7 +1013,7 @@
           <a:p>
             <a:fld id="{5BBEAD13-0566-4C6C-97E7-55F17F24B09F}" type="datetimeFigureOut">
               <a:rPr lang="zh-TW" altLang="en-US" smtClean="0"/>
-              <a:t>2015/11/26</a:t>
+              <a:t>2015/11/27</a:t>
             </a:fld>
             <a:endParaRPr lang="zh-TW" altLang="en-US"/>
           </a:p>
@@ -1188,7 +1188,7 @@
           <a:p>
             <a:fld id="{5BBEAD13-0566-4C6C-97E7-55F17F24B09F}" type="datetimeFigureOut">
               <a:rPr lang="zh-TW" altLang="en-US" smtClean="0"/>
-              <a:t>2015/11/26</a:t>
+              <a:t>2015/11/27</a:t>
             </a:fld>
             <a:endParaRPr lang="zh-TW" altLang="en-US"/>
           </a:p>
@@ -1353,7 +1353,7 @@
           <a:p>
             <a:fld id="{5BBEAD13-0566-4C6C-97E7-55F17F24B09F}" type="datetimeFigureOut">
               <a:rPr lang="zh-TW" altLang="en-US" smtClean="0"/>
-              <a:t>2015/11/26</a:t>
+              <a:t>2015/11/27</a:t>
             </a:fld>
             <a:endParaRPr lang="zh-TW" altLang="en-US"/>
           </a:p>
@@ -1594,7 +1594,7 @@
           <a:p>
             <a:fld id="{5BBEAD13-0566-4C6C-97E7-55F17F24B09F}" type="datetimeFigureOut">
               <a:rPr lang="zh-TW" altLang="en-US" smtClean="0"/>
-              <a:t>2015/11/26</a:t>
+              <a:t>2015/11/27</a:t>
             </a:fld>
             <a:endParaRPr lang="zh-TW" altLang="en-US"/>
           </a:p>
@@ -1877,7 +1877,7 @@
           <a:p>
             <a:fld id="{5BBEAD13-0566-4C6C-97E7-55F17F24B09F}" type="datetimeFigureOut">
               <a:rPr lang="zh-TW" altLang="en-US" smtClean="0"/>
-              <a:t>2015/11/26</a:t>
+              <a:t>2015/11/27</a:t>
             </a:fld>
             <a:endParaRPr lang="zh-TW" altLang="en-US"/>
           </a:p>
@@ -2294,7 +2294,7 @@
           <a:p>
             <a:fld id="{5BBEAD13-0566-4C6C-97E7-55F17F24B09F}" type="datetimeFigureOut">
               <a:rPr lang="zh-TW" altLang="en-US" smtClean="0"/>
-              <a:t>2015/11/26</a:t>
+              <a:t>2015/11/27</a:t>
             </a:fld>
             <a:endParaRPr lang="zh-TW" altLang="en-US"/>
           </a:p>
@@ -2407,7 +2407,7 @@
           <a:p>
             <a:fld id="{5BBEAD13-0566-4C6C-97E7-55F17F24B09F}" type="datetimeFigureOut">
               <a:rPr lang="zh-TW" altLang="en-US" smtClean="0"/>
-              <a:t>2015/11/26</a:t>
+              <a:t>2015/11/27</a:t>
             </a:fld>
             <a:endParaRPr lang="zh-TW" altLang="en-US"/>
           </a:p>
@@ -2497,7 +2497,7 @@
           <a:p>
             <a:fld id="{5BBEAD13-0566-4C6C-97E7-55F17F24B09F}" type="datetimeFigureOut">
               <a:rPr lang="zh-TW" altLang="en-US" smtClean="0"/>
-              <a:t>2015/11/26</a:t>
+              <a:t>2015/11/27</a:t>
             </a:fld>
             <a:endParaRPr lang="zh-TW" altLang="en-US"/>
           </a:p>
@@ -2769,7 +2769,7 @@
           <a:p>
             <a:fld id="{5BBEAD13-0566-4C6C-97E7-55F17F24B09F}" type="datetimeFigureOut">
               <a:rPr lang="zh-TW" altLang="en-US" smtClean="0"/>
-              <a:t>2015/11/26</a:t>
+              <a:t>2015/11/27</a:t>
             </a:fld>
             <a:endParaRPr lang="zh-TW" altLang="en-US"/>
           </a:p>
@@ -3017,7 +3017,7 @@
           <a:p>
             <a:fld id="{5BBEAD13-0566-4C6C-97E7-55F17F24B09F}" type="datetimeFigureOut">
               <a:rPr lang="zh-TW" altLang="en-US" smtClean="0"/>
-              <a:t>2015/11/26</a:t>
+              <a:t>2015/11/27</a:t>
             </a:fld>
             <a:endParaRPr lang="zh-TW" altLang="en-US"/>
           </a:p>
@@ -3225,7 +3225,7 @@
           <a:p>
             <a:fld id="{5BBEAD13-0566-4C6C-97E7-55F17F24B09F}" type="datetimeFigureOut">
               <a:rPr lang="zh-TW" altLang="en-US" smtClean="0"/>
-              <a:t>2015/11/26</a:t>
+              <a:t>2015/11/27</a:t>
             </a:fld>
             <a:endParaRPr lang="zh-TW" altLang="en-US"/>
           </a:p>
@@ -3639,11 +3639,7 @@
           <a:p>
             <a:r>
               <a:rPr lang="en-US" altLang="zh-TW" dirty="0" smtClean="0"/>
-              <a:t>Author: Sonny </a:t>
-            </a:r>
-            <a:r>
-              <a:rPr lang="en-US" altLang="zh-TW" dirty="0" smtClean="0"/>
-              <a:t>Shih</a:t>
+              <a:t>Author: Sonny Shih</a:t>
             </a:r>
           </a:p>
           <a:p>
@@ -9367,11 +9363,7 @@
           <a:p>
             <a:r>
               <a:rPr lang="en-US" altLang="zh-TW" dirty="0"/>
-              <a:t>Downstream </a:t>
-            </a:r>
-            <a:r>
-              <a:rPr lang="en-US" altLang="zh-TW" dirty="0"/>
-              <a:t>Messaging </a:t>
+              <a:t>Downstream Messaging </a:t>
             </a:r>
             <a:r>
               <a:rPr lang="en-US" altLang="zh-TW" dirty="0" smtClean="0"/>
@@ -9540,11 +9532,7 @@
           <a:p>
             <a:r>
               <a:rPr lang="en-US" altLang="zh-TW" dirty="0"/>
-              <a:t>Downstream </a:t>
-            </a:r>
-            <a:r>
-              <a:rPr lang="en-US" altLang="zh-TW" dirty="0"/>
-              <a:t>Messaging </a:t>
+              <a:t>Downstream Messaging </a:t>
             </a:r>
             <a:r>
               <a:rPr lang="en-US" altLang="zh-TW" dirty="0" smtClean="0"/>
@@ -9915,11 +9903,7 @@
           <a:p>
             <a:r>
               <a:rPr lang="en-US" altLang="zh-TW" dirty="0"/>
-              <a:t>Downstream </a:t>
-            </a:r>
-            <a:r>
-              <a:rPr lang="en-US" altLang="zh-TW" dirty="0"/>
-              <a:t>Messaging </a:t>
+              <a:t>Downstream Messaging </a:t>
             </a:r>
             <a:r>
               <a:rPr lang="en-US" altLang="zh-TW" dirty="0" smtClean="0"/>
@@ -10462,11 +10446,7 @@
           <a:p>
             <a:r>
               <a:rPr lang="en-US" altLang="zh-TW" dirty="0"/>
-              <a:t>Downstream </a:t>
-            </a:r>
-            <a:r>
-              <a:rPr lang="en-US" altLang="zh-TW" dirty="0"/>
-              <a:t>Messaging </a:t>
+              <a:t>Downstream Messaging </a:t>
             </a:r>
             <a:r>
               <a:rPr lang="en-US" altLang="zh-TW" dirty="0" smtClean="0"/>
@@ -11275,11 +11255,7 @@
           <a:p>
             <a:r>
               <a:rPr lang="en-US" altLang="zh-TW" dirty="0"/>
-              <a:t>Downstream </a:t>
-            </a:r>
-            <a:r>
-              <a:rPr lang="en-US" altLang="zh-TW" dirty="0"/>
-              <a:t>Messaging </a:t>
+              <a:t>Downstream Messaging </a:t>
             </a:r>
             <a:r>
               <a:rPr lang="en-US" altLang="zh-TW" dirty="0" smtClean="0"/>
@@ -11289,7 +11265,6 @@
               <a:rPr lang="en-US" altLang="zh-TW" dirty="0"/>
               <a:t>)</a:t>
             </a:r>
-            <a:endParaRPr lang="en-US" altLang="zh-TW" dirty="0"/>
           </a:p>
         </p:txBody>
       </p:sp>
@@ -11381,11 +11356,7 @@
           <a:p>
             <a:r>
               <a:rPr lang="en-US" altLang="zh-TW" dirty="0"/>
-              <a:t>Topics </a:t>
-            </a:r>
-            <a:r>
-              <a:rPr lang="en-US" altLang="zh-TW" dirty="0"/>
-              <a:t>Messaging </a:t>
+              <a:t>Topics Messaging </a:t>
             </a:r>
             <a:r>
               <a:rPr lang="en-US" altLang="zh-TW" dirty="0" smtClean="0"/>
@@ -11921,6 +11892,30 @@
               <a:rPr lang="en-US" altLang="zh-TW" dirty="0" err="1" smtClean="0"/>
               <a:t>InstanceIDListenerService</a:t>
             </a:r>
+            <a:r>
+              <a:rPr lang="en-US" altLang="zh-TW" dirty="0"/>
+              <a:t> </a:t>
+            </a:r>
+            <a:r>
+              <a:rPr lang="en-US" altLang="zh-TW" dirty="0" smtClean="0"/>
+              <a:t>(</a:t>
+            </a:r>
+            <a:r>
+              <a:rPr lang="en-US" altLang="zh-TW" dirty="0" err="1" smtClean="0"/>
+              <a:t>為了避免token</a:t>
+            </a:r>
+            <a:r>
+              <a:rPr lang="en-US" altLang="zh-TW" err="1" smtClean="0"/>
+              <a:t>重復使用</a:t>
+            </a:r>
+            <a:r>
+              <a:rPr lang="en-US" altLang="zh-TW" smtClean="0"/>
+              <a:t>，所以會每隔一段時間就更新token)</a:t>
+            </a:r>
+            <a:r>
+              <a:rPr lang="zh-TW" altLang="en-US" dirty="0" smtClean="0"/>
+              <a:t>。</a:t>
+            </a:r>
             <a:endParaRPr lang="en-US" altLang="zh-TW" dirty="0" smtClean="0"/>
           </a:p>
           <a:p>
@@ -11928,10 +11923,16 @@
               <a:buNone/>
             </a:pPr>
             <a:r>
+              <a:rPr lang="en-US" altLang="zh-TW" sz="1400" dirty="0" smtClean="0">
+                <a:latin typeface="+mn-ea"/>
+              </a:rPr>
+              <a:t>&lt;</a:t>
+            </a:r>
+            <a:r>
               <a:rPr lang="en-US" altLang="zh-TW" sz="1400" dirty="0">
                 <a:latin typeface="+mn-ea"/>
               </a:rPr>
-              <a:t>&lt;service</a:t>
+              <a:t>service</a:t>
             </a:r>
           </a:p>
           <a:p>
@@ -12503,13 +12504,8 @@
             </a:r>
             <a:r>
               <a:rPr lang="en-US" altLang="zh-TW" dirty="0" smtClean="0"/>
-              <a:t> (</a:t>
-            </a:r>
-            <a:r>
-              <a:rPr lang="en-US" altLang="zh-TW" dirty="0" smtClean="0"/>
-              <a:t>1/3)</a:t>
-            </a:r>
-            <a:endParaRPr lang="en-US" altLang="zh-TW" dirty="0" smtClean="0"/>
+              <a:t> (1/3)</a:t>
+            </a:r>
           </a:p>
           <a:p>
             <a:pPr lvl="1"/>
@@ -12697,7 +12693,6 @@
               <a:rPr lang="en-US" altLang="zh-TW" dirty="0" smtClean="0"/>
               <a:t>(2/3)</a:t>
             </a:r>
-            <a:endParaRPr lang="en-US" altLang="zh-TW" dirty="0" smtClean="0"/>
           </a:p>
           <a:p>
             <a:pPr lvl="1"/>

--- a/CustomerUIDemo/GCM instruction.pptx
+++ b/CustomerUIDemo/GCM instruction.pptx
@@ -5,7 +5,7 @@
     <p:sldMasterId id="2147483648" r:id="rId1"/>
   </p:sldMasterIdLst>
   <p:notesMasterIdLst>
-    <p:notesMasterId r:id="rId42"/>
+    <p:notesMasterId r:id="rId46"/>
   </p:notesMasterIdLst>
   <p:sldIdLst>
     <p:sldId id="256" r:id="rId2"/>
@@ -25,29 +25,33 @@
     <p:sldId id="265" r:id="rId16"/>
     <p:sldId id="266" r:id="rId17"/>
     <p:sldId id="267" r:id="rId18"/>
-    <p:sldId id="292" r:id="rId19"/>
-    <p:sldId id="293" r:id="rId20"/>
-    <p:sldId id="294" r:id="rId21"/>
-    <p:sldId id="295" r:id="rId22"/>
-    <p:sldId id="270" r:id="rId23"/>
-    <p:sldId id="273" r:id="rId24"/>
-    <p:sldId id="283" r:id="rId25"/>
-    <p:sldId id="274" r:id="rId26"/>
-    <p:sldId id="275" r:id="rId27"/>
-    <p:sldId id="285" r:id="rId28"/>
-    <p:sldId id="276" r:id="rId29"/>
-    <p:sldId id="277" r:id="rId30"/>
-    <p:sldId id="303" r:id="rId31"/>
-    <p:sldId id="296" r:id="rId32"/>
-    <p:sldId id="289" r:id="rId33"/>
-    <p:sldId id="297" r:id="rId34"/>
-    <p:sldId id="298" r:id="rId35"/>
-    <p:sldId id="299" r:id="rId36"/>
-    <p:sldId id="300" r:id="rId37"/>
-    <p:sldId id="301" r:id="rId38"/>
-    <p:sldId id="302" r:id="rId39"/>
-    <p:sldId id="290" r:id="rId40"/>
-    <p:sldId id="291" r:id="rId41"/>
+    <p:sldId id="311" r:id="rId19"/>
+    <p:sldId id="312" r:id="rId20"/>
+    <p:sldId id="304" r:id="rId21"/>
+    <p:sldId id="305" r:id="rId22"/>
+    <p:sldId id="306" r:id="rId23"/>
+    <p:sldId id="307" r:id="rId24"/>
+    <p:sldId id="308" r:id="rId25"/>
+    <p:sldId id="310" r:id="rId26"/>
+    <p:sldId id="270" r:id="rId27"/>
+    <p:sldId id="273" r:id="rId28"/>
+    <p:sldId id="283" r:id="rId29"/>
+    <p:sldId id="274" r:id="rId30"/>
+    <p:sldId id="275" r:id="rId31"/>
+    <p:sldId id="285" r:id="rId32"/>
+    <p:sldId id="276" r:id="rId33"/>
+    <p:sldId id="277" r:id="rId34"/>
+    <p:sldId id="303" r:id="rId35"/>
+    <p:sldId id="296" r:id="rId36"/>
+    <p:sldId id="289" r:id="rId37"/>
+    <p:sldId id="297" r:id="rId38"/>
+    <p:sldId id="298" r:id="rId39"/>
+    <p:sldId id="299" r:id="rId40"/>
+    <p:sldId id="300" r:id="rId41"/>
+    <p:sldId id="301" r:id="rId42"/>
+    <p:sldId id="302" r:id="rId43"/>
+    <p:sldId id="290" r:id="rId44"/>
+    <p:sldId id="291" r:id="rId45"/>
   </p:sldIdLst>
   <p:sldSz cx="9144000" cy="6858000" type="screen4x3"/>
   <p:notesSz cx="6858000" cy="9144000"/>
@@ -231,7 +235,7 @@
           <a:p>
             <a:fld id="{E999E3F6-2B46-4632-8D41-3674A0205DB8}" type="datetimeFigureOut">
               <a:rPr lang="zh-TW" altLang="en-US" smtClean="0"/>
-              <a:t>2015/11/27</a:t>
+              <a:t>2016/3/7</a:t>
             </a:fld>
             <a:endParaRPr lang="zh-TW" altLang="en-US"/>
           </a:p>
@@ -648,7 +652,91 @@
           <a:p>
             <a:fld id="{320BDF2B-DAE1-40D5-A74F-54A0196EA1F7}" type="slidenum">
               <a:rPr lang="zh-TW" altLang="en-US" smtClean="0"/>
-              <a:t>25</a:t>
+              <a:t>24</a:t>
+            </a:fld>
+            <a:endParaRPr lang="zh-TW" altLang="en-US"/>
+          </a:p>
+        </p:txBody>
+      </p:sp>
+    </p:spTree>
+    <p:extLst>
+      <p:ext uri="{BB962C8B-B14F-4D97-AF65-F5344CB8AC3E}">
+        <p14:creationId xmlns:p14="http://schemas.microsoft.com/office/powerpoint/2010/main" val="2629493976"/>
+      </p:ext>
+    </p:extLst>
+  </p:cSld>
+  <p:clrMapOvr>
+    <a:masterClrMapping/>
+  </p:clrMapOvr>
+</p:notes>
+</file>
+
+<file path=ppt/notesSlides/notesSlide3.xml><?xml version="1.0" encoding="utf-8"?>
+<p:notes xmlns:a="http://schemas.openxmlformats.org/drawingml/2006/main" xmlns:r="http://schemas.openxmlformats.org/officeDocument/2006/relationships" xmlns:p="http://schemas.openxmlformats.org/presentationml/2006/main">
+  <p:cSld>
+    <p:spTree>
+      <p:nvGrpSpPr>
+        <p:cNvPr id="1" name=""/>
+        <p:cNvGrpSpPr/>
+        <p:nvPr/>
+      </p:nvGrpSpPr>
+      <p:grpSpPr>
+        <a:xfrm>
+          <a:off x="0" y="0"/>
+          <a:ext cx="0" cy="0"/>
+          <a:chOff x="0" y="0"/>
+          <a:chExt cx="0" cy="0"/>
+        </a:xfrm>
+      </p:grpSpPr>
+      <p:sp>
+        <p:nvSpPr>
+          <p:cNvPr id="2" name="投影片圖像版面配置區 1"/>
+          <p:cNvSpPr>
+            <a:spLocks noGrp="1" noRot="1" noChangeAspect="1"/>
+          </p:cNvSpPr>
+          <p:nvPr>
+            <p:ph type="sldImg"/>
+          </p:nvPr>
+        </p:nvSpPr>
+        <p:spPr/>
+      </p:sp>
+      <p:sp>
+        <p:nvSpPr>
+          <p:cNvPr id="3" name="備忘稿版面配置區 2"/>
+          <p:cNvSpPr>
+            <a:spLocks noGrp="1"/>
+          </p:cNvSpPr>
+          <p:nvPr>
+            <p:ph type="body" idx="1"/>
+          </p:nvPr>
+        </p:nvSpPr>
+        <p:spPr/>
+        <p:txBody>
+          <a:bodyPr/>
+          <a:lstStyle/>
+          <a:p>
+            <a:endParaRPr lang="zh-TW" altLang="en-US" dirty="0"/>
+          </a:p>
+        </p:txBody>
+      </p:sp>
+      <p:sp>
+        <p:nvSpPr>
+          <p:cNvPr id="4" name="投影片編號版面配置區 3"/>
+          <p:cNvSpPr>
+            <a:spLocks noGrp="1"/>
+          </p:cNvSpPr>
+          <p:nvPr>
+            <p:ph type="sldNum" sz="quarter" idx="10"/>
+          </p:nvPr>
+        </p:nvSpPr>
+        <p:spPr/>
+        <p:txBody>
+          <a:bodyPr/>
+          <a:lstStyle/>
+          <a:p>
+            <a:fld id="{320BDF2B-DAE1-40D5-A74F-54A0196EA1F7}" type="slidenum">
+              <a:rPr lang="zh-TW" altLang="en-US" smtClean="0"/>
+              <a:t>29</a:t>
             </a:fld>
             <a:endParaRPr lang="zh-TW" altLang="en-US"/>
           </a:p>
@@ -848,7 +936,7 @@
           <a:p>
             <a:fld id="{5BBEAD13-0566-4C6C-97E7-55F17F24B09F}" type="datetimeFigureOut">
               <a:rPr lang="zh-TW" altLang="en-US" smtClean="0"/>
-              <a:t>2015/11/27</a:t>
+              <a:t>2016/3/7</a:t>
             </a:fld>
             <a:endParaRPr lang="zh-TW" altLang="en-US"/>
           </a:p>
@@ -1013,7 +1101,7 @@
           <a:p>
             <a:fld id="{5BBEAD13-0566-4C6C-97E7-55F17F24B09F}" type="datetimeFigureOut">
               <a:rPr lang="zh-TW" altLang="en-US" smtClean="0"/>
-              <a:t>2015/11/27</a:t>
+              <a:t>2016/3/7</a:t>
             </a:fld>
             <a:endParaRPr lang="zh-TW" altLang="en-US"/>
           </a:p>
@@ -1188,7 +1276,7 @@
           <a:p>
             <a:fld id="{5BBEAD13-0566-4C6C-97E7-55F17F24B09F}" type="datetimeFigureOut">
               <a:rPr lang="zh-TW" altLang="en-US" smtClean="0"/>
-              <a:t>2015/11/27</a:t>
+              <a:t>2016/3/7</a:t>
             </a:fld>
             <a:endParaRPr lang="zh-TW" altLang="en-US"/>
           </a:p>
@@ -1353,7 +1441,7 @@
           <a:p>
             <a:fld id="{5BBEAD13-0566-4C6C-97E7-55F17F24B09F}" type="datetimeFigureOut">
               <a:rPr lang="zh-TW" altLang="en-US" smtClean="0"/>
-              <a:t>2015/11/27</a:t>
+              <a:t>2016/3/7</a:t>
             </a:fld>
             <a:endParaRPr lang="zh-TW" altLang="en-US"/>
           </a:p>
@@ -1594,7 +1682,7 @@
           <a:p>
             <a:fld id="{5BBEAD13-0566-4C6C-97E7-55F17F24B09F}" type="datetimeFigureOut">
               <a:rPr lang="zh-TW" altLang="en-US" smtClean="0"/>
-              <a:t>2015/11/27</a:t>
+              <a:t>2016/3/7</a:t>
             </a:fld>
             <a:endParaRPr lang="zh-TW" altLang="en-US"/>
           </a:p>
@@ -1877,7 +1965,7 @@
           <a:p>
             <a:fld id="{5BBEAD13-0566-4C6C-97E7-55F17F24B09F}" type="datetimeFigureOut">
               <a:rPr lang="zh-TW" altLang="en-US" smtClean="0"/>
-              <a:t>2015/11/27</a:t>
+              <a:t>2016/3/7</a:t>
             </a:fld>
             <a:endParaRPr lang="zh-TW" altLang="en-US"/>
           </a:p>
@@ -2294,7 +2382,7 @@
           <a:p>
             <a:fld id="{5BBEAD13-0566-4C6C-97E7-55F17F24B09F}" type="datetimeFigureOut">
               <a:rPr lang="zh-TW" altLang="en-US" smtClean="0"/>
-              <a:t>2015/11/27</a:t>
+              <a:t>2016/3/7</a:t>
             </a:fld>
             <a:endParaRPr lang="zh-TW" altLang="en-US"/>
           </a:p>
@@ -2407,7 +2495,7 @@
           <a:p>
             <a:fld id="{5BBEAD13-0566-4C6C-97E7-55F17F24B09F}" type="datetimeFigureOut">
               <a:rPr lang="zh-TW" altLang="en-US" smtClean="0"/>
-              <a:t>2015/11/27</a:t>
+              <a:t>2016/3/7</a:t>
             </a:fld>
             <a:endParaRPr lang="zh-TW" altLang="en-US"/>
           </a:p>
@@ -2497,7 +2585,7 @@
           <a:p>
             <a:fld id="{5BBEAD13-0566-4C6C-97E7-55F17F24B09F}" type="datetimeFigureOut">
               <a:rPr lang="zh-TW" altLang="en-US" smtClean="0"/>
-              <a:t>2015/11/27</a:t>
+              <a:t>2016/3/7</a:t>
             </a:fld>
             <a:endParaRPr lang="zh-TW" altLang="en-US"/>
           </a:p>
@@ -2769,7 +2857,7 @@
           <a:p>
             <a:fld id="{5BBEAD13-0566-4C6C-97E7-55F17F24B09F}" type="datetimeFigureOut">
               <a:rPr lang="zh-TW" altLang="en-US" smtClean="0"/>
-              <a:t>2015/11/27</a:t>
+              <a:t>2016/3/7</a:t>
             </a:fld>
             <a:endParaRPr lang="zh-TW" altLang="en-US"/>
           </a:p>
@@ -3017,7 +3105,7 @@
           <a:p>
             <a:fld id="{5BBEAD13-0566-4C6C-97E7-55F17F24B09F}" type="datetimeFigureOut">
               <a:rPr lang="zh-TW" altLang="en-US" smtClean="0"/>
-              <a:t>2015/11/27</a:t>
+              <a:t>2016/3/7</a:t>
             </a:fld>
             <a:endParaRPr lang="zh-TW" altLang="en-US"/>
           </a:p>
@@ -3225,7 +3313,7 @@
           <a:p>
             <a:fld id="{5BBEAD13-0566-4C6C-97E7-55F17F24B09F}" type="datetimeFigureOut">
               <a:rPr lang="zh-TW" altLang="en-US" smtClean="0"/>
-              <a:t>2015/11/27</a:t>
+              <a:t>2016/3/7</a:t>
             </a:fld>
             <a:endParaRPr lang="zh-TW" altLang="en-US"/>
           </a:p>
@@ -5670,20 +5758,32 @@
           <a:lstStyle/>
           <a:p>
             <a:r>
-              <a:rPr lang="zh-TW" altLang="en-US" dirty="0" smtClean="0"/>
-              <a:t>設定專案 </a:t>
-            </a:r>
-            <a:r>
-              <a:rPr lang="en-US" altLang="zh-TW" dirty="0" err="1" smtClean="0"/>
+              <a:rPr lang="zh-TW" altLang="en-US" dirty="0"/>
+              <a:t>設定</a:t>
+            </a:r>
+            <a:r>
+              <a:rPr lang="en-US" altLang="zh-TW" dirty="0"/>
+              <a:t>Application</a:t>
+            </a:r>
+            <a:r>
+              <a:rPr lang="zh-TW" altLang="en-US" dirty="0"/>
+              <a:t> </a:t>
+            </a:r>
+            <a:r>
+              <a:rPr lang="en-US" altLang="zh-TW" dirty="0" err="1"/>
               <a:t>gradle</a:t>
             </a:r>
             <a:r>
-              <a:rPr lang="en-US" altLang="zh-TW" dirty="0" smtClean="0"/>
+              <a:rPr lang="en-US" altLang="zh-TW" dirty="0"/>
               <a:t> </a:t>
             </a:r>
             <a:r>
               <a:rPr lang="en-US" altLang="zh-TW" dirty="0" err="1" smtClean="0"/>
               <a:t>檔案</a:t>
+            </a:r>
+            <a:r>
+              <a:rPr lang="en-US" altLang="zh-TW" dirty="0" smtClean="0"/>
+              <a:t> (1/2)</a:t>
             </a:r>
             <a:endParaRPr lang="zh-TW" altLang="en-US" dirty="0"/>
           </a:p>
@@ -5705,20 +5805,12 @@
           <a:lstStyle/>
           <a:p>
             <a:r>
-              <a:rPr lang="zh-TW" altLang="en-US" dirty="0" smtClean="0"/>
+              <a:rPr lang="zh-TW" altLang="en-US" dirty="0"/>
               <a:t>設定</a:t>
             </a:r>
             <a:r>
-              <a:rPr lang="zh-TW" altLang="en-US" b="1" dirty="0" smtClean="0">
-                <a:solidFill>
-                  <a:srgbClr val="FF0000"/>
-                </a:solidFill>
-              </a:rPr>
-              <a:t>專案</a:t>
-            </a:r>
-            <a:r>
-              <a:rPr lang="zh-TW" altLang="en-US" dirty="0" smtClean="0"/>
-              <a:t>的</a:t>
+              <a:rPr lang="en-US" altLang="zh-TW" dirty="0"/>
+              <a:t>Application 的 </a:t>
             </a:r>
             <a:r>
               <a:rPr lang="en-US" altLang="zh-TW" dirty="0" err="1" smtClean="0"/>
@@ -5733,33 +5825,34 @@
               <a:t>增加</a:t>
             </a:r>
             <a:r>
-              <a:rPr lang="en-US" altLang="zh-TW" dirty="0"/>
+              <a:rPr lang="en-US" altLang="zh-TW" dirty="0" smtClean="0"/>
               <a:t>dependencies</a:t>
             </a:r>
           </a:p>
           <a:p>
-            <a:pPr marL="457200" lvl="1" indent="0">
+            <a:pPr marL="914400" lvl="2" indent="0">
               <a:buNone/>
             </a:pPr>
             <a:r>
-              <a:rPr lang="en-US" altLang="zh-TW" sz="1800" dirty="0" err="1">
-                <a:latin typeface="+mj-ea"/>
-              </a:rPr>
-              <a:t>classpath</a:t>
-            </a:r>
-            <a:r>
-              <a:rPr lang="en-US" altLang="zh-TW" sz="1800" dirty="0">
-                <a:latin typeface="+mj-ea"/>
-              </a:rPr>
-              <a:t> 'com.google.gms:google-services:1.4.0-beta3'</a:t>
-            </a:r>
-            <a:endParaRPr lang="en-US" altLang="zh-TW" dirty="0"/>
+              <a:rPr lang="en-US" altLang="zh-TW" sz="2000" dirty="0"/>
+              <a:t>compile 'com.google.android.gms:play-services-base:8.4.0'</a:t>
+            </a:r>
+          </a:p>
+          <a:p>
+            <a:pPr marL="914400" lvl="2" indent="0">
+              <a:buNone/>
+            </a:pPr>
+            <a:r>
+              <a:rPr lang="en-US" altLang="zh-TW" sz="2000" dirty="0"/>
+              <a:t>compile 'com.google.android.gms:play-services-gcm:8.4.0'</a:t>
+            </a:r>
+            <a:endParaRPr lang="zh-TW" altLang="en-US" sz="2000" dirty="0"/>
           </a:p>
         </p:txBody>
       </p:sp>
       <p:pic>
         <p:nvPicPr>
-          <p:cNvPr id="1026" name="Picture 2"/>
+          <p:cNvPr id="1028" name="Picture 4"/>
           <p:cNvPicPr>
             <a:picLocks noChangeAspect="1" noChangeArrowheads="1"/>
           </p:cNvPicPr>
@@ -5780,8 +5873,8 @@
         </p:blipFill>
         <p:spPr bwMode="auto">
           <a:xfrm>
-            <a:off x="-36512" y="3284984"/>
-            <a:ext cx="9073008" cy="3024336"/>
+            <a:off x="977300" y="3501008"/>
+            <a:ext cx="6912768" cy="2896630"/>
           </a:xfrm>
           <a:prstGeom prst="rect">
             <a:avLst/>
@@ -5813,13 +5906,281 @@
       </p:pic>
       <p:sp>
         <p:nvSpPr>
+          <p:cNvPr id="8" name="矩形 7"/>
+          <p:cNvSpPr/>
+          <p:nvPr/>
+        </p:nvSpPr>
+        <p:spPr>
+          <a:xfrm>
+            <a:off x="1285215" y="4958413"/>
+            <a:ext cx="6240546" cy="486811"/>
+          </a:xfrm>
+          <a:prstGeom prst="rect">
+            <a:avLst/>
+          </a:prstGeom>
+          <a:noFill/>
+          <a:ln>
+            <a:solidFill>
+              <a:srgbClr val="FF0000"/>
+            </a:solidFill>
+          </a:ln>
+        </p:spPr>
+        <p:style>
+          <a:lnRef idx="2">
+            <a:schemeClr val="accent1">
+              <a:shade val="50000"/>
+            </a:schemeClr>
+          </a:lnRef>
+          <a:fillRef idx="1">
+            <a:schemeClr val="accent1"/>
+          </a:fillRef>
+          <a:effectRef idx="0">
+            <a:schemeClr val="accent1"/>
+          </a:effectRef>
+          <a:fontRef idx="minor">
+            <a:schemeClr val="lt1"/>
+          </a:fontRef>
+        </p:style>
+        <p:txBody>
+          <a:bodyPr rtlCol="0" anchor="ctr"/>
+          <a:lstStyle/>
+          <a:p>
+            <a:pPr algn="ctr"/>
+            <a:endParaRPr lang="zh-TW" altLang="en-US"/>
+          </a:p>
+        </p:txBody>
+      </p:sp>
+      <p:sp>
+        <p:nvSpPr>
+          <p:cNvPr id="9" name="文字方塊 8"/>
+          <p:cNvSpPr txBox="1"/>
+          <p:nvPr/>
+        </p:nvSpPr>
+        <p:spPr>
+          <a:xfrm>
+            <a:off x="683568" y="6196512"/>
+            <a:ext cx="6986208" cy="461665"/>
+          </a:xfrm>
+          <a:prstGeom prst="rect">
+            <a:avLst/>
+          </a:prstGeom>
+          <a:noFill/>
+        </p:spPr>
+        <p:txBody>
+          <a:bodyPr wrap="none" rtlCol="0">
+            <a:spAutoFit/>
+          </a:bodyPr>
+          <a:lstStyle/>
+          <a:p>
+            <a:r>
+              <a:rPr lang="zh-TW" altLang="en-US" sz="2400" b="1" dirty="0" smtClean="0">
+                <a:solidFill>
+                  <a:srgbClr val="FF0000"/>
+                </a:solidFill>
+                <a:latin typeface="+mn-ea"/>
+              </a:rPr>
+              <a:t>設定完成後，要</a:t>
+            </a:r>
+            <a:r>
+              <a:rPr lang="en-US" altLang="zh-TW" sz="2400" b="1" dirty="0" smtClean="0">
+                <a:solidFill>
+                  <a:srgbClr val="FF0000"/>
+                </a:solidFill>
+                <a:latin typeface="+mn-ea"/>
+              </a:rPr>
+              <a:t>Rebuild  </a:t>
+            </a:r>
+            <a:r>
+              <a:rPr lang="en-US" altLang="zh-TW" sz="2400" b="1" dirty="0" err="1" smtClean="0">
+                <a:solidFill>
+                  <a:srgbClr val="FF0000"/>
+                </a:solidFill>
+                <a:latin typeface="+mn-ea"/>
+              </a:rPr>
+              <a:t>project，設定的值才會生效</a:t>
+            </a:r>
+            <a:endParaRPr lang="en-US" altLang="zh-TW" sz="2400" b="1" dirty="0" smtClean="0">
+              <a:solidFill>
+                <a:srgbClr val="FF0000"/>
+              </a:solidFill>
+              <a:latin typeface="+mn-ea"/>
+            </a:endParaRPr>
+          </a:p>
+        </p:txBody>
+      </p:sp>
+    </p:spTree>
+    <p:extLst>
+      <p:ext uri="{BB962C8B-B14F-4D97-AF65-F5344CB8AC3E}">
+        <p14:creationId xmlns:p14="http://schemas.microsoft.com/office/powerpoint/2010/main" val="1783314189"/>
+      </p:ext>
+    </p:extLst>
+  </p:cSld>
+  <p:clrMapOvr>
+    <a:masterClrMapping/>
+  </p:clrMapOvr>
+</p:sld>
+</file>
+
+<file path=ppt/slides/slide19.xml><?xml version="1.0" encoding="utf-8"?>
+<p:sld xmlns:a="http://schemas.openxmlformats.org/drawingml/2006/main" xmlns:r="http://schemas.openxmlformats.org/officeDocument/2006/relationships" xmlns:p="http://schemas.openxmlformats.org/presentationml/2006/main">
+  <p:cSld>
+    <p:spTree>
+      <p:nvGrpSpPr>
+        <p:cNvPr id="1" name=""/>
+        <p:cNvGrpSpPr/>
+        <p:nvPr/>
+      </p:nvGrpSpPr>
+      <p:grpSpPr>
+        <a:xfrm>
+          <a:off x="0" y="0"/>
+          <a:ext cx="0" cy="0"/>
+          <a:chOff x="0" y="0"/>
+          <a:chExt cx="0" cy="0"/>
+        </a:xfrm>
+      </p:grpSpPr>
+      <p:sp>
+        <p:nvSpPr>
+          <p:cNvPr id="2" name="標題 1"/>
+          <p:cNvSpPr>
+            <a:spLocks noGrp="1"/>
+          </p:cNvSpPr>
+          <p:nvPr>
+            <p:ph type="title"/>
+          </p:nvPr>
+        </p:nvSpPr>
+        <p:spPr/>
+        <p:txBody>
+          <a:bodyPr/>
+          <a:lstStyle/>
+          <a:p>
+            <a:r>
+              <a:rPr lang="zh-TW" altLang="en-US" dirty="0"/>
+              <a:t>設定</a:t>
+            </a:r>
+            <a:r>
+              <a:rPr lang="en-US" altLang="zh-TW" dirty="0"/>
+              <a:t>Application</a:t>
+            </a:r>
+            <a:r>
+              <a:rPr lang="zh-TW" altLang="en-US" dirty="0"/>
+              <a:t> </a:t>
+            </a:r>
+            <a:r>
+              <a:rPr lang="en-US" altLang="zh-TW" dirty="0" err="1"/>
+              <a:t>gradle</a:t>
+            </a:r>
+            <a:r>
+              <a:rPr lang="en-US" altLang="zh-TW" dirty="0"/>
+              <a:t> </a:t>
+            </a:r>
+            <a:r>
+              <a:rPr lang="en-US" altLang="zh-TW" dirty="0" err="1" smtClean="0"/>
+              <a:t>檔案</a:t>
+            </a:r>
+            <a:r>
+              <a:rPr lang="en-US" altLang="zh-TW" dirty="0" smtClean="0"/>
+              <a:t> (2/2)</a:t>
+            </a:r>
+            <a:endParaRPr lang="zh-TW" altLang="en-US" dirty="0"/>
+          </a:p>
+        </p:txBody>
+      </p:sp>
+      <p:sp>
+        <p:nvSpPr>
+          <p:cNvPr id="3" name="內容版面配置區 2"/>
+          <p:cNvSpPr>
+            <a:spLocks noGrp="1"/>
+          </p:cNvSpPr>
+          <p:nvPr>
+            <p:ph idx="1"/>
+          </p:nvPr>
+        </p:nvSpPr>
+        <p:spPr/>
+        <p:txBody>
+          <a:bodyPr/>
+          <a:lstStyle/>
+          <a:p>
+            <a:pPr lvl="1"/>
+            <a:r>
+              <a:rPr lang="zh-TW" altLang="en-US" dirty="0"/>
+              <a:t>增加</a:t>
+            </a:r>
+            <a:r>
+              <a:rPr lang="en-US" altLang="zh-TW" dirty="0"/>
+              <a:t>dependencies</a:t>
+            </a:r>
+          </a:p>
+          <a:p>
+            <a:pPr marL="457200" lvl="1" indent="0">
+              <a:buNone/>
+            </a:pPr>
+            <a:endParaRPr lang="zh-TW" altLang="en-US" dirty="0"/>
+          </a:p>
+        </p:txBody>
+      </p:sp>
+      <p:pic>
+        <p:nvPicPr>
+          <p:cNvPr id="4" name="Picture 2"/>
+          <p:cNvPicPr>
+            <a:picLocks noChangeAspect="1" noChangeArrowheads="1"/>
+          </p:cNvPicPr>
+          <p:nvPr/>
+        </p:nvPicPr>
+        <p:blipFill>
+          <a:blip r:embed="rId2">
+            <a:extLst>
+              <a:ext uri="{28A0092B-C50C-407E-A947-70E740481C1C}">
+                <a14:useLocalDpi xmlns:a14="http://schemas.microsoft.com/office/drawing/2010/main" val="0"/>
+              </a:ext>
+            </a:extLst>
+          </a:blip>
+          <a:srcRect/>
+          <a:stretch>
+            <a:fillRect/>
+          </a:stretch>
+        </p:blipFill>
+        <p:spPr bwMode="auto">
+          <a:xfrm>
+            <a:off x="395536" y="2060848"/>
+            <a:ext cx="8259278" cy="4725144"/>
+          </a:xfrm>
+          <a:prstGeom prst="rect">
+            <a:avLst/>
+          </a:prstGeom>
+          <a:noFill/>
+          <a:ln>
+            <a:noFill/>
+          </a:ln>
+          <a:extLst>
+            <a:ext uri="{909E8E84-426E-40DD-AFC4-6F175D3DCCD1}">
+              <a14:hiddenFill xmlns:a14="http://schemas.microsoft.com/office/drawing/2010/main">
+                <a:solidFill>
+                  <a:schemeClr val="accent1"/>
+                </a:solidFill>
+              </a14:hiddenFill>
+            </a:ext>
+            <a:ext uri="{91240B29-F687-4F45-9708-019B960494DF}">
+              <a14:hiddenLine xmlns:a14="http://schemas.microsoft.com/office/drawing/2010/main" w="9525">
+                <a:solidFill>
+                  <a:schemeClr val="tx1"/>
+                </a:solidFill>
+                <a:miter lim="800000"/>
+                <a:headEnd/>
+                <a:tailEnd/>
+              </a14:hiddenLine>
+            </a:ext>
+          </a:extLst>
+        </p:spPr>
+      </p:pic>
+      <p:sp>
+        <p:nvSpPr>
           <p:cNvPr id="5" name="矩形 4"/>
           <p:cNvSpPr/>
           <p:nvPr/>
         </p:nvSpPr>
         <p:spPr>
           <a:xfrm>
-            <a:off x="637910" y="4869159"/>
+            <a:off x="395536" y="3284984"/>
             <a:ext cx="2664296" cy="144016"/>
           </a:xfrm>
           <a:prstGeom prst="rect">
@@ -5865,8 +6226,8 @@
         </p:nvSpPr>
         <p:spPr>
           <a:xfrm>
-            <a:off x="4238310" y="4725143"/>
-            <a:ext cx="3960440" cy="144016"/>
+            <a:off x="3302206" y="6165304"/>
+            <a:ext cx="3430034" cy="288032"/>
           </a:xfrm>
           <a:prstGeom prst="rect">
             <a:avLst/>
@@ -5906,243 +6267,7 @@
     </p:spTree>
     <p:extLst>
       <p:ext uri="{BB962C8B-B14F-4D97-AF65-F5344CB8AC3E}">
-        <p14:creationId xmlns:p14="http://schemas.microsoft.com/office/powerpoint/2010/main" val="1554450209"/>
-      </p:ext>
-    </p:extLst>
-  </p:cSld>
-  <p:clrMapOvr>
-    <a:masterClrMapping/>
-  </p:clrMapOvr>
-</p:sld>
-</file>
-
-<file path=ppt/slides/slide19.xml><?xml version="1.0" encoding="utf-8"?>
-<p:sld xmlns:a="http://schemas.openxmlformats.org/drawingml/2006/main" xmlns:r="http://schemas.openxmlformats.org/officeDocument/2006/relationships" xmlns:p="http://schemas.openxmlformats.org/presentationml/2006/main">
-  <p:cSld>
-    <p:spTree>
-      <p:nvGrpSpPr>
-        <p:cNvPr id="1" name=""/>
-        <p:cNvGrpSpPr/>
-        <p:nvPr/>
-      </p:nvGrpSpPr>
-      <p:grpSpPr>
-        <a:xfrm>
-          <a:off x="0" y="0"/>
-          <a:ext cx="0" cy="0"/>
-          <a:chOff x="0" y="0"/>
-          <a:chExt cx="0" cy="0"/>
-        </a:xfrm>
-      </p:grpSpPr>
-      <p:sp>
-        <p:nvSpPr>
-          <p:cNvPr id="2" name="標題 1"/>
-          <p:cNvSpPr>
-            <a:spLocks noGrp="1"/>
-          </p:cNvSpPr>
-          <p:nvPr>
-            <p:ph type="title"/>
-          </p:nvPr>
-        </p:nvSpPr>
-        <p:spPr/>
-        <p:txBody>
-          <a:bodyPr/>
-          <a:lstStyle/>
-          <a:p>
-            <a:r>
-              <a:rPr lang="zh-TW" altLang="en-US" dirty="0" smtClean="0"/>
-              <a:t>設定</a:t>
-            </a:r>
-            <a:r>
-              <a:rPr lang="en-US" altLang="zh-TW" dirty="0" smtClean="0"/>
-              <a:t>Application</a:t>
-            </a:r>
-            <a:r>
-              <a:rPr lang="zh-TW" altLang="en-US" dirty="0" smtClean="0"/>
-              <a:t> </a:t>
-            </a:r>
-            <a:r>
-              <a:rPr lang="en-US" altLang="zh-TW" dirty="0" err="1"/>
-              <a:t>gradle</a:t>
-            </a:r>
-            <a:r>
-              <a:rPr lang="en-US" altLang="zh-TW" dirty="0"/>
-              <a:t> </a:t>
-            </a:r>
-            <a:r>
-              <a:rPr lang="en-US" altLang="zh-TW" dirty="0" err="1" smtClean="0"/>
-              <a:t>檔案</a:t>
-            </a:r>
-            <a:r>
-              <a:rPr lang="en-US" altLang="zh-TW" dirty="0"/>
-              <a:t> (1/2)</a:t>
-            </a:r>
-            <a:endParaRPr lang="zh-TW" altLang="en-US" dirty="0"/>
-          </a:p>
-        </p:txBody>
-      </p:sp>
-      <p:sp>
-        <p:nvSpPr>
-          <p:cNvPr id="3" name="內容版面配置區 2"/>
-          <p:cNvSpPr>
-            <a:spLocks noGrp="1"/>
-          </p:cNvSpPr>
-          <p:nvPr>
-            <p:ph idx="1"/>
-          </p:nvPr>
-        </p:nvSpPr>
-        <p:spPr/>
-        <p:txBody>
-          <a:bodyPr/>
-          <a:lstStyle/>
-          <a:p>
-            <a:r>
-              <a:rPr lang="zh-TW" altLang="en-US" dirty="0"/>
-              <a:t>設定</a:t>
-            </a:r>
-            <a:r>
-              <a:rPr lang="en-US" altLang="zh-TW" dirty="0"/>
-              <a:t>Application </a:t>
-            </a:r>
-            <a:r>
-              <a:rPr lang="en-US" altLang="zh-TW" dirty="0" smtClean="0"/>
-              <a:t>的 </a:t>
-            </a:r>
-            <a:r>
-              <a:rPr lang="en-US" altLang="zh-TW" dirty="0" err="1" smtClean="0"/>
-              <a:t>build.gradle</a:t>
-            </a:r>
-            <a:endParaRPr lang="en-US" altLang="zh-TW" dirty="0" smtClean="0"/>
-          </a:p>
-          <a:p>
-            <a:pPr lvl="1"/>
-            <a:r>
-              <a:rPr lang="zh-TW" altLang="en-US" dirty="0" smtClean="0"/>
-              <a:t>增加</a:t>
-            </a:r>
-            <a:r>
-              <a:rPr lang="en-US" altLang="zh-TW" dirty="0" smtClean="0"/>
-              <a:t>plugin</a:t>
-            </a:r>
-          </a:p>
-          <a:p>
-            <a:pPr marL="457200" lvl="1" indent="0">
-              <a:buNone/>
-            </a:pPr>
-            <a:r>
-              <a:rPr lang="en-US" altLang="zh-TW" dirty="0" smtClean="0"/>
-              <a:t>apply </a:t>
-            </a:r>
-            <a:r>
-              <a:rPr lang="en-US" altLang="zh-TW" dirty="0"/>
-              <a:t>plugin: '</a:t>
-            </a:r>
-            <a:r>
-              <a:rPr lang="en-US" altLang="zh-TW" dirty="0" err="1"/>
-              <a:t>com.google.gms.google</a:t>
-            </a:r>
-            <a:r>
-              <a:rPr lang="en-US" altLang="zh-TW" dirty="0"/>
-              <a:t>-services'</a:t>
-            </a:r>
-            <a:endParaRPr lang="en-US" altLang="zh-TW" dirty="0" smtClean="0"/>
-          </a:p>
-          <a:p>
-            <a:pPr lvl="1"/>
-            <a:endParaRPr lang="en-US" altLang="zh-TW" dirty="0" smtClean="0"/>
-          </a:p>
-          <a:p>
-            <a:pPr lvl="1"/>
-            <a:r>
-              <a:rPr lang="zh-TW" altLang="en-US" dirty="0" smtClean="0"/>
-              <a:t>增加</a:t>
-            </a:r>
-            <a:r>
-              <a:rPr lang="en-US" altLang="zh-TW" dirty="0"/>
-              <a:t>dependencies</a:t>
-            </a:r>
-          </a:p>
-          <a:p>
-            <a:pPr marL="457200" lvl="1" indent="0">
-              <a:buNone/>
-            </a:pPr>
-            <a:r>
-              <a:rPr lang="en-US" altLang="zh-TW" dirty="0"/>
-              <a:t>compile </a:t>
-            </a:r>
-            <a:r>
-              <a:rPr lang="en-US" altLang="zh-TW" dirty="0" smtClean="0"/>
-              <a:t>'com.google.android.gms:play-services-gcm:8.1.0</a:t>
-            </a:r>
-            <a:r>
-              <a:rPr lang="en-US" altLang="zh-TW" dirty="0"/>
-              <a:t>'</a:t>
-            </a:r>
-            <a:endParaRPr lang="zh-TW" altLang="en-US" dirty="0"/>
-          </a:p>
-        </p:txBody>
-      </p:sp>
-      <p:sp>
-        <p:nvSpPr>
-          <p:cNvPr id="4" name="文字方塊 3"/>
-          <p:cNvSpPr txBox="1"/>
-          <p:nvPr/>
-        </p:nvSpPr>
-        <p:spPr>
-          <a:xfrm>
-            <a:off x="539552" y="5733256"/>
-            <a:ext cx="6986208" cy="461665"/>
-          </a:xfrm>
-          <a:prstGeom prst="rect">
-            <a:avLst/>
-          </a:prstGeom>
-          <a:noFill/>
-        </p:spPr>
-        <p:txBody>
-          <a:bodyPr wrap="none" rtlCol="0">
-            <a:spAutoFit/>
-          </a:bodyPr>
-          <a:lstStyle/>
-          <a:p>
-            <a:r>
-              <a:rPr lang="zh-TW" altLang="en-US" sz="2400" b="1" dirty="0" smtClean="0">
-                <a:solidFill>
-                  <a:srgbClr val="FF0000"/>
-                </a:solidFill>
-                <a:latin typeface="+mn-ea"/>
-              </a:rPr>
-              <a:t>設定完成後，要</a:t>
-            </a:r>
-            <a:r>
-              <a:rPr lang="en-US" altLang="zh-TW" sz="2400" b="1" dirty="0" smtClean="0">
-                <a:solidFill>
-                  <a:srgbClr val="FF0000"/>
-                </a:solidFill>
-                <a:latin typeface="+mn-ea"/>
-              </a:rPr>
-              <a:t>Rebuild  </a:t>
-            </a:r>
-            <a:r>
-              <a:rPr lang="en-US" altLang="zh-TW" sz="2400" b="1" dirty="0" err="1" smtClean="0">
-                <a:solidFill>
-                  <a:srgbClr val="FF0000"/>
-                </a:solidFill>
-                <a:latin typeface="+mn-ea"/>
-              </a:rPr>
-              <a:t>project，設定的值才會生效</a:t>
-            </a:r>
-            <a:endParaRPr lang="en-US" altLang="zh-TW" sz="2400" b="1" dirty="0" smtClean="0">
-              <a:solidFill>
-                <a:srgbClr val="FF0000"/>
-              </a:solidFill>
-              <a:latin typeface="+mn-ea"/>
-            </a:endParaRPr>
-          </a:p>
-        </p:txBody>
-      </p:sp>
-    </p:spTree>
-    <p:extLst>
-      <p:ext uri="{BB962C8B-B14F-4D97-AF65-F5344CB8AC3E}">
-        <p14:creationId xmlns:p14="http://schemas.microsoft.com/office/powerpoint/2010/main" val="4228253152"/>
+        <p14:creationId xmlns:p14="http://schemas.microsoft.com/office/powerpoint/2010/main" val="3856012053"/>
       </p:ext>
     </p:extLst>
   </p:cSld>
@@ -6319,32 +6444,16 @@
           <a:lstStyle/>
           <a:p>
             <a:r>
-              <a:rPr lang="zh-TW" altLang="en-US" dirty="0"/>
-              <a:t>設定</a:t>
-            </a:r>
-            <a:r>
-              <a:rPr lang="en-US" altLang="zh-TW" dirty="0"/>
-              <a:t>Application</a:t>
-            </a:r>
-            <a:r>
-              <a:rPr lang="zh-TW" altLang="en-US" dirty="0"/>
-              <a:t> </a:t>
-            </a:r>
-            <a:r>
-              <a:rPr lang="en-US" altLang="zh-TW" dirty="0" err="1"/>
-              <a:t>gradle</a:t>
-            </a:r>
-            <a:r>
-              <a:rPr lang="en-US" altLang="zh-TW" dirty="0"/>
-              <a:t> </a:t>
+              <a:rPr lang="zh-TW" altLang="en-US" dirty="0" smtClean="0"/>
+              <a:t>取得 </a:t>
             </a:r>
             <a:r>
               <a:rPr lang="en-US" altLang="zh-TW" dirty="0" err="1" smtClean="0"/>
-              <a:t>檔案</a:t>
-            </a:r>
-            <a:r>
-              <a:rPr lang="en-US" altLang="zh-TW" dirty="0"/>
-              <a:t> (2/2)</a:t>
+              <a:t>google-services.json</a:t>
+            </a:r>
+            <a:r>
+              <a:rPr lang="en-US" altLang="zh-TW" dirty="0" smtClean="0"/>
+              <a:t> (1/6)</a:t>
             </a:r>
             <a:endParaRPr lang="zh-TW" altLang="en-US" dirty="0"/>
           </a:p>
@@ -6367,26 +6476,27 @@
           <a:p>
             <a:r>
               <a:rPr lang="zh-TW" altLang="en-US" dirty="0" smtClean="0"/>
-              <a:t>設定</a:t>
-            </a:r>
-            <a:r>
-              <a:rPr lang="en-US" altLang="zh-TW" dirty="0" smtClean="0"/>
-              <a:t>Application 的 </a:t>
+              <a:t>取得</a:t>
             </a:r>
             <a:r>
               <a:rPr lang="en-US" altLang="zh-TW" dirty="0" err="1" smtClean="0"/>
-              <a:t>build.gradle</a:t>
-            </a:r>
-            <a:endParaRPr lang="en-US" altLang="zh-TW" dirty="0"/>
-          </a:p>
-          <a:p>
+              <a:t>google-services.json網址</a:t>
+            </a:r>
+            <a:endParaRPr lang="en-US" altLang="zh-TW" dirty="0" smtClean="0"/>
+          </a:p>
+          <a:p>
+            <a:pPr lvl="1"/>
+            <a:r>
+              <a:rPr lang="en-US" altLang="zh-TW" dirty="0"/>
+              <a:t>https://developers.google.com/cloud-messaging/android/client#get-config</a:t>
+            </a:r>
             <a:endParaRPr lang="zh-TW" altLang="en-US" dirty="0"/>
           </a:p>
         </p:txBody>
       </p:sp>
       <p:pic>
         <p:nvPicPr>
-          <p:cNvPr id="3074" name="Picture 2"/>
+          <p:cNvPr id="1026" name="Picture 2"/>
           <p:cNvPicPr>
             <a:picLocks noChangeAspect="1" noChangeArrowheads="1"/>
           </p:cNvPicPr>
@@ -6407,8 +6517,8 @@
         </p:blipFill>
         <p:spPr bwMode="auto">
           <a:xfrm>
-            <a:off x="0" y="2156091"/>
-            <a:ext cx="9143550" cy="4513269"/>
+            <a:off x="899592" y="3140968"/>
+            <a:ext cx="7272808" cy="3655695"/>
           </a:xfrm>
           <a:prstGeom prst="rect">
             <a:avLst/>
@@ -6440,14 +6550,14 @@
       </p:pic>
       <p:sp>
         <p:nvSpPr>
-          <p:cNvPr id="9" name="矩形 8"/>
+          <p:cNvPr id="5" name="矩形 4"/>
           <p:cNvSpPr/>
           <p:nvPr/>
         </p:nvSpPr>
         <p:spPr>
           <a:xfrm>
-            <a:off x="107504" y="3248980"/>
-            <a:ext cx="2664296" cy="144016"/>
+            <a:off x="2483768" y="5733256"/>
+            <a:ext cx="1584176" cy="360040"/>
           </a:xfrm>
           <a:prstGeom prst="rect">
             <a:avLst/>
@@ -6484,16 +6594,158 @@
           </a:p>
         </p:txBody>
       </p:sp>
-      <p:sp>
-        <p:nvSpPr>
-          <p:cNvPr id="10" name="矩形 9"/>
+    </p:spTree>
+    <p:extLst>
+      <p:ext uri="{BB962C8B-B14F-4D97-AF65-F5344CB8AC3E}">
+        <p14:creationId xmlns:p14="http://schemas.microsoft.com/office/powerpoint/2010/main" val="2788725283"/>
+      </p:ext>
+    </p:extLst>
+  </p:cSld>
+  <p:clrMapOvr>
+    <a:masterClrMapping/>
+  </p:clrMapOvr>
+</p:sld>
+</file>
+
+<file path=ppt/slides/slide21.xml><?xml version="1.0" encoding="utf-8"?>
+<p:sld xmlns:a="http://schemas.openxmlformats.org/drawingml/2006/main" xmlns:r="http://schemas.openxmlformats.org/officeDocument/2006/relationships" xmlns:p="http://schemas.openxmlformats.org/presentationml/2006/main">
+  <p:cSld>
+    <p:spTree>
+      <p:nvGrpSpPr>
+        <p:cNvPr id="1" name=""/>
+        <p:cNvGrpSpPr/>
+        <p:nvPr/>
+      </p:nvGrpSpPr>
+      <p:grpSpPr>
+        <a:xfrm>
+          <a:off x="0" y="0"/>
+          <a:ext cx="0" cy="0"/>
+          <a:chOff x="0" y="0"/>
+          <a:chExt cx="0" cy="0"/>
+        </a:xfrm>
+      </p:grpSpPr>
+      <p:sp>
+        <p:nvSpPr>
+          <p:cNvPr id="2" name="標題 1"/>
+          <p:cNvSpPr>
+            <a:spLocks noGrp="1"/>
+          </p:cNvSpPr>
+          <p:nvPr>
+            <p:ph type="title"/>
+          </p:nvPr>
+        </p:nvSpPr>
+        <p:spPr/>
+        <p:txBody>
+          <a:bodyPr/>
+          <a:lstStyle/>
+          <a:p>
+            <a:r>
+              <a:rPr lang="zh-TW" altLang="en-US" dirty="0"/>
+              <a:t>取得 </a:t>
+            </a:r>
+            <a:r>
+              <a:rPr lang="en-US" altLang="zh-TW" dirty="0" err="1"/>
+              <a:t>google-services.json</a:t>
+            </a:r>
+            <a:r>
+              <a:rPr lang="en-US" altLang="zh-TW" dirty="0"/>
+              <a:t> </a:t>
+            </a:r>
+            <a:r>
+              <a:rPr lang="en-US" altLang="zh-TW" dirty="0" smtClean="0"/>
+              <a:t>(2/6</a:t>
+            </a:r>
+            <a:r>
+              <a:rPr lang="en-US" altLang="zh-TW" dirty="0"/>
+              <a:t>)</a:t>
+            </a:r>
+            <a:endParaRPr lang="zh-TW" altLang="en-US" dirty="0"/>
+          </a:p>
+        </p:txBody>
+      </p:sp>
+      <p:sp>
+        <p:nvSpPr>
+          <p:cNvPr id="3" name="內容版面配置區 2"/>
+          <p:cNvSpPr>
+            <a:spLocks noGrp="1"/>
+          </p:cNvSpPr>
+          <p:nvPr>
+            <p:ph idx="1"/>
+          </p:nvPr>
+        </p:nvSpPr>
+        <p:spPr/>
+        <p:txBody>
+          <a:bodyPr/>
+          <a:lstStyle/>
+          <a:p>
+            <a:endParaRPr lang="zh-TW" altLang="en-US"/>
+          </a:p>
+        </p:txBody>
+      </p:sp>
+      <p:pic>
+        <p:nvPicPr>
+          <p:cNvPr id="2050" name="Picture 2"/>
+          <p:cNvPicPr>
+            <a:picLocks noChangeAspect="1" noChangeArrowheads="1"/>
+          </p:cNvPicPr>
+          <p:nvPr/>
+        </p:nvPicPr>
+        <p:blipFill>
+          <a:blip r:embed="rId2">
+            <a:extLst>
+              <a:ext uri="{28A0092B-C50C-407E-A947-70E740481C1C}">
+                <a14:useLocalDpi xmlns:a14="http://schemas.microsoft.com/office/drawing/2010/main" val="0"/>
+              </a:ext>
+            </a:extLst>
+          </a:blip>
+          <a:srcRect/>
+          <a:stretch>
+            <a:fillRect/>
+          </a:stretch>
+        </p:blipFill>
+        <p:spPr bwMode="auto">
+          <a:xfrm>
+            <a:off x="-17352" y="1628800"/>
+            <a:ext cx="9073008" cy="4820235"/>
+          </a:xfrm>
+          <a:prstGeom prst="rect">
+            <a:avLst/>
+          </a:prstGeom>
+          <a:noFill/>
+          <a:ln>
+            <a:noFill/>
+          </a:ln>
+          <a:extLst>
+            <a:ext uri="{909E8E84-426E-40DD-AFC4-6F175D3DCCD1}">
+              <a14:hiddenFill xmlns:a14="http://schemas.microsoft.com/office/drawing/2010/main">
+                <a:solidFill>
+                  <a:schemeClr val="accent1"/>
+                </a:solidFill>
+              </a14:hiddenFill>
+            </a:ext>
+            <a:ext uri="{91240B29-F687-4F45-9708-019B960494DF}">
+              <a14:hiddenLine xmlns:a14="http://schemas.microsoft.com/office/drawing/2010/main" w="9525">
+                <a:solidFill>
+                  <a:schemeClr val="tx1"/>
+                </a:solidFill>
+                <a:miter lim="800000"/>
+                <a:headEnd/>
+                <a:tailEnd/>
+              </a14:hiddenLine>
+            </a:ext>
+          </a:extLst>
+        </p:spPr>
+      </p:pic>
+      <p:sp>
+        <p:nvSpPr>
+          <p:cNvPr id="6" name="矩形 5"/>
           <p:cNvSpPr/>
           <p:nvPr/>
         </p:nvSpPr>
         <p:spPr>
           <a:xfrm>
-            <a:off x="2771800" y="2492896"/>
-            <a:ext cx="2952328" cy="144016"/>
+            <a:off x="2915816" y="4581128"/>
+            <a:ext cx="2520280" cy="280823"/>
           </a:xfrm>
           <a:prstGeom prst="rect">
             <a:avLst/>
@@ -6532,14 +6784,215 @@
       </p:sp>
       <p:sp>
         <p:nvSpPr>
-          <p:cNvPr id="11" name="矩形 10"/>
+          <p:cNvPr id="7" name="矩形圖說文字 6"/>
           <p:cNvSpPr/>
           <p:nvPr/>
         </p:nvSpPr>
         <p:spPr>
           <a:xfrm>
-            <a:off x="3036890" y="6309320"/>
-            <a:ext cx="3767358" cy="216024"/>
+            <a:off x="6012159" y="4861951"/>
+            <a:ext cx="1584176" cy="612648"/>
+          </a:xfrm>
+          <a:prstGeom prst="wedgeRectCallout">
+            <a:avLst>
+              <a:gd name="adj1" fmla="val -85509"/>
+              <a:gd name="adj2" fmla="val -73962"/>
+            </a:avLst>
+          </a:prstGeom>
+          <a:solidFill>
+            <a:schemeClr val="bg1"/>
+          </a:solidFill>
+          <a:ln>
+            <a:solidFill>
+              <a:srgbClr val="FF0000"/>
+            </a:solidFill>
+          </a:ln>
+        </p:spPr>
+        <p:style>
+          <a:lnRef idx="2">
+            <a:schemeClr val="accent1">
+              <a:shade val="50000"/>
+            </a:schemeClr>
+          </a:lnRef>
+          <a:fillRef idx="1">
+            <a:schemeClr val="accent1"/>
+          </a:fillRef>
+          <a:effectRef idx="0">
+            <a:schemeClr val="accent1"/>
+          </a:effectRef>
+          <a:fontRef idx="minor">
+            <a:schemeClr val="lt1"/>
+          </a:fontRef>
+        </p:style>
+        <p:txBody>
+          <a:bodyPr rtlCol="0" anchor="ctr"/>
+          <a:lstStyle/>
+          <a:p>
+            <a:pPr algn="ctr"/>
+            <a:r>
+              <a:rPr lang="en-US" altLang="zh-TW" dirty="0" err="1" smtClean="0">
+                <a:solidFill>
+                  <a:schemeClr val="tx1"/>
+                </a:solidFill>
+              </a:rPr>
+              <a:t>選擇專案</a:t>
+            </a:r>
+            <a:endParaRPr lang="zh-TW" altLang="en-US" dirty="0"/>
+          </a:p>
+        </p:txBody>
+      </p:sp>
+    </p:spTree>
+    <p:extLst>
+      <p:ext uri="{BB962C8B-B14F-4D97-AF65-F5344CB8AC3E}">
+        <p14:creationId xmlns:p14="http://schemas.microsoft.com/office/powerpoint/2010/main" val="2766219077"/>
+      </p:ext>
+    </p:extLst>
+  </p:cSld>
+  <p:clrMapOvr>
+    <a:masterClrMapping/>
+  </p:clrMapOvr>
+</p:sld>
+</file>
+
+<file path=ppt/slides/slide22.xml><?xml version="1.0" encoding="utf-8"?>
+<p:sld xmlns:a="http://schemas.openxmlformats.org/drawingml/2006/main" xmlns:r="http://schemas.openxmlformats.org/officeDocument/2006/relationships" xmlns:p="http://schemas.openxmlformats.org/presentationml/2006/main">
+  <p:cSld>
+    <p:spTree>
+      <p:nvGrpSpPr>
+        <p:cNvPr id="1" name=""/>
+        <p:cNvGrpSpPr/>
+        <p:nvPr/>
+      </p:nvGrpSpPr>
+      <p:grpSpPr>
+        <a:xfrm>
+          <a:off x="0" y="0"/>
+          <a:ext cx="0" cy="0"/>
+          <a:chOff x="0" y="0"/>
+          <a:chExt cx="0" cy="0"/>
+        </a:xfrm>
+      </p:grpSpPr>
+      <p:sp>
+        <p:nvSpPr>
+          <p:cNvPr id="2" name="標題 1"/>
+          <p:cNvSpPr>
+            <a:spLocks noGrp="1"/>
+          </p:cNvSpPr>
+          <p:nvPr>
+            <p:ph type="title"/>
+          </p:nvPr>
+        </p:nvSpPr>
+        <p:spPr/>
+        <p:txBody>
+          <a:bodyPr/>
+          <a:lstStyle/>
+          <a:p>
+            <a:r>
+              <a:rPr lang="zh-TW" altLang="en-US" dirty="0"/>
+              <a:t>取得 </a:t>
+            </a:r>
+            <a:r>
+              <a:rPr lang="en-US" altLang="zh-TW" dirty="0" err="1"/>
+              <a:t>google-services.json</a:t>
+            </a:r>
+            <a:r>
+              <a:rPr lang="en-US" altLang="zh-TW" dirty="0"/>
+              <a:t> </a:t>
+            </a:r>
+            <a:r>
+              <a:rPr lang="en-US" altLang="zh-TW" dirty="0" smtClean="0"/>
+              <a:t>(3/6</a:t>
+            </a:r>
+            <a:r>
+              <a:rPr lang="en-US" altLang="zh-TW" dirty="0"/>
+              <a:t>)</a:t>
+            </a:r>
+            <a:endParaRPr lang="zh-TW" altLang="en-US" dirty="0"/>
+          </a:p>
+        </p:txBody>
+      </p:sp>
+      <p:sp>
+        <p:nvSpPr>
+          <p:cNvPr id="3" name="內容版面配置區 2"/>
+          <p:cNvSpPr>
+            <a:spLocks noGrp="1"/>
+          </p:cNvSpPr>
+          <p:nvPr>
+            <p:ph idx="1"/>
+          </p:nvPr>
+        </p:nvSpPr>
+        <p:spPr/>
+        <p:txBody>
+          <a:bodyPr/>
+          <a:lstStyle/>
+          <a:p>
+            <a:endParaRPr lang="zh-TW" altLang="en-US"/>
+          </a:p>
+        </p:txBody>
+      </p:sp>
+      <p:pic>
+        <p:nvPicPr>
+          <p:cNvPr id="3075" name="Picture 3"/>
+          <p:cNvPicPr>
+            <a:picLocks noChangeAspect="1" noChangeArrowheads="1"/>
+          </p:cNvPicPr>
+          <p:nvPr/>
+        </p:nvPicPr>
+        <p:blipFill>
+          <a:blip r:embed="rId2">
+            <a:extLst>
+              <a:ext uri="{28A0092B-C50C-407E-A947-70E740481C1C}">
+                <a14:useLocalDpi xmlns:a14="http://schemas.microsoft.com/office/drawing/2010/main" val="0"/>
+              </a:ext>
+            </a:extLst>
+          </a:blip>
+          <a:srcRect/>
+          <a:stretch>
+            <a:fillRect/>
+          </a:stretch>
+        </p:blipFill>
+        <p:spPr bwMode="auto">
+          <a:xfrm>
+            <a:off x="25347" y="1667236"/>
+            <a:ext cx="8946224" cy="5002123"/>
+          </a:xfrm>
+          <a:prstGeom prst="rect">
+            <a:avLst/>
+          </a:prstGeom>
+          <a:noFill/>
+          <a:ln>
+            <a:noFill/>
+          </a:ln>
+          <a:extLst>
+            <a:ext uri="{909E8E84-426E-40DD-AFC4-6F175D3DCCD1}">
+              <a14:hiddenFill xmlns:a14="http://schemas.microsoft.com/office/drawing/2010/main">
+                <a:solidFill>
+                  <a:schemeClr val="accent1"/>
+                </a:solidFill>
+              </a14:hiddenFill>
+            </a:ext>
+            <a:ext uri="{91240B29-F687-4F45-9708-019B960494DF}">
+              <a14:hiddenLine xmlns:a14="http://schemas.microsoft.com/office/drawing/2010/main" w="9525">
+                <a:solidFill>
+                  <a:schemeClr val="tx1"/>
+                </a:solidFill>
+                <a:miter lim="800000"/>
+                <a:headEnd/>
+                <a:tailEnd/>
+              </a14:hiddenLine>
+            </a:ext>
+          </a:extLst>
+        </p:spPr>
+      </p:pic>
+      <p:sp>
+        <p:nvSpPr>
+          <p:cNvPr id="6" name="矩形 5"/>
+          <p:cNvSpPr/>
+          <p:nvPr/>
+        </p:nvSpPr>
+        <p:spPr>
+          <a:xfrm>
+            <a:off x="2915816" y="4027885"/>
+            <a:ext cx="2520280" cy="481235"/>
           </a:xfrm>
           <a:prstGeom prst="rect">
             <a:avLst/>
@@ -6576,10 +7029,139 @@
           </a:p>
         </p:txBody>
       </p:sp>
+      <p:sp>
+        <p:nvSpPr>
+          <p:cNvPr id="7" name="矩形圖說文字 6"/>
+          <p:cNvSpPr/>
+          <p:nvPr/>
+        </p:nvSpPr>
+        <p:spPr>
+          <a:xfrm>
+            <a:off x="6012158" y="4308708"/>
+            <a:ext cx="2664297" cy="612648"/>
+          </a:xfrm>
+          <a:prstGeom prst="wedgeRectCallout">
+            <a:avLst>
+              <a:gd name="adj1" fmla="val -71356"/>
+              <a:gd name="adj2" fmla="val -67807"/>
+            </a:avLst>
+          </a:prstGeom>
+          <a:solidFill>
+            <a:schemeClr val="bg1"/>
+          </a:solidFill>
+          <a:ln>
+            <a:solidFill>
+              <a:srgbClr val="FF0000"/>
+            </a:solidFill>
+          </a:ln>
+        </p:spPr>
+        <p:style>
+          <a:lnRef idx="2">
+            <a:schemeClr val="accent1">
+              <a:shade val="50000"/>
+            </a:schemeClr>
+          </a:lnRef>
+          <a:fillRef idx="1">
+            <a:schemeClr val="accent1"/>
+          </a:fillRef>
+          <a:effectRef idx="0">
+            <a:schemeClr val="accent1"/>
+          </a:effectRef>
+          <a:fontRef idx="minor">
+            <a:schemeClr val="lt1"/>
+          </a:fontRef>
+        </p:style>
+        <p:txBody>
+          <a:bodyPr rtlCol="0" anchor="ctr"/>
+          <a:lstStyle/>
+          <a:p>
+            <a:pPr algn="ctr"/>
+            <a:r>
+              <a:rPr lang="en-US" altLang="zh-TW" dirty="0" err="1" smtClean="0">
+                <a:solidFill>
+                  <a:schemeClr val="tx1"/>
+                </a:solidFill>
+              </a:rPr>
+              <a:t>選擇</a:t>
+            </a:r>
+            <a:r>
+              <a:rPr lang="en-US" altLang="zh-TW" dirty="0" smtClean="0">
+                <a:solidFill>
+                  <a:schemeClr val="tx1"/>
+                </a:solidFill>
+              </a:rPr>
+              <a:t>/</a:t>
+            </a:r>
+            <a:r>
+              <a:rPr lang="en-US" altLang="zh-TW" dirty="0" err="1" smtClean="0">
+                <a:solidFill>
+                  <a:schemeClr val="tx1"/>
+                </a:solidFill>
+              </a:rPr>
+              <a:t>新建</a:t>
+            </a:r>
+            <a:r>
+              <a:rPr lang="en-US" altLang="zh-TW" dirty="0" smtClean="0">
+                <a:solidFill>
+                  <a:schemeClr val="tx1"/>
+                </a:solidFill>
+              </a:rPr>
+              <a:t> package name</a:t>
+            </a:r>
+            <a:endParaRPr lang="zh-TW" altLang="en-US" dirty="0"/>
+          </a:p>
+        </p:txBody>
+      </p:sp>
+      <p:sp>
+        <p:nvSpPr>
+          <p:cNvPr id="8" name="矩形 7"/>
+          <p:cNvSpPr/>
+          <p:nvPr/>
+        </p:nvSpPr>
+        <p:spPr>
+          <a:xfrm>
+            <a:off x="2915816" y="5877272"/>
+            <a:ext cx="2952328" cy="792087"/>
+          </a:xfrm>
+          <a:prstGeom prst="rect">
+            <a:avLst/>
+          </a:prstGeom>
+          <a:noFill/>
+          <a:ln>
+            <a:solidFill>
+              <a:srgbClr val="FF0000"/>
+            </a:solidFill>
+          </a:ln>
+        </p:spPr>
+        <p:style>
+          <a:lnRef idx="2">
+            <a:schemeClr val="accent1">
+              <a:shade val="50000"/>
+            </a:schemeClr>
+          </a:lnRef>
+          <a:fillRef idx="1">
+            <a:schemeClr val="accent1"/>
+          </a:fillRef>
+          <a:effectRef idx="0">
+            <a:schemeClr val="accent1"/>
+          </a:effectRef>
+          <a:fontRef idx="minor">
+            <a:schemeClr val="lt1"/>
+          </a:fontRef>
+        </p:style>
+        <p:txBody>
+          <a:bodyPr rtlCol="0" anchor="ctr"/>
+          <a:lstStyle/>
+          <a:p>
+            <a:pPr algn="ctr"/>
+            <a:endParaRPr lang="zh-TW" altLang="en-US"/>
+          </a:p>
+        </p:txBody>
+      </p:sp>
     </p:spTree>
     <p:extLst>
       <p:ext uri="{BB962C8B-B14F-4D97-AF65-F5344CB8AC3E}">
-        <p14:creationId xmlns:p14="http://schemas.microsoft.com/office/powerpoint/2010/main" val="393902998"/>
+        <p14:creationId xmlns:p14="http://schemas.microsoft.com/office/powerpoint/2010/main" val="1670547731"/>
       </p:ext>
     </p:extLst>
   </p:cSld>
@@ -6589,7 +7171,7 @@
 </p:sld>
 </file>
 
-<file path=ppt/slides/slide21.xml><?xml version="1.0" encoding="utf-8"?>
+<file path=ppt/slides/slide23.xml><?xml version="1.0" encoding="utf-8"?>
 <p:sld xmlns:a="http://schemas.openxmlformats.org/drawingml/2006/main" xmlns:r="http://schemas.openxmlformats.org/officeDocument/2006/relationships" xmlns:p="http://schemas.openxmlformats.org/presentationml/2006/main">
   <p:cSld>
     <p:spTree>
@@ -6622,12 +7204,24 @@
           <a:lstStyle/>
           <a:p>
             <a:r>
-              <a:rPr lang="zh-TW" altLang="en-US" dirty="0" smtClean="0"/>
-              <a:t>設定 </a:t>
-            </a:r>
-            <a:r>
-              <a:rPr lang="en-US" altLang="zh-TW" dirty="0" err="1" smtClean="0"/>
-              <a:t>gradle檔案補充說明</a:t>
+              <a:rPr lang="zh-TW" altLang="en-US" dirty="0"/>
+              <a:t>取得 </a:t>
+            </a:r>
+            <a:r>
+              <a:rPr lang="en-US" altLang="zh-TW" dirty="0" err="1"/>
+              <a:t>google-services.json</a:t>
+            </a:r>
+            <a:r>
+              <a:rPr lang="en-US" altLang="zh-TW" dirty="0"/>
+              <a:t> </a:t>
+            </a:r>
+            <a:r>
+              <a:rPr lang="en-US" altLang="zh-TW" dirty="0" smtClean="0"/>
+              <a:t>(4/6</a:t>
+            </a:r>
+            <a:r>
+              <a:rPr lang="en-US" altLang="zh-TW" dirty="0"/>
+              <a:t>)</a:t>
             </a:r>
             <a:endParaRPr lang="zh-TW" altLang="en-US" dirty="0"/>
           </a:p>
@@ -6648,239 +7242,114 @@
           <a:bodyPr/>
           <a:lstStyle/>
           <a:p>
-            <a:r>
-              <a:rPr lang="zh-TW" altLang="en-US" dirty="0" smtClean="0">
-                <a:latin typeface="+mj-ea"/>
-                <a:ea typeface="+mj-ea"/>
-              </a:rPr>
-              <a:t>最新設定說明</a:t>
-            </a:r>
-            <a:endParaRPr lang="en-US" altLang="zh-TW" dirty="0" smtClean="0">
-              <a:latin typeface="+mj-ea"/>
-              <a:ea typeface="+mj-ea"/>
-            </a:endParaRPr>
-          </a:p>
-          <a:p>
-            <a:pPr lvl="1"/>
-            <a:r>
-              <a:rPr lang="en-US" altLang="zh-TW" dirty="0">
-                <a:latin typeface="+mj-ea"/>
-                <a:ea typeface="+mj-ea"/>
-                <a:hlinkClick r:id="rId2"/>
-              </a:rPr>
-              <a:t>https://</a:t>
-            </a:r>
-            <a:r>
-              <a:rPr lang="en-US" altLang="zh-TW" dirty="0" smtClean="0">
-                <a:latin typeface="+mj-ea"/>
-                <a:ea typeface="+mj-ea"/>
-                <a:hlinkClick r:id="rId2"/>
-              </a:rPr>
-              <a:t>developers.google.com/cloud-messaging/android/client</a:t>
-            </a:r>
-            <a:endParaRPr lang="en-US" altLang="zh-TW" dirty="0" smtClean="0">
-              <a:latin typeface="+mj-ea"/>
-              <a:ea typeface="+mj-ea"/>
-            </a:endParaRPr>
-          </a:p>
-          <a:p>
-            <a:pPr lvl="1"/>
-            <a:r>
-              <a:rPr lang="zh-TW" altLang="en-US" dirty="0" smtClean="0">
-                <a:latin typeface="+mj-ea"/>
-                <a:ea typeface="+mj-ea"/>
-              </a:rPr>
-              <a:t>如果專案</a:t>
-            </a:r>
-            <a:r>
-              <a:rPr lang="en-US" altLang="zh-TW" dirty="0" err="1" smtClean="0">
-                <a:latin typeface="+mj-ea"/>
-                <a:ea typeface="+mj-ea"/>
-              </a:rPr>
-              <a:t>gradle</a:t>
-            </a:r>
-            <a:r>
-              <a:rPr lang="en-US" altLang="zh-TW" dirty="0" smtClean="0">
-                <a:latin typeface="+mj-ea"/>
-                <a:ea typeface="+mj-ea"/>
-              </a:rPr>
-              <a:t> </a:t>
-            </a:r>
-            <a:r>
-              <a:rPr lang="en-US" altLang="zh-TW" dirty="0" err="1" smtClean="0">
-                <a:latin typeface="+mj-ea"/>
-                <a:ea typeface="+mj-ea"/>
-              </a:rPr>
-              <a:t>設定</a:t>
-            </a:r>
-            <a:endParaRPr lang="en-US" altLang="zh-TW" dirty="0" smtClean="0">
-              <a:latin typeface="+mj-ea"/>
-              <a:ea typeface="+mj-ea"/>
-            </a:endParaRPr>
-          </a:p>
-          <a:p>
-            <a:pPr marL="457200" lvl="1" indent="0">
-              <a:buNone/>
-            </a:pPr>
-            <a:r>
-              <a:rPr lang="en-US" altLang="zh-TW" dirty="0" smtClean="0">
-                <a:latin typeface="+mj-ea"/>
-                <a:ea typeface="+mj-ea"/>
-              </a:rPr>
-              <a:t>    </a:t>
-            </a:r>
-            <a:r>
-              <a:rPr lang="en-US" altLang="zh-TW" sz="1800" b="1" dirty="0" err="1" smtClean="0">
+            <a:endParaRPr lang="zh-TW" altLang="en-US"/>
+          </a:p>
+        </p:txBody>
+      </p:sp>
+      <p:pic>
+        <p:nvPicPr>
+          <p:cNvPr id="4098" name="Picture 2"/>
+          <p:cNvPicPr>
+            <a:picLocks noChangeAspect="1" noChangeArrowheads="1"/>
+          </p:cNvPicPr>
+          <p:nvPr/>
+        </p:nvPicPr>
+        <p:blipFill>
+          <a:blip r:embed="rId2">
+            <a:extLst>
+              <a:ext uri="{28A0092B-C50C-407E-A947-70E740481C1C}">
+                <a14:useLocalDpi xmlns:a14="http://schemas.microsoft.com/office/drawing/2010/main" val="0"/>
+              </a:ext>
+            </a:extLst>
+          </a:blip>
+          <a:srcRect/>
+          <a:stretch>
+            <a:fillRect/>
+          </a:stretch>
+        </p:blipFill>
+        <p:spPr bwMode="auto">
+          <a:xfrm>
+            <a:off x="360040" y="1556792"/>
+            <a:ext cx="8604448" cy="5304446"/>
+          </a:xfrm>
+          <a:prstGeom prst="rect">
+            <a:avLst/>
+          </a:prstGeom>
+          <a:noFill/>
+          <a:ln>
+            <a:noFill/>
+          </a:ln>
+          <a:extLst>
+            <a:ext uri="{909E8E84-426E-40DD-AFC4-6F175D3DCCD1}">
+              <a14:hiddenFill xmlns:a14="http://schemas.microsoft.com/office/drawing/2010/main">
                 <a:solidFill>
-                  <a:srgbClr val="FF0000"/>
+                  <a:schemeClr val="accent1"/>
                 </a:solidFill>
-                <a:latin typeface="+mj-ea"/>
-                <a:ea typeface="+mj-ea"/>
-              </a:rPr>
-              <a:t>classpath</a:t>
-            </a:r>
-            <a:r>
-              <a:rPr lang="en-US" altLang="zh-TW" sz="1800" b="1" dirty="0" smtClean="0">
+              </a14:hiddenFill>
+            </a:ext>
+            <a:ext uri="{91240B29-F687-4F45-9708-019B960494DF}">
+              <a14:hiddenLine xmlns:a14="http://schemas.microsoft.com/office/drawing/2010/main" w="9525">
                 <a:solidFill>
-                  <a:srgbClr val="FF0000"/>
+                  <a:schemeClr val="tx1"/>
                 </a:solidFill>
-                <a:latin typeface="+mj-ea"/>
-                <a:ea typeface="+mj-ea"/>
-              </a:rPr>
-              <a:t> 'com.google.gms:google-services:1.5.0-beta2’</a:t>
-            </a:r>
-          </a:p>
-          <a:p>
-            <a:pPr marL="457200" lvl="1" indent="0">
-              <a:buNone/>
-            </a:pPr>
-            <a:r>
-              <a:rPr lang="zh-TW" altLang="en-US" dirty="0" smtClean="0">
-                <a:latin typeface="+mj-ea"/>
-                <a:ea typeface="+mj-ea"/>
-              </a:rPr>
-              <a:t>則</a:t>
-            </a:r>
-            <a:r>
-              <a:rPr lang="en-US" altLang="zh-TW" dirty="0" smtClean="0">
-                <a:latin typeface="+mj-ea"/>
-                <a:ea typeface="+mj-ea"/>
-              </a:rPr>
-              <a:t>application </a:t>
-            </a:r>
-            <a:r>
-              <a:rPr lang="en-US" altLang="zh-TW" dirty="0" err="1" smtClean="0">
-                <a:latin typeface="+mj-ea"/>
-                <a:ea typeface="+mj-ea"/>
-              </a:rPr>
-              <a:t>gradle的dependencies設定要為</a:t>
-            </a:r>
-            <a:endParaRPr lang="en-US" altLang="zh-TW" dirty="0" smtClean="0">
-              <a:latin typeface="+mj-ea"/>
-              <a:ea typeface="+mj-ea"/>
-            </a:endParaRPr>
-          </a:p>
-          <a:p>
-            <a:pPr marL="457200" lvl="1" indent="0">
-              <a:buNone/>
-            </a:pPr>
-            <a:r>
-              <a:rPr lang="en-US" altLang="zh-TW" sz="1600" dirty="0" smtClean="0">
-                <a:solidFill>
-                  <a:srgbClr val="FF0000"/>
-                </a:solidFill>
-                <a:latin typeface="+mj-ea"/>
-                <a:ea typeface="+mj-ea"/>
-              </a:rPr>
-              <a:t>	</a:t>
-            </a:r>
-            <a:r>
-              <a:rPr lang="en-US" altLang="zh-TW" sz="1600" b="1" dirty="0" smtClean="0">
-                <a:solidFill>
-                  <a:srgbClr val="FF0000"/>
-                </a:solidFill>
-                <a:latin typeface="+mj-ea"/>
-                <a:ea typeface="+mj-ea"/>
-              </a:rPr>
-              <a:t>compile </a:t>
-            </a:r>
-            <a:r>
-              <a:rPr lang="en-US" altLang="zh-TW" sz="1600" b="1" dirty="0">
-                <a:solidFill>
-                  <a:srgbClr val="FF0000"/>
-                </a:solidFill>
-                <a:latin typeface="+mj-ea"/>
-                <a:ea typeface="+mj-ea"/>
-              </a:rPr>
-              <a:t>"</a:t>
-            </a:r>
-            <a:r>
-              <a:rPr lang="en-US" altLang="zh-TW" sz="1600" b="1" dirty="0" smtClean="0">
-                <a:solidFill>
-                  <a:srgbClr val="FF0000"/>
-                </a:solidFill>
-                <a:latin typeface="+mj-ea"/>
-                <a:ea typeface="+mj-ea"/>
-              </a:rPr>
-              <a:t>com.google.android.gms:play-services:8.3.0”</a:t>
-            </a:r>
-          </a:p>
-          <a:p>
-            <a:pPr marL="457200" lvl="1" indent="0">
-              <a:buNone/>
-            </a:pPr>
-            <a:r>
-              <a:rPr lang="en-US" altLang="zh-TW" sz="1600" b="1" dirty="0" err="1" smtClean="0">
-                <a:solidFill>
-                  <a:srgbClr val="FF0000"/>
-                </a:solidFill>
-                <a:latin typeface="+mj-ea"/>
-              </a:rPr>
-              <a:t>且要增加</a:t>
-            </a:r>
-            <a:r>
-              <a:rPr lang="en-US" altLang="zh-TW" sz="1600" b="1" dirty="0">
-                <a:solidFill>
-                  <a:srgbClr val="FF0000"/>
-                </a:solidFill>
-                <a:latin typeface="+mj-ea"/>
-              </a:rPr>
-              <a:t> </a:t>
-            </a:r>
-            <a:r>
-              <a:rPr lang="en-US" altLang="zh-TW" sz="1600" b="1" dirty="0" err="1" smtClean="0">
-                <a:solidFill>
-                  <a:srgbClr val="FF0000"/>
-                </a:solidFill>
-                <a:latin typeface="+mj-ea"/>
-              </a:rPr>
-              <a:t>google-services.json</a:t>
-            </a:r>
-            <a:r>
-              <a:rPr lang="en-US" altLang="zh-TW" sz="1600" b="1" dirty="0" smtClean="0">
-                <a:solidFill>
-                  <a:srgbClr val="FF0000"/>
-                </a:solidFill>
-                <a:latin typeface="+mj-ea"/>
-              </a:rPr>
-              <a:t> </a:t>
-            </a:r>
-            <a:r>
-              <a:rPr lang="en-US" altLang="zh-TW" sz="1600" dirty="0" err="1" smtClean="0">
-                <a:latin typeface="+mj-ea"/>
-              </a:rPr>
-              <a:t>在application下</a:t>
-            </a:r>
-            <a:endParaRPr lang="en-US" altLang="zh-TW" sz="1600" dirty="0">
-              <a:latin typeface="+mj-ea"/>
-            </a:endParaRPr>
+                <a:miter lim="800000"/>
+                <a:headEnd/>
+                <a:tailEnd/>
+              </a14:hiddenLine>
+            </a:ext>
+          </a:extLst>
+        </p:spPr>
+      </p:pic>
+      <p:sp>
+        <p:nvSpPr>
+          <p:cNvPr id="5" name="矩形 4"/>
+          <p:cNvSpPr/>
+          <p:nvPr/>
+        </p:nvSpPr>
+        <p:spPr>
+          <a:xfrm>
+            <a:off x="3131840" y="6309320"/>
+            <a:ext cx="3024336" cy="548680"/>
+          </a:xfrm>
+          <a:prstGeom prst="rect">
+            <a:avLst/>
+          </a:prstGeom>
+          <a:noFill/>
+          <a:ln>
+            <a:solidFill>
+              <a:srgbClr val="FF0000"/>
+            </a:solidFill>
+          </a:ln>
+        </p:spPr>
+        <p:style>
+          <a:lnRef idx="2">
+            <a:schemeClr val="accent1">
+              <a:shade val="50000"/>
+            </a:schemeClr>
+          </a:lnRef>
+          <a:fillRef idx="1">
+            <a:schemeClr val="accent1"/>
+          </a:fillRef>
+          <a:effectRef idx="0">
+            <a:schemeClr val="accent1"/>
+          </a:effectRef>
+          <a:fontRef idx="minor">
+            <a:schemeClr val="lt1"/>
+          </a:fontRef>
+        </p:style>
+        <p:txBody>
+          <a:bodyPr rtlCol="0" anchor="ctr"/>
+          <a:lstStyle/>
+          <a:p>
+            <a:pPr algn="ctr"/>
+            <a:endParaRPr lang="zh-TW" altLang="en-US"/>
           </a:p>
         </p:txBody>
       </p:sp>
     </p:spTree>
     <p:extLst>
       <p:ext uri="{BB962C8B-B14F-4D97-AF65-F5344CB8AC3E}">
-        <p14:creationId xmlns:p14="http://schemas.microsoft.com/office/powerpoint/2010/main" val="1811874231"/>
+        <p14:creationId xmlns:p14="http://schemas.microsoft.com/office/powerpoint/2010/main" val="1743335226"/>
       </p:ext>
     </p:extLst>
   </p:cSld>
@@ -6890,7 +7359,746 @@
 </p:sld>
 </file>
 
-<file path=ppt/slides/slide22.xml><?xml version="1.0" encoding="utf-8"?>
+<file path=ppt/slides/slide24.xml><?xml version="1.0" encoding="utf-8"?>
+<p:sld xmlns:a="http://schemas.openxmlformats.org/drawingml/2006/main" xmlns:r="http://schemas.openxmlformats.org/officeDocument/2006/relationships" xmlns:p="http://schemas.openxmlformats.org/presentationml/2006/main">
+  <p:cSld>
+    <p:spTree>
+      <p:nvGrpSpPr>
+        <p:cNvPr id="1" name=""/>
+        <p:cNvGrpSpPr/>
+        <p:nvPr/>
+      </p:nvGrpSpPr>
+      <p:grpSpPr>
+        <a:xfrm>
+          <a:off x="0" y="0"/>
+          <a:ext cx="0" cy="0"/>
+          <a:chOff x="0" y="0"/>
+          <a:chExt cx="0" cy="0"/>
+        </a:xfrm>
+      </p:grpSpPr>
+      <p:sp>
+        <p:nvSpPr>
+          <p:cNvPr id="2" name="標題 1"/>
+          <p:cNvSpPr>
+            <a:spLocks noGrp="1"/>
+          </p:cNvSpPr>
+          <p:nvPr>
+            <p:ph type="title"/>
+          </p:nvPr>
+        </p:nvSpPr>
+        <p:spPr/>
+        <p:txBody>
+          <a:bodyPr/>
+          <a:lstStyle/>
+          <a:p>
+            <a:r>
+              <a:rPr lang="zh-TW" altLang="en-US" dirty="0"/>
+              <a:t>取得 </a:t>
+            </a:r>
+            <a:r>
+              <a:rPr lang="en-US" altLang="zh-TW" dirty="0" err="1"/>
+              <a:t>google-services.json</a:t>
+            </a:r>
+            <a:r>
+              <a:rPr lang="en-US" altLang="zh-TW" dirty="0"/>
+              <a:t> </a:t>
+            </a:r>
+            <a:r>
+              <a:rPr lang="en-US" altLang="zh-TW" dirty="0" smtClean="0"/>
+              <a:t>(5/6</a:t>
+            </a:r>
+            <a:r>
+              <a:rPr lang="en-US" altLang="zh-TW" dirty="0"/>
+              <a:t>)</a:t>
+            </a:r>
+            <a:endParaRPr lang="zh-TW" altLang="en-US" dirty="0"/>
+          </a:p>
+        </p:txBody>
+      </p:sp>
+      <p:sp>
+        <p:nvSpPr>
+          <p:cNvPr id="3" name="內容版面配置區 2"/>
+          <p:cNvSpPr>
+            <a:spLocks noGrp="1"/>
+          </p:cNvSpPr>
+          <p:nvPr>
+            <p:ph idx="1"/>
+          </p:nvPr>
+        </p:nvSpPr>
+        <p:spPr/>
+        <p:txBody>
+          <a:bodyPr/>
+          <a:lstStyle/>
+          <a:p>
+            <a:endParaRPr lang="zh-TW" altLang="en-US" dirty="0"/>
+          </a:p>
+        </p:txBody>
+      </p:sp>
+      <p:pic>
+        <p:nvPicPr>
+          <p:cNvPr id="5122" name="Picture 2"/>
+          <p:cNvPicPr>
+            <a:picLocks noChangeAspect="1" noChangeArrowheads="1"/>
+          </p:cNvPicPr>
+          <p:nvPr/>
+        </p:nvPicPr>
+        <p:blipFill>
+          <a:blip r:embed="rId3">
+            <a:extLst>
+              <a:ext uri="{28A0092B-C50C-407E-A947-70E740481C1C}">
+                <a14:useLocalDpi xmlns:a14="http://schemas.microsoft.com/office/drawing/2010/main" val="0"/>
+              </a:ext>
+            </a:extLst>
+          </a:blip>
+          <a:srcRect/>
+          <a:stretch>
+            <a:fillRect/>
+          </a:stretch>
+        </p:blipFill>
+        <p:spPr bwMode="auto">
+          <a:xfrm>
+            <a:off x="32007" y="1754523"/>
+            <a:ext cx="5296075" cy="4614402"/>
+          </a:xfrm>
+          <a:prstGeom prst="rect">
+            <a:avLst/>
+          </a:prstGeom>
+          <a:noFill/>
+          <a:ln>
+            <a:noFill/>
+          </a:ln>
+          <a:extLst>
+            <a:ext uri="{909E8E84-426E-40DD-AFC4-6F175D3DCCD1}">
+              <a14:hiddenFill xmlns:a14="http://schemas.microsoft.com/office/drawing/2010/main">
+                <a:solidFill>
+                  <a:schemeClr val="accent1"/>
+                </a:solidFill>
+              </a14:hiddenFill>
+            </a:ext>
+            <a:ext uri="{91240B29-F687-4F45-9708-019B960494DF}">
+              <a14:hiddenLine xmlns:a14="http://schemas.microsoft.com/office/drawing/2010/main" w="9525">
+                <a:solidFill>
+                  <a:schemeClr val="tx1"/>
+                </a:solidFill>
+                <a:miter lim="800000"/>
+                <a:headEnd/>
+                <a:tailEnd/>
+              </a14:hiddenLine>
+            </a:ext>
+          </a:extLst>
+        </p:spPr>
+      </p:pic>
+      <p:sp>
+        <p:nvSpPr>
+          <p:cNvPr id="5" name="矩形 4"/>
+          <p:cNvSpPr/>
+          <p:nvPr/>
+        </p:nvSpPr>
+        <p:spPr>
+          <a:xfrm>
+            <a:off x="251520" y="5005112"/>
+            <a:ext cx="2160240" cy="807056"/>
+          </a:xfrm>
+          <a:prstGeom prst="rect">
+            <a:avLst/>
+          </a:prstGeom>
+          <a:noFill/>
+          <a:ln>
+            <a:solidFill>
+              <a:srgbClr val="FF0000"/>
+            </a:solidFill>
+          </a:ln>
+        </p:spPr>
+        <p:style>
+          <a:lnRef idx="2">
+            <a:schemeClr val="accent1">
+              <a:shade val="50000"/>
+            </a:schemeClr>
+          </a:lnRef>
+          <a:fillRef idx="1">
+            <a:schemeClr val="accent1"/>
+          </a:fillRef>
+          <a:effectRef idx="0">
+            <a:schemeClr val="accent1"/>
+          </a:effectRef>
+          <a:fontRef idx="minor">
+            <a:schemeClr val="lt1"/>
+          </a:fontRef>
+        </p:style>
+        <p:txBody>
+          <a:bodyPr rtlCol="0" anchor="ctr"/>
+          <a:lstStyle/>
+          <a:p>
+            <a:pPr algn="ctr"/>
+            <a:endParaRPr lang="zh-TW" altLang="en-US"/>
+          </a:p>
+        </p:txBody>
+      </p:sp>
+      <p:sp>
+        <p:nvSpPr>
+          <p:cNvPr id="6" name="矩形圖說文字 5"/>
+          <p:cNvSpPr/>
+          <p:nvPr/>
+        </p:nvSpPr>
+        <p:spPr>
+          <a:xfrm>
+            <a:off x="1619672" y="5949280"/>
+            <a:ext cx="2664297" cy="612648"/>
+          </a:xfrm>
+          <a:prstGeom prst="wedgeRectCallout">
+            <a:avLst>
+              <a:gd name="adj1" fmla="val -71356"/>
+              <a:gd name="adj2" fmla="val -67807"/>
+            </a:avLst>
+          </a:prstGeom>
+          <a:solidFill>
+            <a:schemeClr val="bg1"/>
+          </a:solidFill>
+          <a:ln>
+            <a:solidFill>
+              <a:srgbClr val="FF0000"/>
+            </a:solidFill>
+          </a:ln>
+        </p:spPr>
+        <p:style>
+          <a:lnRef idx="2">
+            <a:schemeClr val="accent1">
+              <a:shade val="50000"/>
+            </a:schemeClr>
+          </a:lnRef>
+          <a:fillRef idx="1">
+            <a:schemeClr val="accent1"/>
+          </a:fillRef>
+          <a:effectRef idx="0">
+            <a:schemeClr val="accent1"/>
+          </a:effectRef>
+          <a:fontRef idx="minor">
+            <a:schemeClr val="lt1"/>
+          </a:fontRef>
+        </p:style>
+        <p:txBody>
+          <a:bodyPr rtlCol="0" anchor="ctr"/>
+          <a:lstStyle/>
+          <a:p>
+            <a:pPr algn="ctr"/>
+            <a:r>
+              <a:rPr lang="en-US" altLang="zh-TW" dirty="0" err="1" smtClean="0">
+                <a:solidFill>
+                  <a:schemeClr val="tx1"/>
+                </a:solidFill>
+              </a:rPr>
+              <a:t>產生API</a:t>
+            </a:r>
+            <a:r>
+              <a:rPr lang="en-US" altLang="zh-TW" dirty="0" smtClean="0">
+                <a:solidFill>
+                  <a:schemeClr val="tx1"/>
+                </a:solidFill>
+              </a:rPr>
+              <a:t> </a:t>
+            </a:r>
+            <a:r>
+              <a:rPr lang="en-US" altLang="zh-TW" dirty="0" err="1" smtClean="0">
+                <a:solidFill>
+                  <a:schemeClr val="tx1"/>
+                </a:solidFill>
+              </a:rPr>
+              <a:t>Key和Sender</a:t>
+            </a:r>
+            <a:r>
+              <a:rPr lang="en-US" altLang="zh-TW" dirty="0" smtClean="0">
+                <a:solidFill>
+                  <a:schemeClr val="tx1"/>
+                </a:solidFill>
+              </a:rPr>
+              <a:t> ID</a:t>
+            </a:r>
+            <a:endParaRPr lang="zh-TW" altLang="en-US" dirty="0"/>
+          </a:p>
+        </p:txBody>
+      </p:sp>
+      <p:pic>
+        <p:nvPicPr>
+          <p:cNvPr id="5123" name="Picture 3"/>
+          <p:cNvPicPr>
+            <a:picLocks noChangeAspect="1" noChangeArrowheads="1"/>
+          </p:cNvPicPr>
+          <p:nvPr/>
+        </p:nvPicPr>
+        <p:blipFill>
+          <a:blip r:embed="rId4">
+            <a:extLst>
+              <a:ext uri="{28A0092B-C50C-407E-A947-70E740481C1C}">
+                <a14:useLocalDpi xmlns:a14="http://schemas.microsoft.com/office/drawing/2010/main" val="0"/>
+              </a:ext>
+            </a:extLst>
+          </a:blip>
+          <a:srcRect/>
+          <a:stretch>
+            <a:fillRect/>
+          </a:stretch>
+        </p:blipFill>
+        <p:spPr bwMode="auto">
+          <a:xfrm>
+            <a:off x="5508104" y="2548458"/>
+            <a:ext cx="3282586" cy="2519194"/>
+          </a:xfrm>
+          <a:prstGeom prst="rect">
+            <a:avLst/>
+          </a:prstGeom>
+          <a:noFill/>
+          <a:ln>
+            <a:noFill/>
+          </a:ln>
+          <a:extLst>
+            <a:ext uri="{909E8E84-426E-40DD-AFC4-6F175D3DCCD1}">
+              <a14:hiddenFill xmlns:a14="http://schemas.microsoft.com/office/drawing/2010/main">
+                <a:solidFill>
+                  <a:schemeClr val="accent1"/>
+                </a:solidFill>
+              </a14:hiddenFill>
+            </a:ext>
+            <a:ext uri="{91240B29-F687-4F45-9708-019B960494DF}">
+              <a14:hiddenLine xmlns:a14="http://schemas.microsoft.com/office/drawing/2010/main" w="9525">
+                <a:solidFill>
+                  <a:schemeClr val="tx1"/>
+                </a:solidFill>
+                <a:miter lim="800000"/>
+                <a:headEnd/>
+                <a:tailEnd/>
+              </a14:hiddenLine>
+            </a:ext>
+          </a:extLst>
+        </p:spPr>
+      </p:pic>
+      <p:sp>
+        <p:nvSpPr>
+          <p:cNvPr id="9" name="矩形 8"/>
+          <p:cNvSpPr/>
+          <p:nvPr/>
+        </p:nvSpPr>
+        <p:spPr>
+          <a:xfrm>
+            <a:off x="5724128" y="4091764"/>
+            <a:ext cx="2664296" cy="807056"/>
+          </a:xfrm>
+          <a:prstGeom prst="rect">
+            <a:avLst/>
+          </a:prstGeom>
+          <a:noFill/>
+          <a:ln>
+            <a:solidFill>
+              <a:srgbClr val="FF0000"/>
+            </a:solidFill>
+          </a:ln>
+        </p:spPr>
+        <p:style>
+          <a:lnRef idx="2">
+            <a:schemeClr val="accent1">
+              <a:shade val="50000"/>
+            </a:schemeClr>
+          </a:lnRef>
+          <a:fillRef idx="1">
+            <a:schemeClr val="accent1"/>
+          </a:fillRef>
+          <a:effectRef idx="0">
+            <a:schemeClr val="accent1"/>
+          </a:effectRef>
+          <a:fontRef idx="minor">
+            <a:schemeClr val="lt1"/>
+          </a:fontRef>
+        </p:style>
+        <p:txBody>
+          <a:bodyPr rtlCol="0" anchor="ctr"/>
+          <a:lstStyle/>
+          <a:p>
+            <a:pPr algn="ctr"/>
+            <a:endParaRPr lang="zh-TW" altLang="en-US"/>
+          </a:p>
+        </p:txBody>
+      </p:sp>
+      <p:sp>
+        <p:nvSpPr>
+          <p:cNvPr id="10" name="矩形圖說文字 9"/>
+          <p:cNvSpPr/>
+          <p:nvPr/>
+        </p:nvSpPr>
+        <p:spPr>
+          <a:xfrm>
+            <a:off x="6588224" y="5051336"/>
+            <a:ext cx="2664297" cy="760832"/>
+          </a:xfrm>
+          <a:prstGeom prst="wedgeRectCallout">
+            <a:avLst>
+              <a:gd name="adj1" fmla="val -71356"/>
+              <a:gd name="adj2" fmla="val -67807"/>
+            </a:avLst>
+          </a:prstGeom>
+          <a:solidFill>
+            <a:schemeClr val="bg1"/>
+          </a:solidFill>
+          <a:ln>
+            <a:solidFill>
+              <a:srgbClr val="FF0000"/>
+            </a:solidFill>
+          </a:ln>
+        </p:spPr>
+        <p:style>
+          <a:lnRef idx="2">
+            <a:schemeClr val="accent1">
+              <a:shade val="50000"/>
+            </a:schemeClr>
+          </a:lnRef>
+          <a:fillRef idx="1">
+            <a:schemeClr val="accent1"/>
+          </a:fillRef>
+          <a:effectRef idx="0">
+            <a:schemeClr val="accent1"/>
+          </a:effectRef>
+          <a:fontRef idx="minor">
+            <a:schemeClr val="lt1"/>
+          </a:fontRef>
+        </p:style>
+        <p:txBody>
+          <a:bodyPr rtlCol="0" anchor="ctr"/>
+          <a:lstStyle/>
+          <a:p>
+            <a:pPr algn="ctr"/>
+            <a:r>
+              <a:rPr lang="en-US" altLang="zh-TW" dirty="0" err="1" smtClean="0">
+                <a:solidFill>
+                  <a:schemeClr val="tx1"/>
+                </a:solidFill>
+              </a:rPr>
+              <a:t>按下產生</a:t>
+            </a:r>
+            <a:r>
+              <a:rPr lang="en-US" altLang="zh-TW" dirty="0" smtClean="0">
+                <a:solidFill>
+                  <a:schemeClr val="tx1"/>
+                </a:solidFill>
+              </a:rPr>
+              <a:t> </a:t>
+            </a:r>
+          </a:p>
+          <a:p>
+            <a:pPr algn="ctr"/>
+            <a:r>
+              <a:rPr lang="en-US" altLang="zh-TW" dirty="0" err="1" smtClean="0">
+                <a:solidFill>
+                  <a:schemeClr val="tx1"/>
+                </a:solidFill>
+              </a:rPr>
+              <a:t>google-services.json</a:t>
+            </a:r>
+            <a:r>
+              <a:rPr lang="en-US" altLang="zh-TW" dirty="0" smtClean="0">
+                <a:solidFill>
+                  <a:schemeClr val="tx1"/>
+                </a:solidFill>
+              </a:rPr>
+              <a:t> </a:t>
+            </a:r>
+            <a:endParaRPr lang="zh-TW" altLang="en-US" dirty="0">
+              <a:solidFill>
+                <a:schemeClr val="tx1"/>
+              </a:solidFill>
+            </a:endParaRPr>
+          </a:p>
+        </p:txBody>
+      </p:sp>
+    </p:spTree>
+    <p:extLst>
+      <p:ext uri="{BB962C8B-B14F-4D97-AF65-F5344CB8AC3E}">
+        <p14:creationId xmlns:p14="http://schemas.microsoft.com/office/powerpoint/2010/main" val="2794961105"/>
+      </p:ext>
+    </p:extLst>
+  </p:cSld>
+  <p:clrMapOvr>
+    <a:masterClrMapping/>
+  </p:clrMapOvr>
+</p:sld>
+</file>
+
+<file path=ppt/slides/slide25.xml><?xml version="1.0" encoding="utf-8"?>
+<p:sld xmlns:a="http://schemas.openxmlformats.org/drawingml/2006/main" xmlns:r="http://schemas.openxmlformats.org/officeDocument/2006/relationships" xmlns:p="http://schemas.openxmlformats.org/presentationml/2006/main">
+  <p:cSld>
+    <p:spTree>
+      <p:nvGrpSpPr>
+        <p:cNvPr id="1" name=""/>
+        <p:cNvGrpSpPr/>
+        <p:nvPr/>
+      </p:nvGrpSpPr>
+      <p:grpSpPr>
+        <a:xfrm>
+          <a:off x="0" y="0"/>
+          <a:ext cx="0" cy="0"/>
+          <a:chOff x="0" y="0"/>
+          <a:chExt cx="0" cy="0"/>
+        </a:xfrm>
+      </p:grpSpPr>
+      <p:sp>
+        <p:nvSpPr>
+          <p:cNvPr id="2" name="標題 1"/>
+          <p:cNvSpPr>
+            <a:spLocks noGrp="1"/>
+          </p:cNvSpPr>
+          <p:nvPr>
+            <p:ph type="title"/>
+          </p:nvPr>
+        </p:nvSpPr>
+        <p:spPr/>
+        <p:txBody>
+          <a:bodyPr/>
+          <a:lstStyle/>
+          <a:p>
+            <a:r>
+              <a:rPr lang="zh-TW" altLang="en-US" dirty="0"/>
+              <a:t>取得 </a:t>
+            </a:r>
+            <a:r>
+              <a:rPr lang="en-US" altLang="zh-TW" dirty="0" err="1"/>
+              <a:t>google-services.json</a:t>
+            </a:r>
+            <a:r>
+              <a:rPr lang="en-US" altLang="zh-TW"/>
+              <a:t> </a:t>
+            </a:r>
+            <a:r>
+              <a:rPr lang="en-US" altLang="zh-TW" smtClean="0"/>
+              <a:t>(6/6</a:t>
+            </a:r>
+            <a:r>
+              <a:rPr lang="en-US" altLang="zh-TW"/>
+              <a:t>)</a:t>
+            </a:r>
+            <a:endParaRPr lang="zh-TW" altLang="en-US" dirty="0"/>
+          </a:p>
+        </p:txBody>
+      </p:sp>
+      <p:sp>
+        <p:nvSpPr>
+          <p:cNvPr id="3" name="內容版面配置區 2"/>
+          <p:cNvSpPr>
+            <a:spLocks noGrp="1"/>
+          </p:cNvSpPr>
+          <p:nvPr>
+            <p:ph idx="1"/>
+          </p:nvPr>
+        </p:nvSpPr>
+        <p:spPr/>
+        <p:txBody>
+          <a:bodyPr/>
+          <a:lstStyle/>
+          <a:p>
+            <a:endParaRPr lang="zh-TW" altLang="en-US"/>
+          </a:p>
+        </p:txBody>
+      </p:sp>
+      <p:pic>
+        <p:nvPicPr>
+          <p:cNvPr id="6146" name="Picture 2"/>
+          <p:cNvPicPr>
+            <a:picLocks noChangeAspect="1" noChangeArrowheads="1"/>
+          </p:cNvPicPr>
+          <p:nvPr/>
+        </p:nvPicPr>
+        <p:blipFill>
+          <a:blip r:embed="rId2">
+            <a:extLst>
+              <a:ext uri="{28A0092B-C50C-407E-A947-70E740481C1C}">
+                <a14:useLocalDpi xmlns:a14="http://schemas.microsoft.com/office/drawing/2010/main" val="0"/>
+              </a:ext>
+            </a:extLst>
+          </a:blip>
+          <a:srcRect/>
+          <a:stretch>
+            <a:fillRect/>
+          </a:stretch>
+        </p:blipFill>
+        <p:spPr bwMode="auto">
+          <a:xfrm>
+            <a:off x="466286" y="1613848"/>
+            <a:ext cx="8498202" cy="5229199"/>
+          </a:xfrm>
+          <a:prstGeom prst="rect">
+            <a:avLst/>
+          </a:prstGeom>
+          <a:noFill/>
+          <a:ln>
+            <a:noFill/>
+          </a:ln>
+          <a:extLst>
+            <a:ext uri="{909E8E84-426E-40DD-AFC4-6F175D3DCCD1}">
+              <a14:hiddenFill xmlns:a14="http://schemas.microsoft.com/office/drawing/2010/main">
+                <a:solidFill>
+                  <a:schemeClr val="accent1"/>
+                </a:solidFill>
+              </a14:hiddenFill>
+            </a:ext>
+            <a:ext uri="{91240B29-F687-4F45-9708-019B960494DF}">
+              <a14:hiddenLine xmlns:a14="http://schemas.microsoft.com/office/drawing/2010/main" w="9525">
+                <a:solidFill>
+                  <a:schemeClr val="tx1"/>
+                </a:solidFill>
+                <a:miter lim="800000"/>
+                <a:headEnd/>
+                <a:tailEnd/>
+              </a14:hiddenLine>
+            </a:ext>
+          </a:extLst>
+        </p:spPr>
+      </p:pic>
+      <p:sp>
+        <p:nvSpPr>
+          <p:cNvPr id="5" name="矩形 4"/>
+          <p:cNvSpPr/>
+          <p:nvPr/>
+        </p:nvSpPr>
+        <p:spPr>
+          <a:xfrm>
+            <a:off x="3203848" y="3140968"/>
+            <a:ext cx="3528392" cy="807056"/>
+          </a:xfrm>
+          <a:prstGeom prst="rect">
+            <a:avLst/>
+          </a:prstGeom>
+          <a:noFill/>
+          <a:ln>
+            <a:solidFill>
+              <a:srgbClr val="FF0000"/>
+            </a:solidFill>
+          </a:ln>
+        </p:spPr>
+        <p:style>
+          <a:lnRef idx="2">
+            <a:schemeClr val="accent1">
+              <a:shade val="50000"/>
+            </a:schemeClr>
+          </a:lnRef>
+          <a:fillRef idx="1">
+            <a:schemeClr val="accent1"/>
+          </a:fillRef>
+          <a:effectRef idx="0">
+            <a:schemeClr val="accent1"/>
+          </a:effectRef>
+          <a:fontRef idx="minor">
+            <a:schemeClr val="lt1"/>
+          </a:fontRef>
+        </p:style>
+        <p:txBody>
+          <a:bodyPr rtlCol="0" anchor="ctr"/>
+          <a:lstStyle/>
+          <a:p>
+            <a:pPr algn="ctr"/>
+            <a:endParaRPr lang="zh-TW" altLang="en-US"/>
+          </a:p>
+        </p:txBody>
+      </p:sp>
+      <p:sp>
+        <p:nvSpPr>
+          <p:cNvPr id="6" name="矩形圖說文字 5"/>
+          <p:cNvSpPr/>
+          <p:nvPr/>
+        </p:nvSpPr>
+        <p:spPr>
+          <a:xfrm>
+            <a:off x="4860032" y="4149080"/>
+            <a:ext cx="2664297" cy="760832"/>
+          </a:xfrm>
+          <a:prstGeom prst="wedgeRectCallout">
+            <a:avLst>
+              <a:gd name="adj1" fmla="val -71356"/>
+              <a:gd name="adj2" fmla="val -67807"/>
+            </a:avLst>
+          </a:prstGeom>
+          <a:solidFill>
+            <a:schemeClr val="bg1"/>
+          </a:solidFill>
+          <a:ln>
+            <a:solidFill>
+              <a:srgbClr val="FF0000"/>
+            </a:solidFill>
+          </a:ln>
+        </p:spPr>
+        <p:style>
+          <a:lnRef idx="2">
+            <a:schemeClr val="accent1">
+              <a:shade val="50000"/>
+            </a:schemeClr>
+          </a:lnRef>
+          <a:fillRef idx="1">
+            <a:schemeClr val="accent1"/>
+          </a:fillRef>
+          <a:effectRef idx="0">
+            <a:schemeClr val="accent1"/>
+          </a:effectRef>
+          <a:fontRef idx="minor">
+            <a:schemeClr val="lt1"/>
+          </a:fontRef>
+        </p:style>
+        <p:txBody>
+          <a:bodyPr rtlCol="0" anchor="ctr"/>
+          <a:lstStyle/>
+          <a:p>
+            <a:pPr algn="ctr"/>
+            <a:r>
+              <a:rPr lang="en-US" altLang="zh-TW" dirty="0" err="1" smtClean="0">
+                <a:solidFill>
+                  <a:schemeClr val="tx1"/>
+                </a:solidFill>
+              </a:rPr>
+              <a:t>下載</a:t>
+            </a:r>
+            <a:r>
+              <a:rPr lang="en-US" altLang="zh-TW" dirty="0" smtClean="0">
+                <a:solidFill>
+                  <a:schemeClr val="tx1"/>
+                </a:solidFill>
+              </a:rPr>
+              <a:t> </a:t>
+            </a:r>
+          </a:p>
+          <a:p>
+            <a:pPr algn="ctr"/>
+            <a:r>
+              <a:rPr lang="en-US" altLang="zh-TW" dirty="0" err="1" smtClean="0">
+                <a:solidFill>
+                  <a:schemeClr val="tx1"/>
+                </a:solidFill>
+              </a:rPr>
+              <a:t>google-services.json</a:t>
+            </a:r>
+            <a:r>
+              <a:rPr lang="en-US" altLang="zh-TW" dirty="0" smtClean="0">
+                <a:solidFill>
+                  <a:schemeClr val="tx1"/>
+                </a:solidFill>
+              </a:rPr>
+              <a:t> </a:t>
+            </a:r>
+            <a:endParaRPr lang="zh-TW" altLang="en-US" dirty="0">
+              <a:solidFill>
+                <a:schemeClr val="tx1"/>
+              </a:solidFill>
+            </a:endParaRPr>
+          </a:p>
+        </p:txBody>
+      </p:sp>
+    </p:spTree>
+    <p:extLst>
+      <p:ext uri="{BB962C8B-B14F-4D97-AF65-F5344CB8AC3E}">
+        <p14:creationId xmlns:p14="http://schemas.microsoft.com/office/powerpoint/2010/main" val="3726671194"/>
+      </p:ext>
+    </p:extLst>
+  </p:cSld>
+  <p:clrMapOvr>
+    <a:masterClrMapping/>
+  </p:clrMapOvr>
+</p:sld>
+</file>
+
+<file path=ppt/slides/slide26.xml><?xml version="1.0" encoding="utf-8"?>
 <p:sld xmlns:a="http://schemas.openxmlformats.org/drawingml/2006/main" xmlns:r="http://schemas.openxmlformats.org/officeDocument/2006/relationships" xmlns:p="http://schemas.openxmlformats.org/presentationml/2006/main">
   <p:cSld>
     <p:spTree>
@@ -7467,7 +8675,7 @@
 </p:sld>
 </file>
 
-<file path=ppt/slides/slide23.xml><?xml version="1.0" encoding="utf-8"?>
+<file path=ppt/slides/slide27.xml><?xml version="1.0" encoding="utf-8"?>
 <p:sld xmlns:a="http://schemas.openxmlformats.org/drawingml/2006/main" xmlns:r="http://schemas.openxmlformats.org/officeDocument/2006/relationships" xmlns:p="http://schemas.openxmlformats.org/presentationml/2006/main">
   <p:cSld>
     <p:spTree>
@@ -7699,7 +8907,7 @@
 </p:sld>
 </file>
 
-<file path=ppt/slides/slide24.xml><?xml version="1.0" encoding="utf-8"?>
+<file path=ppt/slides/slide28.xml><?xml version="1.0" encoding="utf-8"?>
 <p:sld xmlns:a="http://schemas.openxmlformats.org/drawingml/2006/main" xmlns:r="http://schemas.openxmlformats.org/officeDocument/2006/relationships" xmlns:p="http://schemas.openxmlformats.org/presentationml/2006/main">
   <p:cSld>
     <p:spTree>
@@ -8900,7 +10108,7 @@
 </p:sld>
 </file>
 
-<file path=ppt/slides/slide25.xml><?xml version="1.0" encoding="utf-8"?>
+<file path=ppt/slides/slide29.xml><?xml version="1.0" encoding="utf-8"?>
 <p:sld xmlns:a="http://schemas.openxmlformats.org/drawingml/2006/main" xmlns:r="http://schemas.openxmlformats.org/officeDocument/2006/relationships" xmlns:p="http://schemas.openxmlformats.org/presentationml/2006/main">
   <p:cSld>
     <p:spTree>
@@ -9329,1437 +10537,6 @@
 </p:sld>
 </file>
 
-<file path=ppt/slides/slide26.xml><?xml version="1.0" encoding="utf-8"?>
-<p:sld xmlns:a="http://schemas.openxmlformats.org/drawingml/2006/main" xmlns:r="http://schemas.openxmlformats.org/officeDocument/2006/relationships" xmlns:p="http://schemas.openxmlformats.org/presentationml/2006/main">
-  <p:cSld>
-    <p:spTree>
-      <p:nvGrpSpPr>
-        <p:cNvPr id="1" name=""/>
-        <p:cNvGrpSpPr/>
-        <p:nvPr/>
-      </p:nvGrpSpPr>
-      <p:grpSpPr>
-        <a:xfrm>
-          <a:off x="0" y="0"/>
-          <a:ext cx="0" cy="0"/>
-          <a:chOff x="0" y="0"/>
-          <a:chExt cx="0" cy="0"/>
-        </a:xfrm>
-      </p:grpSpPr>
-      <p:sp>
-        <p:nvSpPr>
-          <p:cNvPr id="2" name="標題 1"/>
-          <p:cNvSpPr>
-            <a:spLocks noGrp="1"/>
-          </p:cNvSpPr>
-          <p:nvPr>
-            <p:ph type="title"/>
-          </p:nvPr>
-        </p:nvSpPr>
-        <p:spPr/>
-        <p:txBody>
-          <a:bodyPr/>
-          <a:lstStyle/>
-          <a:p>
-            <a:r>
-              <a:rPr lang="en-US" altLang="zh-TW" dirty="0"/>
-              <a:t>Downstream Messaging </a:t>
-            </a:r>
-            <a:r>
-              <a:rPr lang="en-US" altLang="zh-TW" dirty="0" smtClean="0"/>
-              <a:t>(2/7</a:t>
-            </a:r>
-            <a:r>
-              <a:rPr lang="en-US" altLang="zh-TW" dirty="0"/>
-              <a:t>)</a:t>
-            </a:r>
-            <a:endParaRPr lang="zh-TW" altLang="en-US" dirty="0"/>
-          </a:p>
-        </p:txBody>
-      </p:sp>
-      <p:sp>
-        <p:nvSpPr>
-          <p:cNvPr id="3" name="內容版面配置區 2"/>
-          <p:cNvSpPr>
-            <a:spLocks noGrp="1"/>
-          </p:cNvSpPr>
-          <p:nvPr>
-            <p:ph idx="1"/>
-          </p:nvPr>
-        </p:nvSpPr>
-        <p:spPr/>
-        <p:txBody>
-          <a:bodyPr/>
-          <a:lstStyle/>
-          <a:p>
-            <a:r>
-              <a:rPr lang="en-US" altLang="zh-TW" dirty="0" smtClean="0"/>
-              <a:t>Server 向 GCM </a:t>
-            </a:r>
-            <a:r>
-              <a:rPr lang="en-US" altLang="zh-TW" dirty="0" err="1" smtClean="0"/>
-              <a:t>發訊息</a:t>
-            </a:r>
-            <a:r>
-              <a:rPr lang="en-US" altLang="zh-TW" dirty="0" smtClean="0"/>
-              <a:t> (1/4)</a:t>
-            </a:r>
-          </a:p>
-          <a:p>
-            <a:pPr lvl="1"/>
-            <a:r>
-              <a:rPr lang="en-US" altLang="zh-TW" dirty="0"/>
-              <a:t>URL: </a:t>
-            </a:r>
-            <a:r>
-              <a:rPr lang="en-US" altLang="zh-TW" dirty="0">
-                <a:hlinkClick r:id="rId2"/>
-              </a:rPr>
-              <a:t>https://</a:t>
-            </a:r>
-            <a:r>
-              <a:rPr lang="en-US" altLang="zh-TW" dirty="0" smtClean="0">
-                <a:hlinkClick r:id="rId2"/>
-              </a:rPr>
-              <a:t>android.googleapis.com/gcm/send</a:t>
-            </a:r>
-            <a:endParaRPr lang="en-US" altLang="zh-TW" dirty="0" smtClean="0"/>
-          </a:p>
-          <a:p>
-            <a:pPr lvl="1"/>
-            <a:r>
-              <a:rPr lang="en-US" altLang="zh-TW" dirty="0" smtClean="0"/>
-              <a:t>Header </a:t>
-            </a:r>
-            <a:r>
-              <a:rPr lang="en-US" altLang="zh-TW" dirty="0" err="1" smtClean="0"/>
-              <a:t>設定</a:t>
-            </a:r>
-            <a:endParaRPr lang="en-US" altLang="zh-TW" dirty="0" smtClean="0"/>
-          </a:p>
-          <a:p>
-            <a:pPr lvl="2"/>
-            <a:r>
-              <a:rPr lang="en-US" altLang="zh-TW" dirty="0"/>
-              <a:t>Authorization: </a:t>
-            </a:r>
-            <a:r>
-              <a:rPr lang="en-US" altLang="zh-TW" dirty="0" smtClean="0"/>
-              <a:t>API Key (API </a:t>
-            </a:r>
-            <a:r>
-              <a:rPr lang="en-US" altLang="zh-TW" dirty="0" err="1" smtClean="0"/>
-              <a:t>金鑰</a:t>
-            </a:r>
-            <a:r>
-              <a:rPr lang="en-US" altLang="zh-TW" dirty="0" smtClean="0"/>
-              <a:t>)</a:t>
-            </a:r>
-          </a:p>
-          <a:p>
-            <a:pPr lvl="2"/>
-            <a:r>
-              <a:rPr lang="en-US" altLang="zh-TW" dirty="0"/>
-              <a:t>Content-Type: </a:t>
-            </a:r>
-            <a:r>
-              <a:rPr lang="en-US" altLang="zh-TW" dirty="0" smtClean="0"/>
-              <a:t>application/</a:t>
-            </a:r>
-            <a:r>
-              <a:rPr lang="en-US" altLang="zh-TW" dirty="0" err="1" smtClean="0"/>
-              <a:t>json</a:t>
-            </a:r>
-            <a:endParaRPr lang="en-US" altLang="zh-TW" dirty="0" smtClean="0"/>
-          </a:p>
-          <a:p>
-            <a:pPr lvl="2"/>
-            <a:endParaRPr lang="en-US" altLang="zh-TW" dirty="0" smtClean="0"/>
-          </a:p>
-        </p:txBody>
-      </p:sp>
-    </p:spTree>
-    <p:extLst>
-      <p:ext uri="{BB962C8B-B14F-4D97-AF65-F5344CB8AC3E}">
-        <p14:creationId xmlns:p14="http://schemas.microsoft.com/office/powerpoint/2010/main" val="65801463"/>
-      </p:ext>
-    </p:extLst>
-  </p:cSld>
-  <p:clrMapOvr>
-    <a:masterClrMapping/>
-  </p:clrMapOvr>
-  <p:timing>
-    <p:tnLst>
-      <p:par>
-        <p:cTn id="1" dur="indefinite" restart="never" nodeType="tmRoot"/>
-      </p:par>
-    </p:tnLst>
-  </p:timing>
-</p:sld>
-</file>
-
-<file path=ppt/slides/slide27.xml><?xml version="1.0" encoding="utf-8"?>
-<p:sld xmlns:a="http://schemas.openxmlformats.org/drawingml/2006/main" xmlns:r="http://schemas.openxmlformats.org/officeDocument/2006/relationships" xmlns:p="http://schemas.openxmlformats.org/presentationml/2006/main">
-  <p:cSld>
-    <p:spTree>
-      <p:nvGrpSpPr>
-        <p:cNvPr id="1" name=""/>
-        <p:cNvGrpSpPr/>
-        <p:nvPr/>
-      </p:nvGrpSpPr>
-      <p:grpSpPr>
-        <a:xfrm>
-          <a:off x="0" y="0"/>
-          <a:ext cx="0" cy="0"/>
-          <a:chOff x="0" y="0"/>
-          <a:chExt cx="0" cy="0"/>
-        </a:xfrm>
-      </p:grpSpPr>
-      <p:sp>
-        <p:nvSpPr>
-          <p:cNvPr id="2" name="標題 1"/>
-          <p:cNvSpPr>
-            <a:spLocks noGrp="1"/>
-          </p:cNvSpPr>
-          <p:nvPr>
-            <p:ph type="title"/>
-          </p:nvPr>
-        </p:nvSpPr>
-        <p:spPr/>
-        <p:txBody>
-          <a:bodyPr/>
-          <a:lstStyle/>
-          <a:p>
-            <a:r>
-              <a:rPr lang="en-US" altLang="zh-TW" dirty="0"/>
-              <a:t>Downstream Messaging </a:t>
-            </a:r>
-            <a:r>
-              <a:rPr lang="en-US" altLang="zh-TW" dirty="0" smtClean="0"/>
-              <a:t>(3/7</a:t>
-            </a:r>
-            <a:r>
-              <a:rPr lang="en-US" altLang="zh-TW" dirty="0"/>
-              <a:t>)</a:t>
-            </a:r>
-            <a:endParaRPr lang="zh-TW" altLang="en-US" dirty="0"/>
-          </a:p>
-        </p:txBody>
-      </p:sp>
-      <p:sp>
-        <p:nvSpPr>
-          <p:cNvPr id="3" name="內容版面配置區 2"/>
-          <p:cNvSpPr>
-            <a:spLocks noGrp="1"/>
-          </p:cNvSpPr>
-          <p:nvPr>
-            <p:ph idx="1"/>
-          </p:nvPr>
-        </p:nvSpPr>
-        <p:spPr/>
-        <p:txBody>
-          <a:bodyPr>
-            <a:normAutofit/>
-          </a:bodyPr>
-          <a:lstStyle/>
-          <a:p>
-            <a:r>
-              <a:rPr lang="en-US" altLang="zh-TW" dirty="0">
-                <a:latin typeface="+mn-ea"/>
-              </a:rPr>
-              <a:t>Server 向 GCM </a:t>
-            </a:r>
-            <a:r>
-              <a:rPr lang="en-US" altLang="zh-TW" dirty="0" err="1">
-                <a:latin typeface="+mn-ea"/>
-              </a:rPr>
-              <a:t>發訊息</a:t>
-            </a:r>
-            <a:r>
-              <a:rPr lang="en-US" altLang="zh-TW" dirty="0"/>
-              <a:t> (</a:t>
-            </a:r>
-            <a:r>
-              <a:rPr lang="en-US" altLang="zh-TW" dirty="0" smtClean="0"/>
-              <a:t>2/4)</a:t>
-            </a:r>
-          </a:p>
-          <a:p>
-            <a:pPr lvl="1"/>
-            <a:r>
-              <a:rPr lang="en-US" altLang="zh-TW" dirty="0">
-                <a:latin typeface="+mn-ea"/>
-              </a:rPr>
-              <a:t>post </a:t>
-            </a:r>
-            <a:r>
-              <a:rPr lang="en-US" altLang="zh-TW" dirty="0" err="1">
-                <a:latin typeface="+mn-ea"/>
-              </a:rPr>
-              <a:t>資料，JSON格式</a:t>
-            </a:r>
-            <a:r>
-              <a:rPr lang="en-US" altLang="zh-TW" dirty="0" smtClean="0">
-                <a:latin typeface="+mn-ea"/>
-              </a:rPr>
-              <a:t>(1): </a:t>
-            </a:r>
-            <a:r>
-              <a:rPr lang="en-US" altLang="zh-TW" dirty="0" err="1" smtClean="0">
-                <a:latin typeface="+mn-ea"/>
-              </a:rPr>
-              <a:t>傳送單一user</a:t>
-            </a:r>
-            <a:endParaRPr lang="en-US" altLang="zh-TW" dirty="0">
-              <a:latin typeface="+mn-ea"/>
-            </a:endParaRPr>
-          </a:p>
-          <a:p>
-            <a:pPr marL="457200" lvl="1" indent="0">
-              <a:buNone/>
-            </a:pPr>
-            <a:r>
-              <a:rPr lang="en-US" altLang="zh-TW" sz="1600" dirty="0" smtClean="0">
-                <a:latin typeface="+mj-ea"/>
-                <a:ea typeface="+mj-ea"/>
-              </a:rPr>
-              <a:t>{ "</a:t>
-            </a:r>
-            <a:r>
-              <a:rPr lang="en-US" altLang="zh-TW" sz="1600" dirty="0">
-                <a:latin typeface="+mj-ea"/>
-                <a:ea typeface="+mj-ea"/>
-              </a:rPr>
-              <a:t>to" : </a:t>
-            </a:r>
-            <a:r>
-              <a:rPr lang="en-US" altLang="zh-TW" sz="1600" dirty="0" smtClean="0">
-                <a:latin typeface="+mj-ea"/>
-                <a:ea typeface="+mj-ea"/>
-              </a:rPr>
-              <a:t>"</a:t>
-            </a:r>
-            <a:r>
-              <a:rPr lang="en-US" altLang="zh-TW" sz="1600" b="1" dirty="0">
-                <a:solidFill>
-                  <a:srgbClr val="FF0000"/>
-                </a:solidFill>
-                <a:latin typeface="+mn-ea"/>
-              </a:rPr>
-              <a:t> </a:t>
-            </a:r>
-            <a:r>
-              <a:rPr lang="en-US" altLang="zh-TW" sz="1600" b="1" dirty="0" err="1">
-                <a:solidFill>
-                  <a:srgbClr val="FF0000"/>
-                </a:solidFill>
-                <a:latin typeface="+mn-ea"/>
-              </a:rPr>
-              <a:t>user註冊的register</a:t>
-            </a:r>
-            <a:r>
-              <a:rPr lang="en-US" altLang="zh-TW" sz="1600" b="1" dirty="0">
-                <a:solidFill>
-                  <a:srgbClr val="FF0000"/>
-                </a:solidFill>
-                <a:latin typeface="+mn-ea"/>
-              </a:rPr>
-              <a:t> ID</a:t>
-            </a:r>
-            <a:r>
-              <a:rPr lang="en-US" altLang="zh-TW" sz="1600" dirty="0" smtClean="0">
-                <a:latin typeface="+mj-ea"/>
-                <a:ea typeface="+mj-ea"/>
-              </a:rPr>
-              <a:t>“,</a:t>
-            </a:r>
-            <a:r>
-              <a:rPr lang="en-US" altLang="zh-TW" sz="1600" dirty="0">
-                <a:latin typeface="+mj-ea"/>
-                <a:ea typeface="+mj-ea"/>
-              </a:rPr>
-              <a:t/>
-            </a:r>
-            <a:br>
-              <a:rPr lang="en-US" altLang="zh-TW" sz="1600" dirty="0">
-                <a:latin typeface="+mj-ea"/>
-                <a:ea typeface="+mj-ea"/>
-              </a:rPr>
-            </a:br>
-            <a:r>
-              <a:rPr lang="en-US" altLang="zh-TW" sz="1600" dirty="0" smtClean="0">
-                <a:latin typeface="+mj-ea"/>
-                <a:ea typeface="+mj-ea"/>
-              </a:rPr>
-              <a:t>   "</a:t>
-            </a:r>
-            <a:r>
-              <a:rPr lang="en-US" altLang="zh-TW" sz="1600" dirty="0">
-                <a:latin typeface="+mj-ea"/>
-                <a:ea typeface="+mj-ea"/>
-              </a:rPr>
-              <a:t>data": </a:t>
-            </a:r>
-            <a:r>
-              <a:rPr lang="en-US" altLang="zh-TW" sz="1600" dirty="0" smtClean="0">
-                <a:latin typeface="+mj-ea"/>
-                <a:ea typeface="+mj-ea"/>
-              </a:rPr>
-              <a:t>{</a:t>
-            </a:r>
-            <a:r>
-              <a:rPr lang="en-US" altLang="zh-TW" sz="1600" b="1" dirty="0" err="1">
-                <a:solidFill>
-                  <a:srgbClr val="FF0000"/>
-                </a:solidFill>
-                <a:latin typeface="+mn-ea"/>
-              </a:rPr>
-              <a:t>傳送訊息內容</a:t>
-            </a:r>
-            <a:r>
-              <a:rPr lang="en-US" altLang="zh-TW" sz="1600" b="1" dirty="0">
-                <a:solidFill>
-                  <a:srgbClr val="FF0000"/>
-                </a:solidFill>
-                <a:latin typeface="+mn-ea"/>
-              </a:rPr>
-              <a:t> </a:t>
-            </a:r>
-            <a:r>
-              <a:rPr lang="en-US" altLang="zh-TW" sz="1600" dirty="0" smtClean="0">
-                <a:latin typeface="+mj-ea"/>
-                <a:ea typeface="+mj-ea"/>
-              </a:rPr>
-              <a:t>}</a:t>
-            </a:r>
-            <a:r>
-              <a:rPr lang="en-US" altLang="zh-TW" sz="1600" dirty="0">
-                <a:latin typeface="+mj-ea"/>
-                <a:ea typeface="+mj-ea"/>
-              </a:rPr>
-              <a:t> </a:t>
-            </a:r>
-            <a:r>
-              <a:rPr lang="en-US" altLang="zh-TW" sz="1600" dirty="0" smtClean="0">
-                <a:latin typeface="+mj-ea"/>
-                <a:ea typeface="+mj-ea"/>
-              </a:rPr>
-              <a:t>}</a:t>
-            </a:r>
-          </a:p>
-          <a:p>
-            <a:pPr marL="457200" lvl="1" indent="0">
-              <a:buNone/>
-            </a:pPr>
-            <a:endParaRPr lang="en-US" altLang="zh-TW" sz="1600" dirty="0">
-              <a:latin typeface="+mj-ea"/>
-              <a:ea typeface="+mj-ea"/>
-            </a:endParaRPr>
-          </a:p>
-          <a:p>
-            <a:pPr marL="457200" lvl="1" indent="0">
-              <a:buNone/>
-            </a:pPr>
-            <a:r>
-              <a:rPr lang="en-US" altLang="zh-TW" sz="1600" dirty="0" smtClean="0">
-                <a:latin typeface="+mj-ea"/>
-                <a:ea typeface="+mj-ea"/>
-              </a:rPr>
-              <a:t>Ex:</a:t>
-            </a:r>
-          </a:p>
-          <a:p>
-            <a:pPr marL="457200" lvl="1" indent="0">
-              <a:buNone/>
-            </a:pPr>
-            <a:r>
-              <a:rPr lang="en-US" altLang="zh-TW" sz="1600" dirty="0" smtClean="0"/>
-              <a:t>{ "</a:t>
-            </a:r>
-            <a:r>
-              <a:rPr lang="en-US" altLang="zh-TW" sz="1600" dirty="0"/>
-              <a:t>to" : "bk3RNwTe3H0:CI2k_HHwgIpoDKCIZvvDMExUdFQ3P1</a:t>
-            </a:r>
-            <a:r>
-              <a:rPr lang="en-US" altLang="zh-TW" sz="1600" dirty="0" smtClean="0"/>
-              <a:t>...“,</a:t>
-            </a:r>
-            <a:r>
-              <a:rPr lang="en-US" altLang="zh-TW" sz="1600" dirty="0"/>
-              <a:t/>
-            </a:r>
-            <a:br>
-              <a:rPr lang="en-US" altLang="zh-TW" sz="1600" dirty="0"/>
-            </a:br>
-            <a:r>
-              <a:rPr lang="en-US" altLang="zh-TW" sz="1600" dirty="0" smtClean="0"/>
-              <a:t>  "</a:t>
-            </a:r>
-            <a:r>
-              <a:rPr lang="en-US" altLang="zh-TW" sz="1600" dirty="0"/>
-              <a:t>data": {</a:t>
-            </a:r>
-            <a:br>
-              <a:rPr lang="en-US" altLang="zh-TW" sz="1600" dirty="0"/>
-            </a:br>
-            <a:r>
-              <a:rPr lang="en-US" altLang="zh-TW" sz="1600" dirty="0"/>
-              <a:t>    "score": "5x1",</a:t>
-            </a:r>
-            <a:br>
-              <a:rPr lang="en-US" altLang="zh-TW" sz="1600" dirty="0"/>
-            </a:br>
-            <a:r>
-              <a:rPr lang="en-US" altLang="zh-TW" sz="1600" dirty="0"/>
-              <a:t>    "time": "15:10"</a:t>
-            </a:r>
-            <a:br>
-              <a:rPr lang="en-US" altLang="zh-TW" sz="1600" dirty="0"/>
-            </a:br>
-            <a:r>
-              <a:rPr lang="en-US" altLang="zh-TW" sz="1600" dirty="0"/>
-              <a:t>  </a:t>
-            </a:r>
-            <a:r>
-              <a:rPr lang="en-US" altLang="zh-TW" sz="1600" dirty="0" smtClean="0"/>
-              <a:t>}</a:t>
-            </a:r>
-            <a:r>
-              <a:rPr lang="en-US" altLang="zh-TW" sz="1600" dirty="0"/>
-              <a:t/>
-            </a:r>
-            <a:br>
-              <a:rPr lang="en-US" altLang="zh-TW" sz="1600" dirty="0"/>
-            </a:br>
-            <a:r>
-              <a:rPr lang="en-US" altLang="zh-TW" sz="1600" dirty="0"/>
-              <a:t> </a:t>
-            </a:r>
-            <a:r>
-              <a:rPr lang="en-US" altLang="zh-TW" sz="1600" dirty="0" smtClean="0"/>
-              <a:t>}</a:t>
-            </a:r>
-            <a:endParaRPr lang="en-US" altLang="zh-TW" sz="1600" dirty="0">
-              <a:latin typeface="+mj-ea"/>
-              <a:ea typeface="+mj-ea"/>
-            </a:endParaRPr>
-          </a:p>
-          <a:p>
-            <a:endParaRPr lang="zh-TW" altLang="en-US" dirty="0"/>
-          </a:p>
-        </p:txBody>
-      </p:sp>
-    </p:spTree>
-    <p:extLst>
-      <p:ext uri="{BB962C8B-B14F-4D97-AF65-F5344CB8AC3E}">
-        <p14:creationId xmlns:p14="http://schemas.microsoft.com/office/powerpoint/2010/main" val="1629082285"/>
-      </p:ext>
-    </p:extLst>
-  </p:cSld>
-  <p:clrMapOvr>
-    <a:masterClrMapping/>
-  </p:clrMapOvr>
-  <p:timing>
-    <p:tnLst>
-      <p:par>
-        <p:cTn id="1" dur="indefinite" restart="never" nodeType="tmRoot"/>
-      </p:par>
-    </p:tnLst>
-  </p:timing>
-</p:sld>
-</file>
-
-<file path=ppt/slides/slide28.xml><?xml version="1.0" encoding="utf-8"?>
-<p:sld xmlns:a="http://schemas.openxmlformats.org/drawingml/2006/main" xmlns:r="http://schemas.openxmlformats.org/officeDocument/2006/relationships" xmlns:p="http://schemas.openxmlformats.org/presentationml/2006/main">
-  <p:cSld>
-    <p:spTree>
-      <p:nvGrpSpPr>
-        <p:cNvPr id="1" name=""/>
-        <p:cNvGrpSpPr/>
-        <p:nvPr/>
-      </p:nvGrpSpPr>
-      <p:grpSpPr>
-        <a:xfrm>
-          <a:off x="0" y="0"/>
-          <a:ext cx="0" cy="0"/>
-          <a:chOff x="0" y="0"/>
-          <a:chExt cx="0" cy="0"/>
-        </a:xfrm>
-      </p:grpSpPr>
-      <p:sp>
-        <p:nvSpPr>
-          <p:cNvPr id="2" name="標題 1"/>
-          <p:cNvSpPr>
-            <a:spLocks noGrp="1"/>
-          </p:cNvSpPr>
-          <p:nvPr>
-            <p:ph type="title"/>
-          </p:nvPr>
-        </p:nvSpPr>
-        <p:spPr/>
-        <p:txBody>
-          <a:bodyPr/>
-          <a:lstStyle/>
-          <a:p>
-            <a:r>
-              <a:rPr lang="en-US" altLang="zh-TW" dirty="0"/>
-              <a:t>Downstream Messaging </a:t>
-            </a:r>
-            <a:r>
-              <a:rPr lang="en-US" altLang="zh-TW" dirty="0" smtClean="0"/>
-              <a:t>(4/7</a:t>
-            </a:r>
-            <a:r>
-              <a:rPr lang="en-US" altLang="zh-TW" dirty="0"/>
-              <a:t>)</a:t>
-            </a:r>
-            <a:endParaRPr lang="zh-TW" altLang="en-US" dirty="0"/>
-          </a:p>
-        </p:txBody>
-      </p:sp>
-      <p:sp>
-        <p:nvSpPr>
-          <p:cNvPr id="3" name="內容版面配置區 2"/>
-          <p:cNvSpPr>
-            <a:spLocks noGrp="1"/>
-          </p:cNvSpPr>
-          <p:nvPr>
-            <p:ph idx="1"/>
-          </p:nvPr>
-        </p:nvSpPr>
-        <p:spPr/>
-        <p:txBody>
-          <a:bodyPr>
-            <a:normAutofit/>
-          </a:bodyPr>
-          <a:lstStyle/>
-          <a:p>
-            <a:r>
-              <a:rPr lang="en-US" altLang="zh-TW" dirty="0" smtClean="0">
-                <a:latin typeface="+mn-ea"/>
-              </a:rPr>
-              <a:t>Server 向 GCM </a:t>
-            </a:r>
-            <a:r>
-              <a:rPr lang="en-US" altLang="zh-TW" dirty="0" err="1" smtClean="0">
-                <a:latin typeface="+mn-ea"/>
-              </a:rPr>
-              <a:t>發訊息</a:t>
-            </a:r>
-            <a:r>
-              <a:rPr lang="en-US" altLang="zh-TW" dirty="0"/>
-              <a:t> </a:t>
-            </a:r>
-            <a:r>
-              <a:rPr lang="en-US" altLang="zh-TW" dirty="0" smtClean="0"/>
-              <a:t>(3/4)</a:t>
-            </a:r>
-            <a:endParaRPr lang="en-US" altLang="zh-TW" dirty="0" smtClean="0">
-              <a:latin typeface="+mn-ea"/>
-            </a:endParaRPr>
-          </a:p>
-          <a:p>
-            <a:pPr lvl="1"/>
-            <a:r>
-              <a:rPr lang="en-US" altLang="zh-TW" dirty="0" smtClean="0">
-                <a:latin typeface="+mn-ea"/>
-              </a:rPr>
-              <a:t>post </a:t>
-            </a:r>
-            <a:r>
-              <a:rPr lang="en-US" altLang="zh-TW" dirty="0" err="1">
-                <a:latin typeface="+mn-ea"/>
-              </a:rPr>
-              <a:t>資料</a:t>
-            </a:r>
-            <a:r>
-              <a:rPr lang="en-US" altLang="zh-TW" dirty="0" err="1" smtClean="0">
-                <a:latin typeface="+mn-ea"/>
-              </a:rPr>
-              <a:t>，JSON格式</a:t>
-            </a:r>
-            <a:r>
-              <a:rPr lang="en-US" altLang="zh-TW" dirty="0" smtClean="0">
-                <a:latin typeface="+mn-ea"/>
-              </a:rPr>
-              <a:t>(2): </a:t>
-            </a:r>
-            <a:r>
-              <a:rPr lang="en-US" altLang="zh-TW" dirty="0" err="1" smtClean="0">
-                <a:latin typeface="+mn-ea"/>
-              </a:rPr>
-              <a:t>傳送多個user</a:t>
-            </a:r>
-            <a:endParaRPr lang="en-US" altLang="zh-TW" dirty="0" smtClean="0">
-              <a:latin typeface="+mn-ea"/>
-            </a:endParaRPr>
-          </a:p>
-          <a:p>
-            <a:pPr marL="400050" lvl="2" indent="0">
-              <a:buNone/>
-            </a:pPr>
-            <a:r>
-              <a:rPr lang="en-US" altLang="zh-TW" sz="1600" dirty="0" smtClean="0">
-                <a:latin typeface="+mn-ea"/>
-              </a:rPr>
-              <a:t>{“</a:t>
-            </a:r>
-            <a:r>
-              <a:rPr lang="en-US" altLang="zh-TW" sz="1600" dirty="0" err="1" smtClean="0">
-                <a:latin typeface="+mn-ea"/>
-              </a:rPr>
-              <a:t>registration_ids</a:t>
-            </a:r>
-            <a:r>
-              <a:rPr lang="en-US" altLang="zh-TW" sz="1600" dirty="0" smtClean="0">
-                <a:latin typeface="+mn-ea"/>
-              </a:rPr>
-              <a:t>":[“</a:t>
-            </a:r>
-            <a:r>
-              <a:rPr lang="en-US" altLang="zh-TW" sz="1600" b="1" dirty="0" err="1" smtClean="0">
-                <a:solidFill>
-                  <a:srgbClr val="FF0000"/>
-                </a:solidFill>
-                <a:latin typeface="+mn-ea"/>
-              </a:rPr>
-              <a:t>user註冊的register</a:t>
-            </a:r>
-            <a:r>
-              <a:rPr lang="en-US" altLang="zh-TW" sz="1600" b="1" dirty="0" smtClean="0">
-                <a:solidFill>
-                  <a:srgbClr val="FF0000"/>
-                </a:solidFill>
-                <a:latin typeface="+mn-ea"/>
-              </a:rPr>
-              <a:t> ID</a:t>
-            </a:r>
-            <a:r>
-              <a:rPr lang="en-US" altLang="zh-TW" sz="1600" dirty="0" smtClean="0">
-                <a:latin typeface="+mn-ea"/>
-              </a:rPr>
-              <a:t>"],   </a:t>
-            </a:r>
-          </a:p>
-          <a:p>
-            <a:pPr marL="400050" lvl="2" indent="0">
-              <a:buNone/>
-            </a:pPr>
-            <a:r>
-              <a:rPr lang="en-US" altLang="zh-TW" sz="1600" dirty="0">
-                <a:latin typeface="+mn-ea"/>
-              </a:rPr>
-              <a:t> </a:t>
-            </a:r>
-            <a:r>
-              <a:rPr lang="en-US" altLang="zh-TW" sz="1600" dirty="0" smtClean="0">
-                <a:latin typeface="+mn-ea"/>
-              </a:rPr>
-              <a:t>  "</a:t>
-            </a:r>
-            <a:r>
-              <a:rPr lang="en-US" altLang="zh-TW" sz="1600" dirty="0">
-                <a:latin typeface="+mn-ea"/>
-              </a:rPr>
-              <a:t>data</a:t>
-            </a:r>
-            <a:r>
-              <a:rPr lang="en-US" altLang="zh-TW" sz="1600" dirty="0" smtClean="0">
-                <a:latin typeface="+mn-ea"/>
-              </a:rPr>
-              <a:t>":{</a:t>
-            </a:r>
-            <a:r>
-              <a:rPr lang="en-US" altLang="zh-TW" sz="1600" b="1" dirty="0" err="1" smtClean="0">
-                <a:solidFill>
-                  <a:srgbClr val="FF0000"/>
-                </a:solidFill>
-                <a:latin typeface="+mn-ea"/>
-              </a:rPr>
-              <a:t>傳送訊息內容</a:t>
-            </a:r>
-            <a:r>
-              <a:rPr lang="en-US" altLang="zh-TW" sz="1600" dirty="0" smtClean="0">
-                <a:latin typeface="+mn-ea"/>
-              </a:rPr>
-              <a:t>} </a:t>
-            </a:r>
-            <a:r>
-              <a:rPr lang="en-US" altLang="zh-TW" sz="1600" dirty="0">
-                <a:latin typeface="+mn-ea"/>
-              </a:rPr>
-              <a:t>}</a:t>
-            </a:r>
-            <a:endParaRPr lang="zh-TW" altLang="en-US" sz="1600" dirty="0">
-              <a:latin typeface="+mn-ea"/>
-            </a:endParaRPr>
-          </a:p>
-          <a:p>
-            <a:pPr marL="0" indent="0">
-              <a:buNone/>
-            </a:pPr>
-            <a:r>
-              <a:rPr lang="en-US" altLang="zh-TW" sz="1600" b="1" dirty="0" smtClean="0">
-                <a:latin typeface="+mn-ea"/>
-              </a:rPr>
-              <a:t>    Ex:</a:t>
-            </a:r>
-          </a:p>
-          <a:p>
-            <a:pPr marL="800100" lvl="2" indent="0">
-              <a:buNone/>
-            </a:pPr>
-            <a:r>
-              <a:rPr lang="en-US" altLang="zh-TW" sz="1600" dirty="0" smtClean="0">
-                <a:latin typeface="+mn-ea"/>
-              </a:rPr>
-              <a:t>{"</a:t>
-            </a:r>
-            <a:r>
-              <a:rPr lang="en-US" altLang="zh-TW" sz="1600" dirty="0" err="1" smtClean="0">
-                <a:latin typeface="+mn-ea"/>
-              </a:rPr>
-              <a:t>registration_ids</a:t>
-            </a:r>
-            <a:r>
-              <a:rPr lang="en-US" altLang="zh-TW" sz="1600" dirty="0" smtClean="0">
-                <a:latin typeface="+mn-ea"/>
-              </a:rPr>
-              <a:t>":["</a:t>
-            </a:r>
-            <a:r>
-              <a:rPr lang="en-US" altLang="zh-TW" sz="1600" b="1" dirty="0" smtClean="0">
-                <a:solidFill>
-                  <a:srgbClr val="FF0000"/>
-                </a:solidFill>
-                <a:latin typeface="+mn-ea"/>
-              </a:rPr>
-              <a:t>APA91bH2vsurFMpH2dQDYPIW8x</a:t>
-            </a:r>
-            <a:r>
-              <a:rPr lang="en-US" altLang="zh-TW" sz="1600" dirty="0" smtClean="0">
-                <a:latin typeface="+mn-ea"/>
-              </a:rPr>
-              <a:t>"],</a:t>
-            </a:r>
-          </a:p>
-          <a:p>
-            <a:pPr marL="800100" lvl="2" indent="0">
-              <a:buNone/>
-            </a:pPr>
-            <a:r>
-              <a:rPr lang="en-US" altLang="zh-TW" sz="1600" dirty="0" smtClean="0">
-                <a:latin typeface="+mn-ea"/>
-              </a:rPr>
-              <a:t>  "data":{</a:t>
-            </a:r>
-          </a:p>
-          <a:p>
-            <a:pPr marL="800100" lvl="2" indent="0">
-              <a:buNone/>
-            </a:pPr>
-            <a:r>
-              <a:rPr lang="en-US" altLang="zh-TW" sz="1600" dirty="0" smtClean="0">
-                <a:latin typeface="+mn-ea"/>
-              </a:rPr>
-              <a:t>	</a:t>
-            </a:r>
-            <a:r>
-              <a:rPr lang="en-US" altLang="zh-TW" sz="1600" b="1" dirty="0" smtClean="0">
-                <a:solidFill>
-                  <a:srgbClr val="FF0000"/>
-                </a:solidFill>
-                <a:latin typeface="+mn-ea"/>
-              </a:rPr>
-              <a:t>"message":{"model":"AAA-001", </a:t>
-            </a:r>
-          </a:p>
-          <a:p>
-            <a:pPr marL="800100" lvl="2" indent="0">
-              <a:buNone/>
-            </a:pPr>
-            <a:r>
-              <a:rPr lang="en-US" altLang="zh-TW" sz="1600" b="1" dirty="0" smtClean="0">
-                <a:solidFill>
-                  <a:srgbClr val="FF0000"/>
-                </a:solidFill>
-                <a:latin typeface="+mn-ea"/>
-              </a:rPr>
-              <a:t>	           "</a:t>
-            </a:r>
-            <a:r>
-              <a:rPr lang="en-US" altLang="zh-TW" sz="1600" b="1" dirty="0" err="1" smtClean="0">
-                <a:solidFill>
-                  <a:srgbClr val="FF0000"/>
-                </a:solidFill>
-                <a:latin typeface="+mn-ea"/>
-              </a:rPr>
-              <a:t>name":"Car</a:t>
-            </a:r>
-            <a:r>
-              <a:rPr lang="en-US" altLang="zh-TW" sz="1600" b="1" dirty="0" smtClean="0">
-                <a:solidFill>
-                  <a:srgbClr val="FF0000"/>
-                </a:solidFill>
-                <a:latin typeface="+mn-ea"/>
-              </a:rPr>
-              <a:t>", </a:t>
-            </a:r>
-          </a:p>
-          <a:p>
-            <a:pPr marL="800100" lvl="2" indent="0">
-              <a:buNone/>
-            </a:pPr>
-            <a:r>
-              <a:rPr lang="en-US" altLang="zh-TW" sz="1600" b="1" dirty="0" smtClean="0">
-                <a:solidFill>
-                  <a:srgbClr val="FF0000"/>
-                </a:solidFill>
-                <a:latin typeface="+mn-ea"/>
-              </a:rPr>
-              <a:t>		   "</a:t>
-            </a:r>
-            <a:r>
-              <a:rPr lang="en-US" altLang="zh-TW" sz="1600" b="1" dirty="0" err="1" smtClean="0">
-                <a:solidFill>
-                  <a:srgbClr val="FF0000"/>
-                </a:solidFill>
-                <a:latin typeface="+mn-ea"/>
-              </a:rPr>
-              <a:t>color":"Red</a:t>
-            </a:r>
-            <a:r>
-              <a:rPr lang="en-US" altLang="zh-TW" sz="1600" b="1" dirty="0" smtClean="0">
-                <a:solidFill>
-                  <a:srgbClr val="FF0000"/>
-                </a:solidFill>
-                <a:latin typeface="+mn-ea"/>
-              </a:rPr>
-              <a:t>" }</a:t>
-            </a:r>
-          </a:p>
-          <a:p>
-            <a:pPr marL="800100" lvl="2" indent="0">
-              <a:buNone/>
-            </a:pPr>
-            <a:r>
-              <a:rPr lang="en-US" altLang="zh-TW" sz="1600" dirty="0" smtClean="0">
-                <a:latin typeface="+mn-ea"/>
-              </a:rPr>
-              <a:t>	}</a:t>
-            </a:r>
-          </a:p>
-          <a:p>
-            <a:pPr marL="800100" lvl="2" indent="0">
-              <a:buNone/>
-            </a:pPr>
-            <a:r>
-              <a:rPr lang="en-US" altLang="zh-TW" sz="1600" dirty="0" smtClean="0">
-                <a:latin typeface="+mn-ea"/>
-              </a:rPr>
-              <a:t>}</a:t>
-            </a:r>
-            <a:endParaRPr lang="zh-TW" altLang="en-US" sz="1600" dirty="0">
-              <a:latin typeface="+mn-ea"/>
-            </a:endParaRPr>
-          </a:p>
-        </p:txBody>
-      </p:sp>
-      <p:sp>
-        <p:nvSpPr>
-          <p:cNvPr id="4" name="文字方塊 3"/>
-          <p:cNvSpPr txBox="1"/>
-          <p:nvPr/>
-        </p:nvSpPr>
-        <p:spPr>
-          <a:xfrm>
-            <a:off x="971600" y="5589240"/>
-            <a:ext cx="7311617" cy="1200329"/>
-          </a:xfrm>
-          <a:prstGeom prst="rect">
-            <a:avLst/>
-          </a:prstGeom>
-          <a:noFill/>
-        </p:spPr>
-        <p:txBody>
-          <a:bodyPr wrap="none" rtlCol="0">
-            <a:spAutoFit/>
-          </a:bodyPr>
-          <a:lstStyle/>
-          <a:p>
-            <a:pPr marL="457200" indent="-457200">
-              <a:buAutoNum type="arabicPeriod"/>
-            </a:pPr>
-            <a:r>
-              <a:rPr lang="en-US" altLang="zh-TW" sz="2400" b="1" dirty="0" err="1" smtClean="0">
-                <a:solidFill>
-                  <a:srgbClr val="FF0000"/>
-                </a:solidFill>
-                <a:latin typeface="+mn-ea"/>
-              </a:rPr>
-              <a:t>registration_ids</a:t>
-            </a:r>
-            <a:r>
-              <a:rPr lang="en-US" altLang="zh-TW" sz="2400" b="1" dirty="0" smtClean="0">
-                <a:solidFill>
-                  <a:srgbClr val="FF0000"/>
-                </a:solidFill>
-                <a:latin typeface="+mn-ea"/>
-              </a:rPr>
-              <a:t> </a:t>
-            </a:r>
-            <a:r>
-              <a:rPr lang="en-US" altLang="zh-TW" sz="2400" b="1" dirty="0" err="1" smtClean="0">
-                <a:solidFill>
-                  <a:srgbClr val="FF0000"/>
-                </a:solidFill>
-                <a:latin typeface="+mn-ea"/>
-              </a:rPr>
-              <a:t>可以設定多筆，就可以傳給多個user</a:t>
-            </a:r>
-            <a:endParaRPr lang="en-US" altLang="zh-TW" sz="2400" b="1" dirty="0" smtClean="0">
-              <a:solidFill>
-                <a:srgbClr val="FF0000"/>
-              </a:solidFill>
-              <a:latin typeface="+mn-ea"/>
-            </a:endParaRPr>
-          </a:p>
-          <a:p>
-            <a:pPr marL="457200" indent="-457200">
-              <a:buAutoNum type="arabicPeriod"/>
-            </a:pPr>
-            <a:r>
-              <a:rPr lang="en-US" altLang="zh-TW" sz="2400" b="1" dirty="0" smtClean="0">
-                <a:solidFill>
-                  <a:srgbClr val="FF0000"/>
-                </a:solidFill>
-                <a:latin typeface="+mn-ea"/>
-              </a:rPr>
-              <a:t>data </a:t>
-            </a:r>
-            <a:r>
-              <a:rPr lang="en-US" altLang="zh-TW" sz="2400" b="1" dirty="0" err="1" smtClean="0">
-                <a:solidFill>
-                  <a:srgbClr val="FF0000"/>
-                </a:solidFill>
-                <a:latin typeface="+mn-ea"/>
-              </a:rPr>
-              <a:t>內容可以自行定義，只要是JSON格式及可</a:t>
-            </a:r>
-            <a:endParaRPr lang="en-US" altLang="zh-TW" sz="2400" b="1" dirty="0" smtClean="0">
-              <a:solidFill>
-                <a:srgbClr val="FF0000"/>
-              </a:solidFill>
-              <a:latin typeface="+mn-ea"/>
-            </a:endParaRPr>
-          </a:p>
-          <a:p>
-            <a:pPr marL="457200" indent="-457200">
-              <a:buAutoNum type="arabicPeriod"/>
-            </a:pPr>
-            <a:r>
-              <a:rPr lang="en-US" altLang="zh-TW" sz="2400" b="1" dirty="0" smtClean="0">
-                <a:solidFill>
-                  <a:srgbClr val="FF0000"/>
-                </a:solidFill>
-                <a:latin typeface="+mn-ea"/>
-              </a:rPr>
-              <a:t>client </a:t>
-            </a:r>
-            <a:r>
-              <a:rPr lang="en-US" altLang="zh-TW" sz="2400" b="1" dirty="0" err="1" smtClean="0">
-                <a:solidFill>
-                  <a:srgbClr val="FF0000"/>
-                </a:solidFill>
-                <a:latin typeface="+mn-ea"/>
-              </a:rPr>
-              <a:t>收到及為”傳送訊息內容</a:t>
-            </a:r>
-            <a:r>
-              <a:rPr lang="en-US" altLang="zh-TW" sz="2400" b="1" dirty="0" smtClean="0">
-                <a:solidFill>
-                  <a:srgbClr val="FF0000"/>
-                </a:solidFill>
-                <a:latin typeface="+mn-ea"/>
-              </a:rPr>
-              <a:t>”</a:t>
-            </a:r>
-            <a:endParaRPr lang="zh-TW" altLang="en-US" sz="2400" b="1" dirty="0">
-              <a:solidFill>
-                <a:srgbClr val="FF0000"/>
-              </a:solidFill>
-            </a:endParaRPr>
-          </a:p>
-        </p:txBody>
-      </p:sp>
-    </p:spTree>
-    <p:extLst>
-      <p:ext uri="{BB962C8B-B14F-4D97-AF65-F5344CB8AC3E}">
-        <p14:creationId xmlns:p14="http://schemas.microsoft.com/office/powerpoint/2010/main" val="1603846154"/>
-      </p:ext>
-    </p:extLst>
-  </p:cSld>
-  <p:clrMapOvr>
-    <a:masterClrMapping/>
-  </p:clrMapOvr>
-  <p:timing>
-    <p:tnLst>
-      <p:par>
-        <p:cTn id="1" dur="indefinite" restart="never" nodeType="tmRoot"/>
-      </p:par>
-    </p:tnLst>
-  </p:timing>
-</p:sld>
-</file>
-
-<file path=ppt/slides/slide29.xml><?xml version="1.0" encoding="utf-8"?>
-<p:sld xmlns:a="http://schemas.openxmlformats.org/drawingml/2006/main" xmlns:r="http://schemas.openxmlformats.org/officeDocument/2006/relationships" xmlns:p="http://schemas.openxmlformats.org/presentationml/2006/main">
-  <p:cSld>
-    <p:spTree>
-      <p:nvGrpSpPr>
-        <p:cNvPr id="1" name=""/>
-        <p:cNvGrpSpPr/>
-        <p:nvPr/>
-      </p:nvGrpSpPr>
-      <p:grpSpPr>
-        <a:xfrm>
-          <a:off x="0" y="0"/>
-          <a:ext cx="0" cy="0"/>
-          <a:chOff x="0" y="0"/>
-          <a:chExt cx="0" cy="0"/>
-        </a:xfrm>
-      </p:grpSpPr>
-      <p:sp>
-        <p:nvSpPr>
-          <p:cNvPr id="2" name="標題 1"/>
-          <p:cNvSpPr>
-            <a:spLocks noGrp="1"/>
-          </p:cNvSpPr>
-          <p:nvPr>
-            <p:ph type="title"/>
-          </p:nvPr>
-        </p:nvSpPr>
-        <p:spPr/>
-        <p:txBody>
-          <a:bodyPr/>
-          <a:lstStyle/>
-          <a:p>
-            <a:r>
-              <a:rPr lang="en-US" altLang="zh-TW" dirty="0"/>
-              <a:t>Downstream Messaging </a:t>
-            </a:r>
-            <a:r>
-              <a:rPr lang="en-US" altLang="zh-TW" dirty="0" smtClean="0"/>
-              <a:t>(5/7</a:t>
-            </a:r>
-            <a:r>
-              <a:rPr lang="en-US" altLang="zh-TW" dirty="0"/>
-              <a:t>)</a:t>
-            </a:r>
-            <a:endParaRPr lang="zh-TW" altLang="en-US" dirty="0"/>
-          </a:p>
-        </p:txBody>
-      </p:sp>
-      <p:sp>
-        <p:nvSpPr>
-          <p:cNvPr id="3" name="內容版面配置區 2"/>
-          <p:cNvSpPr>
-            <a:spLocks noGrp="1"/>
-          </p:cNvSpPr>
-          <p:nvPr>
-            <p:ph idx="1"/>
-          </p:nvPr>
-        </p:nvSpPr>
-        <p:spPr/>
-        <p:txBody>
-          <a:bodyPr/>
-          <a:lstStyle/>
-          <a:p>
-            <a:r>
-              <a:rPr lang="en-US" altLang="zh-TW" dirty="0">
-                <a:latin typeface="+mj-ea"/>
-                <a:ea typeface="+mj-ea"/>
-              </a:rPr>
-              <a:t>Server 向 GCM </a:t>
-            </a:r>
-            <a:r>
-              <a:rPr lang="en-US" altLang="zh-TW" dirty="0" err="1" smtClean="0">
-                <a:latin typeface="+mj-ea"/>
-                <a:ea typeface="+mj-ea"/>
-              </a:rPr>
-              <a:t>發訊息</a:t>
-            </a:r>
-            <a:r>
-              <a:rPr lang="en-US" altLang="zh-TW" dirty="0"/>
-              <a:t> </a:t>
-            </a:r>
-            <a:r>
-              <a:rPr lang="en-US" altLang="zh-TW" dirty="0" smtClean="0"/>
-              <a:t>(4/4)</a:t>
-            </a:r>
-            <a:endParaRPr lang="en-US" altLang="zh-TW" dirty="0">
-              <a:latin typeface="+mj-ea"/>
-              <a:ea typeface="+mj-ea"/>
-            </a:endParaRPr>
-          </a:p>
-          <a:p>
-            <a:pPr lvl="1"/>
-            <a:r>
-              <a:rPr lang="en-US" altLang="zh-TW" dirty="0" smtClean="0">
-                <a:latin typeface="+mj-ea"/>
-                <a:ea typeface="+mj-ea"/>
-              </a:rPr>
-              <a:t>Server Response </a:t>
-            </a:r>
-            <a:r>
-              <a:rPr lang="en-US" altLang="zh-TW" dirty="0" err="1" smtClean="0">
-                <a:latin typeface="+mj-ea"/>
-                <a:ea typeface="+mj-ea"/>
-              </a:rPr>
-              <a:t>的訊息如下</a:t>
-            </a:r>
-            <a:endParaRPr lang="en-US" altLang="zh-TW" dirty="0" smtClean="0">
-              <a:latin typeface="+mj-ea"/>
-              <a:ea typeface="+mj-ea"/>
-            </a:endParaRPr>
-          </a:p>
-          <a:p>
-            <a:pPr marL="457200" lvl="1" indent="0">
-              <a:buNone/>
-            </a:pPr>
-            <a:r>
-              <a:rPr lang="en-US" altLang="zh-TW" sz="2000" dirty="0" smtClean="0">
-                <a:latin typeface="+mj-ea"/>
-                <a:ea typeface="+mj-ea"/>
-              </a:rPr>
-              <a:t>{"multicast_id":6934727490657173521,</a:t>
-            </a:r>
-          </a:p>
-          <a:p>
-            <a:pPr marL="457200" lvl="1" indent="0">
-              <a:buNone/>
-            </a:pPr>
-            <a:r>
-              <a:rPr lang="en-US" altLang="zh-TW" sz="2000" dirty="0" smtClean="0">
-                <a:latin typeface="+mj-ea"/>
-                <a:ea typeface="+mj-ea"/>
-              </a:rPr>
-              <a:t>  "</a:t>
-            </a:r>
-            <a:r>
-              <a:rPr lang="en-US" altLang="zh-TW" sz="2000" b="1" dirty="0">
-                <a:solidFill>
-                  <a:srgbClr val="FF0000"/>
-                </a:solidFill>
-                <a:latin typeface="+mj-ea"/>
-                <a:ea typeface="+mj-ea"/>
-              </a:rPr>
-              <a:t>success</a:t>
-            </a:r>
-            <a:r>
-              <a:rPr lang="en-US" altLang="zh-TW" sz="2000" dirty="0">
-                <a:latin typeface="+mj-ea"/>
-                <a:ea typeface="+mj-ea"/>
-              </a:rPr>
-              <a:t>":1</a:t>
-            </a:r>
-            <a:r>
-              <a:rPr lang="en-US" altLang="zh-TW" sz="2000" dirty="0" smtClean="0">
-                <a:latin typeface="+mj-ea"/>
-                <a:ea typeface="+mj-ea"/>
-              </a:rPr>
-              <a:t>,</a:t>
-            </a:r>
-          </a:p>
-          <a:p>
-            <a:pPr marL="457200" lvl="1" indent="0">
-              <a:buNone/>
-            </a:pPr>
-            <a:r>
-              <a:rPr lang="en-US" altLang="zh-TW" sz="2000" dirty="0" smtClean="0">
-                <a:latin typeface="+mj-ea"/>
-                <a:ea typeface="+mj-ea"/>
-              </a:rPr>
-              <a:t>  "</a:t>
-            </a:r>
-            <a:r>
-              <a:rPr lang="en-US" altLang="zh-TW" sz="2000" b="1" dirty="0">
-                <a:solidFill>
-                  <a:srgbClr val="FF0000"/>
-                </a:solidFill>
-                <a:latin typeface="+mj-ea"/>
-                <a:ea typeface="+mj-ea"/>
-              </a:rPr>
-              <a:t>failure</a:t>
-            </a:r>
-            <a:r>
-              <a:rPr lang="en-US" altLang="zh-TW" sz="2000" dirty="0">
-                <a:latin typeface="+mj-ea"/>
-                <a:ea typeface="+mj-ea"/>
-              </a:rPr>
-              <a:t>":0</a:t>
-            </a:r>
-            <a:r>
-              <a:rPr lang="en-US" altLang="zh-TW" sz="2000" dirty="0" smtClean="0">
-                <a:latin typeface="+mj-ea"/>
-                <a:ea typeface="+mj-ea"/>
-              </a:rPr>
-              <a:t>,</a:t>
-            </a:r>
-          </a:p>
-          <a:p>
-            <a:pPr marL="457200" lvl="1" indent="0">
-              <a:buNone/>
-            </a:pPr>
-            <a:r>
-              <a:rPr lang="en-US" altLang="zh-TW" sz="2000" dirty="0" smtClean="0">
-                <a:latin typeface="+mj-ea"/>
-                <a:ea typeface="+mj-ea"/>
-              </a:rPr>
-              <a:t>  "</a:t>
-            </a:r>
-            <a:r>
-              <a:rPr lang="en-US" altLang="zh-TW" sz="2000" dirty="0">
-                <a:latin typeface="+mj-ea"/>
-                <a:ea typeface="+mj-ea"/>
-              </a:rPr>
-              <a:t>canonical_ids":0</a:t>
-            </a:r>
-            <a:r>
-              <a:rPr lang="en-US" altLang="zh-TW" sz="2000" dirty="0" smtClean="0">
-                <a:latin typeface="+mj-ea"/>
-                <a:ea typeface="+mj-ea"/>
-              </a:rPr>
-              <a:t>,</a:t>
-            </a:r>
-          </a:p>
-          <a:p>
-            <a:pPr marL="457200" lvl="1" indent="0">
-              <a:buNone/>
-            </a:pPr>
-            <a:r>
-              <a:rPr lang="en-US" altLang="zh-TW" sz="2000" dirty="0" smtClean="0">
-                <a:latin typeface="+mj-ea"/>
-                <a:ea typeface="+mj-ea"/>
-              </a:rPr>
-              <a:t>  "</a:t>
-            </a:r>
-            <a:r>
-              <a:rPr lang="en-US" altLang="zh-TW" sz="2000" dirty="0">
-                <a:latin typeface="+mj-ea"/>
-                <a:ea typeface="+mj-ea"/>
-              </a:rPr>
-              <a:t>results":[{"message_id":"0:1448011210423470%5d3f2c26f9fd7ecd"}]}</a:t>
-            </a:r>
-            <a:endParaRPr lang="zh-TW" altLang="en-US" sz="2000" dirty="0">
-              <a:latin typeface="+mj-ea"/>
-              <a:ea typeface="+mj-ea"/>
-            </a:endParaRPr>
-          </a:p>
-        </p:txBody>
-      </p:sp>
-      <p:sp>
-        <p:nvSpPr>
-          <p:cNvPr id="4" name="文字方塊 3"/>
-          <p:cNvSpPr txBox="1"/>
-          <p:nvPr/>
-        </p:nvSpPr>
-        <p:spPr>
-          <a:xfrm>
-            <a:off x="1259632" y="5589239"/>
-            <a:ext cx="4442242" cy="830997"/>
-          </a:xfrm>
-          <a:prstGeom prst="rect">
-            <a:avLst/>
-          </a:prstGeom>
-          <a:noFill/>
-        </p:spPr>
-        <p:txBody>
-          <a:bodyPr wrap="none" rtlCol="0">
-            <a:spAutoFit/>
-          </a:bodyPr>
-          <a:lstStyle/>
-          <a:p>
-            <a:pPr marL="457200" indent="-457200">
-              <a:buAutoNum type="arabicPeriod"/>
-            </a:pPr>
-            <a:r>
-              <a:rPr lang="en-US" altLang="zh-TW" sz="2400" b="1" dirty="0" smtClean="0">
-                <a:solidFill>
-                  <a:srgbClr val="FF0000"/>
-                </a:solidFill>
-                <a:latin typeface="+mn-ea"/>
-              </a:rPr>
-              <a:t>success: </a:t>
-            </a:r>
-            <a:r>
-              <a:rPr lang="en-US" altLang="zh-TW" sz="2400" b="1" dirty="0" err="1" smtClean="0">
-                <a:solidFill>
-                  <a:srgbClr val="FF0000"/>
-                </a:solidFill>
-                <a:latin typeface="+mn-ea"/>
-              </a:rPr>
-              <a:t>推播成功的裝置數量</a:t>
-            </a:r>
-            <a:endParaRPr lang="en-US" altLang="zh-TW" sz="2400" b="1" dirty="0" smtClean="0">
-              <a:solidFill>
-                <a:srgbClr val="FF0000"/>
-              </a:solidFill>
-              <a:latin typeface="+mn-ea"/>
-            </a:endParaRPr>
-          </a:p>
-          <a:p>
-            <a:pPr marL="457200" indent="-457200">
-              <a:buFontTx/>
-              <a:buAutoNum type="arabicPeriod"/>
-            </a:pPr>
-            <a:r>
-              <a:rPr lang="en-US" altLang="zh-TW" sz="2400" b="1" dirty="0" smtClean="0">
-                <a:solidFill>
-                  <a:srgbClr val="FF0000"/>
-                </a:solidFill>
-                <a:latin typeface="+mn-ea"/>
-              </a:rPr>
-              <a:t>failure: </a:t>
-            </a:r>
-            <a:r>
-              <a:rPr lang="en-US" altLang="zh-TW" sz="2400" b="1" dirty="0" err="1" smtClean="0">
-                <a:solidFill>
-                  <a:srgbClr val="FF0000"/>
-                </a:solidFill>
-                <a:latin typeface="+mn-ea"/>
-              </a:rPr>
-              <a:t>推播失敗的裝置數量</a:t>
-            </a:r>
-            <a:endParaRPr lang="en-US" altLang="zh-TW" sz="2400" b="1" dirty="0">
-              <a:solidFill>
-                <a:srgbClr val="FF0000"/>
-              </a:solidFill>
-              <a:latin typeface="+mn-ea"/>
-            </a:endParaRPr>
-          </a:p>
-        </p:txBody>
-      </p:sp>
-    </p:spTree>
-    <p:extLst>
-      <p:ext uri="{BB962C8B-B14F-4D97-AF65-F5344CB8AC3E}">
-        <p14:creationId xmlns:p14="http://schemas.microsoft.com/office/powerpoint/2010/main" val="2803015073"/>
-      </p:ext>
-    </p:extLst>
-  </p:cSld>
-  <p:clrMapOvr>
-    <a:masterClrMapping/>
-  </p:clrMapOvr>
-  <p:timing>
-    <p:tnLst>
-      <p:par>
-        <p:cTn id="1" dur="indefinite" restart="never" nodeType="tmRoot"/>
-      </p:par>
-    </p:tnLst>
-  </p:timing>
-</p:sld>
-</file>
-
 <file path=ppt/slides/slide3.xml><?xml version="1.0" encoding="utf-8"?>
 <p:sld xmlns:a="http://schemas.openxmlformats.org/drawingml/2006/main" xmlns:r="http://schemas.openxmlformats.org/officeDocument/2006/relationships" xmlns:p="http://schemas.openxmlformats.org/presentationml/2006/main">
   <p:cSld>
@@ -11003,19 +10780,11 @@
           <a:p>
             <a:r>
               <a:rPr lang="en-US" altLang="zh-TW" dirty="0"/>
-              <a:t>Downstream </a:t>
+              <a:t>Downstream Messaging </a:t>
             </a:r>
             <a:r>
               <a:rPr lang="en-US" altLang="zh-TW" dirty="0" smtClean="0"/>
-              <a:t>Messaging</a:t>
-            </a:r>
-            <a:r>
-              <a:rPr lang="en-US" altLang="zh-TW" dirty="0"/>
-              <a:t> </a:t>
-            </a:r>
-            <a:r>
-              <a:rPr lang="en-US" altLang="zh-TW" dirty="0" smtClean="0"/>
-              <a:t>(6/7</a:t>
+              <a:t>(2/7</a:t>
             </a:r>
             <a:r>
               <a:rPr lang="en-US" altLang="zh-TW" dirty="0"/>
@@ -11041,183 +10810,108 @@
           <a:lstStyle/>
           <a:p>
             <a:r>
+              <a:rPr lang="en-US" altLang="zh-TW" dirty="0" smtClean="0"/>
+              <a:t>Server 向 GCM </a:t>
+            </a:r>
+            <a:r>
+              <a:rPr lang="en-US" altLang="zh-TW" dirty="0" err="1" smtClean="0"/>
+              <a:t>發訊息</a:t>
+            </a:r>
+            <a:r>
+              <a:rPr lang="en-US" altLang="zh-TW" dirty="0" smtClean="0"/>
+              <a:t> (1/4)</a:t>
+            </a:r>
+          </a:p>
+          <a:p>
+            <a:pPr lvl="1"/>
+            <a:r>
               <a:rPr lang="en-US" altLang="zh-TW" dirty="0"/>
-              <a:t>Client </a:t>
-            </a:r>
-            <a:r>
-              <a:rPr lang="en-US" altLang="zh-TW" dirty="0" err="1"/>
-              <a:t>收到JSON格式</a:t>
-            </a:r>
-            <a:endParaRPr lang="en-US" altLang="zh-TW" dirty="0"/>
-          </a:p>
-          <a:p>
-            <a:pPr marL="0" indent="0">
-              <a:buNone/>
-            </a:pPr>
-            <a:r>
-              <a:rPr lang="en-US" altLang="zh-TW" sz="1600" dirty="0">
-                <a:latin typeface="+mn-ea"/>
-              </a:rPr>
-              <a:t>{from=518863485658, </a:t>
-            </a:r>
-            <a:endParaRPr lang="en-US" altLang="zh-TW" sz="1600" dirty="0" smtClean="0">
-              <a:latin typeface="+mn-ea"/>
-            </a:endParaRPr>
-          </a:p>
-          <a:p>
-            <a:pPr marL="0" indent="0">
-              <a:buNone/>
-            </a:pPr>
-            <a:r>
-              <a:rPr lang="en-US" altLang="zh-TW" sz="1600" dirty="0">
-                <a:latin typeface="+mn-ea"/>
-              </a:rPr>
-              <a:t> </a:t>
-            </a:r>
-            <a:r>
-              <a:rPr lang="en-US" altLang="zh-TW" sz="1600" dirty="0" smtClean="0">
-                <a:latin typeface="+mn-ea"/>
-              </a:rPr>
-              <a:t> message={</a:t>
-            </a:r>
-          </a:p>
-          <a:p>
-            <a:pPr marL="0" indent="0">
-              <a:buNone/>
-            </a:pPr>
-            <a:r>
-              <a:rPr lang="en-US" altLang="zh-TW" sz="1600" dirty="0" smtClean="0">
-                <a:latin typeface="+mn-ea"/>
-              </a:rPr>
-              <a:t>  	"</a:t>
-            </a:r>
-            <a:r>
-              <a:rPr lang="en-US" altLang="zh-TW" sz="1600" dirty="0" err="1">
-                <a:latin typeface="+mn-ea"/>
-              </a:rPr>
-              <a:t>color":"Red</a:t>
-            </a:r>
-            <a:r>
-              <a:rPr lang="en-US" altLang="zh-TW" sz="1600" dirty="0" smtClean="0">
-                <a:latin typeface="+mn-ea"/>
-              </a:rPr>
-              <a:t>",</a:t>
-            </a:r>
-          </a:p>
-          <a:p>
-            <a:pPr marL="0" indent="0">
-              <a:buNone/>
-            </a:pPr>
-            <a:r>
-              <a:rPr lang="en-US" altLang="zh-TW" sz="1600" dirty="0">
-                <a:latin typeface="+mn-ea"/>
-              </a:rPr>
-              <a:t>	</a:t>
-            </a:r>
-            <a:r>
-              <a:rPr lang="en-US" altLang="zh-TW" sz="1600" dirty="0" smtClean="0">
-                <a:latin typeface="+mn-ea"/>
-              </a:rPr>
-              <a:t>"</a:t>
-            </a:r>
-            <a:r>
-              <a:rPr lang="en-US" altLang="zh-TW" sz="1600" dirty="0" err="1">
-                <a:latin typeface="+mn-ea"/>
-              </a:rPr>
-              <a:t>name":"Car</a:t>
-            </a:r>
-            <a:r>
-              <a:rPr lang="en-US" altLang="zh-TW" sz="1600" dirty="0" smtClean="0">
-                <a:latin typeface="+mn-ea"/>
-              </a:rPr>
-              <a:t>",</a:t>
-            </a:r>
-          </a:p>
-          <a:p>
-            <a:pPr marL="0" indent="0">
-              <a:buNone/>
-            </a:pPr>
-            <a:r>
-              <a:rPr lang="en-US" altLang="zh-TW" sz="1600" dirty="0">
-                <a:latin typeface="+mn-ea"/>
-              </a:rPr>
-              <a:t>	</a:t>
-            </a:r>
-            <a:r>
-              <a:rPr lang="en-US" altLang="zh-TW" sz="1600" dirty="0" smtClean="0">
-                <a:latin typeface="+mn-ea"/>
-              </a:rPr>
-              <a:t>"</a:t>
-            </a:r>
-            <a:r>
-              <a:rPr lang="en-US" altLang="zh-TW" sz="1600" dirty="0">
-                <a:latin typeface="+mn-ea"/>
-              </a:rPr>
-              <a:t>model":"AAA-001</a:t>
-            </a:r>
-            <a:r>
-              <a:rPr lang="en-US" altLang="zh-TW" sz="1600" dirty="0" smtClean="0">
-                <a:latin typeface="+mn-ea"/>
-              </a:rPr>
-              <a:t>"},</a:t>
-            </a:r>
-          </a:p>
-          <a:p>
-            <a:pPr marL="0" indent="0">
-              <a:buNone/>
-            </a:pPr>
-            <a:r>
-              <a:rPr lang="en-US" altLang="zh-TW" sz="1600" dirty="0">
-                <a:latin typeface="+mn-ea"/>
-              </a:rPr>
-              <a:t> </a:t>
-            </a:r>
-            <a:r>
-              <a:rPr lang="en-US" altLang="zh-TW" sz="1600" dirty="0" smtClean="0">
-                <a:latin typeface="+mn-ea"/>
-              </a:rPr>
-              <a:t> </a:t>
-            </a:r>
-            <a:r>
-              <a:rPr lang="en-US" altLang="zh-TW" sz="1600" dirty="0" err="1">
-                <a:latin typeface="+mn-ea"/>
-              </a:rPr>
-              <a:t>collapse_key</a:t>
-            </a:r>
-            <a:r>
-              <a:rPr lang="en-US" altLang="zh-TW" sz="1600" dirty="0">
-                <a:latin typeface="+mn-ea"/>
-              </a:rPr>
-              <a:t>=</a:t>
-            </a:r>
-            <a:r>
-              <a:rPr lang="en-US" altLang="zh-TW" sz="1600" dirty="0" err="1">
-                <a:latin typeface="+mn-ea"/>
-              </a:rPr>
-              <a:t>do_not_collapse</a:t>
-            </a:r>
-            <a:r>
-              <a:rPr lang="en-US" altLang="zh-TW" sz="1600" dirty="0">
-                <a:latin typeface="+mn-ea"/>
-              </a:rPr>
-              <a:t>}</a:t>
-            </a:r>
-            <a:endParaRPr lang="zh-TW" altLang="en-US" sz="1600" dirty="0">
-              <a:latin typeface="+mn-ea"/>
-            </a:endParaRPr>
+              <a:t>URL: </a:t>
+            </a:r>
+            <a:r>
+              <a:rPr lang="en-US" altLang="zh-TW" dirty="0">
+                <a:hlinkClick r:id="rId2"/>
+              </a:rPr>
+              <a:t>https://</a:t>
+            </a:r>
+            <a:r>
+              <a:rPr lang="en-US" altLang="zh-TW" dirty="0" smtClean="0">
+                <a:hlinkClick r:id="rId2"/>
+              </a:rPr>
+              <a:t>android.googleapis.com/gcm/send</a:t>
+            </a:r>
+            <a:endParaRPr lang="en-US" altLang="zh-TW" dirty="0" smtClean="0"/>
+          </a:p>
+          <a:p>
+            <a:pPr lvl="1"/>
+            <a:r>
+              <a:rPr lang="en-US" altLang="zh-TW" dirty="0" smtClean="0"/>
+              <a:t>Header </a:t>
+            </a:r>
+            <a:r>
+              <a:rPr lang="en-US" altLang="zh-TW" dirty="0" err="1" smtClean="0"/>
+              <a:t>設定</a:t>
+            </a:r>
+            <a:endParaRPr lang="en-US" altLang="zh-TW" dirty="0" smtClean="0"/>
+          </a:p>
+          <a:p>
+            <a:pPr lvl="2"/>
+            <a:r>
+              <a:rPr lang="en-US" altLang="zh-TW" dirty="0"/>
+              <a:t>Authorization: </a:t>
+            </a:r>
+            <a:r>
+              <a:rPr lang="en-US" altLang="zh-TW" dirty="0" smtClean="0"/>
+              <a:t>API Key (API </a:t>
+            </a:r>
+            <a:r>
+              <a:rPr lang="en-US" altLang="zh-TW" dirty="0" err="1" smtClean="0"/>
+              <a:t>金鑰</a:t>
+            </a:r>
+            <a:r>
+              <a:rPr lang="en-US" altLang="zh-TW" dirty="0" smtClean="0"/>
+              <a:t>)</a:t>
+            </a:r>
+          </a:p>
+          <a:p>
+            <a:pPr lvl="2"/>
+            <a:r>
+              <a:rPr lang="en-US" altLang="zh-TW" dirty="0"/>
+              <a:t>Content-Type: </a:t>
+            </a:r>
+            <a:r>
+              <a:rPr lang="en-US" altLang="zh-TW" dirty="0" smtClean="0"/>
+              <a:t>application/</a:t>
+            </a:r>
+            <a:r>
+              <a:rPr lang="en-US" altLang="zh-TW" dirty="0" err="1" smtClean="0"/>
+              <a:t>json</a:t>
+            </a:r>
+            <a:endParaRPr lang="en-US" altLang="zh-TW" dirty="0" smtClean="0"/>
+          </a:p>
+          <a:p>
+            <a:pPr lvl="2"/>
+            <a:endParaRPr lang="en-US" altLang="zh-TW" dirty="0" smtClean="0"/>
           </a:p>
         </p:txBody>
       </p:sp>
     </p:spTree>
     <p:extLst>
       <p:ext uri="{BB962C8B-B14F-4D97-AF65-F5344CB8AC3E}">
-        <p14:creationId xmlns:p14="http://schemas.microsoft.com/office/powerpoint/2010/main" val="2057981540"/>
+        <p14:creationId xmlns:p14="http://schemas.microsoft.com/office/powerpoint/2010/main" val="65801463"/>
       </p:ext>
     </p:extLst>
   </p:cSld>
   <p:clrMapOvr>
     <a:masterClrMapping/>
   </p:clrMapOvr>
+  <p:timing>
+    <p:tnLst>
+      <p:par>
+        <p:cTn id="1" dur="indefinite" restart="never" nodeType="tmRoot"/>
+      </p:par>
+    </p:tnLst>
+  </p:timing>
 </p:sld>
 </file>
 
@@ -11259,6 +10953,1520 @@
             </a:r>
             <a:r>
               <a:rPr lang="en-US" altLang="zh-TW" dirty="0" smtClean="0"/>
+              <a:t>(3/7</a:t>
+            </a:r>
+            <a:r>
+              <a:rPr lang="en-US" altLang="zh-TW" dirty="0"/>
+              <a:t>)</a:t>
+            </a:r>
+            <a:endParaRPr lang="zh-TW" altLang="en-US" dirty="0"/>
+          </a:p>
+        </p:txBody>
+      </p:sp>
+      <p:sp>
+        <p:nvSpPr>
+          <p:cNvPr id="3" name="內容版面配置區 2"/>
+          <p:cNvSpPr>
+            <a:spLocks noGrp="1"/>
+          </p:cNvSpPr>
+          <p:nvPr>
+            <p:ph idx="1"/>
+          </p:nvPr>
+        </p:nvSpPr>
+        <p:spPr/>
+        <p:txBody>
+          <a:bodyPr>
+            <a:normAutofit/>
+          </a:bodyPr>
+          <a:lstStyle/>
+          <a:p>
+            <a:r>
+              <a:rPr lang="en-US" altLang="zh-TW" dirty="0">
+                <a:latin typeface="+mn-ea"/>
+              </a:rPr>
+              <a:t>Server 向 GCM </a:t>
+            </a:r>
+            <a:r>
+              <a:rPr lang="en-US" altLang="zh-TW" dirty="0" err="1">
+                <a:latin typeface="+mn-ea"/>
+              </a:rPr>
+              <a:t>發訊息</a:t>
+            </a:r>
+            <a:r>
+              <a:rPr lang="en-US" altLang="zh-TW" dirty="0"/>
+              <a:t> (</a:t>
+            </a:r>
+            <a:r>
+              <a:rPr lang="en-US" altLang="zh-TW" dirty="0" smtClean="0"/>
+              <a:t>2/4)</a:t>
+            </a:r>
+          </a:p>
+          <a:p>
+            <a:pPr lvl="1"/>
+            <a:r>
+              <a:rPr lang="en-US" altLang="zh-TW" dirty="0">
+                <a:latin typeface="+mn-ea"/>
+              </a:rPr>
+              <a:t>post </a:t>
+            </a:r>
+            <a:r>
+              <a:rPr lang="en-US" altLang="zh-TW" dirty="0" err="1">
+                <a:latin typeface="+mn-ea"/>
+              </a:rPr>
+              <a:t>資料，JSON格式</a:t>
+            </a:r>
+            <a:r>
+              <a:rPr lang="en-US" altLang="zh-TW" dirty="0" smtClean="0">
+                <a:latin typeface="+mn-ea"/>
+              </a:rPr>
+              <a:t>(1): </a:t>
+            </a:r>
+            <a:r>
+              <a:rPr lang="en-US" altLang="zh-TW" dirty="0" err="1" smtClean="0">
+                <a:latin typeface="+mn-ea"/>
+              </a:rPr>
+              <a:t>傳送單一user</a:t>
+            </a:r>
+            <a:endParaRPr lang="en-US" altLang="zh-TW" dirty="0">
+              <a:latin typeface="+mn-ea"/>
+            </a:endParaRPr>
+          </a:p>
+          <a:p>
+            <a:pPr marL="457200" lvl="1" indent="0">
+              <a:buNone/>
+            </a:pPr>
+            <a:r>
+              <a:rPr lang="en-US" altLang="zh-TW" sz="1600" dirty="0" smtClean="0">
+                <a:latin typeface="+mj-ea"/>
+                <a:ea typeface="+mj-ea"/>
+              </a:rPr>
+              <a:t>{ "</a:t>
+            </a:r>
+            <a:r>
+              <a:rPr lang="en-US" altLang="zh-TW" sz="1600" dirty="0">
+                <a:latin typeface="+mj-ea"/>
+                <a:ea typeface="+mj-ea"/>
+              </a:rPr>
+              <a:t>to" : </a:t>
+            </a:r>
+            <a:r>
+              <a:rPr lang="en-US" altLang="zh-TW" sz="1600" dirty="0" smtClean="0">
+                <a:latin typeface="+mj-ea"/>
+                <a:ea typeface="+mj-ea"/>
+              </a:rPr>
+              <a:t>"</a:t>
+            </a:r>
+            <a:r>
+              <a:rPr lang="en-US" altLang="zh-TW" sz="1600" b="1" dirty="0">
+                <a:solidFill>
+                  <a:srgbClr val="FF0000"/>
+                </a:solidFill>
+                <a:latin typeface="+mn-ea"/>
+              </a:rPr>
+              <a:t> </a:t>
+            </a:r>
+            <a:r>
+              <a:rPr lang="en-US" altLang="zh-TW" sz="1600" b="1" dirty="0" err="1">
+                <a:solidFill>
+                  <a:srgbClr val="FF0000"/>
+                </a:solidFill>
+                <a:latin typeface="+mn-ea"/>
+              </a:rPr>
+              <a:t>user註冊的register</a:t>
+            </a:r>
+            <a:r>
+              <a:rPr lang="en-US" altLang="zh-TW" sz="1600" b="1" dirty="0">
+                <a:solidFill>
+                  <a:srgbClr val="FF0000"/>
+                </a:solidFill>
+                <a:latin typeface="+mn-ea"/>
+              </a:rPr>
+              <a:t> ID</a:t>
+            </a:r>
+            <a:r>
+              <a:rPr lang="en-US" altLang="zh-TW" sz="1600" dirty="0" smtClean="0">
+                <a:latin typeface="+mj-ea"/>
+                <a:ea typeface="+mj-ea"/>
+              </a:rPr>
+              <a:t>“,</a:t>
+            </a:r>
+            <a:r>
+              <a:rPr lang="en-US" altLang="zh-TW" sz="1600" dirty="0">
+                <a:latin typeface="+mj-ea"/>
+                <a:ea typeface="+mj-ea"/>
+              </a:rPr>
+              <a:t/>
+            </a:r>
+            <a:br>
+              <a:rPr lang="en-US" altLang="zh-TW" sz="1600" dirty="0">
+                <a:latin typeface="+mj-ea"/>
+                <a:ea typeface="+mj-ea"/>
+              </a:rPr>
+            </a:br>
+            <a:r>
+              <a:rPr lang="en-US" altLang="zh-TW" sz="1600" dirty="0" smtClean="0">
+                <a:latin typeface="+mj-ea"/>
+                <a:ea typeface="+mj-ea"/>
+              </a:rPr>
+              <a:t>   "</a:t>
+            </a:r>
+            <a:r>
+              <a:rPr lang="en-US" altLang="zh-TW" sz="1600" dirty="0">
+                <a:latin typeface="+mj-ea"/>
+                <a:ea typeface="+mj-ea"/>
+              </a:rPr>
+              <a:t>data": </a:t>
+            </a:r>
+            <a:r>
+              <a:rPr lang="en-US" altLang="zh-TW" sz="1600" dirty="0" smtClean="0">
+                <a:latin typeface="+mj-ea"/>
+                <a:ea typeface="+mj-ea"/>
+              </a:rPr>
+              <a:t>{</a:t>
+            </a:r>
+            <a:r>
+              <a:rPr lang="en-US" altLang="zh-TW" sz="1600" b="1" dirty="0" err="1">
+                <a:solidFill>
+                  <a:srgbClr val="FF0000"/>
+                </a:solidFill>
+                <a:latin typeface="+mn-ea"/>
+              </a:rPr>
+              <a:t>傳送訊息內容</a:t>
+            </a:r>
+            <a:r>
+              <a:rPr lang="en-US" altLang="zh-TW" sz="1600" b="1" dirty="0">
+                <a:solidFill>
+                  <a:srgbClr val="FF0000"/>
+                </a:solidFill>
+                <a:latin typeface="+mn-ea"/>
+              </a:rPr>
+              <a:t> </a:t>
+            </a:r>
+            <a:r>
+              <a:rPr lang="en-US" altLang="zh-TW" sz="1600" dirty="0" smtClean="0">
+                <a:latin typeface="+mj-ea"/>
+                <a:ea typeface="+mj-ea"/>
+              </a:rPr>
+              <a:t>}</a:t>
+            </a:r>
+            <a:r>
+              <a:rPr lang="en-US" altLang="zh-TW" sz="1600" dirty="0">
+                <a:latin typeface="+mj-ea"/>
+                <a:ea typeface="+mj-ea"/>
+              </a:rPr>
+              <a:t> </a:t>
+            </a:r>
+            <a:r>
+              <a:rPr lang="en-US" altLang="zh-TW" sz="1600" dirty="0" smtClean="0">
+                <a:latin typeface="+mj-ea"/>
+                <a:ea typeface="+mj-ea"/>
+              </a:rPr>
+              <a:t>}</a:t>
+            </a:r>
+          </a:p>
+          <a:p>
+            <a:pPr marL="457200" lvl="1" indent="0">
+              <a:buNone/>
+            </a:pPr>
+            <a:endParaRPr lang="en-US" altLang="zh-TW" sz="1600" dirty="0">
+              <a:latin typeface="+mj-ea"/>
+              <a:ea typeface="+mj-ea"/>
+            </a:endParaRPr>
+          </a:p>
+          <a:p>
+            <a:pPr marL="457200" lvl="1" indent="0">
+              <a:buNone/>
+            </a:pPr>
+            <a:r>
+              <a:rPr lang="en-US" altLang="zh-TW" sz="1600" dirty="0" smtClean="0">
+                <a:latin typeface="+mj-ea"/>
+                <a:ea typeface="+mj-ea"/>
+              </a:rPr>
+              <a:t>Ex:</a:t>
+            </a:r>
+          </a:p>
+          <a:p>
+            <a:pPr marL="457200" lvl="1" indent="0">
+              <a:buNone/>
+            </a:pPr>
+            <a:r>
+              <a:rPr lang="en-US" altLang="zh-TW" sz="1600" dirty="0" smtClean="0"/>
+              <a:t>{ "</a:t>
+            </a:r>
+            <a:r>
+              <a:rPr lang="en-US" altLang="zh-TW" sz="1600" dirty="0"/>
+              <a:t>to" : "bk3RNwTe3H0:CI2k_HHwgIpoDKCIZvvDMExUdFQ3P1</a:t>
+            </a:r>
+            <a:r>
+              <a:rPr lang="en-US" altLang="zh-TW" sz="1600" dirty="0" smtClean="0"/>
+              <a:t>...“,</a:t>
+            </a:r>
+            <a:r>
+              <a:rPr lang="en-US" altLang="zh-TW" sz="1600" dirty="0"/>
+              <a:t/>
+            </a:r>
+            <a:br>
+              <a:rPr lang="en-US" altLang="zh-TW" sz="1600" dirty="0"/>
+            </a:br>
+            <a:r>
+              <a:rPr lang="en-US" altLang="zh-TW" sz="1600" dirty="0" smtClean="0"/>
+              <a:t>  "</a:t>
+            </a:r>
+            <a:r>
+              <a:rPr lang="en-US" altLang="zh-TW" sz="1600" dirty="0"/>
+              <a:t>data": {</a:t>
+            </a:r>
+            <a:br>
+              <a:rPr lang="en-US" altLang="zh-TW" sz="1600" dirty="0"/>
+            </a:br>
+            <a:r>
+              <a:rPr lang="en-US" altLang="zh-TW" sz="1600" dirty="0"/>
+              <a:t>    "score": "5x1",</a:t>
+            </a:r>
+            <a:br>
+              <a:rPr lang="en-US" altLang="zh-TW" sz="1600" dirty="0"/>
+            </a:br>
+            <a:r>
+              <a:rPr lang="en-US" altLang="zh-TW" sz="1600" dirty="0"/>
+              <a:t>    "time": "15:10"</a:t>
+            </a:r>
+            <a:br>
+              <a:rPr lang="en-US" altLang="zh-TW" sz="1600" dirty="0"/>
+            </a:br>
+            <a:r>
+              <a:rPr lang="en-US" altLang="zh-TW" sz="1600" dirty="0"/>
+              <a:t>  </a:t>
+            </a:r>
+            <a:r>
+              <a:rPr lang="en-US" altLang="zh-TW" sz="1600" dirty="0" smtClean="0"/>
+              <a:t>}</a:t>
+            </a:r>
+            <a:r>
+              <a:rPr lang="en-US" altLang="zh-TW" sz="1600" dirty="0"/>
+              <a:t/>
+            </a:r>
+            <a:br>
+              <a:rPr lang="en-US" altLang="zh-TW" sz="1600" dirty="0"/>
+            </a:br>
+            <a:r>
+              <a:rPr lang="en-US" altLang="zh-TW" sz="1600" dirty="0"/>
+              <a:t> </a:t>
+            </a:r>
+            <a:r>
+              <a:rPr lang="en-US" altLang="zh-TW" sz="1600" dirty="0" smtClean="0"/>
+              <a:t>}</a:t>
+            </a:r>
+            <a:endParaRPr lang="en-US" altLang="zh-TW" sz="1600" dirty="0">
+              <a:latin typeface="+mj-ea"/>
+              <a:ea typeface="+mj-ea"/>
+            </a:endParaRPr>
+          </a:p>
+          <a:p>
+            <a:endParaRPr lang="zh-TW" altLang="en-US" dirty="0"/>
+          </a:p>
+        </p:txBody>
+      </p:sp>
+    </p:spTree>
+    <p:extLst>
+      <p:ext uri="{BB962C8B-B14F-4D97-AF65-F5344CB8AC3E}">
+        <p14:creationId xmlns:p14="http://schemas.microsoft.com/office/powerpoint/2010/main" val="1629082285"/>
+      </p:ext>
+    </p:extLst>
+  </p:cSld>
+  <p:clrMapOvr>
+    <a:masterClrMapping/>
+  </p:clrMapOvr>
+  <p:timing>
+    <p:tnLst>
+      <p:par>
+        <p:cTn id="1" dur="indefinite" restart="never" nodeType="tmRoot"/>
+      </p:par>
+    </p:tnLst>
+  </p:timing>
+</p:sld>
+</file>
+
+<file path=ppt/slides/slide32.xml><?xml version="1.0" encoding="utf-8"?>
+<p:sld xmlns:a="http://schemas.openxmlformats.org/drawingml/2006/main" xmlns:r="http://schemas.openxmlformats.org/officeDocument/2006/relationships" xmlns:p="http://schemas.openxmlformats.org/presentationml/2006/main">
+  <p:cSld>
+    <p:spTree>
+      <p:nvGrpSpPr>
+        <p:cNvPr id="1" name=""/>
+        <p:cNvGrpSpPr/>
+        <p:nvPr/>
+      </p:nvGrpSpPr>
+      <p:grpSpPr>
+        <a:xfrm>
+          <a:off x="0" y="0"/>
+          <a:ext cx="0" cy="0"/>
+          <a:chOff x="0" y="0"/>
+          <a:chExt cx="0" cy="0"/>
+        </a:xfrm>
+      </p:grpSpPr>
+      <p:sp>
+        <p:nvSpPr>
+          <p:cNvPr id="2" name="標題 1"/>
+          <p:cNvSpPr>
+            <a:spLocks noGrp="1"/>
+          </p:cNvSpPr>
+          <p:nvPr>
+            <p:ph type="title"/>
+          </p:nvPr>
+        </p:nvSpPr>
+        <p:spPr/>
+        <p:txBody>
+          <a:bodyPr/>
+          <a:lstStyle/>
+          <a:p>
+            <a:r>
+              <a:rPr lang="en-US" altLang="zh-TW" dirty="0"/>
+              <a:t>Downstream Messaging </a:t>
+            </a:r>
+            <a:r>
+              <a:rPr lang="en-US" altLang="zh-TW" dirty="0" smtClean="0"/>
+              <a:t>(4/7</a:t>
+            </a:r>
+            <a:r>
+              <a:rPr lang="en-US" altLang="zh-TW" dirty="0"/>
+              <a:t>)</a:t>
+            </a:r>
+            <a:endParaRPr lang="zh-TW" altLang="en-US" dirty="0"/>
+          </a:p>
+        </p:txBody>
+      </p:sp>
+      <p:sp>
+        <p:nvSpPr>
+          <p:cNvPr id="3" name="內容版面配置區 2"/>
+          <p:cNvSpPr>
+            <a:spLocks noGrp="1"/>
+          </p:cNvSpPr>
+          <p:nvPr>
+            <p:ph idx="1"/>
+          </p:nvPr>
+        </p:nvSpPr>
+        <p:spPr/>
+        <p:txBody>
+          <a:bodyPr>
+            <a:normAutofit/>
+          </a:bodyPr>
+          <a:lstStyle/>
+          <a:p>
+            <a:r>
+              <a:rPr lang="en-US" altLang="zh-TW" dirty="0" smtClean="0">
+                <a:latin typeface="+mn-ea"/>
+              </a:rPr>
+              <a:t>Server 向 GCM </a:t>
+            </a:r>
+            <a:r>
+              <a:rPr lang="en-US" altLang="zh-TW" dirty="0" err="1" smtClean="0">
+                <a:latin typeface="+mn-ea"/>
+              </a:rPr>
+              <a:t>發訊息</a:t>
+            </a:r>
+            <a:r>
+              <a:rPr lang="en-US" altLang="zh-TW" dirty="0"/>
+              <a:t> </a:t>
+            </a:r>
+            <a:r>
+              <a:rPr lang="en-US" altLang="zh-TW" dirty="0" smtClean="0"/>
+              <a:t>(3/4)</a:t>
+            </a:r>
+            <a:endParaRPr lang="en-US" altLang="zh-TW" dirty="0" smtClean="0">
+              <a:latin typeface="+mn-ea"/>
+            </a:endParaRPr>
+          </a:p>
+          <a:p>
+            <a:pPr lvl="1"/>
+            <a:r>
+              <a:rPr lang="en-US" altLang="zh-TW" dirty="0" smtClean="0">
+                <a:latin typeface="+mn-ea"/>
+              </a:rPr>
+              <a:t>post </a:t>
+            </a:r>
+            <a:r>
+              <a:rPr lang="en-US" altLang="zh-TW" dirty="0" err="1">
+                <a:latin typeface="+mn-ea"/>
+              </a:rPr>
+              <a:t>資料</a:t>
+            </a:r>
+            <a:r>
+              <a:rPr lang="en-US" altLang="zh-TW" dirty="0" err="1" smtClean="0">
+                <a:latin typeface="+mn-ea"/>
+              </a:rPr>
+              <a:t>，JSON格式</a:t>
+            </a:r>
+            <a:r>
+              <a:rPr lang="en-US" altLang="zh-TW" dirty="0" smtClean="0">
+                <a:latin typeface="+mn-ea"/>
+              </a:rPr>
+              <a:t>(2): </a:t>
+            </a:r>
+            <a:r>
+              <a:rPr lang="en-US" altLang="zh-TW" dirty="0" err="1" smtClean="0">
+                <a:latin typeface="+mn-ea"/>
+              </a:rPr>
+              <a:t>傳送多個user</a:t>
+            </a:r>
+            <a:endParaRPr lang="en-US" altLang="zh-TW" dirty="0" smtClean="0">
+              <a:latin typeface="+mn-ea"/>
+            </a:endParaRPr>
+          </a:p>
+          <a:p>
+            <a:pPr marL="400050" lvl="2" indent="0">
+              <a:buNone/>
+            </a:pPr>
+            <a:r>
+              <a:rPr lang="en-US" altLang="zh-TW" sz="1600" dirty="0" smtClean="0">
+                <a:latin typeface="+mn-ea"/>
+              </a:rPr>
+              <a:t>{“</a:t>
+            </a:r>
+            <a:r>
+              <a:rPr lang="en-US" altLang="zh-TW" sz="1600" dirty="0" err="1" smtClean="0">
+                <a:latin typeface="+mn-ea"/>
+              </a:rPr>
+              <a:t>registration_ids</a:t>
+            </a:r>
+            <a:r>
+              <a:rPr lang="en-US" altLang="zh-TW" sz="1600" dirty="0" smtClean="0">
+                <a:latin typeface="+mn-ea"/>
+              </a:rPr>
+              <a:t>":[“</a:t>
+            </a:r>
+            <a:r>
+              <a:rPr lang="en-US" altLang="zh-TW" sz="1600" b="1" dirty="0" err="1" smtClean="0">
+                <a:solidFill>
+                  <a:srgbClr val="FF0000"/>
+                </a:solidFill>
+                <a:latin typeface="+mn-ea"/>
+              </a:rPr>
+              <a:t>user註冊的register</a:t>
+            </a:r>
+            <a:r>
+              <a:rPr lang="en-US" altLang="zh-TW" sz="1600" b="1" dirty="0" smtClean="0">
+                <a:solidFill>
+                  <a:srgbClr val="FF0000"/>
+                </a:solidFill>
+                <a:latin typeface="+mn-ea"/>
+              </a:rPr>
+              <a:t> ID</a:t>
+            </a:r>
+            <a:r>
+              <a:rPr lang="en-US" altLang="zh-TW" sz="1600" dirty="0" smtClean="0">
+                <a:latin typeface="+mn-ea"/>
+              </a:rPr>
+              <a:t>"],   </a:t>
+            </a:r>
+          </a:p>
+          <a:p>
+            <a:pPr marL="400050" lvl="2" indent="0">
+              <a:buNone/>
+            </a:pPr>
+            <a:r>
+              <a:rPr lang="en-US" altLang="zh-TW" sz="1600" dirty="0">
+                <a:latin typeface="+mn-ea"/>
+              </a:rPr>
+              <a:t> </a:t>
+            </a:r>
+            <a:r>
+              <a:rPr lang="en-US" altLang="zh-TW" sz="1600" dirty="0" smtClean="0">
+                <a:latin typeface="+mn-ea"/>
+              </a:rPr>
+              <a:t>  "</a:t>
+            </a:r>
+            <a:r>
+              <a:rPr lang="en-US" altLang="zh-TW" sz="1600" dirty="0">
+                <a:latin typeface="+mn-ea"/>
+              </a:rPr>
+              <a:t>data</a:t>
+            </a:r>
+            <a:r>
+              <a:rPr lang="en-US" altLang="zh-TW" sz="1600" dirty="0" smtClean="0">
+                <a:latin typeface="+mn-ea"/>
+              </a:rPr>
+              <a:t>":{</a:t>
+            </a:r>
+            <a:r>
+              <a:rPr lang="en-US" altLang="zh-TW" sz="1600" b="1" dirty="0" err="1" smtClean="0">
+                <a:solidFill>
+                  <a:srgbClr val="FF0000"/>
+                </a:solidFill>
+                <a:latin typeface="+mn-ea"/>
+              </a:rPr>
+              <a:t>傳送訊息內容</a:t>
+            </a:r>
+            <a:r>
+              <a:rPr lang="en-US" altLang="zh-TW" sz="1600" dirty="0" smtClean="0">
+                <a:latin typeface="+mn-ea"/>
+              </a:rPr>
+              <a:t>} </a:t>
+            </a:r>
+            <a:r>
+              <a:rPr lang="en-US" altLang="zh-TW" sz="1600" dirty="0">
+                <a:latin typeface="+mn-ea"/>
+              </a:rPr>
+              <a:t>}</a:t>
+            </a:r>
+            <a:endParaRPr lang="zh-TW" altLang="en-US" sz="1600" dirty="0">
+              <a:latin typeface="+mn-ea"/>
+            </a:endParaRPr>
+          </a:p>
+          <a:p>
+            <a:pPr marL="0" indent="0">
+              <a:buNone/>
+            </a:pPr>
+            <a:r>
+              <a:rPr lang="en-US" altLang="zh-TW" sz="1600" b="1" dirty="0" smtClean="0">
+                <a:latin typeface="+mn-ea"/>
+              </a:rPr>
+              <a:t>    Ex:</a:t>
+            </a:r>
+          </a:p>
+          <a:p>
+            <a:pPr marL="800100" lvl="2" indent="0">
+              <a:buNone/>
+            </a:pPr>
+            <a:r>
+              <a:rPr lang="en-US" altLang="zh-TW" sz="1600" dirty="0" smtClean="0">
+                <a:latin typeface="+mn-ea"/>
+              </a:rPr>
+              <a:t>{"</a:t>
+            </a:r>
+            <a:r>
+              <a:rPr lang="en-US" altLang="zh-TW" sz="1600" dirty="0" err="1" smtClean="0">
+                <a:latin typeface="+mn-ea"/>
+              </a:rPr>
+              <a:t>registration_ids</a:t>
+            </a:r>
+            <a:r>
+              <a:rPr lang="en-US" altLang="zh-TW" sz="1600" dirty="0" smtClean="0">
+                <a:latin typeface="+mn-ea"/>
+              </a:rPr>
+              <a:t>":["</a:t>
+            </a:r>
+            <a:r>
+              <a:rPr lang="en-US" altLang="zh-TW" sz="1600" b="1" dirty="0" smtClean="0">
+                <a:solidFill>
+                  <a:srgbClr val="FF0000"/>
+                </a:solidFill>
+                <a:latin typeface="+mn-ea"/>
+              </a:rPr>
+              <a:t>APA91bH2vsurFMpH2dQDYPIW8x</a:t>
+            </a:r>
+            <a:r>
+              <a:rPr lang="en-US" altLang="zh-TW" sz="1600" dirty="0" smtClean="0">
+                <a:latin typeface="+mn-ea"/>
+              </a:rPr>
+              <a:t>"],</a:t>
+            </a:r>
+          </a:p>
+          <a:p>
+            <a:pPr marL="800100" lvl="2" indent="0">
+              <a:buNone/>
+            </a:pPr>
+            <a:r>
+              <a:rPr lang="en-US" altLang="zh-TW" sz="1600" dirty="0" smtClean="0">
+                <a:latin typeface="+mn-ea"/>
+              </a:rPr>
+              <a:t>  "data":{</a:t>
+            </a:r>
+          </a:p>
+          <a:p>
+            <a:pPr marL="800100" lvl="2" indent="0">
+              <a:buNone/>
+            </a:pPr>
+            <a:r>
+              <a:rPr lang="en-US" altLang="zh-TW" sz="1600" dirty="0" smtClean="0">
+                <a:latin typeface="+mn-ea"/>
+              </a:rPr>
+              <a:t>	</a:t>
+            </a:r>
+            <a:r>
+              <a:rPr lang="en-US" altLang="zh-TW" sz="1600" b="1" dirty="0" smtClean="0">
+                <a:solidFill>
+                  <a:srgbClr val="FF0000"/>
+                </a:solidFill>
+                <a:latin typeface="+mn-ea"/>
+              </a:rPr>
+              <a:t>"message":{"model":"AAA-001", </a:t>
+            </a:r>
+          </a:p>
+          <a:p>
+            <a:pPr marL="800100" lvl="2" indent="0">
+              <a:buNone/>
+            </a:pPr>
+            <a:r>
+              <a:rPr lang="en-US" altLang="zh-TW" sz="1600" b="1" dirty="0" smtClean="0">
+                <a:solidFill>
+                  <a:srgbClr val="FF0000"/>
+                </a:solidFill>
+                <a:latin typeface="+mn-ea"/>
+              </a:rPr>
+              <a:t>	           "</a:t>
+            </a:r>
+            <a:r>
+              <a:rPr lang="en-US" altLang="zh-TW" sz="1600" b="1" dirty="0" err="1" smtClean="0">
+                <a:solidFill>
+                  <a:srgbClr val="FF0000"/>
+                </a:solidFill>
+                <a:latin typeface="+mn-ea"/>
+              </a:rPr>
+              <a:t>name":"Car</a:t>
+            </a:r>
+            <a:r>
+              <a:rPr lang="en-US" altLang="zh-TW" sz="1600" b="1" dirty="0" smtClean="0">
+                <a:solidFill>
+                  <a:srgbClr val="FF0000"/>
+                </a:solidFill>
+                <a:latin typeface="+mn-ea"/>
+              </a:rPr>
+              <a:t>", </a:t>
+            </a:r>
+          </a:p>
+          <a:p>
+            <a:pPr marL="800100" lvl="2" indent="0">
+              <a:buNone/>
+            </a:pPr>
+            <a:r>
+              <a:rPr lang="en-US" altLang="zh-TW" sz="1600" b="1" dirty="0" smtClean="0">
+                <a:solidFill>
+                  <a:srgbClr val="FF0000"/>
+                </a:solidFill>
+                <a:latin typeface="+mn-ea"/>
+              </a:rPr>
+              <a:t>		   "</a:t>
+            </a:r>
+            <a:r>
+              <a:rPr lang="en-US" altLang="zh-TW" sz="1600" b="1" dirty="0" err="1" smtClean="0">
+                <a:solidFill>
+                  <a:srgbClr val="FF0000"/>
+                </a:solidFill>
+                <a:latin typeface="+mn-ea"/>
+              </a:rPr>
+              <a:t>color":"Red</a:t>
+            </a:r>
+            <a:r>
+              <a:rPr lang="en-US" altLang="zh-TW" sz="1600" b="1" dirty="0" smtClean="0">
+                <a:solidFill>
+                  <a:srgbClr val="FF0000"/>
+                </a:solidFill>
+                <a:latin typeface="+mn-ea"/>
+              </a:rPr>
+              <a:t>" }</a:t>
+            </a:r>
+          </a:p>
+          <a:p>
+            <a:pPr marL="800100" lvl="2" indent="0">
+              <a:buNone/>
+            </a:pPr>
+            <a:r>
+              <a:rPr lang="en-US" altLang="zh-TW" sz="1600" dirty="0" smtClean="0">
+                <a:latin typeface="+mn-ea"/>
+              </a:rPr>
+              <a:t>	}</a:t>
+            </a:r>
+          </a:p>
+          <a:p>
+            <a:pPr marL="800100" lvl="2" indent="0">
+              <a:buNone/>
+            </a:pPr>
+            <a:r>
+              <a:rPr lang="en-US" altLang="zh-TW" sz="1600" dirty="0" smtClean="0">
+                <a:latin typeface="+mn-ea"/>
+              </a:rPr>
+              <a:t>}</a:t>
+            </a:r>
+            <a:endParaRPr lang="zh-TW" altLang="en-US" sz="1600" dirty="0">
+              <a:latin typeface="+mn-ea"/>
+            </a:endParaRPr>
+          </a:p>
+        </p:txBody>
+      </p:sp>
+      <p:sp>
+        <p:nvSpPr>
+          <p:cNvPr id="4" name="文字方塊 3"/>
+          <p:cNvSpPr txBox="1"/>
+          <p:nvPr/>
+        </p:nvSpPr>
+        <p:spPr>
+          <a:xfrm>
+            <a:off x="971600" y="5589240"/>
+            <a:ext cx="7311617" cy="1200329"/>
+          </a:xfrm>
+          <a:prstGeom prst="rect">
+            <a:avLst/>
+          </a:prstGeom>
+          <a:noFill/>
+        </p:spPr>
+        <p:txBody>
+          <a:bodyPr wrap="none" rtlCol="0">
+            <a:spAutoFit/>
+          </a:bodyPr>
+          <a:lstStyle/>
+          <a:p>
+            <a:pPr marL="457200" indent="-457200">
+              <a:buAutoNum type="arabicPeriod"/>
+            </a:pPr>
+            <a:r>
+              <a:rPr lang="en-US" altLang="zh-TW" sz="2400" b="1" dirty="0" err="1" smtClean="0">
+                <a:solidFill>
+                  <a:srgbClr val="FF0000"/>
+                </a:solidFill>
+                <a:latin typeface="+mn-ea"/>
+              </a:rPr>
+              <a:t>registration_ids</a:t>
+            </a:r>
+            <a:r>
+              <a:rPr lang="en-US" altLang="zh-TW" sz="2400" b="1" dirty="0" smtClean="0">
+                <a:solidFill>
+                  <a:srgbClr val="FF0000"/>
+                </a:solidFill>
+                <a:latin typeface="+mn-ea"/>
+              </a:rPr>
+              <a:t> </a:t>
+            </a:r>
+            <a:r>
+              <a:rPr lang="en-US" altLang="zh-TW" sz="2400" b="1" dirty="0" err="1" smtClean="0">
+                <a:solidFill>
+                  <a:srgbClr val="FF0000"/>
+                </a:solidFill>
+                <a:latin typeface="+mn-ea"/>
+              </a:rPr>
+              <a:t>可以設定多筆，就可以傳給多個user</a:t>
+            </a:r>
+            <a:endParaRPr lang="en-US" altLang="zh-TW" sz="2400" b="1" dirty="0" smtClean="0">
+              <a:solidFill>
+                <a:srgbClr val="FF0000"/>
+              </a:solidFill>
+              <a:latin typeface="+mn-ea"/>
+            </a:endParaRPr>
+          </a:p>
+          <a:p>
+            <a:pPr marL="457200" indent="-457200">
+              <a:buAutoNum type="arabicPeriod"/>
+            </a:pPr>
+            <a:r>
+              <a:rPr lang="en-US" altLang="zh-TW" sz="2400" b="1" dirty="0" smtClean="0">
+                <a:solidFill>
+                  <a:srgbClr val="FF0000"/>
+                </a:solidFill>
+                <a:latin typeface="+mn-ea"/>
+              </a:rPr>
+              <a:t>data </a:t>
+            </a:r>
+            <a:r>
+              <a:rPr lang="en-US" altLang="zh-TW" sz="2400" b="1" dirty="0" err="1" smtClean="0">
+                <a:solidFill>
+                  <a:srgbClr val="FF0000"/>
+                </a:solidFill>
+                <a:latin typeface="+mn-ea"/>
+              </a:rPr>
+              <a:t>內容可以自行定義，只要是JSON格式及可</a:t>
+            </a:r>
+            <a:endParaRPr lang="en-US" altLang="zh-TW" sz="2400" b="1" dirty="0" smtClean="0">
+              <a:solidFill>
+                <a:srgbClr val="FF0000"/>
+              </a:solidFill>
+              <a:latin typeface="+mn-ea"/>
+            </a:endParaRPr>
+          </a:p>
+          <a:p>
+            <a:pPr marL="457200" indent="-457200">
+              <a:buAutoNum type="arabicPeriod"/>
+            </a:pPr>
+            <a:r>
+              <a:rPr lang="en-US" altLang="zh-TW" sz="2400" b="1" dirty="0" smtClean="0">
+                <a:solidFill>
+                  <a:srgbClr val="FF0000"/>
+                </a:solidFill>
+                <a:latin typeface="+mn-ea"/>
+              </a:rPr>
+              <a:t>client </a:t>
+            </a:r>
+            <a:r>
+              <a:rPr lang="en-US" altLang="zh-TW" sz="2400" b="1" dirty="0" err="1" smtClean="0">
+                <a:solidFill>
+                  <a:srgbClr val="FF0000"/>
+                </a:solidFill>
+                <a:latin typeface="+mn-ea"/>
+              </a:rPr>
+              <a:t>收到及為”傳送訊息內容</a:t>
+            </a:r>
+            <a:r>
+              <a:rPr lang="en-US" altLang="zh-TW" sz="2400" b="1" dirty="0" smtClean="0">
+                <a:solidFill>
+                  <a:srgbClr val="FF0000"/>
+                </a:solidFill>
+                <a:latin typeface="+mn-ea"/>
+              </a:rPr>
+              <a:t>”</a:t>
+            </a:r>
+            <a:endParaRPr lang="zh-TW" altLang="en-US" sz="2400" b="1" dirty="0">
+              <a:solidFill>
+                <a:srgbClr val="FF0000"/>
+              </a:solidFill>
+            </a:endParaRPr>
+          </a:p>
+        </p:txBody>
+      </p:sp>
+    </p:spTree>
+    <p:extLst>
+      <p:ext uri="{BB962C8B-B14F-4D97-AF65-F5344CB8AC3E}">
+        <p14:creationId xmlns:p14="http://schemas.microsoft.com/office/powerpoint/2010/main" val="1603846154"/>
+      </p:ext>
+    </p:extLst>
+  </p:cSld>
+  <p:clrMapOvr>
+    <a:masterClrMapping/>
+  </p:clrMapOvr>
+  <p:timing>
+    <p:tnLst>
+      <p:par>
+        <p:cTn id="1" dur="indefinite" restart="never" nodeType="tmRoot"/>
+      </p:par>
+    </p:tnLst>
+  </p:timing>
+</p:sld>
+</file>
+
+<file path=ppt/slides/slide33.xml><?xml version="1.0" encoding="utf-8"?>
+<p:sld xmlns:a="http://schemas.openxmlformats.org/drawingml/2006/main" xmlns:r="http://schemas.openxmlformats.org/officeDocument/2006/relationships" xmlns:p="http://schemas.openxmlformats.org/presentationml/2006/main">
+  <p:cSld>
+    <p:spTree>
+      <p:nvGrpSpPr>
+        <p:cNvPr id="1" name=""/>
+        <p:cNvGrpSpPr/>
+        <p:nvPr/>
+      </p:nvGrpSpPr>
+      <p:grpSpPr>
+        <a:xfrm>
+          <a:off x="0" y="0"/>
+          <a:ext cx="0" cy="0"/>
+          <a:chOff x="0" y="0"/>
+          <a:chExt cx="0" cy="0"/>
+        </a:xfrm>
+      </p:grpSpPr>
+      <p:sp>
+        <p:nvSpPr>
+          <p:cNvPr id="2" name="標題 1"/>
+          <p:cNvSpPr>
+            <a:spLocks noGrp="1"/>
+          </p:cNvSpPr>
+          <p:nvPr>
+            <p:ph type="title"/>
+          </p:nvPr>
+        </p:nvSpPr>
+        <p:spPr/>
+        <p:txBody>
+          <a:bodyPr/>
+          <a:lstStyle/>
+          <a:p>
+            <a:r>
+              <a:rPr lang="en-US" altLang="zh-TW" dirty="0"/>
+              <a:t>Downstream Messaging </a:t>
+            </a:r>
+            <a:r>
+              <a:rPr lang="en-US" altLang="zh-TW" dirty="0" smtClean="0"/>
+              <a:t>(5/7</a:t>
+            </a:r>
+            <a:r>
+              <a:rPr lang="en-US" altLang="zh-TW" dirty="0"/>
+              <a:t>)</a:t>
+            </a:r>
+            <a:endParaRPr lang="zh-TW" altLang="en-US" dirty="0"/>
+          </a:p>
+        </p:txBody>
+      </p:sp>
+      <p:sp>
+        <p:nvSpPr>
+          <p:cNvPr id="3" name="內容版面配置區 2"/>
+          <p:cNvSpPr>
+            <a:spLocks noGrp="1"/>
+          </p:cNvSpPr>
+          <p:nvPr>
+            <p:ph idx="1"/>
+          </p:nvPr>
+        </p:nvSpPr>
+        <p:spPr/>
+        <p:txBody>
+          <a:bodyPr/>
+          <a:lstStyle/>
+          <a:p>
+            <a:r>
+              <a:rPr lang="en-US" altLang="zh-TW" dirty="0">
+                <a:latin typeface="+mj-ea"/>
+                <a:ea typeface="+mj-ea"/>
+              </a:rPr>
+              <a:t>Server 向 GCM </a:t>
+            </a:r>
+            <a:r>
+              <a:rPr lang="en-US" altLang="zh-TW" dirty="0" err="1" smtClean="0">
+                <a:latin typeface="+mj-ea"/>
+                <a:ea typeface="+mj-ea"/>
+              </a:rPr>
+              <a:t>發訊息</a:t>
+            </a:r>
+            <a:r>
+              <a:rPr lang="en-US" altLang="zh-TW" dirty="0"/>
+              <a:t> </a:t>
+            </a:r>
+            <a:r>
+              <a:rPr lang="en-US" altLang="zh-TW" dirty="0" smtClean="0"/>
+              <a:t>(4/4)</a:t>
+            </a:r>
+            <a:endParaRPr lang="en-US" altLang="zh-TW" dirty="0">
+              <a:latin typeface="+mj-ea"/>
+              <a:ea typeface="+mj-ea"/>
+            </a:endParaRPr>
+          </a:p>
+          <a:p>
+            <a:pPr lvl="1"/>
+            <a:r>
+              <a:rPr lang="en-US" altLang="zh-TW" dirty="0" smtClean="0">
+                <a:latin typeface="+mj-ea"/>
+                <a:ea typeface="+mj-ea"/>
+              </a:rPr>
+              <a:t>Server Response </a:t>
+            </a:r>
+            <a:r>
+              <a:rPr lang="en-US" altLang="zh-TW" dirty="0" err="1" smtClean="0">
+                <a:latin typeface="+mj-ea"/>
+                <a:ea typeface="+mj-ea"/>
+              </a:rPr>
+              <a:t>的訊息如下</a:t>
+            </a:r>
+            <a:endParaRPr lang="en-US" altLang="zh-TW" dirty="0" smtClean="0">
+              <a:latin typeface="+mj-ea"/>
+              <a:ea typeface="+mj-ea"/>
+            </a:endParaRPr>
+          </a:p>
+          <a:p>
+            <a:pPr marL="457200" lvl="1" indent="0">
+              <a:buNone/>
+            </a:pPr>
+            <a:r>
+              <a:rPr lang="en-US" altLang="zh-TW" sz="2000" dirty="0" smtClean="0">
+                <a:latin typeface="+mj-ea"/>
+                <a:ea typeface="+mj-ea"/>
+              </a:rPr>
+              <a:t>{"multicast_id":6934727490657173521,</a:t>
+            </a:r>
+          </a:p>
+          <a:p>
+            <a:pPr marL="457200" lvl="1" indent="0">
+              <a:buNone/>
+            </a:pPr>
+            <a:r>
+              <a:rPr lang="en-US" altLang="zh-TW" sz="2000" dirty="0" smtClean="0">
+                <a:latin typeface="+mj-ea"/>
+                <a:ea typeface="+mj-ea"/>
+              </a:rPr>
+              <a:t>  "</a:t>
+            </a:r>
+            <a:r>
+              <a:rPr lang="en-US" altLang="zh-TW" sz="2000" b="1" dirty="0">
+                <a:solidFill>
+                  <a:srgbClr val="FF0000"/>
+                </a:solidFill>
+                <a:latin typeface="+mj-ea"/>
+                <a:ea typeface="+mj-ea"/>
+              </a:rPr>
+              <a:t>success</a:t>
+            </a:r>
+            <a:r>
+              <a:rPr lang="en-US" altLang="zh-TW" sz="2000" dirty="0">
+                <a:latin typeface="+mj-ea"/>
+                <a:ea typeface="+mj-ea"/>
+              </a:rPr>
+              <a:t>":1</a:t>
+            </a:r>
+            <a:r>
+              <a:rPr lang="en-US" altLang="zh-TW" sz="2000" dirty="0" smtClean="0">
+                <a:latin typeface="+mj-ea"/>
+                <a:ea typeface="+mj-ea"/>
+              </a:rPr>
+              <a:t>,</a:t>
+            </a:r>
+          </a:p>
+          <a:p>
+            <a:pPr marL="457200" lvl="1" indent="0">
+              <a:buNone/>
+            </a:pPr>
+            <a:r>
+              <a:rPr lang="en-US" altLang="zh-TW" sz="2000" dirty="0" smtClean="0">
+                <a:latin typeface="+mj-ea"/>
+                <a:ea typeface="+mj-ea"/>
+              </a:rPr>
+              <a:t>  "</a:t>
+            </a:r>
+            <a:r>
+              <a:rPr lang="en-US" altLang="zh-TW" sz="2000" b="1" dirty="0">
+                <a:solidFill>
+                  <a:srgbClr val="FF0000"/>
+                </a:solidFill>
+                <a:latin typeface="+mj-ea"/>
+                <a:ea typeface="+mj-ea"/>
+              </a:rPr>
+              <a:t>failure</a:t>
+            </a:r>
+            <a:r>
+              <a:rPr lang="en-US" altLang="zh-TW" sz="2000" dirty="0">
+                <a:latin typeface="+mj-ea"/>
+                <a:ea typeface="+mj-ea"/>
+              </a:rPr>
+              <a:t>":0</a:t>
+            </a:r>
+            <a:r>
+              <a:rPr lang="en-US" altLang="zh-TW" sz="2000" dirty="0" smtClean="0">
+                <a:latin typeface="+mj-ea"/>
+                <a:ea typeface="+mj-ea"/>
+              </a:rPr>
+              <a:t>,</a:t>
+            </a:r>
+          </a:p>
+          <a:p>
+            <a:pPr marL="457200" lvl="1" indent="0">
+              <a:buNone/>
+            </a:pPr>
+            <a:r>
+              <a:rPr lang="en-US" altLang="zh-TW" sz="2000" dirty="0" smtClean="0">
+                <a:latin typeface="+mj-ea"/>
+                <a:ea typeface="+mj-ea"/>
+              </a:rPr>
+              <a:t>  "</a:t>
+            </a:r>
+            <a:r>
+              <a:rPr lang="en-US" altLang="zh-TW" sz="2000" dirty="0">
+                <a:latin typeface="+mj-ea"/>
+                <a:ea typeface="+mj-ea"/>
+              </a:rPr>
+              <a:t>canonical_ids":0</a:t>
+            </a:r>
+            <a:r>
+              <a:rPr lang="en-US" altLang="zh-TW" sz="2000" dirty="0" smtClean="0">
+                <a:latin typeface="+mj-ea"/>
+                <a:ea typeface="+mj-ea"/>
+              </a:rPr>
+              <a:t>,</a:t>
+            </a:r>
+          </a:p>
+          <a:p>
+            <a:pPr marL="457200" lvl="1" indent="0">
+              <a:buNone/>
+            </a:pPr>
+            <a:r>
+              <a:rPr lang="en-US" altLang="zh-TW" sz="2000" dirty="0" smtClean="0">
+                <a:latin typeface="+mj-ea"/>
+                <a:ea typeface="+mj-ea"/>
+              </a:rPr>
+              <a:t>  "</a:t>
+            </a:r>
+            <a:r>
+              <a:rPr lang="en-US" altLang="zh-TW" sz="2000" dirty="0">
+                <a:latin typeface="+mj-ea"/>
+                <a:ea typeface="+mj-ea"/>
+              </a:rPr>
+              <a:t>results":[{"message_id":"0:1448011210423470%5d3f2c26f9fd7ecd"}]}</a:t>
+            </a:r>
+            <a:endParaRPr lang="zh-TW" altLang="en-US" sz="2000" dirty="0">
+              <a:latin typeface="+mj-ea"/>
+              <a:ea typeface="+mj-ea"/>
+            </a:endParaRPr>
+          </a:p>
+        </p:txBody>
+      </p:sp>
+      <p:sp>
+        <p:nvSpPr>
+          <p:cNvPr id="4" name="文字方塊 3"/>
+          <p:cNvSpPr txBox="1"/>
+          <p:nvPr/>
+        </p:nvSpPr>
+        <p:spPr>
+          <a:xfrm>
+            <a:off x="1259632" y="5589239"/>
+            <a:ext cx="4442242" cy="830997"/>
+          </a:xfrm>
+          <a:prstGeom prst="rect">
+            <a:avLst/>
+          </a:prstGeom>
+          <a:noFill/>
+        </p:spPr>
+        <p:txBody>
+          <a:bodyPr wrap="none" rtlCol="0">
+            <a:spAutoFit/>
+          </a:bodyPr>
+          <a:lstStyle/>
+          <a:p>
+            <a:pPr marL="457200" indent="-457200">
+              <a:buAutoNum type="arabicPeriod"/>
+            </a:pPr>
+            <a:r>
+              <a:rPr lang="en-US" altLang="zh-TW" sz="2400" b="1" dirty="0" smtClean="0">
+                <a:solidFill>
+                  <a:srgbClr val="FF0000"/>
+                </a:solidFill>
+                <a:latin typeface="+mn-ea"/>
+              </a:rPr>
+              <a:t>success: </a:t>
+            </a:r>
+            <a:r>
+              <a:rPr lang="en-US" altLang="zh-TW" sz="2400" b="1" dirty="0" err="1" smtClean="0">
+                <a:solidFill>
+                  <a:srgbClr val="FF0000"/>
+                </a:solidFill>
+                <a:latin typeface="+mn-ea"/>
+              </a:rPr>
+              <a:t>推播成功的裝置數量</a:t>
+            </a:r>
+            <a:endParaRPr lang="en-US" altLang="zh-TW" sz="2400" b="1" dirty="0" smtClean="0">
+              <a:solidFill>
+                <a:srgbClr val="FF0000"/>
+              </a:solidFill>
+              <a:latin typeface="+mn-ea"/>
+            </a:endParaRPr>
+          </a:p>
+          <a:p>
+            <a:pPr marL="457200" indent="-457200">
+              <a:buFontTx/>
+              <a:buAutoNum type="arabicPeriod"/>
+            </a:pPr>
+            <a:r>
+              <a:rPr lang="en-US" altLang="zh-TW" sz="2400" b="1" dirty="0" smtClean="0">
+                <a:solidFill>
+                  <a:srgbClr val="FF0000"/>
+                </a:solidFill>
+                <a:latin typeface="+mn-ea"/>
+              </a:rPr>
+              <a:t>failure: </a:t>
+            </a:r>
+            <a:r>
+              <a:rPr lang="en-US" altLang="zh-TW" sz="2400" b="1" dirty="0" err="1" smtClean="0">
+                <a:solidFill>
+                  <a:srgbClr val="FF0000"/>
+                </a:solidFill>
+                <a:latin typeface="+mn-ea"/>
+              </a:rPr>
+              <a:t>推播失敗的裝置數量</a:t>
+            </a:r>
+            <a:endParaRPr lang="en-US" altLang="zh-TW" sz="2400" b="1" dirty="0">
+              <a:solidFill>
+                <a:srgbClr val="FF0000"/>
+              </a:solidFill>
+              <a:latin typeface="+mn-ea"/>
+            </a:endParaRPr>
+          </a:p>
+        </p:txBody>
+      </p:sp>
+    </p:spTree>
+    <p:extLst>
+      <p:ext uri="{BB962C8B-B14F-4D97-AF65-F5344CB8AC3E}">
+        <p14:creationId xmlns:p14="http://schemas.microsoft.com/office/powerpoint/2010/main" val="2803015073"/>
+      </p:ext>
+    </p:extLst>
+  </p:cSld>
+  <p:clrMapOvr>
+    <a:masterClrMapping/>
+  </p:clrMapOvr>
+  <p:timing>
+    <p:tnLst>
+      <p:par>
+        <p:cTn id="1" dur="indefinite" restart="never" nodeType="tmRoot"/>
+      </p:par>
+    </p:tnLst>
+  </p:timing>
+</p:sld>
+</file>
+
+<file path=ppt/slides/slide34.xml><?xml version="1.0" encoding="utf-8"?>
+<p:sld xmlns:a="http://schemas.openxmlformats.org/drawingml/2006/main" xmlns:r="http://schemas.openxmlformats.org/officeDocument/2006/relationships" xmlns:p="http://schemas.openxmlformats.org/presentationml/2006/main">
+  <p:cSld>
+    <p:spTree>
+      <p:nvGrpSpPr>
+        <p:cNvPr id="1" name=""/>
+        <p:cNvGrpSpPr/>
+        <p:nvPr/>
+      </p:nvGrpSpPr>
+      <p:grpSpPr>
+        <a:xfrm>
+          <a:off x="0" y="0"/>
+          <a:ext cx="0" cy="0"/>
+          <a:chOff x="0" y="0"/>
+          <a:chExt cx="0" cy="0"/>
+        </a:xfrm>
+      </p:grpSpPr>
+      <p:sp>
+        <p:nvSpPr>
+          <p:cNvPr id="2" name="標題 1"/>
+          <p:cNvSpPr>
+            <a:spLocks noGrp="1"/>
+          </p:cNvSpPr>
+          <p:nvPr>
+            <p:ph type="title"/>
+          </p:nvPr>
+        </p:nvSpPr>
+        <p:spPr/>
+        <p:txBody>
+          <a:bodyPr/>
+          <a:lstStyle/>
+          <a:p>
+            <a:r>
+              <a:rPr lang="en-US" altLang="zh-TW" dirty="0"/>
+              <a:t>Downstream </a:t>
+            </a:r>
+            <a:r>
+              <a:rPr lang="en-US" altLang="zh-TW" dirty="0" smtClean="0"/>
+              <a:t>Messaging</a:t>
+            </a:r>
+            <a:r>
+              <a:rPr lang="en-US" altLang="zh-TW" dirty="0"/>
+              <a:t> </a:t>
+            </a:r>
+            <a:r>
+              <a:rPr lang="en-US" altLang="zh-TW" dirty="0" smtClean="0"/>
+              <a:t>(6/7</a:t>
+            </a:r>
+            <a:r>
+              <a:rPr lang="en-US" altLang="zh-TW" dirty="0"/>
+              <a:t>)</a:t>
+            </a:r>
+            <a:endParaRPr lang="zh-TW" altLang="en-US" dirty="0"/>
+          </a:p>
+        </p:txBody>
+      </p:sp>
+      <p:sp>
+        <p:nvSpPr>
+          <p:cNvPr id="3" name="內容版面配置區 2"/>
+          <p:cNvSpPr>
+            <a:spLocks noGrp="1"/>
+          </p:cNvSpPr>
+          <p:nvPr>
+            <p:ph idx="1"/>
+          </p:nvPr>
+        </p:nvSpPr>
+        <p:spPr/>
+        <p:txBody>
+          <a:bodyPr/>
+          <a:lstStyle/>
+          <a:p>
+            <a:r>
+              <a:rPr lang="en-US" altLang="zh-TW" dirty="0"/>
+              <a:t>Client </a:t>
+            </a:r>
+            <a:r>
+              <a:rPr lang="en-US" altLang="zh-TW" dirty="0" err="1"/>
+              <a:t>收到JSON格式</a:t>
+            </a:r>
+            <a:endParaRPr lang="en-US" altLang="zh-TW" dirty="0"/>
+          </a:p>
+          <a:p>
+            <a:pPr marL="0" indent="0">
+              <a:buNone/>
+            </a:pPr>
+            <a:r>
+              <a:rPr lang="en-US" altLang="zh-TW" sz="1600" dirty="0">
+                <a:latin typeface="+mn-ea"/>
+              </a:rPr>
+              <a:t>{from=518863485658, </a:t>
+            </a:r>
+            <a:endParaRPr lang="en-US" altLang="zh-TW" sz="1600" dirty="0" smtClean="0">
+              <a:latin typeface="+mn-ea"/>
+            </a:endParaRPr>
+          </a:p>
+          <a:p>
+            <a:pPr marL="0" indent="0">
+              <a:buNone/>
+            </a:pPr>
+            <a:r>
+              <a:rPr lang="en-US" altLang="zh-TW" sz="1600" dirty="0">
+                <a:latin typeface="+mn-ea"/>
+              </a:rPr>
+              <a:t> </a:t>
+            </a:r>
+            <a:r>
+              <a:rPr lang="en-US" altLang="zh-TW" sz="1600" dirty="0" smtClean="0">
+                <a:latin typeface="+mn-ea"/>
+              </a:rPr>
+              <a:t> message={</a:t>
+            </a:r>
+          </a:p>
+          <a:p>
+            <a:pPr marL="0" indent="0">
+              <a:buNone/>
+            </a:pPr>
+            <a:r>
+              <a:rPr lang="en-US" altLang="zh-TW" sz="1600" dirty="0" smtClean="0">
+                <a:latin typeface="+mn-ea"/>
+              </a:rPr>
+              <a:t>  	"</a:t>
+            </a:r>
+            <a:r>
+              <a:rPr lang="en-US" altLang="zh-TW" sz="1600" dirty="0" err="1">
+                <a:latin typeface="+mn-ea"/>
+              </a:rPr>
+              <a:t>color":"Red</a:t>
+            </a:r>
+            <a:r>
+              <a:rPr lang="en-US" altLang="zh-TW" sz="1600" dirty="0" smtClean="0">
+                <a:latin typeface="+mn-ea"/>
+              </a:rPr>
+              <a:t>",</a:t>
+            </a:r>
+          </a:p>
+          <a:p>
+            <a:pPr marL="0" indent="0">
+              <a:buNone/>
+            </a:pPr>
+            <a:r>
+              <a:rPr lang="en-US" altLang="zh-TW" sz="1600" dirty="0">
+                <a:latin typeface="+mn-ea"/>
+              </a:rPr>
+              <a:t>	</a:t>
+            </a:r>
+            <a:r>
+              <a:rPr lang="en-US" altLang="zh-TW" sz="1600" dirty="0" smtClean="0">
+                <a:latin typeface="+mn-ea"/>
+              </a:rPr>
+              <a:t>"</a:t>
+            </a:r>
+            <a:r>
+              <a:rPr lang="en-US" altLang="zh-TW" sz="1600" dirty="0" err="1">
+                <a:latin typeface="+mn-ea"/>
+              </a:rPr>
+              <a:t>name":"Car</a:t>
+            </a:r>
+            <a:r>
+              <a:rPr lang="en-US" altLang="zh-TW" sz="1600" dirty="0" smtClean="0">
+                <a:latin typeface="+mn-ea"/>
+              </a:rPr>
+              <a:t>",</a:t>
+            </a:r>
+          </a:p>
+          <a:p>
+            <a:pPr marL="0" indent="0">
+              <a:buNone/>
+            </a:pPr>
+            <a:r>
+              <a:rPr lang="en-US" altLang="zh-TW" sz="1600" dirty="0">
+                <a:latin typeface="+mn-ea"/>
+              </a:rPr>
+              <a:t>	</a:t>
+            </a:r>
+            <a:r>
+              <a:rPr lang="en-US" altLang="zh-TW" sz="1600" dirty="0" smtClean="0">
+                <a:latin typeface="+mn-ea"/>
+              </a:rPr>
+              <a:t>"</a:t>
+            </a:r>
+            <a:r>
+              <a:rPr lang="en-US" altLang="zh-TW" sz="1600" dirty="0">
+                <a:latin typeface="+mn-ea"/>
+              </a:rPr>
+              <a:t>model":"AAA-001</a:t>
+            </a:r>
+            <a:r>
+              <a:rPr lang="en-US" altLang="zh-TW" sz="1600" dirty="0" smtClean="0">
+                <a:latin typeface="+mn-ea"/>
+              </a:rPr>
+              <a:t>"},</a:t>
+            </a:r>
+          </a:p>
+          <a:p>
+            <a:pPr marL="0" indent="0">
+              <a:buNone/>
+            </a:pPr>
+            <a:r>
+              <a:rPr lang="en-US" altLang="zh-TW" sz="1600" dirty="0">
+                <a:latin typeface="+mn-ea"/>
+              </a:rPr>
+              <a:t> </a:t>
+            </a:r>
+            <a:r>
+              <a:rPr lang="en-US" altLang="zh-TW" sz="1600" dirty="0" smtClean="0">
+                <a:latin typeface="+mn-ea"/>
+              </a:rPr>
+              <a:t> </a:t>
+            </a:r>
+            <a:r>
+              <a:rPr lang="en-US" altLang="zh-TW" sz="1600" dirty="0" err="1">
+                <a:latin typeface="+mn-ea"/>
+              </a:rPr>
+              <a:t>collapse_key</a:t>
+            </a:r>
+            <a:r>
+              <a:rPr lang="en-US" altLang="zh-TW" sz="1600" dirty="0">
+                <a:latin typeface="+mn-ea"/>
+              </a:rPr>
+              <a:t>=</a:t>
+            </a:r>
+            <a:r>
+              <a:rPr lang="en-US" altLang="zh-TW" sz="1600" dirty="0" err="1">
+                <a:latin typeface="+mn-ea"/>
+              </a:rPr>
+              <a:t>do_not_collapse</a:t>
+            </a:r>
+            <a:r>
+              <a:rPr lang="en-US" altLang="zh-TW" sz="1600" dirty="0">
+                <a:latin typeface="+mn-ea"/>
+              </a:rPr>
+              <a:t>}</a:t>
+            </a:r>
+            <a:endParaRPr lang="zh-TW" altLang="en-US" sz="1600" dirty="0">
+              <a:latin typeface="+mn-ea"/>
+            </a:endParaRPr>
+          </a:p>
+        </p:txBody>
+      </p:sp>
+    </p:spTree>
+    <p:extLst>
+      <p:ext uri="{BB962C8B-B14F-4D97-AF65-F5344CB8AC3E}">
+        <p14:creationId xmlns:p14="http://schemas.microsoft.com/office/powerpoint/2010/main" val="2057981540"/>
+      </p:ext>
+    </p:extLst>
+  </p:cSld>
+  <p:clrMapOvr>
+    <a:masterClrMapping/>
+  </p:clrMapOvr>
+</p:sld>
+</file>
+
+<file path=ppt/slides/slide35.xml><?xml version="1.0" encoding="utf-8"?>
+<p:sld xmlns:a="http://schemas.openxmlformats.org/drawingml/2006/main" xmlns:r="http://schemas.openxmlformats.org/officeDocument/2006/relationships" xmlns:p="http://schemas.openxmlformats.org/presentationml/2006/main">
+  <p:cSld>
+    <p:spTree>
+      <p:nvGrpSpPr>
+        <p:cNvPr id="1" name=""/>
+        <p:cNvGrpSpPr/>
+        <p:nvPr/>
+      </p:nvGrpSpPr>
+      <p:grpSpPr>
+        <a:xfrm>
+          <a:off x="0" y="0"/>
+          <a:ext cx="0" cy="0"/>
+          <a:chOff x="0" y="0"/>
+          <a:chExt cx="0" cy="0"/>
+        </a:xfrm>
+      </p:grpSpPr>
+      <p:sp>
+        <p:nvSpPr>
+          <p:cNvPr id="2" name="標題 1"/>
+          <p:cNvSpPr>
+            <a:spLocks noGrp="1"/>
+          </p:cNvSpPr>
+          <p:nvPr>
+            <p:ph type="title"/>
+          </p:nvPr>
+        </p:nvSpPr>
+        <p:spPr/>
+        <p:txBody>
+          <a:bodyPr/>
+          <a:lstStyle/>
+          <a:p>
+            <a:r>
+              <a:rPr lang="en-US" altLang="zh-TW" dirty="0"/>
+              <a:t>Downstream Messaging </a:t>
+            </a:r>
+            <a:r>
+              <a:rPr lang="en-US" altLang="zh-TW" dirty="0" smtClean="0"/>
               <a:t>(7/7</a:t>
             </a:r>
             <a:r>
@@ -11322,7 +12530,7 @@
 </p:sld>
 </file>
 
-<file path=ppt/slides/slide32.xml><?xml version="1.0" encoding="utf-8"?>
+<file path=ppt/slides/slide36.xml><?xml version="1.0" encoding="utf-8"?>
 <p:sld xmlns:a="http://schemas.openxmlformats.org/drawingml/2006/main" xmlns:r="http://schemas.openxmlformats.org/officeDocument/2006/relationships" xmlns:p="http://schemas.openxmlformats.org/presentationml/2006/main">
   <p:cSld>
     <p:spTree>
@@ -11791,7 +12999,7 @@
 </p:sld>
 </file>
 
-<file path=ppt/slides/slide33.xml><?xml version="1.0" encoding="utf-8"?>
+<file path=ppt/slides/slide37.xml><?xml version="1.0" encoding="utf-8"?>
 <p:sld xmlns:a="http://schemas.openxmlformats.org/drawingml/2006/main" xmlns:r="http://schemas.openxmlformats.org/officeDocument/2006/relationships" xmlns:p="http://schemas.openxmlformats.org/presentationml/2006/main">
   <p:cSld>
     <p:spTree>
@@ -12121,7 +13329,7 @@
 </p:sld>
 </file>
 
-<file path=ppt/slides/slide34.xml><?xml version="1.0" encoding="utf-8"?>
+<file path=ppt/slides/slide38.xml><?xml version="1.0" encoding="utf-8"?>
 <p:sld xmlns:a="http://schemas.openxmlformats.org/drawingml/2006/main" xmlns:r="http://schemas.openxmlformats.org/officeDocument/2006/relationships" xmlns:p="http://schemas.openxmlformats.org/presentationml/2006/main">
   <p:cSld>
     <p:spTree>
@@ -12423,912 +13631,6 @@
 </p:sld>
 </file>
 
-<file path=ppt/slides/slide35.xml><?xml version="1.0" encoding="utf-8"?>
-<p:sld xmlns:a="http://schemas.openxmlformats.org/drawingml/2006/main" xmlns:r="http://schemas.openxmlformats.org/officeDocument/2006/relationships" xmlns:p="http://schemas.openxmlformats.org/presentationml/2006/main">
-  <p:cSld>
-    <p:spTree>
-      <p:nvGrpSpPr>
-        <p:cNvPr id="1" name=""/>
-        <p:cNvGrpSpPr/>
-        <p:nvPr/>
-      </p:nvGrpSpPr>
-      <p:grpSpPr>
-        <a:xfrm>
-          <a:off x="0" y="0"/>
-          <a:ext cx="0" cy="0"/>
-          <a:chOff x="0" y="0"/>
-          <a:chExt cx="0" cy="0"/>
-        </a:xfrm>
-      </p:grpSpPr>
-      <p:sp>
-        <p:nvSpPr>
-          <p:cNvPr id="2" name="標題 1"/>
-          <p:cNvSpPr>
-            <a:spLocks noGrp="1"/>
-          </p:cNvSpPr>
-          <p:nvPr>
-            <p:ph type="title"/>
-          </p:nvPr>
-        </p:nvSpPr>
-        <p:spPr/>
-        <p:txBody>
-          <a:bodyPr/>
-          <a:lstStyle/>
-          <a:p>
-            <a:r>
-              <a:rPr lang="en-US" altLang="zh-TW" dirty="0"/>
-              <a:t>Topics </a:t>
-            </a:r>
-            <a:r>
-              <a:rPr lang="en-US" altLang="zh-TW" dirty="0" smtClean="0"/>
-              <a:t>Messaging</a:t>
-            </a:r>
-            <a:r>
-              <a:rPr lang="en-US" altLang="zh-TW" dirty="0"/>
-              <a:t> </a:t>
-            </a:r>
-            <a:r>
-              <a:rPr lang="en-US" altLang="zh-TW" dirty="0" smtClean="0"/>
-              <a:t>(4/7</a:t>
-            </a:r>
-            <a:r>
-              <a:rPr lang="en-US" altLang="zh-TW" dirty="0"/>
-              <a:t>)</a:t>
-            </a:r>
-            <a:endParaRPr lang="zh-TW" altLang="en-US" dirty="0"/>
-          </a:p>
-        </p:txBody>
-      </p:sp>
-      <p:sp>
-        <p:nvSpPr>
-          <p:cNvPr id="3" name="內容版面配置區 2"/>
-          <p:cNvSpPr>
-            <a:spLocks noGrp="1"/>
-          </p:cNvSpPr>
-          <p:nvPr>
-            <p:ph idx="1"/>
-          </p:nvPr>
-        </p:nvSpPr>
-        <p:spPr/>
-        <p:txBody>
-          <a:bodyPr/>
-          <a:lstStyle/>
-          <a:p>
-            <a:r>
-              <a:rPr lang="en-US" altLang="zh-TW" dirty="0" smtClean="0"/>
-              <a:t>Server 向 GCM </a:t>
-            </a:r>
-            <a:r>
-              <a:rPr lang="en-US" altLang="zh-TW" dirty="0" err="1" smtClean="0"/>
-              <a:t>發訊息</a:t>
-            </a:r>
-            <a:r>
-              <a:rPr lang="en-US" altLang="zh-TW" dirty="0" smtClean="0"/>
-              <a:t> (1/3)</a:t>
-            </a:r>
-          </a:p>
-          <a:p>
-            <a:pPr lvl="1"/>
-            <a:r>
-              <a:rPr lang="en-US" altLang="zh-TW" dirty="0"/>
-              <a:t>URL: </a:t>
-            </a:r>
-            <a:r>
-              <a:rPr lang="en-US" altLang="zh-TW" dirty="0">
-                <a:hlinkClick r:id="rId2"/>
-              </a:rPr>
-              <a:t>https://</a:t>
-            </a:r>
-            <a:r>
-              <a:rPr lang="en-US" altLang="zh-TW" dirty="0" smtClean="0">
-                <a:hlinkClick r:id="rId2"/>
-              </a:rPr>
-              <a:t>android.googleapis.com/gcm/send</a:t>
-            </a:r>
-            <a:endParaRPr lang="en-US" altLang="zh-TW" dirty="0" smtClean="0"/>
-          </a:p>
-          <a:p>
-            <a:pPr lvl="1"/>
-            <a:r>
-              <a:rPr lang="en-US" altLang="zh-TW" dirty="0" smtClean="0"/>
-              <a:t>Header </a:t>
-            </a:r>
-            <a:r>
-              <a:rPr lang="en-US" altLang="zh-TW" dirty="0" err="1" smtClean="0"/>
-              <a:t>設定</a:t>
-            </a:r>
-            <a:endParaRPr lang="en-US" altLang="zh-TW" dirty="0" smtClean="0"/>
-          </a:p>
-          <a:p>
-            <a:pPr lvl="2"/>
-            <a:r>
-              <a:rPr lang="en-US" altLang="zh-TW" dirty="0"/>
-              <a:t>Authorization: </a:t>
-            </a:r>
-            <a:r>
-              <a:rPr lang="en-US" altLang="zh-TW" dirty="0" smtClean="0"/>
-              <a:t>API Key (API </a:t>
-            </a:r>
-            <a:r>
-              <a:rPr lang="en-US" altLang="zh-TW" dirty="0" err="1" smtClean="0"/>
-              <a:t>金鑰</a:t>
-            </a:r>
-            <a:r>
-              <a:rPr lang="en-US" altLang="zh-TW" dirty="0" smtClean="0"/>
-              <a:t>)</a:t>
-            </a:r>
-          </a:p>
-          <a:p>
-            <a:pPr lvl="2"/>
-            <a:r>
-              <a:rPr lang="en-US" altLang="zh-TW" dirty="0"/>
-              <a:t>Content-Type: </a:t>
-            </a:r>
-            <a:r>
-              <a:rPr lang="en-US" altLang="zh-TW" dirty="0" smtClean="0"/>
-              <a:t>application/</a:t>
-            </a:r>
-            <a:r>
-              <a:rPr lang="en-US" altLang="zh-TW" dirty="0" err="1" smtClean="0"/>
-              <a:t>json</a:t>
-            </a:r>
-            <a:endParaRPr lang="en-US" altLang="zh-TW" dirty="0" smtClean="0"/>
-          </a:p>
-          <a:p>
-            <a:pPr lvl="2"/>
-            <a:endParaRPr lang="en-US" altLang="zh-TW" dirty="0" smtClean="0"/>
-          </a:p>
-        </p:txBody>
-      </p:sp>
-    </p:spTree>
-    <p:extLst>
-      <p:ext uri="{BB962C8B-B14F-4D97-AF65-F5344CB8AC3E}">
-        <p14:creationId xmlns:p14="http://schemas.microsoft.com/office/powerpoint/2010/main" val="914420006"/>
-      </p:ext>
-    </p:extLst>
-  </p:cSld>
-  <p:clrMapOvr>
-    <a:masterClrMapping/>
-  </p:clrMapOvr>
-  <p:timing>
-    <p:tnLst>
-      <p:par>
-        <p:cTn id="1" dur="indefinite" restart="never" nodeType="tmRoot"/>
-      </p:par>
-    </p:tnLst>
-  </p:timing>
-</p:sld>
-</file>
-
-<file path=ppt/slides/slide36.xml><?xml version="1.0" encoding="utf-8"?>
-<p:sld xmlns:a="http://schemas.openxmlformats.org/drawingml/2006/main" xmlns:r="http://schemas.openxmlformats.org/officeDocument/2006/relationships" xmlns:p="http://schemas.openxmlformats.org/presentationml/2006/main">
-  <p:cSld>
-    <p:spTree>
-      <p:nvGrpSpPr>
-        <p:cNvPr id="1" name=""/>
-        <p:cNvGrpSpPr/>
-        <p:nvPr/>
-      </p:nvGrpSpPr>
-      <p:grpSpPr>
-        <a:xfrm>
-          <a:off x="0" y="0"/>
-          <a:ext cx="0" cy="0"/>
-          <a:chOff x="0" y="0"/>
-          <a:chExt cx="0" cy="0"/>
-        </a:xfrm>
-      </p:grpSpPr>
-      <p:sp>
-        <p:nvSpPr>
-          <p:cNvPr id="2" name="標題 1"/>
-          <p:cNvSpPr>
-            <a:spLocks noGrp="1"/>
-          </p:cNvSpPr>
-          <p:nvPr>
-            <p:ph type="title"/>
-          </p:nvPr>
-        </p:nvSpPr>
-        <p:spPr/>
-        <p:txBody>
-          <a:bodyPr/>
-          <a:lstStyle/>
-          <a:p>
-            <a:r>
-              <a:rPr lang="en-US" altLang="zh-TW" dirty="0"/>
-              <a:t>Topics </a:t>
-            </a:r>
-            <a:r>
-              <a:rPr lang="en-US" altLang="zh-TW" dirty="0" smtClean="0"/>
-              <a:t>Messaging</a:t>
-            </a:r>
-            <a:r>
-              <a:rPr lang="en-US" altLang="zh-TW" dirty="0"/>
-              <a:t> </a:t>
-            </a:r>
-            <a:r>
-              <a:rPr lang="en-US" altLang="zh-TW" dirty="0" smtClean="0"/>
-              <a:t>(5/7</a:t>
-            </a:r>
-            <a:r>
-              <a:rPr lang="en-US" altLang="zh-TW" dirty="0"/>
-              <a:t>)</a:t>
-            </a:r>
-            <a:endParaRPr lang="zh-TW" altLang="en-US" dirty="0"/>
-          </a:p>
-        </p:txBody>
-      </p:sp>
-      <p:sp>
-        <p:nvSpPr>
-          <p:cNvPr id="3" name="內容版面配置區 2"/>
-          <p:cNvSpPr>
-            <a:spLocks noGrp="1"/>
-          </p:cNvSpPr>
-          <p:nvPr>
-            <p:ph idx="1"/>
-          </p:nvPr>
-        </p:nvSpPr>
-        <p:spPr/>
-        <p:txBody>
-          <a:bodyPr>
-            <a:normAutofit lnSpcReduction="10000"/>
-          </a:bodyPr>
-          <a:lstStyle/>
-          <a:p>
-            <a:r>
-              <a:rPr lang="en-US" altLang="zh-TW" dirty="0">
-                <a:latin typeface="+mn-ea"/>
-              </a:rPr>
-              <a:t>Server 向 GCM </a:t>
-            </a:r>
-            <a:r>
-              <a:rPr lang="en-US" altLang="zh-TW" dirty="0" err="1">
-                <a:latin typeface="+mn-ea"/>
-              </a:rPr>
-              <a:t>發訊息</a:t>
-            </a:r>
-            <a:r>
-              <a:rPr lang="en-US" altLang="zh-TW" dirty="0"/>
-              <a:t> </a:t>
-            </a:r>
-            <a:r>
-              <a:rPr lang="en-US" altLang="zh-TW" dirty="0" smtClean="0"/>
-              <a:t>(2/3)</a:t>
-            </a:r>
-          </a:p>
-          <a:p>
-            <a:pPr lvl="1"/>
-            <a:r>
-              <a:rPr lang="en-US" altLang="zh-TW" dirty="0">
-                <a:latin typeface="+mn-ea"/>
-              </a:rPr>
-              <a:t>post </a:t>
-            </a:r>
-            <a:r>
-              <a:rPr lang="en-US" altLang="zh-TW" dirty="0" err="1">
-                <a:latin typeface="+mn-ea"/>
-              </a:rPr>
-              <a:t>資料，JSON</a:t>
-            </a:r>
-            <a:r>
-              <a:rPr lang="en-US" altLang="zh-TW" dirty="0" err="1" smtClean="0">
-                <a:latin typeface="+mn-ea"/>
-              </a:rPr>
-              <a:t>格式</a:t>
-            </a:r>
-            <a:endParaRPr lang="en-US" altLang="zh-TW" dirty="0" smtClean="0">
-              <a:latin typeface="+mn-ea"/>
-            </a:endParaRPr>
-          </a:p>
-          <a:p>
-            <a:pPr marL="457200" lvl="1" indent="0">
-              <a:buNone/>
-            </a:pPr>
-            <a:r>
-              <a:rPr lang="en-US" altLang="zh-TW" sz="1600" dirty="0" smtClean="0">
-                <a:latin typeface="+mj-ea"/>
-                <a:ea typeface="+mj-ea"/>
-              </a:rPr>
-              <a:t>{ "to" : "</a:t>
-            </a:r>
-            <a:r>
-              <a:rPr lang="en-US" altLang="zh-TW" sz="1600" b="1" dirty="0" smtClean="0">
-                <a:solidFill>
-                  <a:srgbClr val="FF0000"/>
-                </a:solidFill>
-                <a:latin typeface="+mn-ea"/>
-              </a:rPr>
-              <a:t>Topics</a:t>
-            </a:r>
-            <a:r>
-              <a:rPr lang="en-US" altLang="zh-TW" sz="1600" dirty="0" smtClean="0">
-                <a:latin typeface="+mj-ea"/>
-                <a:ea typeface="+mj-ea"/>
-              </a:rPr>
-              <a:t>“,</a:t>
-            </a:r>
-            <a:br>
-              <a:rPr lang="en-US" altLang="zh-TW" sz="1600" dirty="0" smtClean="0">
-                <a:latin typeface="+mj-ea"/>
-                <a:ea typeface="+mj-ea"/>
-              </a:rPr>
-            </a:br>
-            <a:r>
-              <a:rPr lang="en-US" altLang="zh-TW" sz="1600" dirty="0" smtClean="0">
-                <a:latin typeface="+mj-ea"/>
-                <a:ea typeface="+mj-ea"/>
-              </a:rPr>
-              <a:t>   "data": {</a:t>
-            </a:r>
-            <a:r>
-              <a:rPr lang="en-US" altLang="zh-TW" sz="1600" b="1" dirty="0" err="1" smtClean="0">
-                <a:solidFill>
-                  <a:srgbClr val="FF0000"/>
-                </a:solidFill>
-                <a:latin typeface="+mn-ea"/>
-              </a:rPr>
-              <a:t>傳送訊息內容</a:t>
-            </a:r>
-            <a:r>
-              <a:rPr lang="en-US" altLang="zh-TW" sz="1600" b="1" dirty="0" smtClean="0">
-                <a:solidFill>
-                  <a:srgbClr val="FF0000"/>
-                </a:solidFill>
-                <a:latin typeface="+mn-ea"/>
-              </a:rPr>
-              <a:t> </a:t>
-            </a:r>
-            <a:r>
-              <a:rPr lang="en-US" altLang="zh-TW" sz="1600" dirty="0" smtClean="0">
-                <a:latin typeface="+mj-ea"/>
-                <a:ea typeface="+mj-ea"/>
-              </a:rPr>
-              <a:t>} }</a:t>
-            </a:r>
-          </a:p>
-          <a:p>
-            <a:pPr marL="457200" lvl="1" indent="0">
-              <a:buNone/>
-            </a:pPr>
-            <a:endParaRPr lang="en-US" altLang="zh-TW" sz="1600" dirty="0">
-              <a:latin typeface="+mj-ea"/>
-              <a:ea typeface="+mj-ea"/>
-            </a:endParaRPr>
-          </a:p>
-          <a:p>
-            <a:pPr marL="457200" lvl="1" indent="0">
-              <a:buNone/>
-            </a:pPr>
-            <a:r>
-              <a:rPr lang="en-US" altLang="zh-TW" sz="1600" dirty="0" smtClean="0">
-                <a:latin typeface="+mj-ea"/>
-                <a:ea typeface="+mj-ea"/>
-              </a:rPr>
-              <a:t>Ex:</a:t>
-            </a:r>
-          </a:p>
-          <a:p>
-            <a:pPr marL="457200" lvl="1" indent="0">
-              <a:buNone/>
-            </a:pPr>
-            <a:r>
-              <a:rPr lang="en-US" altLang="zh-TW" sz="1600" dirty="0"/>
-              <a:t>{"to":"/topics/global",</a:t>
-            </a:r>
-          </a:p>
-          <a:p>
-            <a:pPr marL="457200" lvl="1" indent="0">
-              <a:buNone/>
-            </a:pPr>
-            <a:r>
-              <a:rPr lang="en-US" altLang="zh-TW" sz="1600" dirty="0"/>
-              <a:t> "data":{</a:t>
-            </a:r>
-          </a:p>
-          <a:p>
-            <a:pPr marL="457200" lvl="1" indent="0">
-              <a:buNone/>
-            </a:pPr>
-            <a:r>
-              <a:rPr lang="en-US" altLang="zh-TW" sz="1600" dirty="0"/>
-              <a:t>	"message":{</a:t>
-            </a:r>
-          </a:p>
-          <a:p>
-            <a:pPr marL="457200" lvl="1" indent="0">
-              <a:buNone/>
-            </a:pPr>
-            <a:r>
-              <a:rPr lang="en-US" altLang="zh-TW" sz="1600" dirty="0"/>
-              <a:t>		"model":"AAA-001",</a:t>
-            </a:r>
-          </a:p>
-          <a:p>
-            <a:pPr marL="457200" lvl="1" indent="0">
-              <a:buNone/>
-            </a:pPr>
-            <a:r>
-              <a:rPr lang="en-US" altLang="zh-TW" sz="1600" dirty="0"/>
-              <a:t>		"</a:t>
-            </a:r>
-            <a:r>
-              <a:rPr lang="en-US" altLang="zh-TW" sz="1600" dirty="0" err="1"/>
-              <a:t>name":"Car</a:t>
-            </a:r>
-            <a:r>
-              <a:rPr lang="en-US" altLang="zh-TW" sz="1600" dirty="0"/>
-              <a:t>",</a:t>
-            </a:r>
-          </a:p>
-          <a:p>
-            <a:pPr marL="457200" lvl="1" indent="0">
-              <a:buNone/>
-            </a:pPr>
-            <a:r>
-              <a:rPr lang="en-US" altLang="zh-TW" sz="1600" dirty="0"/>
-              <a:t>		"</a:t>
-            </a:r>
-            <a:r>
-              <a:rPr lang="en-US" altLang="zh-TW" sz="1600" dirty="0" err="1"/>
-              <a:t>color":"Red</a:t>
-            </a:r>
-            <a:r>
-              <a:rPr lang="en-US" altLang="zh-TW" sz="1600" dirty="0"/>
-              <a:t>"}</a:t>
-            </a:r>
-          </a:p>
-          <a:p>
-            <a:pPr marL="457200" lvl="1" indent="0">
-              <a:buNone/>
-            </a:pPr>
-            <a:r>
-              <a:rPr lang="en-US" altLang="zh-TW" sz="1600" dirty="0"/>
-              <a:t>	}</a:t>
-            </a:r>
-          </a:p>
-          <a:p>
-            <a:pPr marL="457200" lvl="1" indent="0">
-              <a:buNone/>
-            </a:pPr>
-            <a:r>
-              <a:rPr lang="en-US" altLang="zh-TW" sz="1600" dirty="0"/>
-              <a:t>}</a:t>
-            </a:r>
-            <a:endParaRPr lang="zh-TW" altLang="en-US" dirty="0"/>
-          </a:p>
-        </p:txBody>
-      </p:sp>
-    </p:spTree>
-    <p:extLst>
-      <p:ext uri="{BB962C8B-B14F-4D97-AF65-F5344CB8AC3E}">
-        <p14:creationId xmlns:p14="http://schemas.microsoft.com/office/powerpoint/2010/main" val="1907972770"/>
-      </p:ext>
-    </p:extLst>
-  </p:cSld>
-  <p:clrMapOvr>
-    <a:masterClrMapping/>
-  </p:clrMapOvr>
-  <p:timing>
-    <p:tnLst>
-      <p:par>
-        <p:cTn id="1" dur="indefinite" restart="never" nodeType="tmRoot"/>
-      </p:par>
-    </p:tnLst>
-  </p:timing>
-</p:sld>
-</file>
-
-<file path=ppt/slides/slide37.xml><?xml version="1.0" encoding="utf-8"?>
-<p:sld xmlns:a="http://schemas.openxmlformats.org/drawingml/2006/main" xmlns:r="http://schemas.openxmlformats.org/officeDocument/2006/relationships" xmlns:p="http://schemas.openxmlformats.org/presentationml/2006/main">
-  <p:cSld>
-    <p:spTree>
-      <p:nvGrpSpPr>
-        <p:cNvPr id="1" name=""/>
-        <p:cNvGrpSpPr/>
-        <p:nvPr/>
-      </p:nvGrpSpPr>
-      <p:grpSpPr>
-        <a:xfrm>
-          <a:off x="0" y="0"/>
-          <a:ext cx="0" cy="0"/>
-          <a:chOff x="0" y="0"/>
-          <a:chExt cx="0" cy="0"/>
-        </a:xfrm>
-      </p:grpSpPr>
-      <p:sp>
-        <p:nvSpPr>
-          <p:cNvPr id="2" name="標題 1"/>
-          <p:cNvSpPr>
-            <a:spLocks noGrp="1"/>
-          </p:cNvSpPr>
-          <p:nvPr>
-            <p:ph type="title"/>
-          </p:nvPr>
-        </p:nvSpPr>
-        <p:spPr/>
-        <p:txBody>
-          <a:bodyPr/>
-          <a:lstStyle/>
-          <a:p>
-            <a:r>
-              <a:rPr lang="en-US" altLang="zh-TW" dirty="0"/>
-              <a:t>Topics </a:t>
-            </a:r>
-            <a:r>
-              <a:rPr lang="en-US" altLang="zh-TW" dirty="0" smtClean="0"/>
-              <a:t>Messaging</a:t>
-            </a:r>
-            <a:r>
-              <a:rPr lang="en-US" altLang="zh-TW" dirty="0"/>
-              <a:t> </a:t>
-            </a:r>
-            <a:r>
-              <a:rPr lang="en-US" altLang="zh-TW" dirty="0" smtClean="0"/>
-              <a:t>(6/7</a:t>
-            </a:r>
-            <a:r>
-              <a:rPr lang="en-US" altLang="zh-TW" dirty="0"/>
-              <a:t>)</a:t>
-            </a:r>
-            <a:endParaRPr lang="zh-TW" altLang="en-US" dirty="0"/>
-          </a:p>
-        </p:txBody>
-      </p:sp>
-      <p:sp>
-        <p:nvSpPr>
-          <p:cNvPr id="3" name="內容版面配置區 2"/>
-          <p:cNvSpPr>
-            <a:spLocks noGrp="1"/>
-          </p:cNvSpPr>
-          <p:nvPr>
-            <p:ph idx="1"/>
-          </p:nvPr>
-        </p:nvSpPr>
-        <p:spPr/>
-        <p:txBody>
-          <a:bodyPr/>
-          <a:lstStyle/>
-          <a:p>
-            <a:r>
-              <a:rPr lang="en-US" altLang="zh-TW" dirty="0">
-                <a:latin typeface="+mj-ea"/>
-                <a:ea typeface="+mj-ea"/>
-              </a:rPr>
-              <a:t>Server 向 GCM </a:t>
-            </a:r>
-            <a:r>
-              <a:rPr lang="en-US" altLang="zh-TW" dirty="0" err="1" smtClean="0">
-                <a:latin typeface="+mj-ea"/>
-                <a:ea typeface="+mj-ea"/>
-              </a:rPr>
-              <a:t>發訊息</a:t>
-            </a:r>
-            <a:r>
-              <a:rPr lang="en-US" altLang="zh-TW" dirty="0"/>
-              <a:t> </a:t>
-            </a:r>
-            <a:r>
-              <a:rPr lang="en-US" altLang="zh-TW" dirty="0" smtClean="0"/>
-              <a:t>(3/3)</a:t>
-            </a:r>
-            <a:endParaRPr lang="en-US" altLang="zh-TW" dirty="0">
-              <a:latin typeface="+mj-ea"/>
-              <a:ea typeface="+mj-ea"/>
-            </a:endParaRPr>
-          </a:p>
-          <a:p>
-            <a:pPr lvl="1"/>
-            <a:r>
-              <a:rPr lang="en-US" altLang="zh-TW" dirty="0" smtClean="0">
-                <a:latin typeface="+mj-ea"/>
-                <a:ea typeface="+mj-ea"/>
-              </a:rPr>
-              <a:t>Server Response </a:t>
-            </a:r>
-            <a:r>
-              <a:rPr lang="en-US" altLang="zh-TW" dirty="0" err="1" smtClean="0">
-                <a:latin typeface="+mj-ea"/>
-                <a:ea typeface="+mj-ea"/>
-              </a:rPr>
-              <a:t>的訊息如下</a:t>
-            </a:r>
-            <a:endParaRPr lang="en-US" altLang="zh-TW" dirty="0" smtClean="0">
-              <a:latin typeface="+mj-ea"/>
-              <a:ea typeface="+mj-ea"/>
-            </a:endParaRPr>
-          </a:p>
-          <a:p>
-            <a:pPr marL="457200" lvl="1" indent="0">
-              <a:buNone/>
-            </a:pPr>
-            <a:r>
-              <a:rPr lang="en-US" altLang="zh-TW" sz="2000" dirty="0">
-                <a:latin typeface="+mj-ea"/>
-                <a:ea typeface="+mj-ea"/>
-              </a:rPr>
-              <a:t>{"message_id":5772594877678148354}</a:t>
-            </a:r>
-            <a:endParaRPr lang="zh-TW" altLang="en-US" sz="2000" dirty="0">
-              <a:latin typeface="+mj-ea"/>
-              <a:ea typeface="+mj-ea"/>
-            </a:endParaRPr>
-          </a:p>
-        </p:txBody>
-      </p:sp>
-    </p:spTree>
-    <p:extLst>
-      <p:ext uri="{BB962C8B-B14F-4D97-AF65-F5344CB8AC3E}">
-        <p14:creationId xmlns:p14="http://schemas.microsoft.com/office/powerpoint/2010/main" val="2233726976"/>
-      </p:ext>
-    </p:extLst>
-  </p:cSld>
-  <p:clrMapOvr>
-    <a:masterClrMapping/>
-  </p:clrMapOvr>
-  <p:timing>
-    <p:tnLst>
-      <p:par>
-        <p:cTn id="1" dur="indefinite" restart="never" nodeType="tmRoot"/>
-      </p:par>
-    </p:tnLst>
-  </p:timing>
-</p:sld>
-</file>
-
-<file path=ppt/slides/slide38.xml><?xml version="1.0" encoding="utf-8"?>
-<p:sld xmlns:a="http://schemas.openxmlformats.org/drawingml/2006/main" xmlns:r="http://schemas.openxmlformats.org/officeDocument/2006/relationships" xmlns:p="http://schemas.openxmlformats.org/presentationml/2006/main">
-  <p:cSld>
-    <p:spTree>
-      <p:nvGrpSpPr>
-        <p:cNvPr id="1" name=""/>
-        <p:cNvGrpSpPr/>
-        <p:nvPr/>
-      </p:nvGrpSpPr>
-      <p:grpSpPr>
-        <a:xfrm>
-          <a:off x="0" y="0"/>
-          <a:ext cx="0" cy="0"/>
-          <a:chOff x="0" y="0"/>
-          <a:chExt cx="0" cy="0"/>
-        </a:xfrm>
-      </p:grpSpPr>
-      <p:sp>
-        <p:nvSpPr>
-          <p:cNvPr id="2" name="標題 1"/>
-          <p:cNvSpPr>
-            <a:spLocks noGrp="1"/>
-          </p:cNvSpPr>
-          <p:nvPr>
-            <p:ph type="title"/>
-          </p:nvPr>
-        </p:nvSpPr>
-        <p:spPr/>
-        <p:txBody>
-          <a:bodyPr/>
-          <a:lstStyle/>
-          <a:p>
-            <a:r>
-              <a:rPr lang="en-US" altLang="zh-TW" dirty="0"/>
-              <a:t>Topics </a:t>
-            </a:r>
-            <a:r>
-              <a:rPr lang="en-US" altLang="zh-TW" dirty="0" smtClean="0"/>
-              <a:t>Messaging</a:t>
-            </a:r>
-            <a:r>
-              <a:rPr lang="en-US" altLang="zh-TW" dirty="0"/>
-              <a:t> </a:t>
-            </a:r>
-            <a:r>
-              <a:rPr lang="en-US" altLang="zh-TW" dirty="0" smtClean="0"/>
-              <a:t>(7/7</a:t>
-            </a:r>
-            <a:r>
-              <a:rPr lang="en-US" altLang="zh-TW" dirty="0"/>
-              <a:t>)</a:t>
-            </a:r>
-            <a:endParaRPr lang="zh-TW" altLang="en-US" dirty="0"/>
-          </a:p>
-        </p:txBody>
-      </p:sp>
-      <p:sp>
-        <p:nvSpPr>
-          <p:cNvPr id="3" name="內容版面配置區 2"/>
-          <p:cNvSpPr>
-            <a:spLocks noGrp="1"/>
-          </p:cNvSpPr>
-          <p:nvPr>
-            <p:ph idx="1"/>
-          </p:nvPr>
-        </p:nvSpPr>
-        <p:spPr/>
-        <p:txBody>
-          <a:bodyPr/>
-          <a:lstStyle/>
-          <a:p>
-            <a:r>
-              <a:rPr lang="en-US" altLang="zh-TW" dirty="0" smtClean="0"/>
-              <a:t>Client </a:t>
-            </a:r>
-            <a:r>
-              <a:rPr lang="en-US" altLang="zh-TW" dirty="0" err="1" smtClean="0"/>
-              <a:t>收到JSON格式</a:t>
-            </a:r>
-            <a:endParaRPr lang="en-US" altLang="zh-TW" dirty="0" smtClean="0"/>
-          </a:p>
-          <a:p>
-            <a:pPr marL="0" indent="0">
-              <a:buNone/>
-            </a:pPr>
-            <a:r>
-              <a:rPr lang="en-US" altLang="zh-TW" sz="1600" dirty="0">
-                <a:latin typeface="+mj-ea"/>
-                <a:ea typeface="+mj-ea"/>
-              </a:rPr>
-              <a:t>{ from=/topics/global, </a:t>
-            </a:r>
-          </a:p>
-          <a:p>
-            <a:pPr marL="0" indent="0">
-              <a:buNone/>
-            </a:pPr>
-            <a:r>
-              <a:rPr lang="en-US" altLang="zh-TW" sz="1600" dirty="0">
-                <a:latin typeface="+mj-ea"/>
-                <a:ea typeface="+mj-ea"/>
-              </a:rPr>
-              <a:t>  message={</a:t>
-            </a:r>
-          </a:p>
-          <a:p>
-            <a:pPr marL="0" indent="0">
-              <a:buNone/>
-            </a:pPr>
-            <a:r>
-              <a:rPr lang="en-US" altLang="zh-TW" sz="1600" dirty="0">
-                <a:latin typeface="+mj-ea"/>
-                <a:ea typeface="+mj-ea"/>
-              </a:rPr>
-              <a:t>  </a:t>
-            </a:r>
-            <a:r>
-              <a:rPr lang="en-US" altLang="zh-TW" sz="1600" dirty="0" smtClean="0">
-                <a:latin typeface="+mj-ea"/>
-                <a:ea typeface="+mj-ea"/>
-              </a:rPr>
-              <a:t>	"</a:t>
-            </a:r>
-            <a:r>
-              <a:rPr lang="en-US" altLang="zh-TW" sz="1600" dirty="0" err="1">
-                <a:latin typeface="+mj-ea"/>
-                <a:ea typeface="+mj-ea"/>
-              </a:rPr>
-              <a:t>color":"Red</a:t>
-            </a:r>
-            <a:r>
-              <a:rPr lang="en-US" altLang="zh-TW" sz="1600" dirty="0">
-                <a:latin typeface="+mj-ea"/>
-                <a:ea typeface="+mj-ea"/>
-              </a:rPr>
-              <a:t>",</a:t>
-            </a:r>
-          </a:p>
-          <a:p>
-            <a:pPr marL="0" indent="0">
-              <a:buNone/>
-            </a:pPr>
-            <a:r>
-              <a:rPr lang="en-US" altLang="zh-TW" sz="1600" dirty="0">
-                <a:latin typeface="+mj-ea"/>
-                <a:ea typeface="+mj-ea"/>
-              </a:rPr>
-              <a:t>  </a:t>
-            </a:r>
-            <a:r>
-              <a:rPr lang="en-US" altLang="zh-TW" sz="1600" dirty="0" smtClean="0">
-                <a:latin typeface="+mj-ea"/>
-                <a:ea typeface="+mj-ea"/>
-              </a:rPr>
-              <a:t>	"</a:t>
-            </a:r>
-            <a:r>
-              <a:rPr lang="en-US" altLang="zh-TW" sz="1600" dirty="0" err="1">
-                <a:latin typeface="+mj-ea"/>
-                <a:ea typeface="+mj-ea"/>
-              </a:rPr>
-              <a:t>name":"Car</a:t>
-            </a:r>
-            <a:r>
-              <a:rPr lang="en-US" altLang="zh-TW" sz="1600" dirty="0">
-                <a:latin typeface="+mj-ea"/>
-                <a:ea typeface="+mj-ea"/>
-              </a:rPr>
-              <a:t>",</a:t>
-            </a:r>
-          </a:p>
-          <a:p>
-            <a:pPr marL="0" indent="0">
-              <a:buNone/>
-            </a:pPr>
-            <a:r>
-              <a:rPr lang="en-US" altLang="zh-TW" sz="1600" dirty="0">
-                <a:latin typeface="+mj-ea"/>
-                <a:ea typeface="+mj-ea"/>
-              </a:rPr>
-              <a:t>  </a:t>
-            </a:r>
-            <a:r>
-              <a:rPr lang="en-US" altLang="zh-TW" sz="1600" dirty="0" smtClean="0">
-                <a:latin typeface="+mj-ea"/>
-                <a:ea typeface="+mj-ea"/>
-              </a:rPr>
-              <a:t>	"</a:t>
-            </a:r>
-            <a:r>
-              <a:rPr lang="en-US" altLang="zh-TW" sz="1600" dirty="0">
-                <a:latin typeface="+mj-ea"/>
-                <a:ea typeface="+mj-ea"/>
-              </a:rPr>
-              <a:t>model":"AAA-001"}, </a:t>
-            </a:r>
-          </a:p>
-          <a:p>
-            <a:pPr marL="0" indent="0">
-              <a:buNone/>
-            </a:pPr>
-            <a:r>
-              <a:rPr lang="en-US" altLang="zh-TW" sz="1600" dirty="0">
-                <a:latin typeface="+mj-ea"/>
-                <a:ea typeface="+mj-ea"/>
-              </a:rPr>
-              <a:t>  </a:t>
-            </a:r>
-            <a:r>
-              <a:rPr lang="en-US" altLang="zh-TW" sz="1600" dirty="0" err="1">
-                <a:latin typeface="+mj-ea"/>
-                <a:ea typeface="+mj-ea"/>
-              </a:rPr>
-              <a:t>collapse_key</a:t>
-            </a:r>
-            <a:r>
-              <a:rPr lang="en-US" altLang="zh-TW" sz="1600" dirty="0">
-                <a:latin typeface="+mj-ea"/>
-                <a:ea typeface="+mj-ea"/>
-              </a:rPr>
-              <a:t>=</a:t>
-            </a:r>
-            <a:r>
-              <a:rPr lang="en-US" altLang="zh-TW" sz="1600" dirty="0" err="1">
-                <a:latin typeface="+mj-ea"/>
-                <a:ea typeface="+mj-ea"/>
-              </a:rPr>
-              <a:t>do_not_collapse</a:t>
-            </a:r>
-            <a:r>
-              <a:rPr lang="en-US" altLang="zh-TW" sz="1600" dirty="0">
-                <a:latin typeface="+mj-ea"/>
-                <a:ea typeface="+mj-ea"/>
-              </a:rPr>
-              <a:t>}</a:t>
-            </a:r>
-            <a:endParaRPr lang="zh-TW" altLang="en-US" sz="1600" dirty="0">
-              <a:latin typeface="+mj-ea"/>
-              <a:ea typeface="+mj-ea"/>
-            </a:endParaRPr>
-          </a:p>
-        </p:txBody>
-      </p:sp>
-    </p:spTree>
-    <p:extLst>
-      <p:ext uri="{BB962C8B-B14F-4D97-AF65-F5344CB8AC3E}">
-        <p14:creationId xmlns:p14="http://schemas.microsoft.com/office/powerpoint/2010/main" val="4040523915"/>
-      </p:ext>
-    </p:extLst>
-  </p:cSld>
-  <p:clrMapOvr>
-    <a:masterClrMapping/>
-  </p:clrMapOvr>
-</p:sld>
-</file>
-
 <file path=ppt/slides/slide39.xml><?xml version="1.0" encoding="utf-8"?>
 <p:sld xmlns:a="http://schemas.openxmlformats.org/drawingml/2006/main" xmlns:r="http://schemas.openxmlformats.org/officeDocument/2006/relationships" xmlns:p="http://schemas.openxmlformats.org/presentationml/2006/main">
   <p:cSld>
@@ -13362,12 +13664,24 @@
           <a:lstStyle/>
           <a:p>
             <a:r>
-              <a:rPr lang="en-US" altLang="zh-TW" dirty="0" err="1" smtClean="0"/>
-              <a:t>備註</a:t>
+              <a:rPr lang="en-US" altLang="zh-TW" dirty="0"/>
+              <a:t>Topics </a:t>
             </a:r>
             <a:r>
               <a:rPr lang="en-US" altLang="zh-TW" dirty="0" smtClean="0"/>
-              <a:t> 1</a:t>
+              <a:t>Messaging</a:t>
+            </a:r>
+            <a:r>
+              <a:rPr lang="en-US" altLang="zh-TW" dirty="0"/>
+              <a:t> </a:t>
+            </a:r>
+            <a:r>
+              <a:rPr lang="en-US" altLang="zh-TW" dirty="0" smtClean="0"/>
+              <a:t>(4/7</a:t>
+            </a:r>
+            <a:r>
+              <a:rPr lang="en-US" altLang="zh-TW" dirty="0"/>
+              <a:t>)</a:t>
             </a:r>
             <a:endParaRPr lang="zh-TW" altLang="en-US" dirty="0"/>
           </a:p>
@@ -13389,159 +13703,95 @@
           <a:lstStyle/>
           <a:p>
             <a:r>
-              <a:rPr lang="zh-TW" altLang="en-US" dirty="0" smtClean="0"/>
-              <a:t>最早在</a:t>
-            </a:r>
-            <a:r>
               <a:rPr lang="en-US" altLang="zh-TW" dirty="0" smtClean="0"/>
-              <a:t>Application </a:t>
+              <a:t>Server 向 GCM </a:t>
             </a:r>
             <a:r>
               <a:rPr lang="en-US" altLang="zh-TW" dirty="0" err="1" smtClean="0"/>
-              <a:t>中build.gradle的設定</a:t>
+              <a:t>發訊息</a:t>
+            </a:r>
+            <a:r>
+              <a:rPr lang="en-US" altLang="zh-TW" dirty="0" smtClean="0"/>
+              <a:t> (1/3)</a:t>
+            </a:r>
+          </a:p>
+          <a:p>
+            <a:pPr lvl="1"/>
+            <a:r>
+              <a:rPr lang="en-US" altLang="zh-TW" dirty="0"/>
+              <a:t>URL: </a:t>
+            </a:r>
+            <a:r>
+              <a:rPr lang="en-US" altLang="zh-TW" dirty="0">
+                <a:hlinkClick r:id="rId2"/>
+              </a:rPr>
+              <a:t>https://</a:t>
+            </a:r>
+            <a:r>
+              <a:rPr lang="en-US" altLang="zh-TW" dirty="0" smtClean="0">
+                <a:hlinkClick r:id="rId2"/>
+              </a:rPr>
+              <a:t>android.googleapis.com/gcm/send</a:t>
             </a:r>
             <a:endParaRPr lang="en-US" altLang="zh-TW" dirty="0" smtClean="0"/>
           </a:p>
           <a:p>
             <a:pPr lvl="1"/>
             <a:r>
-              <a:rPr lang="zh-TW" altLang="en-US" dirty="0" smtClean="0"/>
-              <a:t>只要增加</a:t>
-            </a:r>
-            <a:r>
               <a:rPr lang="en-US" altLang="zh-TW" dirty="0" smtClean="0"/>
-              <a:t>dependencies</a:t>
-            </a:r>
-          </a:p>
-          <a:p>
-            <a:pPr marL="457200" lvl="1" indent="0">
-              <a:buNone/>
-            </a:pPr>
-            <a:r>
-              <a:rPr lang="en-US" altLang="zh-TW" sz="1800" dirty="0">
-                <a:latin typeface="+mj-ea"/>
-                <a:ea typeface="+mj-ea"/>
-              </a:rPr>
-              <a:t>compile </a:t>
-            </a:r>
-            <a:r>
-              <a:rPr lang="en-US" altLang="zh-TW" sz="1800" b="1" dirty="0">
-                <a:latin typeface="+mj-ea"/>
-                <a:ea typeface="+mj-ea"/>
-              </a:rPr>
-              <a:t>'com.google.android.gms:play-services:6.5.+'</a:t>
-            </a:r>
-            <a:endParaRPr lang="zh-TW" altLang="en-US" sz="1800" dirty="0">
-              <a:latin typeface="+mj-ea"/>
-              <a:ea typeface="+mj-ea"/>
-            </a:endParaRPr>
-          </a:p>
-        </p:txBody>
-      </p:sp>
-      <p:pic>
-        <p:nvPicPr>
-          <p:cNvPr id="5122" name="Picture 2"/>
-          <p:cNvPicPr>
-            <a:picLocks noChangeAspect="1" noChangeArrowheads="1"/>
-          </p:cNvPicPr>
-          <p:nvPr/>
-        </p:nvPicPr>
-        <p:blipFill>
-          <a:blip r:embed="rId2">
-            <a:extLst>
-              <a:ext uri="{28A0092B-C50C-407E-A947-70E740481C1C}">
-                <a14:useLocalDpi xmlns:a14="http://schemas.microsoft.com/office/drawing/2010/main" val="0"/>
-              </a:ext>
-            </a:extLst>
-          </a:blip>
-          <a:srcRect/>
-          <a:stretch>
-            <a:fillRect/>
-          </a:stretch>
-        </p:blipFill>
-        <p:spPr bwMode="auto">
-          <a:xfrm>
-            <a:off x="827584" y="3284984"/>
-            <a:ext cx="6696075" cy="2190750"/>
-          </a:xfrm>
-          <a:prstGeom prst="rect">
-            <a:avLst/>
-          </a:prstGeom>
-          <a:noFill/>
-          <a:ln>
-            <a:noFill/>
-          </a:ln>
-          <a:extLst>
-            <a:ext uri="{909E8E84-426E-40DD-AFC4-6F175D3DCCD1}">
-              <a14:hiddenFill xmlns:a14="http://schemas.microsoft.com/office/drawing/2010/main">
-                <a:solidFill>
-                  <a:schemeClr val="accent1"/>
-                </a:solidFill>
-              </a14:hiddenFill>
-            </a:ext>
-            <a:ext uri="{91240B29-F687-4F45-9708-019B960494DF}">
-              <a14:hiddenLine xmlns:a14="http://schemas.microsoft.com/office/drawing/2010/main" w="9525">
-                <a:solidFill>
-                  <a:schemeClr val="tx1"/>
-                </a:solidFill>
-                <a:miter lim="800000"/>
-                <a:headEnd/>
-                <a:tailEnd/>
-              </a14:hiddenLine>
-            </a:ext>
-          </a:extLst>
-        </p:spPr>
-      </p:pic>
-      <p:sp>
-        <p:nvSpPr>
-          <p:cNvPr id="5" name="矩形 4"/>
-          <p:cNvSpPr/>
-          <p:nvPr/>
-        </p:nvSpPr>
-        <p:spPr>
-          <a:xfrm>
-            <a:off x="1331639" y="4869161"/>
-            <a:ext cx="6192019" cy="360040"/>
-          </a:xfrm>
-          <a:prstGeom prst="rect">
-            <a:avLst/>
-          </a:prstGeom>
-          <a:noFill/>
-          <a:ln>
-            <a:solidFill>
-              <a:srgbClr val="FF0000"/>
-            </a:solidFill>
-          </a:ln>
-        </p:spPr>
-        <p:style>
-          <a:lnRef idx="2">
-            <a:schemeClr val="accent1">
-              <a:shade val="50000"/>
-            </a:schemeClr>
-          </a:lnRef>
-          <a:fillRef idx="1">
-            <a:schemeClr val="accent1"/>
-          </a:fillRef>
-          <a:effectRef idx="0">
-            <a:schemeClr val="accent1"/>
-          </a:effectRef>
-          <a:fontRef idx="minor">
-            <a:schemeClr val="lt1"/>
-          </a:fontRef>
-        </p:style>
-        <p:txBody>
-          <a:bodyPr rtlCol="0" anchor="ctr"/>
-          <a:lstStyle/>
-          <a:p>
-            <a:pPr algn="ctr"/>
-            <a:endParaRPr lang="zh-TW" altLang="en-US"/>
+              <a:t>Header </a:t>
+            </a:r>
+            <a:r>
+              <a:rPr lang="en-US" altLang="zh-TW" dirty="0" err="1" smtClean="0"/>
+              <a:t>設定</a:t>
+            </a:r>
+            <a:endParaRPr lang="en-US" altLang="zh-TW" dirty="0" smtClean="0"/>
+          </a:p>
+          <a:p>
+            <a:pPr lvl="2"/>
+            <a:r>
+              <a:rPr lang="en-US" altLang="zh-TW" dirty="0"/>
+              <a:t>Authorization: </a:t>
+            </a:r>
+            <a:r>
+              <a:rPr lang="en-US" altLang="zh-TW" dirty="0" smtClean="0"/>
+              <a:t>API Key (API </a:t>
+            </a:r>
+            <a:r>
+              <a:rPr lang="en-US" altLang="zh-TW" dirty="0" err="1" smtClean="0"/>
+              <a:t>金鑰</a:t>
+            </a:r>
+            <a:r>
+              <a:rPr lang="en-US" altLang="zh-TW" dirty="0" smtClean="0"/>
+              <a:t>)</a:t>
+            </a:r>
+          </a:p>
+          <a:p>
+            <a:pPr lvl="2"/>
+            <a:r>
+              <a:rPr lang="en-US" altLang="zh-TW" dirty="0"/>
+              <a:t>Content-Type: </a:t>
+            </a:r>
+            <a:r>
+              <a:rPr lang="en-US" altLang="zh-TW" dirty="0" smtClean="0"/>
+              <a:t>application/</a:t>
+            </a:r>
+            <a:r>
+              <a:rPr lang="en-US" altLang="zh-TW" dirty="0" err="1" smtClean="0"/>
+              <a:t>json</a:t>
+            </a:r>
+            <a:endParaRPr lang="en-US" altLang="zh-TW" dirty="0" smtClean="0"/>
+          </a:p>
+          <a:p>
+            <a:pPr lvl="2"/>
+            <a:endParaRPr lang="en-US" altLang="zh-TW" dirty="0" smtClean="0"/>
           </a:p>
         </p:txBody>
       </p:sp>
     </p:spTree>
     <p:extLst>
       <p:ext uri="{BB962C8B-B14F-4D97-AF65-F5344CB8AC3E}">
-        <p14:creationId xmlns:p14="http://schemas.microsoft.com/office/powerpoint/2010/main" val="2315602022"/>
+        <p14:creationId xmlns:p14="http://schemas.microsoft.com/office/powerpoint/2010/main" val="914420006"/>
       </p:ext>
     </p:extLst>
   </p:cSld>
@@ -13908,6 +14158,964 @@
 </file>
 
 <file path=ppt/slides/slide40.xml><?xml version="1.0" encoding="utf-8"?>
+<p:sld xmlns:a="http://schemas.openxmlformats.org/drawingml/2006/main" xmlns:r="http://schemas.openxmlformats.org/officeDocument/2006/relationships" xmlns:p="http://schemas.openxmlformats.org/presentationml/2006/main">
+  <p:cSld>
+    <p:spTree>
+      <p:nvGrpSpPr>
+        <p:cNvPr id="1" name=""/>
+        <p:cNvGrpSpPr/>
+        <p:nvPr/>
+      </p:nvGrpSpPr>
+      <p:grpSpPr>
+        <a:xfrm>
+          <a:off x="0" y="0"/>
+          <a:ext cx="0" cy="0"/>
+          <a:chOff x="0" y="0"/>
+          <a:chExt cx="0" cy="0"/>
+        </a:xfrm>
+      </p:grpSpPr>
+      <p:sp>
+        <p:nvSpPr>
+          <p:cNvPr id="2" name="標題 1"/>
+          <p:cNvSpPr>
+            <a:spLocks noGrp="1"/>
+          </p:cNvSpPr>
+          <p:nvPr>
+            <p:ph type="title"/>
+          </p:nvPr>
+        </p:nvSpPr>
+        <p:spPr/>
+        <p:txBody>
+          <a:bodyPr/>
+          <a:lstStyle/>
+          <a:p>
+            <a:r>
+              <a:rPr lang="en-US" altLang="zh-TW" dirty="0"/>
+              <a:t>Topics </a:t>
+            </a:r>
+            <a:r>
+              <a:rPr lang="en-US" altLang="zh-TW" dirty="0" smtClean="0"/>
+              <a:t>Messaging</a:t>
+            </a:r>
+            <a:r>
+              <a:rPr lang="en-US" altLang="zh-TW" dirty="0"/>
+              <a:t> </a:t>
+            </a:r>
+            <a:r>
+              <a:rPr lang="en-US" altLang="zh-TW" dirty="0" smtClean="0"/>
+              <a:t>(5/7</a:t>
+            </a:r>
+            <a:r>
+              <a:rPr lang="en-US" altLang="zh-TW" dirty="0"/>
+              <a:t>)</a:t>
+            </a:r>
+            <a:endParaRPr lang="zh-TW" altLang="en-US" dirty="0"/>
+          </a:p>
+        </p:txBody>
+      </p:sp>
+      <p:sp>
+        <p:nvSpPr>
+          <p:cNvPr id="3" name="內容版面配置區 2"/>
+          <p:cNvSpPr>
+            <a:spLocks noGrp="1"/>
+          </p:cNvSpPr>
+          <p:nvPr>
+            <p:ph idx="1"/>
+          </p:nvPr>
+        </p:nvSpPr>
+        <p:spPr/>
+        <p:txBody>
+          <a:bodyPr>
+            <a:normAutofit lnSpcReduction="10000"/>
+          </a:bodyPr>
+          <a:lstStyle/>
+          <a:p>
+            <a:r>
+              <a:rPr lang="en-US" altLang="zh-TW" dirty="0">
+                <a:latin typeface="+mn-ea"/>
+              </a:rPr>
+              <a:t>Server 向 GCM </a:t>
+            </a:r>
+            <a:r>
+              <a:rPr lang="en-US" altLang="zh-TW" dirty="0" err="1">
+                <a:latin typeface="+mn-ea"/>
+              </a:rPr>
+              <a:t>發訊息</a:t>
+            </a:r>
+            <a:r>
+              <a:rPr lang="en-US" altLang="zh-TW" dirty="0"/>
+              <a:t> </a:t>
+            </a:r>
+            <a:r>
+              <a:rPr lang="en-US" altLang="zh-TW" dirty="0" smtClean="0"/>
+              <a:t>(2/3)</a:t>
+            </a:r>
+          </a:p>
+          <a:p>
+            <a:pPr lvl="1"/>
+            <a:r>
+              <a:rPr lang="en-US" altLang="zh-TW" dirty="0">
+                <a:latin typeface="+mn-ea"/>
+              </a:rPr>
+              <a:t>post </a:t>
+            </a:r>
+            <a:r>
+              <a:rPr lang="en-US" altLang="zh-TW" dirty="0" err="1">
+                <a:latin typeface="+mn-ea"/>
+              </a:rPr>
+              <a:t>資料，JSON</a:t>
+            </a:r>
+            <a:r>
+              <a:rPr lang="en-US" altLang="zh-TW" dirty="0" err="1" smtClean="0">
+                <a:latin typeface="+mn-ea"/>
+              </a:rPr>
+              <a:t>格式</a:t>
+            </a:r>
+            <a:endParaRPr lang="en-US" altLang="zh-TW" dirty="0" smtClean="0">
+              <a:latin typeface="+mn-ea"/>
+            </a:endParaRPr>
+          </a:p>
+          <a:p>
+            <a:pPr marL="457200" lvl="1" indent="0">
+              <a:buNone/>
+            </a:pPr>
+            <a:r>
+              <a:rPr lang="en-US" altLang="zh-TW" sz="1600" dirty="0" smtClean="0">
+                <a:latin typeface="+mj-ea"/>
+                <a:ea typeface="+mj-ea"/>
+              </a:rPr>
+              <a:t>{ "to" : "</a:t>
+            </a:r>
+            <a:r>
+              <a:rPr lang="en-US" altLang="zh-TW" sz="1600" b="1" dirty="0" smtClean="0">
+                <a:solidFill>
+                  <a:srgbClr val="FF0000"/>
+                </a:solidFill>
+                <a:latin typeface="+mn-ea"/>
+              </a:rPr>
+              <a:t>Topics</a:t>
+            </a:r>
+            <a:r>
+              <a:rPr lang="en-US" altLang="zh-TW" sz="1600" dirty="0" smtClean="0">
+                <a:latin typeface="+mj-ea"/>
+                <a:ea typeface="+mj-ea"/>
+              </a:rPr>
+              <a:t>“,</a:t>
+            </a:r>
+            <a:br>
+              <a:rPr lang="en-US" altLang="zh-TW" sz="1600" dirty="0" smtClean="0">
+                <a:latin typeface="+mj-ea"/>
+                <a:ea typeface="+mj-ea"/>
+              </a:rPr>
+            </a:br>
+            <a:r>
+              <a:rPr lang="en-US" altLang="zh-TW" sz="1600" dirty="0" smtClean="0">
+                <a:latin typeface="+mj-ea"/>
+                <a:ea typeface="+mj-ea"/>
+              </a:rPr>
+              <a:t>   "data": {</a:t>
+            </a:r>
+            <a:r>
+              <a:rPr lang="en-US" altLang="zh-TW" sz="1600" b="1" dirty="0" err="1" smtClean="0">
+                <a:solidFill>
+                  <a:srgbClr val="FF0000"/>
+                </a:solidFill>
+                <a:latin typeface="+mn-ea"/>
+              </a:rPr>
+              <a:t>傳送訊息內容</a:t>
+            </a:r>
+            <a:r>
+              <a:rPr lang="en-US" altLang="zh-TW" sz="1600" b="1" dirty="0" smtClean="0">
+                <a:solidFill>
+                  <a:srgbClr val="FF0000"/>
+                </a:solidFill>
+                <a:latin typeface="+mn-ea"/>
+              </a:rPr>
+              <a:t> </a:t>
+            </a:r>
+            <a:r>
+              <a:rPr lang="en-US" altLang="zh-TW" sz="1600" dirty="0" smtClean="0">
+                <a:latin typeface="+mj-ea"/>
+                <a:ea typeface="+mj-ea"/>
+              </a:rPr>
+              <a:t>} }</a:t>
+            </a:r>
+          </a:p>
+          <a:p>
+            <a:pPr marL="457200" lvl="1" indent="0">
+              <a:buNone/>
+            </a:pPr>
+            <a:endParaRPr lang="en-US" altLang="zh-TW" sz="1600" dirty="0">
+              <a:latin typeface="+mj-ea"/>
+              <a:ea typeface="+mj-ea"/>
+            </a:endParaRPr>
+          </a:p>
+          <a:p>
+            <a:pPr marL="457200" lvl="1" indent="0">
+              <a:buNone/>
+            </a:pPr>
+            <a:r>
+              <a:rPr lang="en-US" altLang="zh-TW" sz="1600" dirty="0" smtClean="0">
+                <a:latin typeface="+mj-ea"/>
+                <a:ea typeface="+mj-ea"/>
+              </a:rPr>
+              <a:t>Ex:</a:t>
+            </a:r>
+          </a:p>
+          <a:p>
+            <a:pPr marL="457200" lvl="1" indent="0">
+              <a:buNone/>
+            </a:pPr>
+            <a:r>
+              <a:rPr lang="en-US" altLang="zh-TW" sz="1600" dirty="0"/>
+              <a:t>{"to":"/topics/global",</a:t>
+            </a:r>
+          </a:p>
+          <a:p>
+            <a:pPr marL="457200" lvl="1" indent="0">
+              <a:buNone/>
+            </a:pPr>
+            <a:r>
+              <a:rPr lang="en-US" altLang="zh-TW" sz="1600" dirty="0"/>
+              <a:t> "data":{</a:t>
+            </a:r>
+          </a:p>
+          <a:p>
+            <a:pPr marL="457200" lvl="1" indent="0">
+              <a:buNone/>
+            </a:pPr>
+            <a:r>
+              <a:rPr lang="en-US" altLang="zh-TW" sz="1600" dirty="0"/>
+              <a:t>	"message":{</a:t>
+            </a:r>
+          </a:p>
+          <a:p>
+            <a:pPr marL="457200" lvl="1" indent="0">
+              <a:buNone/>
+            </a:pPr>
+            <a:r>
+              <a:rPr lang="en-US" altLang="zh-TW" sz="1600" dirty="0"/>
+              <a:t>		"model":"AAA-001",</a:t>
+            </a:r>
+          </a:p>
+          <a:p>
+            <a:pPr marL="457200" lvl="1" indent="0">
+              <a:buNone/>
+            </a:pPr>
+            <a:r>
+              <a:rPr lang="en-US" altLang="zh-TW" sz="1600" dirty="0"/>
+              <a:t>		"</a:t>
+            </a:r>
+            <a:r>
+              <a:rPr lang="en-US" altLang="zh-TW" sz="1600" dirty="0" err="1"/>
+              <a:t>name":"Car</a:t>
+            </a:r>
+            <a:r>
+              <a:rPr lang="en-US" altLang="zh-TW" sz="1600" dirty="0"/>
+              <a:t>",</a:t>
+            </a:r>
+          </a:p>
+          <a:p>
+            <a:pPr marL="457200" lvl="1" indent="0">
+              <a:buNone/>
+            </a:pPr>
+            <a:r>
+              <a:rPr lang="en-US" altLang="zh-TW" sz="1600" dirty="0"/>
+              <a:t>		"</a:t>
+            </a:r>
+            <a:r>
+              <a:rPr lang="en-US" altLang="zh-TW" sz="1600" dirty="0" err="1"/>
+              <a:t>color":"Red</a:t>
+            </a:r>
+            <a:r>
+              <a:rPr lang="en-US" altLang="zh-TW" sz="1600" dirty="0"/>
+              <a:t>"}</a:t>
+            </a:r>
+          </a:p>
+          <a:p>
+            <a:pPr marL="457200" lvl="1" indent="0">
+              <a:buNone/>
+            </a:pPr>
+            <a:r>
+              <a:rPr lang="en-US" altLang="zh-TW" sz="1600" dirty="0"/>
+              <a:t>	}</a:t>
+            </a:r>
+          </a:p>
+          <a:p>
+            <a:pPr marL="457200" lvl="1" indent="0">
+              <a:buNone/>
+            </a:pPr>
+            <a:r>
+              <a:rPr lang="en-US" altLang="zh-TW" sz="1600" dirty="0"/>
+              <a:t>}</a:t>
+            </a:r>
+            <a:endParaRPr lang="zh-TW" altLang="en-US" dirty="0"/>
+          </a:p>
+        </p:txBody>
+      </p:sp>
+    </p:spTree>
+    <p:extLst>
+      <p:ext uri="{BB962C8B-B14F-4D97-AF65-F5344CB8AC3E}">
+        <p14:creationId xmlns:p14="http://schemas.microsoft.com/office/powerpoint/2010/main" val="1907972770"/>
+      </p:ext>
+    </p:extLst>
+  </p:cSld>
+  <p:clrMapOvr>
+    <a:masterClrMapping/>
+  </p:clrMapOvr>
+  <p:timing>
+    <p:tnLst>
+      <p:par>
+        <p:cTn id="1" dur="indefinite" restart="never" nodeType="tmRoot"/>
+      </p:par>
+    </p:tnLst>
+  </p:timing>
+</p:sld>
+</file>
+
+<file path=ppt/slides/slide41.xml><?xml version="1.0" encoding="utf-8"?>
+<p:sld xmlns:a="http://schemas.openxmlformats.org/drawingml/2006/main" xmlns:r="http://schemas.openxmlformats.org/officeDocument/2006/relationships" xmlns:p="http://schemas.openxmlformats.org/presentationml/2006/main">
+  <p:cSld>
+    <p:spTree>
+      <p:nvGrpSpPr>
+        <p:cNvPr id="1" name=""/>
+        <p:cNvGrpSpPr/>
+        <p:nvPr/>
+      </p:nvGrpSpPr>
+      <p:grpSpPr>
+        <a:xfrm>
+          <a:off x="0" y="0"/>
+          <a:ext cx="0" cy="0"/>
+          <a:chOff x="0" y="0"/>
+          <a:chExt cx="0" cy="0"/>
+        </a:xfrm>
+      </p:grpSpPr>
+      <p:sp>
+        <p:nvSpPr>
+          <p:cNvPr id="2" name="標題 1"/>
+          <p:cNvSpPr>
+            <a:spLocks noGrp="1"/>
+          </p:cNvSpPr>
+          <p:nvPr>
+            <p:ph type="title"/>
+          </p:nvPr>
+        </p:nvSpPr>
+        <p:spPr/>
+        <p:txBody>
+          <a:bodyPr/>
+          <a:lstStyle/>
+          <a:p>
+            <a:r>
+              <a:rPr lang="en-US" altLang="zh-TW" dirty="0"/>
+              <a:t>Topics </a:t>
+            </a:r>
+            <a:r>
+              <a:rPr lang="en-US" altLang="zh-TW" dirty="0" smtClean="0"/>
+              <a:t>Messaging</a:t>
+            </a:r>
+            <a:r>
+              <a:rPr lang="en-US" altLang="zh-TW" dirty="0"/>
+              <a:t> </a:t>
+            </a:r>
+            <a:r>
+              <a:rPr lang="en-US" altLang="zh-TW" dirty="0" smtClean="0"/>
+              <a:t>(6/7</a:t>
+            </a:r>
+            <a:r>
+              <a:rPr lang="en-US" altLang="zh-TW" dirty="0"/>
+              <a:t>)</a:t>
+            </a:r>
+            <a:endParaRPr lang="zh-TW" altLang="en-US" dirty="0"/>
+          </a:p>
+        </p:txBody>
+      </p:sp>
+      <p:sp>
+        <p:nvSpPr>
+          <p:cNvPr id="3" name="內容版面配置區 2"/>
+          <p:cNvSpPr>
+            <a:spLocks noGrp="1"/>
+          </p:cNvSpPr>
+          <p:nvPr>
+            <p:ph idx="1"/>
+          </p:nvPr>
+        </p:nvSpPr>
+        <p:spPr/>
+        <p:txBody>
+          <a:bodyPr/>
+          <a:lstStyle/>
+          <a:p>
+            <a:r>
+              <a:rPr lang="en-US" altLang="zh-TW" dirty="0">
+                <a:latin typeface="+mj-ea"/>
+                <a:ea typeface="+mj-ea"/>
+              </a:rPr>
+              <a:t>Server 向 GCM </a:t>
+            </a:r>
+            <a:r>
+              <a:rPr lang="en-US" altLang="zh-TW" dirty="0" err="1" smtClean="0">
+                <a:latin typeface="+mj-ea"/>
+                <a:ea typeface="+mj-ea"/>
+              </a:rPr>
+              <a:t>發訊息</a:t>
+            </a:r>
+            <a:r>
+              <a:rPr lang="en-US" altLang="zh-TW" dirty="0"/>
+              <a:t> </a:t>
+            </a:r>
+            <a:r>
+              <a:rPr lang="en-US" altLang="zh-TW" dirty="0" smtClean="0"/>
+              <a:t>(3/3)</a:t>
+            </a:r>
+            <a:endParaRPr lang="en-US" altLang="zh-TW" dirty="0">
+              <a:latin typeface="+mj-ea"/>
+              <a:ea typeface="+mj-ea"/>
+            </a:endParaRPr>
+          </a:p>
+          <a:p>
+            <a:pPr lvl="1"/>
+            <a:r>
+              <a:rPr lang="en-US" altLang="zh-TW" dirty="0" smtClean="0">
+                <a:latin typeface="+mj-ea"/>
+                <a:ea typeface="+mj-ea"/>
+              </a:rPr>
+              <a:t>Server Response </a:t>
+            </a:r>
+            <a:r>
+              <a:rPr lang="en-US" altLang="zh-TW" dirty="0" err="1" smtClean="0">
+                <a:latin typeface="+mj-ea"/>
+                <a:ea typeface="+mj-ea"/>
+              </a:rPr>
+              <a:t>的訊息如下</a:t>
+            </a:r>
+            <a:endParaRPr lang="en-US" altLang="zh-TW" dirty="0" smtClean="0">
+              <a:latin typeface="+mj-ea"/>
+              <a:ea typeface="+mj-ea"/>
+            </a:endParaRPr>
+          </a:p>
+          <a:p>
+            <a:pPr marL="457200" lvl="1" indent="0">
+              <a:buNone/>
+            </a:pPr>
+            <a:r>
+              <a:rPr lang="en-US" altLang="zh-TW" sz="2000" dirty="0">
+                <a:latin typeface="+mj-ea"/>
+                <a:ea typeface="+mj-ea"/>
+              </a:rPr>
+              <a:t>{"message_id":5772594877678148354}</a:t>
+            </a:r>
+            <a:endParaRPr lang="zh-TW" altLang="en-US" sz="2000" dirty="0">
+              <a:latin typeface="+mj-ea"/>
+              <a:ea typeface="+mj-ea"/>
+            </a:endParaRPr>
+          </a:p>
+        </p:txBody>
+      </p:sp>
+    </p:spTree>
+    <p:extLst>
+      <p:ext uri="{BB962C8B-B14F-4D97-AF65-F5344CB8AC3E}">
+        <p14:creationId xmlns:p14="http://schemas.microsoft.com/office/powerpoint/2010/main" val="2233726976"/>
+      </p:ext>
+    </p:extLst>
+  </p:cSld>
+  <p:clrMapOvr>
+    <a:masterClrMapping/>
+  </p:clrMapOvr>
+  <p:timing>
+    <p:tnLst>
+      <p:par>
+        <p:cTn id="1" dur="indefinite" restart="never" nodeType="tmRoot"/>
+      </p:par>
+    </p:tnLst>
+  </p:timing>
+</p:sld>
+</file>
+
+<file path=ppt/slides/slide42.xml><?xml version="1.0" encoding="utf-8"?>
+<p:sld xmlns:a="http://schemas.openxmlformats.org/drawingml/2006/main" xmlns:r="http://schemas.openxmlformats.org/officeDocument/2006/relationships" xmlns:p="http://schemas.openxmlformats.org/presentationml/2006/main">
+  <p:cSld>
+    <p:spTree>
+      <p:nvGrpSpPr>
+        <p:cNvPr id="1" name=""/>
+        <p:cNvGrpSpPr/>
+        <p:nvPr/>
+      </p:nvGrpSpPr>
+      <p:grpSpPr>
+        <a:xfrm>
+          <a:off x="0" y="0"/>
+          <a:ext cx="0" cy="0"/>
+          <a:chOff x="0" y="0"/>
+          <a:chExt cx="0" cy="0"/>
+        </a:xfrm>
+      </p:grpSpPr>
+      <p:sp>
+        <p:nvSpPr>
+          <p:cNvPr id="2" name="標題 1"/>
+          <p:cNvSpPr>
+            <a:spLocks noGrp="1"/>
+          </p:cNvSpPr>
+          <p:nvPr>
+            <p:ph type="title"/>
+          </p:nvPr>
+        </p:nvSpPr>
+        <p:spPr/>
+        <p:txBody>
+          <a:bodyPr/>
+          <a:lstStyle/>
+          <a:p>
+            <a:r>
+              <a:rPr lang="en-US" altLang="zh-TW" dirty="0"/>
+              <a:t>Topics </a:t>
+            </a:r>
+            <a:r>
+              <a:rPr lang="en-US" altLang="zh-TW" dirty="0" smtClean="0"/>
+              <a:t>Messaging</a:t>
+            </a:r>
+            <a:r>
+              <a:rPr lang="en-US" altLang="zh-TW" dirty="0"/>
+              <a:t> </a:t>
+            </a:r>
+            <a:r>
+              <a:rPr lang="en-US" altLang="zh-TW" dirty="0" smtClean="0"/>
+              <a:t>(7/7</a:t>
+            </a:r>
+            <a:r>
+              <a:rPr lang="en-US" altLang="zh-TW" dirty="0"/>
+              <a:t>)</a:t>
+            </a:r>
+            <a:endParaRPr lang="zh-TW" altLang="en-US" dirty="0"/>
+          </a:p>
+        </p:txBody>
+      </p:sp>
+      <p:sp>
+        <p:nvSpPr>
+          <p:cNvPr id="3" name="內容版面配置區 2"/>
+          <p:cNvSpPr>
+            <a:spLocks noGrp="1"/>
+          </p:cNvSpPr>
+          <p:nvPr>
+            <p:ph idx="1"/>
+          </p:nvPr>
+        </p:nvSpPr>
+        <p:spPr/>
+        <p:txBody>
+          <a:bodyPr/>
+          <a:lstStyle/>
+          <a:p>
+            <a:r>
+              <a:rPr lang="en-US" altLang="zh-TW" dirty="0" smtClean="0"/>
+              <a:t>Client </a:t>
+            </a:r>
+            <a:r>
+              <a:rPr lang="en-US" altLang="zh-TW" dirty="0" err="1" smtClean="0"/>
+              <a:t>收到JSON格式</a:t>
+            </a:r>
+            <a:endParaRPr lang="en-US" altLang="zh-TW" dirty="0" smtClean="0"/>
+          </a:p>
+          <a:p>
+            <a:pPr marL="0" indent="0">
+              <a:buNone/>
+            </a:pPr>
+            <a:r>
+              <a:rPr lang="en-US" altLang="zh-TW" sz="1600" dirty="0">
+                <a:latin typeface="+mj-ea"/>
+                <a:ea typeface="+mj-ea"/>
+              </a:rPr>
+              <a:t>{ from=/topics/global, </a:t>
+            </a:r>
+          </a:p>
+          <a:p>
+            <a:pPr marL="0" indent="0">
+              <a:buNone/>
+            </a:pPr>
+            <a:r>
+              <a:rPr lang="en-US" altLang="zh-TW" sz="1600" dirty="0">
+                <a:latin typeface="+mj-ea"/>
+                <a:ea typeface="+mj-ea"/>
+              </a:rPr>
+              <a:t>  message={</a:t>
+            </a:r>
+          </a:p>
+          <a:p>
+            <a:pPr marL="0" indent="0">
+              <a:buNone/>
+            </a:pPr>
+            <a:r>
+              <a:rPr lang="en-US" altLang="zh-TW" sz="1600" dirty="0">
+                <a:latin typeface="+mj-ea"/>
+                <a:ea typeface="+mj-ea"/>
+              </a:rPr>
+              <a:t>  </a:t>
+            </a:r>
+            <a:r>
+              <a:rPr lang="en-US" altLang="zh-TW" sz="1600" dirty="0" smtClean="0">
+                <a:latin typeface="+mj-ea"/>
+                <a:ea typeface="+mj-ea"/>
+              </a:rPr>
+              <a:t>	"</a:t>
+            </a:r>
+            <a:r>
+              <a:rPr lang="en-US" altLang="zh-TW" sz="1600" dirty="0" err="1">
+                <a:latin typeface="+mj-ea"/>
+                <a:ea typeface="+mj-ea"/>
+              </a:rPr>
+              <a:t>color":"Red</a:t>
+            </a:r>
+            <a:r>
+              <a:rPr lang="en-US" altLang="zh-TW" sz="1600" dirty="0">
+                <a:latin typeface="+mj-ea"/>
+                <a:ea typeface="+mj-ea"/>
+              </a:rPr>
+              <a:t>",</a:t>
+            </a:r>
+          </a:p>
+          <a:p>
+            <a:pPr marL="0" indent="0">
+              <a:buNone/>
+            </a:pPr>
+            <a:r>
+              <a:rPr lang="en-US" altLang="zh-TW" sz="1600" dirty="0">
+                <a:latin typeface="+mj-ea"/>
+                <a:ea typeface="+mj-ea"/>
+              </a:rPr>
+              <a:t>  </a:t>
+            </a:r>
+            <a:r>
+              <a:rPr lang="en-US" altLang="zh-TW" sz="1600" dirty="0" smtClean="0">
+                <a:latin typeface="+mj-ea"/>
+                <a:ea typeface="+mj-ea"/>
+              </a:rPr>
+              <a:t>	"</a:t>
+            </a:r>
+            <a:r>
+              <a:rPr lang="en-US" altLang="zh-TW" sz="1600" dirty="0" err="1">
+                <a:latin typeface="+mj-ea"/>
+                <a:ea typeface="+mj-ea"/>
+              </a:rPr>
+              <a:t>name":"Car</a:t>
+            </a:r>
+            <a:r>
+              <a:rPr lang="en-US" altLang="zh-TW" sz="1600" dirty="0">
+                <a:latin typeface="+mj-ea"/>
+                <a:ea typeface="+mj-ea"/>
+              </a:rPr>
+              <a:t>",</a:t>
+            </a:r>
+          </a:p>
+          <a:p>
+            <a:pPr marL="0" indent="0">
+              <a:buNone/>
+            </a:pPr>
+            <a:r>
+              <a:rPr lang="en-US" altLang="zh-TW" sz="1600" dirty="0">
+                <a:latin typeface="+mj-ea"/>
+                <a:ea typeface="+mj-ea"/>
+              </a:rPr>
+              <a:t>  </a:t>
+            </a:r>
+            <a:r>
+              <a:rPr lang="en-US" altLang="zh-TW" sz="1600" dirty="0" smtClean="0">
+                <a:latin typeface="+mj-ea"/>
+                <a:ea typeface="+mj-ea"/>
+              </a:rPr>
+              <a:t>	"</a:t>
+            </a:r>
+            <a:r>
+              <a:rPr lang="en-US" altLang="zh-TW" sz="1600" dirty="0">
+                <a:latin typeface="+mj-ea"/>
+                <a:ea typeface="+mj-ea"/>
+              </a:rPr>
+              <a:t>model":"AAA-001"}, </a:t>
+            </a:r>
+          </a:p>
+          <a:p>
+            <a:pPr marL="0" indent="0">
+              <a:buNone/>
+            </a:pPr>
+            <a:r>
+              <a:rPr lang="en-US" altLang="zh-TW" sz="1600" dirty="0">
+                <a:latin typeface="+mj-ea"/>
+                <a:ea typeface="+mj-ea"/>
+              </a:rPr>
+              <a:t>  </a:t>
+            </a:r>
+            <a:r>
+              <a:rPr lang="en-US" altLang="zh-TW" sz="1600" dirty="0" err="1">
+                <a:latin typeface="+mj-ea"/>
+                <a:ea typeface="+mj-ea"/>
+              </a:rPr>
+              <a:t>collapse_key</a:t>
+            </a:r>
+            <a:r>
+              <a:rPr lang="en-US" altLang="zh-TW" sz="1600" dirty="0">
+                <a:latin typeface="+mj-ea"/>
+                <a:ea typeface="+mj-ea"/>
+              </a:rPr>
+              <a:t>=</a:t>
+            </a:r>
+            <a:r>
+              <a:rPr lang="en-US" altLang="zh-TW" sz="1600" dirty="0" err="1">
+                <a:latin typeface="+mj-ea"/>
+                <a:ea typeface="+mj-ea"/>
+              </a:rPr>
+              <a:t>do_not_collapse</a:t>
+            </a:r>
+            <a:r>
+              <a:rPr lang="en-US" altLang="zh-TW" sz="1600" dirty="0">
+                <a:latin typeface="+mj-ea"/>
+                <a:ea typeface="+mj-ea"/>
+              </a:rPr>
+              <a:t>}</a:t>
+            </a:r>
+            <a:endParaRPr lang="zh-TW" altLang="en-US" sz="1600" dirty="0">
+              <a:latin typeface="+mj-ea"/>
+              <a:ea typeface="+mj-ea"/>
+            </a:endParaRPr>
+          </a:p>
+        </p:txBody>
+      </p:sp>
+    </p:spTree>
+    <p:extLst>
+      <p:ext uri="{BB962C8B-B14F-4D97-AF65-F5344CB8AC3E}">
+        <p14:creationId xmlns:p14="http://schemas.microsoft.com/office/powerpoint/2010/main" val="4040523915"/>
+      </p:ext>
+    </p:extLst>
+  </p:cSld>
+  <p:clrMapOvr>
+    <a:masterClrMapping/>
+  </p:clrMapOvr>
+</p:sld>
+</file>
+
+<file path=ppt/slides/slide43.xml><?xml version="1.0" encoding="utf-8"?>
+<p:sld xmlns:a="http://schemas.openxmlformats.org/drawingml/2006/main" xmlns:r="http://schemas.openxmlformats.org/officeDocument/2006/relationships" xmlns:p="http://schemas.openxmlformats.org/presentationml/2006/main">
+  <p:cSld>
+    <p:spTree>
+      <p:nvGrpSpPr>
+        <p:cNvPr id="1" name=""/>
+        <p:cNvGrpSpPr/>
+        <p:nvPr/>
+      </p:nvGrpSpPr>
+      <p:grpSpPr>
+        <a:xfrm>
+          <a:off x="0" y="0"/>
+          <a:ext cx="0" cy="0"/>
+          <a:chOff x="0" y="0"/>
+          <a:chExt cx="0" cy="0"/>
+        </a:xfrm>
+      </p:grpSpPr>
+      <p:sp>
+        <p:nvSpPr>
+          <p:cNvPr id="2" name="標題 1"/>
+          <p:cNvSpPr>
+            <a:spLocks noGrp="1"/>
+          </p:cNvSpPr>
+          <p:nvPr>
+            <p:ph type="title"/>
+          </p:nvPr>
+        </p:nvSpPr>
+        <p:spPr/>
+        <p:txBody>
+          <a:bodyPr/>
+          <a:lstStyle/>
+          <a:p>
+            <a:r>
+              <a:rPr lang="en-US" altLang="zh-TW" dirty="0" err="1" smtClean="0"/>
+              <a:t>備註</a:t>
+            </a:r>
+            <a:r>
+              <a:rPr lang="en-US" altLang="zh-TW" dirty="0" smtClean="0"/>
+              <a:t> 1</a:t>
+            </a:r>
+            <a:endParaRPr lang="zh-TW" altLang="en-US" dirty="0"/>
+          </a:p>
+        </p:txBody>
+      </p:sp>
+      <p:sp>
+        <p:nvSpPr>
+          <p:cNvPr id="3" name="內容版面配置區 2"/>
+          <p:cNvSpPr>
+            <a:spLocks noGrp="1"/>
+          </p:cNvSpPr>
+          <p:nvPr>
+            <p:ph idx="1"/>
+          </p:nvPr>
+        </p:nvSpPr>
+        <p:spPr/>
+        <p:txBody>
+          <a:bodyPr/>
+          <a:lstStyle/>
+          <a:p>
+            <a:r>
+              <a:rPr lang="zh-TW" altLang="en-US" dirty="0" smtClean="0"/>
+              <a:t>最早在</a:t>
+            </a:r>
+            <a:r>
+              <a:rPr lang="en-US" altLang="zh-TW" dirty="0" smtClean="0"/>
+              <a:t>Application </a:t>
+            </a:r>
+            <a:r>
+              <a:rPr lang="en-US" altLang="zh-TW" dirty="0" err="1" smtClean="0"/>
+              <a:t>中build.gradle的設定</a:t>
+            </a:r>
+            <a:endParaRPr lang="en-US" altLang="zh-TW" dirty="0" smtClean="0"/>
+          </a:p>
+          <a:p>
+            <a:pPr lvl="1"/>
+            <a:r>
+              <a:rPr lang="zh-TW" altLang="en-US" dirty="0" smtClean="0"/>
+              <a:t>只要增加</a:t>
+            </a:r>
+            <a:r>
+              <a:rPr lang="en-US" altLang="zh-TW" dirty="0" smtClean="0"/>
+              <a:t>dependencies</a:t>
+            </a:r>
+          </a:p>
+          <a:p>
+            <a:pPr marL="457200" lvl="1" indent="0">
+              <a:buNone/>
+            </a:pPr>
+            <a:r>
+              <a:rPr lang="en-US" altLang="zh-TW" sz="1800" dirty="0">
+                <a:latin typeface="+mj-ea"/>
+                <a:ea typeface="+mj-ea"/>
+              </a:rPr>
+              <a:t>compile </a:t>
+            </a:r>
+            <a:r>
+              <a:rPr lang="en-US" altLang="zh-TW" sz="1800" b="1" dirty="0">
+                <a:latin typeface="+mj-ea"/>
+                <a:ea typeface="+mj-ea"/>
+              </a:rPr>
+              <a:t>'com.google.android.gms:play-services:6.5.+'</a:t>
+            </a:r>
+            <a:endParaRPr lang="zh-TW" altLang="en-US" sz="1800" dirty="0">
+              <a:latin typeface="+mj-ea"/>
+              <a:ea typeface="+mj-ea"/>
+            </a:endParaRPr>
+          </a:p>
+        </p:txBody>
+      </p:sp>
+      <p:pic>
+        <p:nvPicPr>
+          <p:cNvPr id="5122" name="Picture 2"/>
+          <p:cNvPicPr>
+            <a:picLocks noChangeAspect="1" noChangeArrowheads="1"/>
+          </p:cNvPicPr>
+          <p:nvPr/>
+        </p:nvPicPr>
+        <p:blipFill>
+          <a:blip r:embed="rId2">
+            <a:extLst>
+              <a:ext uri="{28A0092B-C50C-407E-A947-70E740481C1C}">
+                <a14:useLocalDpi xmlns:a14="http://schemas.microsoft.com/office/drawing/2010/main" val="0"/>
+              </a:ext>
+            </a:extLst>
+          </a:blip>
+          <a:srcRect/>
+          <a:stretch>
+            <a:fillRect/>
+          </a:stretch>
+        </p:blipFill>
+        <p:spPr bwMode="auto">
+          <a:xfrm>
+            <a:off x="827584" y="3284984"/>
+            <a:ext cx="6696075" cy="2190750"/>
+          </a:xfrm>
+          <a:prstGeom prst="rect">
+            <a:avLst/>
+          </a:prstGeom>
+          <a:noFill/>
+          <a:ln>
+            <a:noFill/>
+          </a:ln>
+          <a:extLst>
+            <a:ext uri="{909E8E84-426E-40DD-AFC4-6F175D3DCCD1}">
+              <a14:hiddenFill xmlns:a14="http://schemas.microsoft.com/office/drawing/2010/main">
+                <a:solidFill>
+                  <a:schemeClr val="accent1"/>
+                </a:solidFill>
+              </a14:hiddenFill>
+            </a:ext>
+            <a:ext uri="{91240B29-F687-4F45-9708-019B960494DF}">
+              <a14:hiddenLine xmlns:a14="http://schemas.microsoft.com/office/drawing/2010/main" w="9525">
+                <a:solidFill>
+                  <a:schemeClr val="tx1"/>
+                </a:solidFill>
+                <a:miter lim="800000"/>
+                <a:headEnd/>
+                <a:tailEnd/>
+              </a14:hiddenLine>
+            </a:ext>
+          </a:extLst>
+        </p:spPr>
+      </p:pic>
+      <p:sp>
+        <p:nvSpPr>
+          <p:cNvPr id="5" name="矩形 4"/>
+          <p:cNvSpPr/>
+          <p:nvPr/>
+        </p:nvSpPr>
+        <p:spPr>
+          <a:xfrm>
+            <a:off x="1331639" y="4869161"/>
+            <a:ext cx="6192019" cy="360040"/>
+          </a:xfrm>
+          <a:prstGeom prst="rect">
+            <a:avLst/>
+          </a:prstGeom>
+          <a:noFill/>
+          <a:ln>
+            <a:solidFill>
+              <a:srgbClr val="FF0000"/>
+            </a:solidFill>
+          </a:ln>
+        </p:spPr>
+        <p:style>
+          <a:lnRef idx="2">
+            <a:schemeClr val="accent1">
+              <a:shade val="50000"/>
+            </a:schemeClr>
+          </a:lnRef>
+          <a:fillRef idx="1">
+            <a:schemeClr val="accent1"/>
+          </a:fillRef>
+          <a:effectRef idx="0">
+            <a:schemeClr val="accent1"/>
+          </a:effectRef>
+          <a:fontRef idx="minor">
+            <a:schemeClr val="lt1"/>
+          </a:fontRef>
+        </p:style>
+        <p:txBody>
+          <a:bodyPr rtlCol="0" anchor="ctr"/>
+          <a:lstStyle/>
+          <a:p>
+            <a:pPr algn="ctr"/>
+            <a:endParaRPr lang="zh-TW" altLang="en-US"/>
+          </a:p>
+        </p:txBody>
+      </p:sp>
+    </p:spTree>
+    <p:extLst>
+      <p:ext uri="{BB962C8B-B14F-4D97-AF65-F5344CB8AC3E}">
+        <p14:creationId xmlns:p14="http://schemas.microsoft.com/office/powerpoint/2010/main" val="2315602022"/>
+      </p:ext>
+    </p:extLst>
+  </p:cSld>
+  <p:clrMapOvr>
+    <a:masterClrMapping/>
+  </p:clrMapOvr>
+  <p:timing>
+    <p:tnLst>
+      <p:par>
+        <p:cTn id="1" dur="indefinite" restart="never" nodeType="tmRoot"/>
+      </p:par>
+    </p:tnLst>
+  </p:timing>
+</p:sld>
+</file>
+
+<file path=ppt/slides/slide44.xml><?xml version="1.0" encoding="utf-8"?>
 <p:sld xmlns:a="http://schemas.openxmlformats.org/drawingml/2006/main" xmlns:r="http://schemas.openxmlformats.org/officeDocument/2006/relationships" xmlns:p="http://schemas.openxmlformats.org/presentationml/2006/main">
   <p:cSld>
     <p:spTree>
